--- a/documents/Meilensteine/Meilenstein III/Meilenstein_3_Präsentation .pptx
+++ b/documents/Meilensteine/Meilenstein III/Meilenstein_3_Präsentation .pptx
@@ -3493,7 +3493,7 @@
           <a:noFill/>
           <a:extLst>
             <a:ext uri="{909E8E84-426E-40dd-AFC4-6F175D3DCCD1}">
-              <a14:hiddenFill xmlns:a14="http://schemas.microsoft.com/office/drawing/2010/main" xmlns="">
+              <a14:hiddenFill xmlns="" xmlns:a14="http://schemas.microsoft.com/office/drawing/2010/main">
                 <a:solidFill>
                   <a:srgbClr val="FFFFFF"/>
                 </a:solidFill>
@@ -3553,7 +3553,7 @@
             </a:ln>
             <a:extLst>
               <a:ext uri="{91240B29-F687-4f45-9708-019B960494DF}">
-                <a14:hiddenLine xmlns:a14="http://schemas.microsoft.com/office/drawing/2010/main" xmlns="" w="9525">
+                <a14:hiddenLine xmlns="" xmlns:a14="http://schemas.microsoft.com/office/drawing/2010/main" w="9525">
                   <a:solidFill>
                     <a:srgbClr val="000000"/>
                   </a:solidFill>
@@ -3643,7 +3643,7 @@
             </a:ln>
             <a:extLst>
               <a:ext uri="{91240B29-F687-4f45-9708-019B960494DF}">
-                <a14:hiddenLine xmlns:a14="http://schemas.microsoft.com/office/drawing/2010/main" xmlns="" w="9525">
+                <a14:hiddenLine xmlns="" xmlns:a14="http://schemas.microsoft.com/office/drawing/2010/main" w="9525">
                   <a:solidFill>
                     <a:srgbClr val="000000"/>
                   </a:solidFill>
@@ -3733,7 +3733,7 @@
             </a:ln>
             <a:extLst>
               <a:ext uri="{91240B29-F687-4f45-9708-019B960494DF}">
-                <a14:hiddenLine xmlns:a14="http://schemas.microsoft.com/office/drawing/2010/main" xmlns="" w="9525">
+                <a14:hiddenLine xmlns="" xmlns:a14="http://schemas.microsoft.com/office/drawing/2010/main" w="9525">
                   <a:solidFill>
                     <a:srgbClr val="000000"/>
                   </a:solidFill>
@@ -3767,7 +3767,7 @@
             </a:ln>
             <a:extLst>
               <a:ext uri="{91240B29-F687-4f45-9708-019B960494DF}">
-                <a14:hiddenLine xmlns:a14="http://schemas.microsoft.com/office/drawing/2010/main" xmlns="" w="9525">
+                <a14:hiddenLine xmlns="" xmlns:a14="http://schemas.microsoft.com/office/drawing/2010/main" w="9525">
                   <a:solidFill>
                     <a:srgbClr val="000000"/>
                   </a:solidFill>
@@ -3857,7 +3857,7 @@
             </a:ln>
             <a:extLst>
               <a:ext uri="{91240B29-F687-4f45-9708-019B960494DF}">
-                <a14:hiddenLine xmlns:a14="http://schemas.microsoft.com/office/drawing/2010/main" xmlns="" w="9525">
+                <a14:hiddenLine xmlns="" xmlns:a14="http://schemas.microsoft.com/office/drawing/2010/main" w="9525">
                   <a:solidFill>
                     <a:srgbClr val="000000"/>
                   </a:solidFill>
@@ -3919,7 +3919,7 @@
             </a:ln>
             <a:extLst>
               <a:ext uri="{91240B29-F687-4f45-9708-019B960494DF}">
-                <a14:hiddenLine xmlns:a14="http://schemas.microsoft.com/office/drawing/2010/main" xmlns="" w="9525">
+                <a14:hiddenLine xmlns="" xmlns:a14="http://schemas.microsoft.com/office/drawing/2010/main" w="9525">
                   <a:solidFill>
                     <a:srgbClr val="000000"/>
                   </a:solidFill>
@@ -3981,7 +3981,7 @@
             </a:ln>
             <a:extLst>
               <a:ext uri="{91240B29-F687-4f45-9708-019B960494DF}">
-                <a14:hiddenLine xmlns:a14="http://schemas.microsoft.com/office/drawing/2010/main" xmlns="" w="9525">
+                <a14:hiddenLine xmlns="" xmlns:a14="http://schemas.microsoft.com/office/drawing/2010/main" w="9525">
                   <a:solidFill>
                     <a:srgbClr val="000000"/>
                   </a:solidFill>
@@ -4071,7 +4071,7 @@
             </a:ln>
             <a:extLst>
               <a:ext uri="{91240B29-F687-4f45-9708-019B960494DF}">
-                <a14:hiddenLine xmlns:a14="http://schemas.microsoft.com/office/drawing/2010/main" xmlns="" w="9525">
+                <a14:hiddenLine xmlns="" xmlns:a14="http://schemas.microsoft.com/office/drawing/2010/main" w="9525">
                   <a:solidFill>
                     <a:srgbClr val="000000"/>
                   </a:solidFill>
@@ -4133,7 +4133,7 @@
             </a:ln>
             <a:extLst>
               <a:ext uri="{91240B29-F687-4f45-9708-019B960494DF}">
-                <a14:hiddenLine xmlns:a14="http://schemas.microsoft.com/office/drawing/2010/main" xmlns="" w="9525">
+                <a14:hiddenLine xmlns="" xmlns:a14="http://schemas.microsoft.com/office/drawing/2010/main" w="9525">
                   <a:solidFill>
                     <a:srgbClr val="000000"/>
                   </a:solidFill>
@@ -4195,7 +4195,7 @@
             </a:ln>
             <a:extLst>
               <a:ext uri="{91240B29-F687-4f45-9708-019B960494DF}">
-                <a14:hiddenLine xmlns:a14="http://schemas.microsoft.com/office/drawing/2010/main" xmlns="" w="9525">
+                <a14:hiddenLine xmlns="" xmlns:a14="http://schemas.microsoft.com/office/drawing/2010/main" w="9525">
                   <a:solidFill>
                     <a:srgbClr val="000000"/>
                   </a:solidFill>
@@ -4285,7 +4285,7 @@
             </a:ln>
             <a:extLst>
               <a:ext uri="{91240B29-F687-4f45-9708-019B960494DF}">
-                <a14:hiddenLine xmlns:a14="http://schemas.microsoft.com/office/drawing/2010/main" xmlns="" w="9525">
+                <a14:hiddenLine xmlns="" xmlns:a14="http://schemas.microsoft.com/office/drawing/2010/main" w="9525">
                   <a:solidFill>
                     <a:srgbClr val="000000"/>
                   </a:solidFill>
@@ -4375,7 +4375,7 @@
             </a:ln>
             <a:extLst>
               <a:ext uri="{91240B29-F687-4f45-9708-019B960494DF}">
-                <a14:hiddenLine xmlns:a14="http://schemas.microsoft.com/office/drawing/2010/main" xmlns="" w="9525">
+                <a14:hiddenLine xmlns="" xmlns:a14="http://schemas.microsoft.com/office/drawing/2010/main" w="9525">
                   <a:solidFill>
                     <a:srgbClr val="000000"/>
                   </a:solidFill>
@@ -4437,7 +4437,7 @@
             </a:ln>
             <a:extLst>
               <a:ext uri="{91240B29-F687-4f45-9708-019B960494DF}">
-                <a14:hiddenLine xmlns:a14="http://schemas.microsoft.com/office/drawing/2010/main" xmlns="" w="9525">
+                <a14:hiddenLine xmlns="" xmlns:a14="http://schemas.microsoft.com/office/drawing/2010/main" w="9525">
                   <a:solidFill>
                     <a:srgbClr val="000000"/>
                   </a:solidFill>
@@ -4547,7 +4547,7 @@
             </a:ln>
             <a:extLst>
               <a:ext uri="{91240B29-F687-4f45-9708-019B960494DF}">
-                <a14:hiddenLine xmlns:a14="http://schemas.microsoft.com/office/drawing/2010/main" xmlns="" w="9525">
+                <a14:hiddenLine xmlns="" xmlns:a14="http://schemas.microsoft.com/office/drawing/2010/main" w="9525">
                   <a:solidFill>
                     <a:srgbClr val="000000"/>
                   </a:solidFill>
@@ -4609,7 +4609,7 @@
             </a:ln>
             <a:extLst>
               <a:ext uri="{91240B29-F687-4f45-9708-019B960494DF}">
-                <a14:hiddenLine xmlns:a14="http://schemas.microsoft.com/office/drawing/2010/main" xmlns="" w="9525">
+                <a14:hiddenLine xmlns="" xmlns:a14="http://schemas.microsoft.com/office/drawing/2010/main" w="9525">
                   <a:solidFill>
                     <a:srgbClr val="000000"/>
                   </a:solidFill>
@@ -4699,7 +4699,7 @@
             </a:ln>
             <a:extLst>
               <a:ext uri="{91240B29-F687-4f45-9708-019B960494DF}">
-                <a14:hiddenLine xmlns:a14="http://schemas.microsoft.com/office/drawing/2010/main" xmlns="" w="9525">
+                <a14:hiddenLine xmlns="" xmlns:a14="http://schemas.microsoft.com/office/drawing/2010/main" w="9525">
                   <a:solidFill>
                     <a:srgbClr val="000000"/>
                   </a:solidFill>
@@ -4789,7 +4789,7 @@
             </a:ln>
             <a:extLst>
               <a:ext uri="{91240B29-F687-4f45-9708-019B960494DF}">
-                <a14:hiddenLine xmlns:a14="http://schemas.microsoft.com/office/drawing/2010/main" xmlns="" w="9525">
+                <a14:hiddenLine xmlns="" xmlns:a14="http://schemas.microsoft.com/office/drawing/2010/main" w="9525">
                   <a:solidFill>
                     <a:srgbClr val="000000"/>
                   </a:solidFill>
@@ -4851,7 +4851,7 @@
             </a:ln>
             <a:extLst>
               <a:ext uri="{91240B29-F687-4f45-9708-019B960494DF}">
-                <a14:hiddenLine xmlns:a14="http://schemas.microsoft.com/office/drawing/2010/main" xmlns="" w="9525">
+                <a14:hiddenLine xmlns="" xmlns:a14="http://schemas.microsoft.com/office/drawing/2010/main" w="9525">
                   <a:solidFill>
                     <a:srgbClr val="000000"/>
                   </a:solidFill>
@@ -4941,7 +4941,7 @@
             </a:ln>
             <a:extLst>
               <a:ext uri="{91240B29-F687-4f45-9708-019B960494DF}">
-                <a14:hiddenLine xmlns:a14="http://schemas.microsoft.com/office/drawing/2010/main" xmlns="" w="9525">
+                <a14:hiddenLine xmlns="" xmlns:a14="http://schemas.microsoft.com/office/drawing/2010/main" w="9525">
                   <a:solidFill>
                     <a:srgbClr val="000000"/>
                   </a:solidFill>
@@ -5031,7 +5031,7 @@
             </a:ln>
             <a:extLst>
               <a:ext uri="{91240B29-F687-4f45-9708-019B960494DF}">
-                <a14:hiddenLine xmlns:a14="http://schemas.microsoft.com/office/drawing/2010/main" xmlns="" w="9525">
+                <a14:hiddenLine xmlns="" xmlns:a14="http://schemas.microsoft.com/office/drawing/2010/main" w="9525">
                   <a:solidFill>
                     <a:srgbClr val="000000"/>
                   </a:solidFill>
@@ -5087,7 +5087,7 @@
             </a:ln>
             <a:extLst>
               <a:ext uri="{91240B29-F687-4f45-9708-019B960494DF}">
-                <a14:hiddenLine xmlns:a14="http://schemas.microsoft.com/office/drawing/2010/main" xmlns="" w="9525">
+                <a14:hiddenLine xmlns="" xmlns:a14="http://schemas.microsoft.com/office/drawing/2010/main" w="9525">
                   <a:solidFill>
                     <a:srgbClr val="000000"/>
                   </a:solidFill>
@@ -5177,7 +5177,7 @@
             </a:ln>
             <a:extLst>
               <a:ext uri="{91240B29-F687-4f45-9708-019B960494DF}">
-                <a14:hiddenLine xmlns:a14="http://schemas.microsoft.com/office/drawing/2010/main" xmlns="" w="9525">
+                <a14:hiddenLine xmlns="" xmlns:a14="http://schemas.microsoft.com/office/drawing/2010/main" w="9525">
                   <a:solidFill>
                     <a:srgbClr val="000000"/>
                   </a:solidFill>
@@ -5233,7 +5233,7 @@
             </a:ln>
             <a:extLst>
               <a:ext uri="{91240B29-F687-4f45-9708-019B960494DF}">
-                <a14:hiddenLine xmlns:a14="http://schemas.microsoft.com/office/drawing/2010/main" xmlns="" w="9525">
+                <a14:hiddenLine xmlns="" xmlns:a14="http://schemas.microsoft.com/office/drawing/2010/main" w="9525">
                   <a:solidFill>
                     <a:srgbClr val="000000"/>
                   </a:solidFill>
@@ -5323,7 +5323,7 @@
             </a:ln>
             <a:extLst>
               <a:ext uri="{91240B29-F687-4f45-9708-019B960494DF}">
-                <a14:hiddenLine xmlns:a14="http://schemas.microsoft.com/office/drawing/2010/main" xmlns="" w="9525">
+                <a14:hiddenLine xmlns="" xmlns:a14="http://schemas.microsoft.com/office/drawing/2010/main" w="9525">
                   <a:solidFill>
                     <a:srgbClr val="000000"/>
                   </a:solidFill>
@@ -5391,7 +5391,7 @@
             </a:ln>
             <a:extLst>
               <a:ext uri="{91240B29-F687-4f45-9708-019B960494DF}">
-                <a14:hiddenLine xmlns:a14="http://schemas.microsoft.com/office/drawing/2010/main" xmlns="" w="9525">
+                <a14:hiddenLine xmlns="" xmlns:a14="http://schemas.microsoft.com/office/drawing/2010/main" w="9525">
                   <a:solidFill>
                     <a:srgbClr val="000000"/>
                   </a:solidFill>
@@ -5481,7 +5481,7 @@
             </a:ln>
             <a:extLst>
               <a:ext uri="{91240B29-F687-4f45-9708-019B960494DF}">
-                <a14:hiddenLine xmlns:a14="http://schemas.microsoft.com/office/drawing/2010/main" xmlns="" w="9525">
+                <a14:hiddenLine xmlns="" xmlns:a14="http://schemas.microsoft.com/office/drawing/2010/main" w="9525">
                   <a:solidFill>
                     <a:srgbClr val="000000"/>
                   </a:solidFill>
@@ -5549,7 +5549,7 @@
             </a:ln>
             <a:extLst>
               <a:ext uri="{91240B29-F687-4f45-9708-019B960494DF}">
-                <a14:hiddenLine xmlns:a14="http://schemas.microsoft.com/office/drawing/2010/main" xmlns="" w="9525">
+                <a14:hiddenLine xmlns="" xmlns:a14="http://schemas.microsoft.com/office/drawing/2010/main" w="9525">
                   <a:solidFill>
                     <a:srgbClr val="000000"/>
                   </a:solidFill>
@@ -5639,7 +5639,7 @@
             </a:ln>
             <a:extLst>
               <a:ext uri="{91240B29-F687-4f45-9708-019B960494DF}">
-                <a14:hiddenLine xmlns:a14="http://schemas.microsoft.com/office/drawing/2010/main" xmlns="" w="9525">
+                <a14:hiddenLine xmlns="" xmlns:a14="http://schemas.microsoft.com/office/drawing/2010/main" w="9525">
                   <a:solidFill>
                     <a:srgbClr val="000000"/>
                   </a:solidFill>
@@ -5673,7 +5673,7 @@
             </a:ln>
             <a:extLst>
               <a:ext uri="{91240B29-F687-4f45-9708-019B960494DF}">
-                <a14:hiddenLine xmlns:a14="http://schemas.microsoft.com/office/drawing/2010/main" xmlns="" w="9525">
+                <a14:hiddenLine xmlns="" xmlns:a14="http://schemas.microsoft.com/office/drawing/2010/main" w="9525">
                   <a:solidFill>
                     <a:srgbClr val="000000"/>
                   </a:solidFill>
@@ -5763,7 +5763,7 @@
             </a:ln>
             <a:extLst>
               <a:ext uri="{91240B29-F687-4f45-9708-019B960494DF}">
-                <a14:hiddenLine xmlns:a14="http://schemas.microsoft.com/office/drawing/2010/main" xmlns="" w="9525">
+                <a14:hiddenLine xmlns="" xmlns:a14="http://schemas.microsoft.com/office/drawing/2010/main" w="9525">
                   <a:solidFill>
                     <a:srgbClr val="000000"/>
                   </a:solidFill>
@@ -5825,7 +5825,7 @@
             </a:ln>
             <a:extLst>
               <a:ext uri="{91240B29-F687-4f45-9708-019B960494DF}">
-                <a14:hiddenLine xmlns:a14="http://schemas.microsoft.com/office/drawing/2010/main" xmlns="" w="9525">
+                <a14:hiddenLine xmlns="" xmlns:a14="http://schemas.microsoft.com/office/drawing/2010/main" w="9525">
                   <a:solidFill>
                     <a:srgbClr val="000000"/>
                   </a:solidFill>
@@ -5887,7 +5887,7 @@
             </a:ln>
             <a:extLst>
               <a:ext uri="{91240B29-F687-4f45-9708-019B960494DF}">
-                <a14:hiddenLine xmlns:a14="http://schemas.microsoft.com/office/drawing/2010/main" xmlns="" w="9525">
+                <a14:hiddenLine xmlns="" xmlns:a14="http://schemas.microsoft.com/office/drawing/2010/main" w="9525">
                   <a:solidFill>
                     <a:srgbClr val="000000"/>
                   </a:solidFill>
@@ -5977,7 +5977,7 @@
             </a:ln>
             <a:extLst>
               <a:ext uri="{91240B29-F687-4f45-9708-019B960494DF}">
-                <a14:hiddenLine xmlns:a14="http://schemas.microsoft.com/office/drawing/2010/main" xmlns="" w="9525">
+                <a14:hiddenLine xmlns="" xmlns:a14="http://schemas.microsoft.com/office/drawing/2010/main" w="9525">
                   <a:solidFill>
                     <a:srgbClr val="000000"/>
                   </a:solidFill>
@@ -6045,7 +6045,7 @@
             </a:ln>
             <a:extLst>
               <a:ext uri="{91240B29-F687-4f45-9708-019B960494DF}">
-                <a14:hiddenLine xmlns:a14="http://schemas.microsoft.com/office/drawing/2010/main" xmlns="" w="9525">
+                <a14:hiddenLine xmlns="" xmlns:a14="http://schemas.microsoft.com/office/drawing/2010/main" w="9525">
                   <a:solidFill>
                     <a:srgbClr val="000000"/>
                   </a:solidFill>
@@ -6107,7 +6107,7 @@
             </a:ln>
             <a:extLst>
               <a:ext uri="{91240B29-F687-4f45-9708-019B960494DF}">
-                <a14:hiddenLine xmlns:a14="http://schemas.microsoft.com/office/drawing/2010/main" xmlns="" w="9525">
+                <a14:hiddenLine xmlns="" xmlns:a14="http://schemas.microsoft.com/office/drawing/2010/main" w="9525">
                   <a:solidFill>
                     <a:srgbClr val="000000"/>
                   </a:solidFill>
@@ -6197,7 +6197,7 @@
             </a:ln>
             <a:extLst>
               <a:ext uri="{91240B29-F687-4f45-9708-019B960494DF}">
-                <a14:hiddenLine xmlns:a14="http://schemas.microsoft.com/office/drawing/2010/main" xmlns="" w="9525">
+                <a14:hiddenLine xmlns="" xmlns:a14="http://schemas.microsoft.com/office/drawing/2010/main" w="9525">
                   <a:solidFill>
                     <a:srgbClr val="000000"/>
                   </a:solidFill>
@@ -6259,7 +6259,7 @@
             </a:ln>
             <a:extLst>
               <a:ext uri="{91240B29-F687-4f45-9708-019B960494DF}">
-                <a14:hiddenLine xmlns:a14="http://schemas.microsoft.com/office/drawing/2010/main" xmlns="" w="9525">
+                <a14:hiddenLine xmlns="" xmlns:a14="http://schemas.microsoft.com/office/drawing/2010/main" w="9525">
                   <a:solidFill>
                     <a:srgbClr val="000000"/>
                   </a:solidFill>
@@ -6349,7 +6349,7 @@
             </a:ln>
             <a:extLst>
               <a:ext uri="{91240B29-F687-4f45-9708-019B960494DF}">
-                <a14:hiddenLine xmlns:a14="http://schemas.microsoft.com/office/drawing/2010/main" xmlns="" w="9525">
+                <a14:hiddenLine xmlns="" xmlns:a14="http://schemas.microsoft.com/office/drawing/2010/main" w="9525">
                   <a:solidFill>
                     <a:srgbClr val="000000"/>
                   </a:solidFill>
@@ -6411,7 +6411,7 @@
             </a:ln>
             <a:extLst>
               <a:ext uri="{91240B29-F687-4f45-9708-019B960494DF}">
-                <a14:hiddenLine xmlns:a14="http://schemas.microsoft.com/office/drawing/2010/main" xmlns="" w="9525">
+                <a14:hiddenLine xmlns="" xmlns:a14="http://schemas.microsoft.com/office/drawing/2010/main" w="9525">
                   <a:solidFill>
                     <a:srgbClr val="000000"/>
                   </a:solidFill>
@@ -6501,7 +6501,7 @@
             </a:ln>
             <a:extLst>
               <a:ext uri="{91240B29-F687-4f45-9708-019B960494DF}">
-                <a14:hiddenLine xmlns:a14="http://schemas.microsoft.com/office/drawing/2010/main" xmlns="" w="9525">
+                <a14:hiddenLine xmlns="" xmlns:a14="http://schemas.microsoft.com/office/drawing/2010/main" w="9525">
                   <a:solidFill>
                     <a:srgbClr val="000000"/>
                   </a:solidFill>
@@ -6535,7 +6535,7 @@
             </a:ln>
             <a:extLst>
               <a:ext uri="{91240B29-F687-4f45-9708-019B960494DF}">
-                <a14:hiddenLine xmlns:a14="http://schemas.microsoft.com/office/drawing/2010/main" xmlns="" w="9525">
+                <a14:hiddenLine xmlns="" xmlns:a14="http://schemas.microsoft.com/office/drawing/2010/main" w="9525">
                   <a:solidFill>
                     <a:srgbClr val="000000"/>
                   </a:solidFill>
@@ -6600,7 +6600,7 @@
             </a:ln>
             <a:extLst>
               <a:ext uri="{91240B29-F687-4f45-9708-019B960494DF}">
-                <a14:hiddenLine xmlns:a14="http://schemas.microsoft.com/office/drawing/2010/main" xmlns="" w="9525">
+                <a14:hiddenLine xmlns="" xmlns:a14="http://schemas.microsoft.com/office/drawing/2010/main" w="9525">
                   <a:solidFill>
                     <a:srgbClr val="000000"/>
                   </a:solidFill>
@@ -6690,7 +6690,7 @@
             </a:ln>
             <a:extLst>
               <a:ext uri="{91240B29-F687-4f45-9708-019B960494DF}">
-                <a14:hiddenLine xmlns:a14="http://schemas.microsoft.com/office/drawing/2010/main" xmlns="" w="9525">
+                <a14:hiddenLine xmlns="" xmlns:a14="http://schemas.microsoft.com/office/drawing/2010/main" w="9525">
                   <a:solidFill>
                     <a:srgbClr val="000000"/>
                   </a:solidFill>
@@ -6752,7 +6752,7 @@
             </a:ln>
             <a:extLst>
               <a:ext uri="{91240B29-F687-4f45-9708-019B960494DF}">
-                <a14:hiddenLine xmlns:a14="http://schemas.microsoft.com/office/drawing/2010/main" xmlns="" w="9525">
+                <a14:hiddenLine xmlns="" xmlns:a14="http://schemas.microsoft.com/office/drawing/2010/main" w="9525">
                   <a:solidFill>
                     <a:srgbClr val="000000"/>
                   </a:solidFill>
@@ -6842,7 +6842,7 @@
             </a:ln>
             <a:extLst>
               <a:ext uri="{91240B29-F687-4f45-9708-019B960494DF}">
-                <a14:hiddenLine xmlns:a14="http://schemas.microsoft.com/office/drawing/2010/main" xmlns="" w="9525">
+                <a14:hiddenLine xmlns="" xmlns:a14="http://schemas.microsoft.com/office/drawing/2010/main" w="9525">
                   <a:solidFill>
                     <a:srgbClr val="000000"/>
                   </a:solidFill>
@@ -6932,7 +6932,7 @@
             </a:ln>
             <a:extLst>
               <a:ext uri="{91240B29-F687-4f45-9708-019B960494DF}">
-                <a14:hiddenLine xmlns:a14="http://schemas.microsoft.com/office/drawing/2010/main" xmlns="" w="9525">
+                <a14:hiddenLine xmlns="" xmlns:a14="http://schemas.microsoft.com/office/drawing/2010/main" w="9525">
                   <a:solidFill>
                     <a:srgbClr val="000000"/>
                   </a:solidFill>
@@ -6997,7 +6997,7 @@
             </a:ln>
             <a:extLst>
               <a:ext uri="{91240B29-F687-4f45-9708-019B960494DF}">
-                <a14:hiddenLine xmlns:a14="http://schemas.microsoft.com/office/drawing/2010/main" xmlns="" w="9525">
+                <a14:hiddenLine xmlns="" xmlns:a14="http://schemas.microsoft.com/office/drawing/2010/main" w="9525">
                   <a:solidFill>
                     <a:srgbClr val="000000"/>
                   </a:solidFill>
@@ -7059,7 +7059,7 @@
             </a:ln>
             <a:extLst>
               <a:ext uri="{91240B29-F687-4f45-9708-019B960494DF}">
-                <a14:hiddenLine xmlns:a14="http://schemas.microsoft.com/office/drawing/2010/main" xmlns="" w="9525">
+                <a14:hiddenLine xmlns="" xmlns:a14="http://schemas.microsoft.com/office/drawing/2010/main" w="9525">
                   <a:solidFill>
                     <a:srgbClr val="000000"/>
                   </a:solidFill>
@@ -7149,7 +7149,7 @@
             </a:ln>
             <a:extLst>
               <a:ext uri="{91240B29-F687-4f45-9708-019B960494DF}">
-                <a14:hiddenLine xmlns:a14="http://schemas.microsoft.com/office/drawing/2010/main" xmlns="" w="9525">
+                <a14:hiddenLine xmlns="" xmlns:a14="http://schemas.microsoft.com/office/drawing/2010/main" w="9525">
                   <a:solidFill>
                     <a:srgbClr val="000000"/>
                   </a:solidFill>
@@ -7239,7 +7239,7 @@
             </a:ln>
             <a:extLst>
               <a:ext uri="{91240B29-F687-4f45-9708-019B960494DF}">
-                <a14:hiddenLine xmlns:a14="http://schemas.microsoft.com/office/drawing/2010/main" xmlns="" w="9525">
+                <a14:hiddenLine xmlns="" xmlns:a14="http://schemas.microsoft.com/office/drawing/2010/main" w="9525">
                   <a:solidFill>
                     <a:srgbClr val="000000"/>
                   </a:solidFill>
@@ -7301,7 +7301,7 @@
             </a:ln>
             <a:extLst>
               <a:ext uri="{91240B29-F687-4f45-9708-019B960494DF}">
-                <a14:hiddenLine xmlns:a14="http://schemas.microsoft.com/office/drawing/2010/main" xmlns="" w="9525">
+                <a14:hiddenLine xmlns="" xmlns:a14="http://schemas.microsoft.com/office/drawing/2010/main" w="9525">
                   <a:solidFill>
                     <a:srgbClr val="000000"/>
                   </a:solidFill>
@@ -7421,7 +7421,7 @@
             </a:ln>
             <a:extLst>
               <a:ext uri="{91240B29-F687-4f45-9708-019B960494DF}">
-                <a14:hiddenLine xmlns:a14="http://schemas.microsoft.com/office/drawing/2010/main" xmlns="" w="9525">
+                <a14:hiddenLine xmlns="" xmlns:a14="http://schemas.microsoft.com/office/drawing/2010/main" w="9525">
                   <a:solidFill>
                     <a:srgbClr val="000000"/>
                   </a:solidFill>
@@ -7489,7 +7489,7 @@
             </a:ln>
             <a:extLst>
               <a:ext uri="{91240B29-F687-4f45-9708-019B960494DF}">
-                <a14:hiddenLine xmlns:a14="http://schemas.microsoft.com/office/drawing/2010/main" xmlns="" w="9525">
+                <a14:hiddenLine xmlns="" xmlns:a14="http://schemas.microsoft.com/office/drawing/2010/main" w="9525">
                   <a:solidFill>
                     <a:srgbClr val="000000"/>
                   </a:solidFill>
@@ -7579,7 +7579,7 @@
             </a:ln>
             <a:extLst>
               <a:ext uri="{91240B29-F687-4f45-9708-019B960494DF}">
-                <a14:hiddenLine xmlns:a14="http://schemas.microsoft.com/office/drawing/2010/main" xmlns="" w="9525">
+                <a14:hiddenLine xmlns="" xmlns:a14="http://schemas.microsoft.com/office/drawing/2010/main" w="9525">
                   <a:solidFill>
                     <a:srgbClr val="000000"/>
                   </a:solidFill>
@@ -7719,7 +7719,7 @@
           <a:p>
             <a:fld id="{9AB3A824-1A51-4B26-AD58-A6D8E14F6C04}" type="datetimeFigureOut">
               <a:rPr lang="en-US" smtClean="0"/>
-              <a:t>3/26/20</a:t>
+              <a:t>4/1/20</a:t>
             </a:fld>
             <a:endParaRPr lang="en-US" dirty="0"/>
           </a:p>
@@ -7991,7 +7991,7 @@
           <a:p>
             <a:fld id="{3CBC1C18-307B-4F68-A007-B5B542270E8D}" type="datetimeFigureOut">
               <a:rPr lang="en-US" smtClean="0"/>
-              <a:t>3/26/20</a:t>
+              <a:t>4/1/20</a:t>
             </a:fld>
             <a:endParaRPr lang="en-US" dirty="0"/>
           </a:p>
@@ -8194,7 +8194,7 @@
           <a:p>
             <a:fld id="{3CBC1C18-307B-4F68-A007-B5B542270E8D}" type="datetimeFigureOut">
               <a:rPr lang="en-US" smtClean="0"/>
-              <a:t>3/26/20</a:t>
+              <a:t>4/1/20</a:t>
             </a:fld>
             <a:endParaRPr lang="en-US" dirty="0"/>
           </a:p>
@@ -8464,7 +8464,7 @@
           <a:p>
             <a:fld id="{3CBC1C18-307B-4F68-A007-B5B542270E8D}" type="datetimeFigureOut">
               <a:rPr lang="en-US" smtClean="0"/>
-              <a:t>3/26/20</a:t>
+              <a:t>4/1/20</a:t>
             </a:fld>
             <a:endParaRPr lang="en-US" dirty="0"/>
           </a:p>
@@ -8905,7 +8905,7 @@
           <a:p>
             <a:fld id="{3CBC1C18-307B-4F68-A007-B5B542270E8D}" type="datetimeFigureOut">
               <a:rPr lang="en-US" smtClean="0"/>
-              <a:t>3/26/20</a:t>
+              <a:t>4/1/20</a:t>
             </a:fld>
             <a:endParaRPr lang="en-US" dirty="0"/>
           </a:p>
@@ -9458,7 +9458,7 @@
           <a:p>
             <a:fld id="{3CBC1C18-307B-4F68-A007-B5B542270E8D}" type="datetimeFigureOut">
               <a:rPr lang="en-US" smtClean="0"/>
-              <a:t>3/26/20</a:t>
+              <a:t>4/1/20</a:t>
             </a:fld>
             <a:endParaRPr lang="en-US" dirty="0"/>
           </a:p>
@@ -10185,7 +10185,7 @@
           <a:p>
             <a:fld id="{3CBC1C18-307B-4F68-A007-B5B542270E8D}" type="datetimeFigureOut">
               <a:rPr lang="en-US" smtClean="0"/>
-              <a:t>3/26/20</a:t>
+              <a:t>4/1/20</a:t>
             </a:fld>
             <a:endParaRPr lang="en-US" dirty="0"/>
           </a:p>
@@ -10362,7 +10362,7 @@
           <a:p>
             <a:fld id="{D857E33E-8B18-4087-B112-809917729534}" type="datetimeFigureOut">
               <a:rPr lang="en-US" smtClean="0"/>
-              <a:t>3/26/20</a:t>
+              <a:t>4/1/20</a:t>
             </a:fld>
             <a:endParaRPr lang="en-US" dirty="0"/>
           </a:p>
@@ -10547,7 +10547,7 @@
           <a:p>
             <a:fld id="{D3FFE419-2371-464F-8239-3959401C3561}" type="datetimeFigureOut">
               <a:rPr lang="en-US" smtClean="0"/>
-              <a:t>3/26/20</a:t>
+              <a:t>4/1/20</a:t>
             </a:fld>
             <a:endParaRPr lang="en-US" dirty="0"/>
           </a:p>
@@ -10722,7 +10722,7 @@
           <a:p>
             <a:fld id="{97D162C4-EDD9-4389-A98B-B87ECEA2A816}" type="datetimeFigureOut">
               <a:rPr lang="en-US" smtClean="0"/>
-              <a:t>3/26/20</a:t>
+              <a:t>4/1/20</a:t>
             </a:fld>
             <a:endParaRPr lang="en-US" dirty="0"/>
           </a:p>
@@ -10977,7 +10977,7 @@
           <a:p>
             <a:fld id="{3E5059C3-6A89-4494-99FF-5A4D6FFD50EB}" type="datetimeFigureOut">
               <a:rPr lang="en-US" smtClean="0"/>
-              <a:t>3/26/20</a:t>
+              <a:t>4/1/20</a:t>
             </a:fld>
             <a:endParaRPr lang="en-US" dirty="0"/>
           </a:p>
@@ -11214,7 +11214,7 @@
           <a:p>
             <a:fld id="{CA954B2F-12DE-47F5-8894-472B206D2E1E}" type="datetimeFigureOut">
               <a:rPr lang="en-US" smtClean="0"/>
-              <a:t>3/26/20</a:t>
+              <a:t>4/1/20</a:t>
             </a:fld>
             <a:endParaRPr lang="en-US" dirty="0"/>
           </a:p>
@@ -11600,7 +11600,7 @@
           <a:p>
             <a:fld id="{3CBC1C18-307B-4F68-A007-B5B542270E8D}" type="datetimeFigureOut">
               <a:rPr lang="en-US" smtClean="0"/>
-              <a:t>3/26/20</a:t>
+              <a:t>4/1/20</a:t>
             </a:fld>
             <a:endParaRPr lang="en-US" dirty="0"/>
           </a:p>
@@ -11725,7 +11725,7 @@
           <a:p>
             <a:fld id="{1FAF3416-4057-4DAA-829D-4CA07428D088}" type="datetimeFigureOut">
               <a:rPr lang="en-US" smtClean="0"/>
-              <a:t>3/26/20</a:t>
+              <a:t>4/1/20</a:t>
             </a:fld>
             <a:endParaRPr lang="en-US" dirty="0"/>
           </a:p>
@@ -11825,7 +11825,7 @@
           <a:p>
             <a:fld id="{921D9284-D300-4297-87F7-E791DCC15DB1}" type="datetimeFigureOut">
               <a:rPr lang="en-US" smtClean="0"/>
-              <a:t>3/26/20</a:t>
+              <a:t>4/1/20</a:t>
             </a:fld>
             <a:endParaRPr lang="en-US" dirty="0"/>
           </a:p>
@@ -12079,7 +12079,7 @@
           <a:p>
             <a:fld id="{37D525BB-DA17-4BA0-B3C8-3AC3ABC827E6}" type="datetimeFigureOut">
               <a:rPr lang="en-US" smtClean="0"/>
-              <a:t>3/26/20</a:t>
+              <a:t>4/1/20</a:t>
             </a:fld>
             <a:endParaRPr lang="en-US" dirty="0"/>
           </a:p>
@@ -12364,7 +12364,7 @@
           <a:p>
             <a:fld id="{B16C4C9A-3960-41CF-A4E9-2A8FB932454B}" type="datetimeFigureOut">
               <a:rPr lang="en-US" smtClean="0"/>
-              <a:t>3/26/20</a:t>
+              <a:t>4/1/20</a:t>
             </a:fld>
             <a:endParaRPr lang="en-US" dirty="0"/>
           </a:p>
@@ -12485,7 +12485,7 @@
           <a:noFill/>
           <a:extLst>
             <a:ext uri="{909E8E84-426E-40dd-AFC4-6F175D3DCCD1}">
-              <a14:hiddenFill xmlns:a14="http://schemas.microsoft.com/office/drawing/2010/main" xmlns="">
+              <a14:hiddenFill xmlns="" xmlns:a14="http://schemas.microsoft.com/office/drawing/2010/main">
                 <a:solidFill>
                   <a:srgbClr val="FFFFFF"/>
                 </a:solidFill>
@@ -12559,7 +12559,7 @@
               </a:ln>
               <a:extLst>
                 <a:ext uri="{91240B29-F687-4f45-9708-019B960494DF}">
-                  <a14:hiddenLine xmlns:a14="http://schemas.microsoft.com/office/drawing/2010/main" xmlns="" w="9525">
+                  <a14:hiddenLine xmlns="" xmlns:a14="http://schemas.microsoft.com/office/drawing/2010/main" w="9525">
                     <a:solidFill>
                       <a:srgbClr val="000000"/>
                     </a:solidFill>
@@ -12649,7 +12649,7 @@
               </a:ln>
               <a:extLst>
                 <a:ext uri="{91240B29-F687-4f45-9708-019B960494DF}">
-                  <a14:hiddenLine xmlns:a14="http://schemas.microsoft.com/office/drawing/2010/main" xmlns="" w="9525">
+                  <a14:hiddenLine xmlns="" xmlns:a14="http://schemas.microsoft.com/office/drawing/2010/main" w="9525">
                     <a:solidFill>
                       <a:srgbClr val="000000"/>
                     </a:solidFill>
@@ -12739,7 +12739,7 @@
               </a:ln>
               <a:extLst>
                 <a:ext uri="{91240B29-F687-4f45-9708-019B960494DF}">
-                  <a14:hiddenLine xmlns:a14="http://schemas.microsoft.com/office/drawing/2010/main" xmlns="" w="9525">
+                  <a14:hiddenLine xmlns="" xmlns:a14="http://schemas.microsoft.com/office/drawing/2010/main" w="9525">
                     <a:solidFill>
                       <a:srgbClr val="000000"/>
                     </a:solidFill>
@@ -12801,7 +12801,7 @@
               </a:ln>
               <a:extLst>
                 <a:ext uri="{91240B29-F687-4f45-9708-019B960494DF}">
-                  <a14:hiddenLine xmlns:a14="http://schemas.microsoft.com/office/drawing/2010/main" xmlns="" w="9525">
+                  <a14:hiddenLine xmlns="" xmlns:a14="http://schemas.microsoft.com/office/drawing/2010/main" w="9525">
                     <a:solidFill>
                       <a:srgbClr val="000000"/>
                     </a:solidFill>
@@ -12891,7 +12891,7 @@
               </a:ln>
               <a:extLst>
                 <a:ext uri="{91240B29-F687-4f45-9708-019B960494DF}">
-                  <a14:hiddenLine xmlns:a14="http://schemas.microsoft.com/office/drawing/2010/main" xmlns="" w="9525">
+                  <a14:hiddenLine xmlns="" xmlns:a14="http://schemas.microsoft.com/office/drawing/2010/main" w="9525">
                     <a:solidFill>
                       <a:srgbClr val="000000"/>
                     </a:solidFill>
@@ -12953,7 +12953,7 @@
               </a:ln>
               <a:extLst>
                 <a:ext uri="{91240B29-F687-4f45-9708-019B960494DF}">
-                  <a14:hiddenLine xmlns:a14="http://schemas.microsoft.com/office/drawing/2010/main" xmlns="" w="9525">
+                  <a14:hiddenLine xmlns="" xmlns:a14="http://schemas.microsoft.com/office/drawing/2010/main" w="9525">
                     <a:solidFill>
                       <a:srgbClr val="000000"/>
                     </a:solidFill>
@@ -13015,7 +13015,7 @@
               </a:ln>
               <a:extLst>
                 <a:ext uri="{91240B29-F687-4f45-9708-019B960494DF}">
-                  <a14:hiddenLine xmlns:a14="http://schemas.microsoft.com/office/drawing/2010/main" xmlns="" w="9525">
+                  <a14:hiddenLine xmlns="" xmlns:a14="http://schemas.microsoft.com/office/drawing/2010/main" w="9525">
                     <a:solidFill>
                       <a:srgbClr val="000000"/>
                     </a:solidFill>
@@ -13105,7 +13105,7 @@
               </a:ln>
               <a:extLst>
                 <a:ext uri="{91240B29-F687-4f45-9708-019B960494DF}">
-                  <a14:hiddenLine xmlns:a14="http://schemas.microsoft.com/office/drawing/2010/main" xmlns="" w="9525">
+                  <a14:hiddenLine xmlns="" xmlns:a14="http://schemas.microsoft.com/office/drawing/2010/main" w="9525">
                     <a:solidFill>
                       <a:srgbClr val="000000"/>
                     </a:solidFill>
@@ -13195,7 +13195,7 @@
               </a:ln>
               <a:extLst>
                 <a:ext uri="{91240B29-F687-4f45-9708-019B960494DF}">
-                  <a14:hiddenLine xmlns:a14="http://schemas.microsoft.com/office/drawing/2010/main" xmlns="" w="9525">
+                  <a14:hiddenLine xmlns="" xmlns:a14="http://schemas.microsoft.com/office/drawing/2010/main" w="9525">
                     <a:solidFill>
                       <a:srgbClr val="000000"/>
                     </a:solidFill>
@@ -13257,7 +13257,7 @@
               </a:ln>
               <a:extLst>
                 <a:ext uri="{91240B29-F687-4f45-9708-019B960494DF}">
-                  <a14:hiddenLine xmlns:a14="http://schemas.microsoft.com/office/drawing/2010/main" xmlns="" w="9525">
+                  <a14:hiddenLine xmlns="" xmlns:a14="http://schemas.microsoft.com/office/drawing/2010/main" w="9525">
                     <a:solidFill>
                       <a:srgbClr val="000000"/>
                     </a:solidFill>
@@ -13367,7 +13367,7 @@
               </a:ln>
               <a:extLst>
                 <a:ext uri="{91240B29-F687-4f45-9708-019B960494DF}">
-                  <a14:hiddenLine xmlns:a14="http://schemas.microsoft.com/office/drawing/2010/main" xmlns="" w="9525">
+                  <a14:hiddenLine xmlns="" xmlns:a14="http://schemas.microsoft.com/office/drawing/2010/main" w="9525">
                     <a:solidFill>
                       <a:srgbClr val="000000"/>
                     </a:solidFill>
@@ -13451,7 +13451,7 @@
               </a:ln>
               <a:extLst>
                 <a:ext uri="{91240B29-F687-4f45-9708-019B960494DF}">
-                  <a14:hiddenLine xmlns:a14="http://schemas.microsoft.com/office/drawing/2010/main" xmlns="" w="9525">
+                  <a14:hiddenLine xmlns="" xmlns:a14="http://schemas.microsoft.com/office/drawing/2010/main" w="9525">
                     <a:solidFill>
                       <a:srgbClr val="000000"/>
                     </a:solidFill>
@@ -13513,7 +13513,7 @@
               </a:ln>
               <a:extLst>
                 <a:ext uri="{91240B29-F687-4f45-9708-019B960494DF}">
-                  <a14:hiddenLine xmlns:a14="http://schemas.microsoft.com/office/drawing/2010/main" xmlns="" w="9525">
+                  <a14:hiddenLine xmlns="" xmlns:a14="http://schemas.microsoft.com/office/drawing/2010/main" w="9525">
                     <a:solidFill>
                       <a:srgbClr val="000000"/>
                     </a:solidFill>
@@ -13575,7 +13575,7 @@
               </a:ln>
               <a:extLst>
                 <a:ext uri="{91240B29-F687-4f45-9708-019B960494DF}">
-                  <a14:hiddenLine xmlns:a14="http://schemas.microsoft.com/office/drawing/2010/main" xmlns="" w="9525">
+                  <a14:hiddenLine xmlns="" xmlns:a14="http://schemas.microsoft.com/office/drawing/2010/main" w="9525">
                     <a:solidFill>
                       <a:srgbClr val="000000"/>
                     </a:solidFill>
@@ -13665,7 +13665,7 @@
               </a:ln>
               <a:extLst>
                 <a:ext uri="{91240B29-F687-4f45-9708-019B960494DF}">
-                  <a14:hiddenLine xmlns:a14="http://schemas.microsoft.com/office/drawing/2010/main" xmlns="" w="9525">
+                  <a14:hiddenLine xmlns="" xmlns:a14="http://schemas.microsoft.com/office/drawing/2010/main" w="9525">
                     <a:solidFill>
                       <a:srgbClr val="000000"/>
                     </a:solidFill>
@@ -13699,7 +13699,7 @@
               </a:ln>
               <a:extLst>
                 <a:ext uri="{91240B29-F687-4f45-9708-019B960494DF}">
-                  <a14:hiddenLine xmlns:a14="http://schemas.microsoft.com/office/drawing/2010/main" xmlns="" w="9525">
+                  <a14:hiddenLine xmlns="" xmlns:a14="http://schemas.microsoft.com/office/drawing/2010/main" w="9525">
                     <a:solidFill>
                       <a:srgbClr val="000000"/>
                     </a:solidFill>
@@ -13764,7 +13764,7 @@
               </a:ln>
               <a:extLst>
                 <a:ext uri="{91240B29-F687-4f45-9708-019B960494DF}">
-                  <a14:hiddenLine xmlns:a14="http://schemas.microsoft.com/office/drawing/2010/main" xmlns="" w="9525">
+                  <a14:hiddenLine xmlns="" xmlns:a14="http://schemas.microsoft.com/office/drawing/2010/main" w="9525">
                     <a:solidFill>
                       <a:srgbClr val="000000"/>
                     </a:solidFill>
@@ -13854,7 +13854,7 @@
               </a:ln>
               <a:extLst>
                 <a:ext uri="{91240B29-F687-4f45-9708-019B960494DF}">
-                  <a14:hiddenLine xmlns:a14="http://schemas.microsoft.com/office/drawing/2010/main" xmlns="" w="9525">
+                  <a14:hiddenLine xmlns="" xmlns:a14="http://schemas.microsoft.com/office/drawing/2010/main" w="9525">
                     <a:solidFill>
                       <a:srgbClr val="000000"/>
                     </a:solidFill>
@@ -13916,7 +13916,7 @@
               </a:ln>
               <a:extLst>
                 <a:ext uri="{91240B29-F687-4f45-9708-019B960494DF}">
-                  <a14:hiddenLine xmlns:a14="http://schemas.microsoft.com/office/drawing/2010/main" xmlns="" w="9525">
+                  <a14:hiddenLine xmlns="" xmlns:a14="http://schemas.microsoft.com/office/drawing/2010/main" w="9525">
                     <a:solidFill>
                       <a:srgbClr val="000000"/>
                     </a:solidFill>
@@ -14006,7 +14006,7 @@
               </a:ln>
               <a:extLst>
                 <a:ext uri="{91240B29-F687-4f45-9708-019B960494DF}">
-                  <a14:hiddenLine xmlns:a14="http://schemas.microsoft.com/office/drawing/2010/main" xmlns="" w="9525">
+                  <a14:hiddenLine xmlns="" xmlns:a14="http://schemas.microsoft.com/office/drawing/2010/main" w="9525">
                     <a:solidFill>
                       <a:srgbClr val="000000"/>
                     </a:solidFill>
@@ -14071,7 +14071,7 @@
               </a:ln>
               <a:extLst>
                 <a:ext uri="{91240B29-F687-4f45-9708-019B960494DF}">
-                  <a14:hiddenLine xmlns:a14="http://schemas.microsoft.com/office/drawing/2010/main" xmlns="" w="9525">
+                  <a14:hiddenLine xmlns="" xmlns:a14="http://schemas.microsoft.com/office/drawing/2010/main" w="9525">
                     <a:solidFill>
                       <a:srgbClr val="000000"/>
                     </a:solidFill>
@@ -14133,7 +14133,7 @@
               </a:ln>
               <a:extLst>
                 <a:ext uri="{91240B29-F687-4f45-9708-019B960494DF}">
-                  <a14:hiddenLine xmlns:a14="http://schemas.microsoft.com/office/drawing/2010/main" xmlns="" w="9525">
+                  <a14:hiddenLine xmlns="" xmlns:a14="http://schemas.microsoft.com/office/drawing/2010/main" w="9525">
                     <a:solidFill>
                       <a:srgbClr val="000000"/>
                     </a:solidFill>
@@ -14223,7 +14223,7 @@
               </a:ln>
               <a:extLst>
                 <a:ext uri="{91240B29-F687-4f45-9708-019B960494DF}">
-                  <a14:hiddenLine xmlns:a14="http://schemas.microsoft.com/office/drawing/2010/main" xmlns="" w="9525">
+                  <a14:hiddenLine xmlns="" xmlns:a14="http://schemas.microsoft.com/office/drawing/2010/main" w="9525">
                     <a:solidFill>
                       <a:srgbClr val="000000"/>
                     </a:solidFill>
@@ -14313,7 +14313,7 @@
               </a:ln>
               <a:extLst>
                 <a:ext uri="{91240B29-F687-4f45-9708-019B960494DF}">
-                  <a14:hiddenLine xmlns:a14="http://schemas.microsoft.com/office/drawing/2010/main" xmlns="" w="9525">
+                  <a14:hiddenLine xmlns="" xmlns:a14="http://schemas.microsoft.com/office/drawing/2010/main" w="9525">
                     <a:solidFill>
                       <a:srgbClr val="000000"/>
                     </a:solidFill>
@@ -14378,7 +14378,7 @@
               </a:ln>
               <a:extLst>
                 <a:ext uri="{91240B29-F687-4f45-9708-019B960494DF}">
-                  <a14:hiddenLine xmlns:a14="http://schemas.microsoft.com/office/drawing/2010/main" xmlns="" w="9525">
+                  <a14:hiddenLine xmlns="" xmlns:a14="http://schemas.microsoft.com/office/drawing/2010/main" w="9525">
                     <a:solidFill>
                       <a:srgbClr val="000000"/>
                     </a:solidFill>
@@ -14498,7 +14498,7 @@
               </a:ln>
               <a:extLst>
                 <a:ext uri="{91240B29-F687-4f45-9708-019B960494DF}">
-                  <a14:hiddenLine xmlns:a14="http://schemas.microsoft.com/office/drawing/2010/main" xmlns="" w="9525">
+                  <a14:hiddenLine xmlns="" xmlns:a14="http://schemas.microsoft.com/office/drawing/2010/main" w="9525">
                     <a:solidFill>
                       <a:srgbClr val="000000"/>
                     </a:solidFill>
@@ -14596,7 +14596,7 @@
               </a:ln>
               <a:extLst>
                 <a:ext uri="{91240B29-F687-4f45-9708-019B960494DF}">
-                  <a14:hiddenLine xmlns:a14="http://schemas.microsoft.com/office/drawing/2010/main" xmlns="" w="9525">
+                  <a14:hiddenLine xmlns="" xmlns:a14="http://schemas.microsoft.com/office/drawing/2010/main" w="9525">
                     <a:solidFill>
                       <a:srgbClr val="000000"/>
                     </a:solidFill>
@@ -14711,7 +14711,7 @@
               </a:ln>
               <a:extLst>
                 <a:ext uri="{91240B29-F687-4f45-9708-019B960494DF}">
-                  <a14:hiddenLine xmlns:a14="http://schemas.microsoft.com/office/drawing/2010/main" xmlns="" w="9525">
+                  <a14:hiddenLine xmlns="" xmlns:a14="http://schemas.microsoft.com/office/drawing/2010/main" w="9525">
                     <a:solidFill>
                       <a:srgbClr val="000000"/>
                     </a:solidFill>
@@ -14801,7 +14801,7 @@
               </a:ln>
               <a:extLst>
                 <a:ext uri="{91240B29-F687-4f45-9708-019B960494DF}">
-                  <a14:hiddenLine xmlns:a14="http://schemas.microsoft.com/office/drawing/2010/main" xmlns="" w="9525">
+                  <a14:hiddenLine xmlns="" xmlns:a14="http://schemas.microsoft.com/office/drawing/2010/main" w="9525">
                     <a:solidFill>
                       <a:srgbClr val="000000"/>
                     </a:solidFill>
@@ -14866,7 +14866,7 @@
               </a:ln>
               <a:extLst>
                 <a:ext uri="{91240B29-F687-4f45-9708-019B960494DF}">
-                  <a14:hiddenLine xmlns:a14="http://schemas.microsoft.com/office/drawing/2010/main" xmlns="" w="9525">
+                  <a14:hiddenLine xmlns="" xmlns:a14="http://schemas.microsoft.com/office/drawing/2010/main" w="9525">
                     <a:solidFill>
                       <a:srgbClr val="000000"/>
                     </a:solidFill>
@@ -14956,7 +14956,7 @@
               </a:ln>
               <a:extLst>
                 <a:ext uri="{91240B29-F687-4f45-9708-019B960494DF}">
-                  <a14:hiddenLine xmlns:a14="http://schemas.microsoft.com/office/drawing/2010/main" xmlns="" w="9525">
+                  <a14:hiddenLine xmlns="" xmlns:a14="http://schemas.microsoft.com/office/drawing/2010/main" w="9525">
                     <a:solidFill>
                       <a:srgbClr val="000000"/>
                     </a:solidFill>
@@ -15024,7 +15024,7 @@
               </a:ln>
               <a:extLst>
                 <a:ext uri="{91240B29-F687-4f45-9708-019B960494DF}">
-                  <a14:hiddenLine xmlns:a14="http://schemas.microsoft.com/office/drawing/2010/main" xmlns="" w="9525">
+                  <a14:hiddenLine xmlns="" xmlns:a14="http://schemas.microsoft.com/office/drawing/2010/main" w="9525">
                     <a:solidFill>
                       <a:srgbClr val="000000"/>
                     </a:solidFill>
@@ -15114,7 +15114,7 @@
               </a:ln>
               <a:extLst>
                 <a:ext uri="{91240B29-F687-4f45-9708-019B960494DF}">
-                  <a14:hiddenLine xmlns:a14="http://schemas.microsoft.com/office/drawing/2010/main" xmlns="" w="9525">
+                  <a14:hiddenLine xmlns="" xmlns:a14="http://schemas.microsoft.com/office/drawing/2010/main" w="9525">
                     <a:solidFill>
                       <a:srgbClr val="000000"/>
                     </a:solidFill>
@@ -15182,7 +15182,7 @@
               </a:ln>
               <a:extLst>
                 <a:ext uri="{91240B29-F687-4f45-9708-019B960494DF}">
-                  <a14:hiddenLine xmlns:a14="http://schemas.microsoft.com/office/drawing/2010/main" xmlns="" w="9525">
+                  <a14:hiddenLine xmlns="" xmlns:a14="http://schemas.microsoft.com/office/drawing/2010/main" w="9525">
                     <a:solidFill>
                       <a:srgbClr val="000000"/>
                     </a:solidFill>
@@ -15272,7 +15272,7 @@
               </a:ln>
               <a:extLst>
                 <a:ext uri="{91240B29-F687-4f45-9708-019B960494DF}">
-                  <a14:hiddenLine xmlns:a14="http://schemas.microsoft.com/office/drawing/2010/main" xmlns="" w="9525">
+                  <a14:hiddenLine xmlns="" xmlns:a14="http://schemas.microsoft.com/office/drawing/2010/main" w="9525">
                     <a:solidFill>
                       <a:srgbClr val="000000"/>
                     </a:solidFill>
@@ -15306,7 +15306,7 @@
               </a:ln>
               <a:extLst>
                 <a:ext uri="{91240B29-F687-4f45-9708-019B960494DF}">
-                  <a14:hiddenLine xmlns:a14="http://schemas.microsoft.com/office/drawing/2010/main" xmlns="" w="9525">
+                  <a14:hiddenLine xmlns="" xmlns:a14="http://schemas.microsoft.com/office/drawing/2010/main" w="9525">
                     <a:solidFill>
                       <a:srgbClr val="000000"/>
                     </a:solidFill>
@@ -15446,7 +15446,7 @@
           <a:p>
             <a:fld id="{3CBC1C18-307B-4F68-A007-B5B542270E8D}" type="datetimeFigureOut">
               <a:rPr lang="en-US" smtClean="0"/>
-              <a:t>3/26/20</a:t>
+              <a:t>4/1/20</a:t>
             </a:fld>
             <a:endParaRPr lang="en-US" dirty="0"/>
           </a:p>
@@ -18068,6 +18068,10 @@
           </a:p>
           <a:p>
             <a:r>
+              <a:rPr lang="de-DE"/>
+              <a:t>Log4j</a:t>
+            </a:r>
+            <a:r>
               <a:rPr lang="de-DE" dirty="0"/>
               <a:t>	</a:t>
             </a:r>

--- a/documents/Meilensteine/Meilenstein III/Meilenstein_3_Präsentation .pptx
+++ b/documents/Meilensteine/Meilenstein III/Meilenstein_3_Präsentation .pptx
@@ -12,12 +12,13 @@
     <p:sldId id="257" r:id="rId6"/>
     <p:sldId id="258" r:id="rId7"/>
     <p:sldId id="278" r:id="rId8"/>
-    <p:sldId id="279" r:id="rId9"/>
-    <p:sldId id="280" r:id="rId10"/>
-    <p:sldId id="281" r:id="rId11"/>
-    <p:sldId id="282" r:id="rId12"/>
-    <p:sldId id="273" r:id="rId13"/>
-    <p:sldId id="265" r:id="rId14"/>
+    <p:sldId id="283" r:id="rId9"/>
+    <p:sldId id="279" r:id="rId10"/>
+    <p:sldId id="280" r:id="rId11"/>
+    <p:sldId id="281" r:id="rId12"/>
+    <p:sldId id="282" r:id="rId13"/>
+    <p:sldId id="273" r:id="rId14"/>
+    <p:sldId id="265" r:id="rId15"/>
   </p:sldIdLst>
   <p:sldSz cx="12192000" cy="6858000"/>
   <p:notesSz cx="6858000" cy="9144000"/>
@@ -3493,7 +3494,7 @@
           <a:noFill/>
           <a:extLst>
             <a:ext uri="{909E8E84-426E-40dd-AFC4-6F175D3DCCD1}">
-              <a14:hiddenFill xmlns="" xmlns:a14="http://schemas.microsoft.com/office/drawing/2010/main">
+              <a14:hiddenFill xmlns:a14="http://schemas.microsoft.com/office/drawing/2010/main" xmlns="">
                 <a:solidFill>
                   <a:srgbClr val="FFFFFF"/>
                 </a:solidFill>
@@ -3553,7 +3554,7 @@
             </a:ln>
             <a:extLst>
               <a:ext uri="{91240B29-F687-4f45-9708-019B960494DF}">
-                <a14:hiddenLine xmlns="" xmlns:a14="http://schemas.microsoft.com/office/drawing/2010/main" w="9525">
+                <a14:hiddenLine xmlns:a14="http://schemas.microsoft.com/office/drawing/2010/main" xmlns="" w="9525">
                   <a:solidFill>
                     <a:srgbClr val="000000"/>
                   </a:solidFill>
@@ -3643,7 +3644,7 @@
             </a:ln>
             <a:extLst>
               <a:ext uri="{91240B29-F687-4f45-9708-019B960494DF}">
-                <a14:hiddenLine xmlns="" xmlns:a14="http://schemas.microsoft.com/office/drawing/2010/main" w="9525">
+                <a14:hiddenLine xmlns:a14="http://schemas.microsoft.com/office/drawing/2010/main" xmlns="" w="9525">
                   <a:solidFill>
                     <a:srgbClr val="000000"/>
                   </a:solidFill>
@@ -3733,7 +3734,7 @@
             </a:ln>
             <a:extLst>
               <a:ext uri="{91240B29-F687-4f45-9708-019B960494DF}">
-                <a14:hiddenLine xmlns="" xmlns:a14="http://schemas.microsoft.com/office/drawing/2010/main" w="9525">
+                <a14:hiddenLine xmlns:a14="http://schemas.microsoft.com/office/drawing/2010/main" xmlns="" w="9525">
                   <a:solidFill>
                     <a:srgbClr val="000000"/>
                   </a:solidFill>
@@ -3767,7 +3768,7 @@
             </a:ln>
             <a:extLst>
               <a:ext uri="{91240B29-F687-4f45-9708-019B960494DF}">
-                <a14:hiddenLine xmlns="" xmlns:a14="http://schemas.microsoft.com/office/drawing/2010/main" w="9525">
+                <a14:hiddenLine xmlns:a14="http://schemas.microsoft.com/office/drawing/2010/main" xmlns="" w="9525">
                   <a:solidFill>
                     <a:srgbClr val="000000"/>
                   </a:solidFill>
@@ -3857,7 +3858,7 @@
             </a:ln>
             <a:extLst>
               <a:ext uri="{91240B29-F687-4f45-9708-019B960494DF}">
-                <a14:hiddenLine xmlns="" xmlns:a14="http://schemas.microsoft.com/office/drawing/2010/main" w="9525">
+                <a14:hiddenLine xmlns:a14="http://schemas.microsoft.com/office/drawing/2010/main" xmlns="" w="9525">
                   <a:solidFill>
                     <a:srgbClr val="000000"/>
                   </a:solidFill>
@@ -3919,7 +3920,7 @@
             </a:ln>
             <a:extLst>
               <a:ext uri="{91240B29-F687-4f45-9708-019B960494DF}">
-                <a14:hiddenLine xmlns="" xmlns:a14="http://schemas.microsoft.com/office/drawing/2010/main" w="9525">
+                <a14:hiddenLine xmlns:a14="http://schemas.microsoft.com/office/drawing/2010/main" xmlns="" w="9525">
                   <a:solidFill>
                     <a:srgbClr val="000000"/>
                   </a:solidFill>
@@ -3981,7 +3982,7 @@
             </a:ln>
             <a:extLst>
               <a:ext uri="{91240B29-F687-4f45-9708-019B960494DF}">
-                <a14:hiddenLine xmlns="" xmlns:a14="http://schemas.microsoft.com/office/drawing/2010/main" w="9525">
+                <a14:hiddenLine xmlns:a14="http://schemas.microsoft.com/office/drawing/2010/main" xmlns="" w="9525">
                   <a:solidFill>
                     <a:srgbClr val="000000"/>
                   </a:solidFill>
@@ -4071,7 +4072,7 @@
             </a:ln>
             <a:extLst>
               <a:ext uri="{91240B29-F687-4f45-9708-019B960494DF}">
-                <a14:hiddenLine xmlns="" xmlns:a14="http://schemas.microsoft.com/office/drawing/2010/main" w="9525">
+                <a14:hiddenLine xmlns:a14="http://schemas.microsoft.com/office/drawing/2010/main" xmlns="" w="9525">
                   <a:solidFill>
                     <a:srgbClr val="000000"/>
                   </a:solidFill>
@@ -4133,7 +4134,7 @@
             </a:ln>
             <a:extLst>
               <a:ext uri="{91240B29-F687-4f45-9708-019B960494DF}">
-                <a14:hiddenLine xmlns="" xmlns:a14="http://schemas.microsoft.com/office/drawing/2010/main" w="9525">
+                <a14:hiddenLine xmlns:a14="http://schemas.microsoft.com/office/drawing/2010/main" xmlns="" w="9525">
                   <a:solidFill>
                     <a:srgbClr val="000000"/>
                   </a:solidFill>
@@ -4195,7 +4196,7 @@
             </a:ln>
             <a:extLst>
               <a:ext uri="{91240B29-F687-4f45-9708-019B960494DF}">
-                <a14:hiddenLine xmlns="" xmlns:a14="http://schemas.microsoft.com/office/drawing/2010/main" w="9525">
+                <a14:hiddenLine xmlns:a14="http://schemas.microsoft.com/office/drawing/2010/main" xmlns="" w="9525">
                   <a:solidFill>
                     <a:srgbClr val="000000"/>
                   </a:solidFill>
@@ -4285,7 +4286,7 @@
             </a:ln>
             <a:extLst>
               <a:ext uri="{91240B29-F687-4f45-9708-019B960494DF}">
-                <a14:hiddenLine xmlns="" xmlns:a14="http://schemas.microsoft.com/office/drawing/2010/main" w="9525">
+                <a14:hiddenLine xmlns:a14="http://schemas.microsoft.com/office/drawing/2010/main" xmlns="" w="9525">
                   <a:solidFill>
                     <a:srgbClr val="000000"/>
                   </a:solidFill>
@@ -4375,7 +4376,7 @@
             </a:ln>
             <a:extLst>
               <a:ext uri="{91240B29-F687-4f45-9708-019B960494DF}">
-                <a14:hiddenLine xmlns="" xmlns:a14="http://schemas.microsoft.com/office/drawing/2010/main" w="9525">
+                <a14:hiddenLine xmlns:a14="http://schemas.microsoft.com/office/drawing/2010/main" xmlns="" w="9525">
                   <a:solidFill>
                     <a:srgbClr val="000000"/>
                   </a:solidFill>
@@ -4437,7 +4438,7 @@
             </a:ln>
             <a:extLst>
               <a:ext uri="{91240B29-F687-4f45-9708-019B960494DF}">
-                <a14:hiddenLine xmlns="" xmlns:a14="http://schemas.microsoft.com/office/drawing/2010/main" w="9525">
+                <a14:hiddenLine xmlns:a14="http://schemas.microsoft.com/office/drawing/2010/main" xmlns="" w="9525">
                   <a:solidFill>
                     <a:srgbClr val="000000"/>
                   </a:solidFill>
@@ -4547,7 +4548,7 @@
             </a:ln>
             <a:extLst>
               <a:ext uri="{91240B29-F687-4f45-9708-019B960494DF}">
-                <a14:hiddenLine xmlns="" xmlns:a14="http://schemas.microsoft.com/office/drawing/2010/main" w="9525">
+                <a14:hiddenLine xmlns:a14="http://schemas.microsoft.com/office/drawing/2010/main" xmlns="" w="9525">
                   <a:solidFill>
                     <a:srgbClr val="000000"/>
                   </a:solidFill>
@@ -4609,7 +4610,7 @@
             </a:ln>
             <a:extLst>
               <a:ext uri="{91240B29-F687-4f45-9708-019B960494DF}">
-                <a14:hiddenLine xmlns="" xmlns:a14="http://schemas.microsoft.com/office/drawing/2010/main" w="9525">
+                <a14:hiddenLine xmlns:a14="http://schemas.microsoft.com/office/drawing/2010/main" xmlns="" w="9525">
                   <a:solidFill>
                     <a:srgbClr val="000000"/>
                   </a:solidFill>
@@ -4699,7 +4700,7 @@
             </a:ln>
             <a:extLst>
               <a:ext uri="{91240B29-F687-4f45-9708-019B960494DF}">
-                <a14:hiddenLine xmlns="" xmlns:a14="http://schemas.microsoft.com/office/drawing/2010/main" w="9525">
+                <a14:hiddenLine xmlns:a14="http://schemas.microsoft.com/office/drawing/2010/main" xmlns="" w="9525">
                   <a:solidFill>
                     <a:srgbClr val="000000"/>
                   </a:solidFill>
@@ -4789,7 +4790,7 @@
             </a:ln>
             <a:extLst>
               <a:ext uri="{91240B29-F687-4f45-9708-019B960494DF}">
-                <a14:hiddenLine xmlns="" xmlns:a14="http://schemas.microsoft.com/office/drawing/2010/main" w="9525">
+                <a14:hiddenLine xmlns:a14="http://schemas.microsoft.com/office/drawing/2010/main" xmlns="" w="9525">
                   <a:solidFill>
                     <a:srgbClr val="000000"/>
                   </a:solidFill>
@@ -4851,7 +4852,7 @@
             </a:ln>
             <a:extLst>
               <a:ext uri="{91240B29-F687-4f45-9708-019B960494DF}">
-                <a14:hiddenLine xmlns="" xmlns:a14="http://schemas.microsoft.com/office/drawing/2010/main" w="9525">
+                <a14:hiddenLine xmlns:a14="http://schemas.microsoft.com/office/drawing/2010/main" xmlns="" w="9525">
                   <a:solidFill>
                     <a:srgbClr val="000000"/>
                   </a:solidFill>
@@ -4941,7 +4942,7 @@
             </a:ln>
             <a:extLst>
               <a:ext uri="{91240B29-F687-4f45-9708-019B960494DF}">
-                <a14:hiddenLine xmlns="" xmlns:a14="http://schemas.microsoft.com/office/drawing/2010/main" w="9525">
+                <a14:hiddenLine xmlns:a14="http://schemas.microsoft.com/office/drawing/2010/main" xmlns="" w="9525">
                   <a:solidFill>
                     <a:srgbClr val="000000"/>
                   </a:solidFill>
@@ -5031,7 +5032,7 @@
             </a:ln>
             <a:extLst>
               <a:ext uri="{91240B29-F687-4f45-9708-019B960494DF}">
-                <a14:hiddenLine xmlns="" xmlns:a14="http://schemas.microsoft.com/office/drawing/2010/main" w="9525">
+                <a14:hiddenLine xmlns:a14="http://schemas.microsoft.com/office/drawing/2010/main" xmlns="" w="9525">
                   <a:solidFill>
                     <a:srgbClr val="000000"/>
                   </a:solidFill>
@@ -5087,7 +5088,7 @@
             </a:ln>
             <a:extLst>
               <a:ext uri="{91240B29-F687-4f45-9708-019B960494DF}">
-                <a14:hiddenLine xmlns="" xmlns:a14="http://schemas.microsoft.com/office/drawing/2010/main" w="9525">
+                <a14:hiddenLine xmlns:a14="http://schemas.microsoft.com/office/drawing/2010/main" xmlns="" w="9525">
                   <a:solidFill>
                     <a:srgbClr val="000000"/>
                   </a:solidFill>
@@ -5177,7 +5178,7 @@
             </a:ln>
             <a:extLst>
               <a:ext uri="{91240B29-F687-4f45-9708-019B960494DF}">
-                <a14:hiddenLine xmlns="" xmlns:a14="http://schemas.microsoft.com/office/drawing/2010/main" w="9525">
+                <a14:hiddenLine xmlns:a14="http://schemas.microsoft.com/office/drawing/2010/main" xmlns="" w="9525">
                   <a:solidFill>
                     <a:srgbClr val="000000"/>
                   </a:solidFill>
@@ -5233,7 +5234,7 @@
             </a:ln>
             <a:extLst>
               <a:ext uri="{91240B29-F687-4f45-9708-019B960494DF}">
-                <a14:hiddenLine xmlns="" xmlns:a14="http://schemas.microsoft.com/office/drawing/2010/main" w="9525">
+                <a14:hiddenLine xmlns:a14="http://schemas.microsoft.com/office/drawing/2010/main" xmlns="" w="9525">
                   <a:solidFill>
                     <a:srgbClr val="000000"/>
                   </a:solidFill>
@@ -5323,7 +5324,7 @@
             </a:ln>
             <a:extLst>
               <a:ext uri="{91240B29-F687-4f45-9708-019B960494DF}">
-                <a14:hiddenLine xmlns="" xmlns:a14="http://schemas.microsoft.com/office/drawing/2010/main" w="9525">
+                <a14:hiddenLine xmlns:a14="http://schemas.microsoft.com/office/drawing/2010/main" xmlns="" w="9525">
                   <a:solidFill>
                     <a:srgbClr val="000000"/>
                   </a:solidFill>
@@ -5391,7 +5392,7 @@
             </a:ln>
             <a:extLst>
               <a:ext uri="{91240B29-F687-4f45-9708-019B960494DF}">
-                <a14:hiddenLine xmlns="" xmlns:a14="http://schemas.microsoft.com/office/drawing/2010/main" w="9525">
+                <a14:hiddenLine xmlns:a14="http://schemas.microsoft.com/office/drawing/2010/main" xmlns="" w="9525">
                   <a:solidFill>
                     <a:srgbClr val="000000"/>
                   </a:solidFill>
@@ -5481,7 +5482,7 @@
             </a:ln>
             <a:extLst>
               <a:ext uri="{91240B29-F687-4f45-9708-019B960494DF}">
-                <a14:hiddenLine xmlns="" xmlns:a14="http://schemas.microsoft.com/office/drawing/2010/main" w="9525">
+                <a14:hiddenLine xmlns:a14="http://schemas.microsoft.com/office/drawing/2010/main" xmlns="" w="9525">
                   <a:solidFill>
                     <a:srgbClr val="000000"/>
                   </a:solidFill>
@@ -5549,7 +5550,7 @@
             </a:ln>
             <a:extLst>
               <a:ext uri="{91240B29-F687-4f45-9708-019B960494DF}">
-                <a14:hiddenLine xmlns="" xmlns:a14="http://schemas.microsoft.com/office/drawing/2010/main" w="9525">
+                <a14:hiddenLine xmlns:a14="http://schemas.microsoft.com/office/drawing/2010/main" xmlns="" w="9525">
                   <a:solidFill>
                     <a:srgbClr val="000000"/>
                   </a:solidFill>
@@ -5639,7 +5640,7 @@
             </a:ln>
             <a:extLst>
               <a:ext uri="{91240B29-F687-4f45-9708-019B960494DF}">
-                <a14:hiddenLine xmlns="" xmlns:a14="http://schemas.microsoft.com/office/drawing/2010/main" w="9525">
+                <a14:hiddenLine xmlns:a14="http://schemas.microsoft.com/office/drawing/2010/main" xmlns="" w="9525">
                   <a:solidFill>
                     <a:srgbClr val="000000"/>
                   </a:solidFill>
@@ -5673,7 +5674,7 @@
             </a:ln>
             <a:extLst>
               <a:ext uri="{91240B29-F687-4f45-9708-019B960494DF}">
-                <a14:hiddenLine xmlns="" xmlns:a14="http://schemas.microsoft.com/office/drawing/2010/main" w="9525">
+                <a14:hiddenLine xmlns:a14="http://schemas.microsoft.com/office/drawing/2010/main" xmlns="" w="9525">
                   <a:solidFill>
                     <a:srgbClr val="000000"/>
                   </a:solidFill>
@@ -5763,7 +5764,7 @@
             </a:ln>
             <a:extLst>
               <a:ext uri="{91240B29-F687-4f45-9708-019B960494DF}">
-                <a14:hiddenLine xmlns="" xmlns:a14="http://schemas.microsoft.com/office/drawing/2010/main" w="9525">
+                <a14:hiddenLine xmlns:a14="http://schemas.microsoft.com/office/drawing/2010/main" xmlns="" w="9525">
                   <a:solidFill>
                     <a:srgbClr val="000000"/>
                   </a:solidFill>
@@ -5825,7 +5826,7 @@
             </a:ln>
             <a:extLst>
               <a:ext uri="{91240B29-F687-4f45-9708-019B960494DF}">
-                <a14:hiddenLine xmlns="" xmlns:a14="http://schemas.microsoft.com/office/drawing/2010/main" w="9525">
+                <a14:hiddenLine xmlns:a14="http://schemas.microsoft.com/office/drawing/2010/main" xmlns="" w="9525">
                   <a:solidFill>
                     <a:srgbClr val="000000"/>
                   </a:solidFill>
@@ -5887,7 +5888,7 @@
             </a:ln>
             <a:extLst>
               <a:ext uri="{91240B29-F687-4f45-9708-019B960494DF}">
-                <a14:hiddenLine xmlns="" xmlns:a14="http://schemas.microsoft.com/office/drawing/2010/main" w="9525">
+                <a14:hiddenLine xmlns:a14="http://schemas.microsoft.com/office/drawing/2010/main" xmlns="" w="9525">
                   <a:solidFill>
                     <a:srgbClr val="000000"/>
                   </a:solidFill>
@@ -5977,7 +5978,7 @@
             </a:ln>
             <a:extLst>
               <a:ext uri="{91240B29-F687-4f45-9708-019B960494DF}">
-                <a14:hiddenLine xmlns="" xmlns:a14="http://schemas.microsoft.com/office/drawing/2010/main" w="9525">
+                <a14:hiddenLine xmlns:a14="http://schemas.microsoft.com/office/drawing/2010/main" xmlns="" w="9525">
                   <a:solidFill>
                     <a:srgbClr val="000000"/>
                   </a:solidFill>
@@ -6045,7 +6046,7 @@
             </a:ln>
             <a:extLst>
               <a:ext uri="{91240B29-F687-4f45-9708-019B960494DF}">
-                <a14:hiddenLine xmlns="" xmlns:a14="http://schemas.microsoft.com/office/drawing/2010/main" w="9525">
+                <a14:hiddenLine xmlns:a14="http://schemas.microsoft.com/office/drawing/2010/main" xmlns="" w="9525">
                   <a:solidFill>
                     <a:srgbClr val="000000"/>
                   </a:solidFill>
@@ -6107,7 +6108,7 @@
             </a:ln>
             <a:extLst>
               <a:ext uri="{91240B29-F687-4f45-9708-019B960494DF}">
-                <a14:hiddenLine xmlns="" xmlns:a14="http://schemas.microsoft.com/office/drawing/2010/main" w="9525">
+                <a14:hiddenLine xmlns:a14="http://schemas.microsoft.com/office/drawing/2010/main" xmlns="" w="9525">
                   <a:solidFill>
                     <a:srgbClr val="000000"/>
                   </a:solidFill>
@@ -6197,7 +6198,7 @@
             </a:ln>
             <a:extLst>
               <a:ext uri="{91240B29-F687-4f45-9708-019B960494DF}">
-                <a14:hiddenLine xmlns="" xmlns:a14="http://schemas.microsoft.com/office/drawing/2010/main" w="9525">
+                <a14:hiddenLine xmlns:a14="http://schemas.microsoft.com/office/drawing/2010/main" xmlns="" w="9525">
                   <a:solidFill>
                     <a:srgbClr val="000000"/>
                   </a:solidFill>
@@ -6259,7 +6260,7 @@
             </a:ln>
             <a:extLst>
               <a:ext uri="{91240B29-F687-4f45-9708-019B960494DF}">
-                <a14:hiddenLine xmlns="" xmlns:a14="http://schemas.microsoft.com/office/drawing/2010/main" w="9525">
+                <a14:hiddenLine xmlns:a14="http://schemas.microsoft.com/office/drawing/2010/main" xmlns="" w="9525">
                   <a:solidFill>
                     <a:srgbClr val="000000"/>
                   </a:solidFill>
@@ -6349,7 +6350,7 @@
             </a:ln>
             <a:extLst>
               <a:ext uri="{91240B29-F687-4f45-9708-019B960494DF}">
-                <a14:hiddenLine xmlns="" xmlns:a14="http://schemas.microsoft.com/office/drawing/2010/main" w="9525">
+                <a14:hiddenLine xmlns:a14="http://schemas.microsoft.com/office/drawing/2010/main" xmlns="" w="9525">
                   <a:solidFill>
                     <a:srgbClr val="000000"/>
                   </a:solidFill>
@@ -6411,7 +6412,7 @@
             </a:ln>
             <a:extLst>
               <a:ext uri="{91240B29-F687-4f45-9708-019B960494DF}">
-                <a14:hiddenLine xmlns="" xmlns:a14="http://schemas.microsoft.com/office/drawing/2010/main" w="9525">
+                <a14:hiddenLine xmlns:a14="http://schemas.microsoft.com/office/drawing/2010/main" xmlns="" w="9525">
                   <a:solidFill>
                     <a:srgbClr val="000000"/>
                   </a:solidFill>
@@ -6501,7 +6502,7 @@
             </a:ln>
             <a:extLst>
               <a:ext uri="{91240B29-F687-4f45-9708-019B960494DF}">
-                <a14:hiddenLine xmlns="" xmlns:a14="http://schemas.microsoft.com/office/drawing/2010/main" w="9525">
+                <a14:hiddenLine xmlns:a14="http://schemas.microsoft.com/office/drawing/2010/main" xmlns="" w="9525">
                   <a:solidFill>
                     <a:srgbClr val="000000"/>
                   </a:solidFill>
@@ -6535,7 +6536,7 @@
             </a:ln>
             <a:extLst>
               <a:ext uri="{91240B29-F687-4f45-9708-019B960494DF}">
-                <a14:hiddenLine xmlns="" xmlns:a14="http://schemas.microsoft.com/office/drawing/2010/main" w="9525">
+                <a14:hiddenLine xmlns:a14="http://schemas.microsoft.com/office/drawing/2010/main" xmlns="" w="9525">
                   <a:solidFill>
                     <a:srgbClr val="000000"/>
                   </a:solidFill>
@@ -6600,7 +6601,7 @@
             </a:ln>
             <a:extLst>
               <a:ext uri="{91240B29-F687-4f45-9708-019B960494DF}">
-                <a14:hiddenLine xmlns="" xmlns:a14="http://schemas.microsoft.com/office/drawing/2010/main" w="9525">
+                <a14:hiddenLine xmlns:a14="http://schemas.microsoft.com/office/drawing/2010/main" xmlns="" w="9525">
                   <a:solidFill>
                     <a:srgbClr val="000000"/>
                   </a:solidFill>
@@ -6690,7 +6691,7 @@
             </a:ln>
             <a:extLst>
               <a:ext uri="{91240B29-F687-4f45-9708-019B960494DF}">
-                <a14:hiddenLine xmlns="" xmlns:a14="http://schemas.microsoft.com/office/drawing/2010/main" w="9525">
+                <a14:hiddenLine xmlns:a14="http://schemas.microsoft.com/office/drawing/2010/main" xmlns="" w="9525">
                   <a:solidFill>
                     <a:srgbClr val="000000"/>
                   </a:solidFill>
@@ -6752,7 +6753,7 @@
             </a:ln>
             <a:extLst>
               <a:ext uri="{91240B29-F687-4f45-9708-019B960494DF}">
-                <a14:hiddenLine xmlns="" xmlns:a14="http://schemas.microsoft.com/office/drawing/2010/main" w="9525">
+                <a14:hiddenLine xmlns:a14="http://schemas.microsoft.com/office/drawing/2010/main" xmlns="" w="9525">
                   <a:solidFill>
                     <a:srgbClr val="000000"/>
                   </a:solidFill>
@@ -6842,7 +6843,7 @@
             </a:ln>
             <a:extLst>
               <a:ext uri="{91240B29-F687-4f45-9708-019B960494DF}">
-                <a14:hiddenLine xmlns="" xmlns:a14="http://schemas.microsoft.com/office/drawing/2010/main" w="9525">
+                <a14:hiddenLine xmlns:a14="http://schemas.microsoft.com/office/drawing/2010/main" xmlns="" w="9525">
                   <a:solidFill>
                     <a:srgbClr val="000000"/>
                   </a:solidFill>
@@ -6932,7 +6933,7 @@
             </a:ln>
             <a:extLst>
               <a:ext uri="{91240B29-F687-4f45-9708-019B960494DF}">
-                <a14:hiddenLine xmlns="" xmlns:a14="http://schemas.microsoft.com/office/drawing/2010/main" w="9525">
+                <a14:hiddenLine xmlns:a14="http://schemas.microsoft.com/office/drawing/2010/main" xmlns="" w="9525">
                   <a:solidFill>
                     <a:srgbClr val="000000"/>
                   </a:solidFill>
@@ -6997,7 +6998,7 @@
             </a:ln>
             <a:extLst>
               <a:ext uri="{91240B29-F687-4f45-9708-019B960494DF}">
-                <a14:hiddenLine xmlns="" xmlns:a14="http://schemas.microsoft.com/office/drawing/2010/main" w="9525">
+                <a14:hiddenLine xmlns:a14="http://schemas.microsoft.com/office/drawing/2010/main" xmlns="" w="9525">
                   <a:solidFill>
                     <a:srgbClr val="000000"/>
                   </a:solidFill>
@@ -7059,7 +7060,7 @@
             </a:ln>
             <a:extLst>
               <a:ext uri="{91240B29-F687-4f45-9708-019B960494DF}">
-                <a14:hiddenLine xmlns="" xmlns:a14="http://schemas.microsoft.com/office/drawing/2010/main" w="9525">
+                <a14:hiddenLine xmlns:a14="http://schemas.microsoft.com/office/drawing/2010/main" xmlns="" w="9525">
                   <a:solidFill>
                     <a:srgbClr val="000000"/>
                   </a:solidFill>
@@ -7149,7 +7150,7 @@
             </a:ln>
             <a:extLst>
               <a:ext uri="{91240B29-F687-4f45-9708-019B960494DF}">
-                <a14:hiddenLine xmlns="" xmlns:a14="http://schemas.microsoft.com/office/drawing/2010/main" w="9525">
+                <a14:hiddenLine xmlns:a14="http://schemas.microsoft.com/office/drawing/2010/main" xmlns="" w="9525">
                   <a:solidFill>
                     <a:srgbClr val="000000"/>
                   </a:solidFill>
@@ -7239,7 +7240,7 @@
             </a:ln>
             <a:extLst>
               <a:ext uri="{91240B29-F687-4f45-9708-019B960494DF}">
-                <a14:hiddenLine xmlns="" xmlns:a14="http://schemas.microsoft.com/office/drawing/2010/main" w="9525">
+                <a14:hiddenLine xmlns:a14="http://schemas.microsoft.com/office/drawing/2010/main" xmlns="" w="9525">
                   <a:solidFill>
                     <a:srgbClr val="000000"/>
                   </a:solidFill>
@@ -7301,7 +7302,7 @@
             </a:ln>
             <a:extLst>
               <a:ext uri="{91240B29-F687-4f45-9708-019B960494DF}">
-                <a14:hiddenLine xmlns="" xmlns:a14="http://schemas.microsoft.com/office/drawing/2010/main" w="9525">
+                <a14:hiddenLine xmlns:a14="http://schemas.microsoft.com/office/drawing/2010/main" xmlns="" w="9525">
                   <a:solidFill>
                     <a:srgbClr val="000000"/>
                   </a:solidFill>
@@ -7421,7 +7422,7 @@
             </a:ln>
             <a:extLst>
               <a:ext uri="{91240B29-F687-4f45-9708-019B960494DF}">
-                <a14:hiddenLine xmlns="" xmlns:a14="http://schemas.microsoft.com/office/drawing/2010/main" w="9525">
+                <a14:hiddenLine xmlns:a14="http://schemas.microsoft.com/office/drawing/2010/main" xmlns="" w="9525">
                   <a:solidFill>
                     <a:srgbClr val="000000"/>
                   </a:solidFill>
@@ -7489,7 +7490,7 @@
             </a:ln>
             <a:extLst>
               <a:ext uri="{91240B29-F687-4f45-9708-019B960494DF}">
-                <a14:hiddenLine xmlns="" xmlns:a14="http://schemas.microsoft.com/office/drawing/2010/main" w="9525">
+                <a14:hiddenLine xmlns:a14="http://schemas.microsoft.com/office/drawing/2010/main" xmlns="" w="9525">
                   <a:solidFill>
                     <a:srgbClr val="000000"/>
                   </a:solidFill>
@@ -7579,7 +7580,7 @@
             </a:ln>
             <a:extLst>
               <a:ext uri="{91240B29-F687-4f45-9708-019B960494DF}">
-                <a14:hiddenLine xmlns="" xmlns:a14="http://schemas.microsoft.com/office/drawing/2010/main" w="9525">
+                <a14:hiddenLine xmlns:a14="http://schemas.microsoft.com/office/drawing/2010/main" xmlns="" w="9525">
                   <a:solidFill>
                     <a:srgbClr val="000000"/>
                   </a:solidFill>
@@ -7719,7 +7720,7 @@
           <a:p>
             <a:fld id="{9AB3A824-1A51-4B26-AD58-A6D8E14F6C04}" type="datetimeFigureOut">
               <a:rPr lang="en-US" smtClean="0"/>
-              <a:t>4/1/20</a:t>
+              <a:t>4/13/20</a:t>
             </a:fld>
             <a:endParaRPr lang="en-US" dirty="0"/>
           </a:p>
@@ -7991,7 +7992,7 @@
           <a:p>
             <a:fld id="{3CBC1C18-307B-4F68-A007-B5B542270E8D}" type="datetimeFigureOut">
               <a:rPr lang="en-US" smtClean="0"/>
-              <a:t>4/1/20</a:t>
+              <a:t>4/13/20</a:t>
             </a:fld>
             <a:endParaRPr lang="en-US" dirty="0"/>
           </a:p>
@@ -8194,7 +8195,7 @@
           <a:p>
             <a:fld id="{3CBC1C18-307B-4F68-A007-B5B542270E8D}" type="datetimeFigureOut">
               <a:rPr lang="en-US" smtClean="0"/>
-              <a:t>4/1/20</a:t>
+              <a:t>4/13/20</a:t>
             </a:fld>
             <a:endParaRPr lang="en-US" dirty="0"/>
           </a:p>
@@ -8464,7 +8465,7 @@
           <a:p>
             <a:fld id="{3CBC1C18-307B-4F68-A007-B5B542270E8D}" type="datetimeFigureOut">
               <a:rPr lang="en-US" smtClean="0"/>
-              <a:t>4/1/20</a:t>
+              <a:t>4/13/20</a:t>
             </a:fld>
             <a:endParaRPr lang="en-US" dirty="0"/>
           </a:p>
@@ -8905,7 +8906,7 @@
           <a:p>
             <a:fld id="{3CBC1C18-307B-4F68-A007-B5B542270E8D}" type="datetimeFigureOut">
               <a:rPr lang="en-US" smtClean="0"/>
-              <a:t>4/1/20</a:t>
+              <a:t>4/13/20</a:t>
             </a:fld>
             <a:endParaRPr lang="en-US" dirty="0"/>
           </a:p>
@@ -9458,7 +9459,7 @@
           <a:p>
             <a:fld id="{3CBC1C18-307B-4F68-A007-B5B542270E8D}" type="datetimeFigureOut">
               <a:rPr lang="en-US" smtClean="0"/>
-              <a:t>4/1/20</a:t>
+              <a:t>4/13/20</a:t>
             </a:fld>
             <a:endParaRPr lang="en-US" dirty="0"/>
           </a:p>
@@ -10185,7 +10186,7 @@
           <a:p>
             <a:fld id="{3CBC1C18-307B-4F68-A007-B5B542270E8D}" type="datetimeFigureOut">
               <a:rPr lang="en-US" smtClean="0"/>
-              <a:t>4/1/20</a:t>
+              <a:t>4/13/20</a:t>
             </a:fld>
             <a:endParaRPr lang="en-US" dirty="0"/>
           </a:p>
@@ -10362,7 +10363,7 @@
           <a:p>
             <a:fld id="{D857E33E-8B18-4087-B112-809917729534}" type="datetimeFigureOut">
               <a:rPr lang="en-US" smtClean="0"/>
-              <a:t>4/1/20</a:t>
+              <a:t>4/13/20</a:t>
             </a:fld>
             <a:endParaRPr lang="en-US" dirty="0"/>
           </a:p>
@@ -10547,7 +10548,7 @@
           <a:p>
             <a:fld id="{D3FFE419-2371-464F-8239-3959401C3561}" type="datetimeFigureOut">
               <a:rPr lang="en-US" smtClean="0"/>
-              <a:t>4/1/20</a:t>
+              <a:t>4/13/20</a:t>
             </a:fld>
             <a:endParaRPr lang="en-US" dirty="0"/>
           </a:p>
@@ -10722,7 +10723,7 @@
           <a:p>
             <a:fld id="{97D162C4-EDD9-4389-A98B-B87ECEA2A816}" type="datetimeFigureOut">
               <a:rPr lang="en-US" smtClean="0"/>
-              <a:t>4/1/20</a:t>
+              <a:t>4/13/20</a:t>
             </a:fld>
             <a:endParaRPr lang="en-US" dirty="0"/>
           </a:p>
@@ -10977,7 +10978,7 @@
           <a:p>
             <a:fld id="{3E5059C3-6A89-4494-99FF-5A4D6FFD50EB}" type="datetimeFigureOut">
               <a:rPr lang="en-US" smtClean="0"/>
-              <a:t>4/1/20</a:t>
+              <a:t>4/13/20</a:t>
             </a:fld>
             <a:endParaRPr lang="en-US" dirty="0"/>
           </a:p>
@@ -11214,7 +11215,7 @@
           <a:p>
             <a:fld id="{CA954B2F-12DE-47F5-8894-472B206D2E1E}" type="datetimeFigureOut">
               <a:rPr lang="en-US" smtClean="0"/>
-              <a:t>4/1/20</a:t>
+              <a:t>4/13/20</a:t>
             </a:fld>
             <a:endParaRPr lang="en-US" dirty="0"/>
           </a:p>
@@ -11600,7 +11601,7 @@
           <a:p>
             <a:fld id="{3CBC1C18-307B-4F68-A007-B5B542270E8D}" type="datetimeFigureOut">
               <a:rPr lang="en-US" smtClean="0"/>
-              <a:t>4/1/20</a:t>
+              <a:t>4/13/20</a:t>
             </a:fld>
             <a:endParaRPr lang="en-US" dirty="0"/>
           </a:p>
@@ -11725,7 +11726,7 @@
           <a:p>
             <a:fld id="{1FAF3416-4057-4DAA-829D-4CA07428D088}" type="datetimeFigureOut">
               <a:rPr lang="en-US" smtClean="0"/>
-              <a:t>4/1/20</a:t>
+              <a:t>4/13/20</a:t>
             </a:fld>
             <a:endParaRPr lang="en-US" dirty="0"/>
           </a:p>
@@ -11825,7 +11826,7 @@
           <a:p>
             <a:fld id="{921D9284-D300-4297-87F7-E791DCC15DB1}" type="datetimeFigureOut">
               <a:rPr lang="en-US" smtClean="0"/>
-              <a:t>4/1/20</a:t>
+              <a:t>4/13/20</a:t>
             </a:fld>
             <a:endParaRPr lang="en-US" dirty="0"/>
           </a:p>
@@ -12079,7 +12080,7 @@
           <a:p>
             <a:fld id="{37D525BB-DA17-4BA0-B3C8-3AC3ABC827E6}" type="datetimeFigureOut">
               <a:rPr lang="en-US" smtClean="0"/>
-              <a:t>4/1/20</a:t>
+              <a:t>4/13/20</a:t>
             </a:fld>
             <a:endParaRPr lang="en-US" dirty="0"/>
           </a:p>
@@ -12364,7 +12365,7 @@
           <a:p>
             <a:fld id="{B16C4C9A-3960-41CF-A4E9-2A8FB932454B}" type="datetimeFigureOut">
               <a:rPr lang="en-US" smtClean="0"/>
-              <a:t>4/1/20</a:t>
+              <a:t>4/13/20</a:t>
             </a:fld>
             <a:endParaRPr lang="en-US" dirty="0"/>
           </a:p>
@@ -12485,7 +12486,7 @@
           <a:noFill/>
           <a:extLst>
             <a:ext uri="{909E8E84-426E-40dd-AFC4-6F175D3DCCD1}">
-              <a14:hiddenFill xmlns="" xmlns:a14="http://schemas.microsoft.com/office/drawing/2010/main">
+              <a14:hiddenFill xmlns:a14="http://schemas.microsoft.com/office/drawing/2010/main" xmlns="">
                 <a:solidFill>
                   <a:srgbClr val="FFFFFF"/>
                 </a:solidFill>
@@ -12559,7 +12560,7 @@
               </a:ln>
               <a:extLst>
                 <a:ext uri="{91240B29-F687-4f45-9708-019B960494DF}">
-                  <a14:hiddenLine xmlns="" xmlns:a14="http://schemas.microsoft.com/office/drawing/2010/main" w="9525">
+                  <a14:hiddenLine xmlns:a14="http://schemas.microsoft.com/office/drawing/2010/main" xmlns="" w="9525">
                     <a:solidFill>
                       <a:srgbClr val="000000"/>
                     </a:solidFill>
@@ -12649,7 +12650,7 @@
               </a:ln>
               <a:extLst>
                 <a:ext uri="{91240B29-F687-4f45-9708-019B960494DF}">
-                  <a14:hiddenLine xmlns="" xmlns:a14="http://schemas.microsoft.com/office/drawing/2010/main" w="9525">
+                  <a14:hiddenLine xmlns:a14="http://schemas.microsoft.com/office/drawing/2010/main" xmlns="" w="9525">
                     <a:solidFill>
                       <a:srgbClr val="000000"/>
                     </a:solidFill>
@@ -12739,7 +12740,7 @@
               </a:ln>
               <a:extLst>
                 <a:ext uri="{91240B29-F687-4f45-9708-019B960494DF}">
-                  <a14:hiddenLine xmlns="" xmlns:a14="http://schemas.microsoft.com/office/drawing/2010/main" w="9525">
+                  <a14:hiddenLine xmlns:a14="http://schemas.microsoft.com/office/drawing/2010/main" xmlns="" w="9525">
                     <a:solidFill>
                       <a:srgbClr val="000000"/>
                     </a:solidFill>
@@ -12801,7 +12802,7 @@
               </a:ln>
               <a:extLst>
                 <a:ext uri="{91240B29-F687-4f45-9708-019B960494DF}">
-                  <a14:hiddenLine xmlns="" xmlns:a14="http://schemas.microsoft.com/office/drawing/2010/main" w="9525">
+                  <a14:hiddenLine xmlns:a14="http://schemas.microsoft.com/office/drawing/2010/main" xmlns="" w="9525">
                     <a:solidFill>
                       <a:srgbClr val="000000"/>
                     </a:solidFill>
@@ -12891,7 +12892,7 @@
               </a:ln>
               <a:extLst>
                 <a:ext uri="{91240B29-F687-4f45-9708-019B960494DF}">
-                  <a14:hiddenLine xmlns="" xmlns:a14="http://schemas.microsoft.com/office/drawing/2010/main" w="9525">
+                  <a14:hiddenLine xmlns:a14="http://schemas.microsoft.com/office/drawing/2010/main" xmlns="" w="9525">
                     <a:solidFill>
                       <a:srgbClr val="000000"/>
                     </a:solidFill>
@@ -12953,7 +12954,7 @@
               </a:ln>
               <a:extLst>
                 <a:ext uri="{91240B29-F687-4f45-9708-019B960494DF}">
-                  <a14:hiddenLine xmlns="" xmlns:a14="http://schemas.microsoft.com/office/drawing/2010/main" w="9525">
+                  <a14:hiddenLine xmlns:a14="http://schemas.microsoft.com/office/drawing/2010/main" xmlns="" w="9525">
                     <a:solidFill>
                       <a:srgbClr val="000000"/>
                     </a:solidFill>
@@ -13015,7 +13016,7 @@
               </a:ln>
               <a:extLst>
                 <a:ext uri="{91240B29-F687-4f45-9708-019B960494DF}">
-                  <a14:hiddenLine xmlns="" xmlns:a14="http://schemas.microsoft.com/office/drawing/2010/main" w="9525">
+                  <a14:hiddenLine xmlns:a14="http://schemas.microsoft.com/office/drawing/2010/main" xmlns="" w="9525">
                     <a:solidFill>
                       <a:srgbClr val="000000"/>
                     </a:solidFill>
@@ -13105,7 +13106,7 @@
               </a:ln>
               <a:extLst>
                 <a:ext uri="{91240B29-F687-4f45-9708-019B960494DF}">
-                  <a14:hiddenLine xmlns="" xmlns:a14="http://schemas.microsoft.com/office/drawing/2010/main" w="9525">
+                  <a14:hiddenLine xmlns:a14="http://schemas.microsoft.com/office/drawing/2010/main" xmlns="" w="9525">
                     <a:solidFill>
                       <a:srgbClr val="000000"/>
                     </a:solidFill>
@@ -13195,7 +13196,7 @@
               </a:ln>
               <a:extLst>
                 <a:ext uri="{91240B29-F687-4f45-9708-019B960494DF}">
-                  <a14:hiddenLine xmlns="" xmlns:a14="http://schemas.microsoft.com/office/drawing/2010/main" w="9525">
+                  <a14:hiddenLine xmlns:a14="http://schemas.microsoft.com/office/drawing/2010/main" xmlns="" w="9525">
                     <a:solidFill>
                       <a:srgbClr val="000000"/>
                     </a:solidFill>
@@ -13257,7 +13258,7 @@
               </a:ln>
               <a:extLst>
                 <a:ext uri="{91240B29-F687-4f45-9708-019B960494DF}">
-                  <a14:hiddenLine xmlns="" xmlns:a14="http://schemas.microsoft.com/office/drawing/2010/main" w="9525">
+                  <a14:hiddenLine xmlns:a14="http://schemas.microsoft.com/office/drawing/2010/main" xmlns="" w="9525">
                     <a:solidFill>
                       <a:srgbClr val="000000"/>
                     </a:solidFill>
@@ -13367,7 +13368,7 @@
               </a:ln>
               <a:extLst>
                 <a:ext uri="{91240B29-F687-4f45-9708-019B960494DF}">
-                  <a14:hiddenLine xmlns="" xmlns:a14="http://schemas.microsoft.com/office/drawing/2010/main" w="9525">
+                  <a14:hiddenLine xmlns:a14="http://schemas.microsoft.com/office/drawing/2010/main" xmlns="" w="9525">
                     <a:solidFill>
                       <a:srgbClr val="000000"/>
                     </a:solidFill>
@@ -13451,7 +13452,7 @@
               </a:ln>
               <a:extLst>
                 <a:ext uri="{91240B29-F687-4f45-9708-019B960494DF}">
-                  <a14:hiddenLine xmlns="" xmlns:a14="http://schemas.microsoft.com/office/drawing/2010/main" w="9525">
+                  <a14:hiddenLine xmlns:a14="http://schemas.microsoft.com/office/drawing/2010/main" xmlns="" w="9525">
                     <a:solidFill>
                       <a:srgbClr val="000000"/>
                     </a:solidFill>
@@ -13513,7 +13514,7 @@
               </a:ln>
               <a:extLst>
                 <a:ext uri="{91240B29-F687-4f45-9708-019B960494DF}">
-                  <a14:hiddenLine xmlns="" xmlns:a14="http://schemas.microsoft.com/office/drawing/2010/main" w="9525">
+                  <a14:hiddenLine xmlns:a14="http://schemas.microsoft.com/office/drawing/2010/main" xmlns="" w="9525">
                     <a:solidFill>
                       <a:srgbClr val="000000"/>
                     </a:solidFill>
@@ -13575,7 +13576,7 @@
               </a:ln>
               <a:extLst>
                 <a:ext uri="{91240B29-F687-4f45-9708-019B960494DF}">
-                  <a14:hiddenLine xmlns="" xmlns:a14="http://schemas.microsoft.com/office/drawing/2010/main" w="9525">
+                  <a14:hiddenLine xmlns:a14="http://schemas.microsoft.com/office/drawing/2010/main" xmlns="" w="9525">
                     <a:solidFill>
                       <a:srgbClr val="000000"/>
                     </a:solidFill>
@@ -13665,7 +13666,7 @@
               </a:ln>
               <a:extLst>
                 <a:ext uri="{91240B29-F687-4f45-9708-019B960494DF}">
-                  <a14:hiddenLine xmlns="" xmlns:a14="http://schemas.microsoft.com/office/drawing/2010/main" w="9525">
+                  <a14:hiddenLine xmlns:a14="http://schemas.microsoft.com/office/drawing/2010/main" xmlns="" w="9525">
                     <a:solidFill>
                       <a:srgbClr val="000000"/>
                     </a:solidFill>
@@ -13699,7 +13700,7 @@
               </a:ln>
               <a:extLst>
                 <a:ext uri="{91240B29-F687-4f45-9708-019B960494DF}">
-                  <a14:hiddenLine xmlns="" xmlns:a14="http://schemas.microsoft.com/office/drawing/2010/main" w="9525">
+                  <a14:hiddenLine xmlns:a14="http://schemas.microsoft.com/office/drawing/2010/main" xmlns="" w="9525">
                     <a:solidFill>
                       <a:srgbClr val="000000"/>
                     </a:solidFill>
@@ -13764,7 +13765,7 @@
               </a:ln>
               <a:extLst>
                 <a:ext uri="{91240B29-F687-4f45-9708-019B960494DF}">
-                  <a14:hiddenLine xmlns="" xmlns:a14="http://schemas.microsoft.com/office/drawing/2010/main" w="9525">
+                  <a14:hiddenLine xmlns:a14="http://schemas.microsoft.com/office/drawing/2010/main" xmlns="" w="9525">
                     <a:solidFill>
                       <a:srgbClr val="000000"/>
                     </a:solidFill>
@@ -13854,7 +13855,7 @@
               </a:ln>
               <a:extLst>
                 <a:ext uri="{91240B29-F687-4f45-9708-019B960494DF}">
-                  <a14:hiddenLine xmlns="" xmlns:a14="http://schemas.microsoft.com/office/drawing/2010/main" w="9525">
+                  <a14:hiddenLine xmlns:a14="http://schemas.microsoft.com/office/drawing/2010/main" xmlns="" w="9525">
                     <a:solidFill>
                       <a:srgbClr val="000000"/>
                     </a:solidFill>
@@ -13916,7 +13917,7 @@
               </a:ln>
               <a:extLst>
                 <a:ext uri="{91240B29-F687-4f45-9708-019B960494DF}">
-                  <a14:hiddenLine xmlns="" xmlns:a14="http://schemas.microsoft.com/office/drawing/2010/main" w="9525">
+                  <a14:hiddenLine xmlns:a14="http://schemas.microsoft.com/office/drawing/2010/main" xmlns="" w="9525">
                     <a:solidFill>
                       <a:srgbClr val="000000"/>
                     </a:solidFill>
@@ -14006,7 +14007,7 @@
               </a:ln>
               <a:extLst>
                 <a:ext uri="{91240B29-F687-4f45-9708-019B960494DF}">
-                  <a14:hiddenLine xmlns="" xmlns:a14="http://schemas.microsoft.com/office/drawing/2010/main" w="9525">
+                  <a14:hiddenLine xmlns:a14="http://schemas.microsoft.com/office/drawing/2010/main" xmlns="" w="9525">
                     <a:solidFill>
                       <a:srgbClr val="000000"/>
                     </a:solidFill>
@@ -14071,7 +14072,7 @@
               </a:ln>
               <a:extLst>
                 <a:ext uri="{91240B29-F687-4f45-9708-019B960494DF}">
-                  <a14:hiddenLine xmlns="" xmlns:a14="http://schemas.microsoft.com/office/drawing/2010/main" w="9525">
+                  <a14:hiddenLine xmlns:a14="http://schemas.microsoft.com/office/drawing/2010/main" xmlns="" w="9525">
                     <a:solidFill>
                       <a:srgbClr val="000000"/>
                     </a:solidFill>
@@ -14133,7 +14134,7 @@
               </a:ln>
               <a:extLst>
                 <a:ext uri="{91240B29-F687-4f45-9708-019B960494DF}">
-                  <a14:hiddenLine xmlns="" xmlns:a14="http://schemas.microsoft.com/office/drawing/2010/main" w="9525">
+                  <a14:hiddenLine xmlns:a14="http://schemas.microsoft.com/office/drawing/2010/main" xmlns="" w="9525">
                     <a:solidFill>
                       <a:srgbClr val="000000"/>
                     </a:solidFill>
@@ -14223,7 +14224,7 @@
               </a:ln>
               <a:extLst>
                 <a:ext uri="{91240B29-F687-4f45-9708-019B960494DF}">
-                  <a14:hiddenLine xmlns="" xmlns:a14="http://schemas.microsoft.com/office/drawing/2010/main" w="9525">
+                  <a14:hiddenLine xmlns:a14="http://schemas.microsoft.com/office/drawing/2010/main" xmlns="" w="9525">
                     <a:solidFill>
                       <a:srgbClr val="000000"/>
                     </a:solidFill>
@@ -14313,7 +14314,7 @@
               </a:ln>
               <a:extLst>
                 <a:ext uri="{91240B29-F687-4f45-9708-019B960494DF}">
-                  <a14:hiddenLine xmlns="" xmlns:a14="http://schemas.microsoft.com/office/drawing/2010/main" w="9525">
+                  <a14:hiddenLine xmlns:a14="http://schemas.microsoft.com/office/drawing/2010/main" xmlns="" w="9525">
                     <a:solidFill>
                       <a:srgbClr val="000000"/>
                     </a:solidFill>
@@ -14378,7 +14379,7 @@
               </a:ln>
               <a:extLst>
                 <a:ext uri="{91240B29-F687-4f45-9708-019B960494DF}">
-                  <a14:hiddenLine xmlns="" xmlns:a14="http://schemas.microsoft.com/office/drawing/2010/main" w="9525">
+                  <a14:hiddenLine xmlns:a14="http://schemas.microsoft.com/office/drawing/2010/main" xmlns="" w="9525">
                     <a:solidFill>
                       <a:srgbClr val="000000"/>
                     </a:solidFill>
@@ -14498,7 +14499,7 @@
               </a:ln>
               <a:extLst>
                 <a:ext uri="{91240B29-F687-4f45-9708-019B960494DF}">
-                  <a14:hiddenLine xmlns="" xmlns:a14="http://schemas.microsoft.com/office/drawing/2010/main" w="9525">
+                  <a14:hiddenLine xmlns:a14="http://schemas.microsoft.com/office/drawing/2010/main" xmlns="" w="9525">
                     <a:solidFill>
                       <a:srgbClr val="000000"/>
                     </a:solidFill>
@@ -14596,7 +14597,7 @@
               </a:ln>
               <a:extLst>
                 <a:ext uri="{91240B29-F687-4f45-9708-019B960494DF}">
-                  <a14:hiddenLine xmlns="" xmlns:a14="http://schemas.microsoft.com/office/drawing/2010/main" w="9525">
+                  <a14:hiddenLine xmlns:a14="http://schemas.microsoft.com/office/drawing/2010/main" xmlns="" w="9525">
                     <a:solidFill>
                       <a:srgbClr val="000000"/>
                     </a:solidFill>
@@ -14711,7 +14712,7 @@
               </a:ln>
               <a:extLst>
                 <a:ext uri="{91240B29-F687-4f45-9708-019B960494DF}">
-                  <a14:hiddenLine xmlns="" xmlns:a14="http://schemas.microsoft.com/office/drawing/2010/main" w="9525">
+                  <a14:hiddenLine xmlns:a14="http://schemas.microsoft.com/office/drawing/2010/main" xmlns="" w="9525">
                     <a:solidFill>
                       <a:srgbClr val="000000"/>
                     </a:solidFill>
@@ -14801,7 +14802,7 @@
               </a:ln>
               <a:extLst>
                 <a:ext uri="{91240B29-F687-4f45-9708-019B960494DF}">
-                  <a14:hiddenLine xmlns="" xmlns:a14="http://schemas.microsoft.com/office/drawing/2010/main" w="9525">
+                  <a14:hiddenLine xmlns:a14="http://schemas.microsoft.com/office/drawing/2010/main" xmlns="" w="9525">
                     <a:solidFill>
                       <a:srgbClr val="000000"/>
                     </a:solidFill>
@@ -14866,7 +14867,7 @@
               </a:ln>
               <a:extLst>
                 <a:ext uri="{91240B29-F687-4f45-9708-019B960494DF}">
-                  <a14:hiddenLine xmlns="" xmlns:a14="http://schemas.microsoft.com/office/drawing/2010/main" w="9525">
+                  <a14:hiddenLine xmlns:a14="http://schemas.microsoft.com/office/drawing/2010/main" xmlns="" w="9525">
                     <a:solidFill>
                       <a:srgbClr val="000000"/>
                     </a:solidFill>
@@ -14956,7 +14957,7 @@
               </a:ln>
               <a:extLst>
                 <a:ext uri="{91240B29-F687-4f45-9708-019B960494DF}">
-                  <a14:hiddenLine xmlns="" xmlns:a14="http://schemas.microsoft.com/office/drawing/2010/main" w="9525">
+                  <a14:hiddenLine xmlns:a14="http://schemas.microsoft.com/office/drawing/2010/main" xmlns="" w="9525">
                     <a:solidFill>
                       <a:srgbClr val="000000"/>
                     </a:solidFill>
@@ -15024,7 +15025,7 @@
               </a:ln>
               <a:extLst>
                 <a:ext uri="{91240B29-F687-4f45-9708-019B960494DF}">
-                  <a14:hiddenLine xmlns="" xmlns:a14="http://schemas.microsoft.com/office/drawing/2010/main" w="9525">
+                  <a14:hiddenLine xmlns:a14="http://schemas.microsoft.com/office/drawing/2010/main" xmlns="" w="9525">
                     <a:solidFill>
                       <a:srgbClr val="000000"/>
                     </a:solidFill>
@@ -15114,7 +15115,7 @@
               </a:ln>
               <a:extLst>
                 <a:ext uri="{91240B29-F687-4f45-9708-019B960494DF}">
-                  <a14:hiddenLine xmlns="" xmlns:a14="http://schemas.microsoft.com/office/drawing/2010/main" w="9525">
+                  <a14:hiddenLine xmlns:a14="http://schemas.microsoft.com/office/drawing/2010/main" xmlns="" w="9525">
                     <a:solidFill>
                       <a:srgbClr val="000000"/>
                     </a:solidFill>
@@ -15182,7 +15183,7 @@
               </a:ln>
               <a:extLst>
                 <a:ext uri="{91240B29-F687-4f45-9708-019B960494DF}">
-                  <a14:hiddenLine xmlns="" xmlns:a14="http://schemas.microsoft.com/office/drawing/2010/main" w="9525">
+                  <a14:hiddenLine xmlns:a14="http://schemas.microsoft.com/office/drawing/2010/main" xmlns="" w="9525">
                     <a:solidFill>
                       <a:srgbClr val="000000"/>
                     </a:solidFill>
@@ -15272,7 +15273,7 @@
               </a:ln>
               <a:extLst>
                 <a:ext uri="{91240B29-F687-4f45-9708-019B960494DF}">
-                  <a14:hiddenLine xmlns="" xmlns:a14="http://schemas.microsoft.com/office/drawing/2010/main" w="9525">
+                  <a14:hiddenLine xmlns:a14="http://schemas.microsoft.com/office/drawing/2010/main" xmlns="" w="9525">
                     <a:solidFill>
                       <a:srgbClr val="000000"/>
                     </a:solidFill>
@@ -15306,7 +15307,7 @@
               </a:ln>
               <a:extLst>
                 <a:ext uri="{91240B29-F687-4f45-9708-019B960494DF}">
-                  <a14:hiddenLine xmlns="" xmlns:a14="http://schemas.microsoft.com/office/drawing/2010/main" w="9525">
+                  <a14:hiddenLine xmlns:a14="http://schemas.microsoft.com/office/drawing/2010/main" xmlns="" w="9525">
                     <a:solidFill>
                       <a:srgbClr val="000000"/>
                     </a:solidFill>
@@ -15446,7 +15447,7 @@
           <a:p>
             <a:fld id="{3CBC1C18-307B-4F68-A007-B5B542270E8D}" type="datetimeFigureOut">
               <a:rPr lang="en-US" smtClean="0"/>
-              <a:t>4/1/20</a:t>
+              <a:t>4/13/20</a:t>
             </a:fld>
             <a:endParaRPr lang="en-US" dirty="0"/>
           </a:p>
@@ -16134,6 +16135,187 @@
 <file path=ppt/slides/slide10.xml><?xml version="1.0" encoding="utf-8"?>
 <p:sld xmlns:a="http://schemas.openxmlformats.org/drawingml/2006/main" xmlns:r="http://schemas.openxmlformats.org/officeDocument/2006/relationships" xmlns:p="http://schemas.openxmlformats.org/presentationml/2006/main">
   <p:cSld>
+    <p:bg>
+      <p:bgPr>
+        <a:blipFill>
+          <a:blip r:embed="rId2">
+            <a:duotone>
+              <a:schemeClr val="bg2">
+                <a:shade val="88000"/>
+                <a:hueMod val="106000"/>
+                <a:satMod val="140000"/>
+                <a:lumMod val="54000"/>
+              </a:schemeClr>
+              <a:schemeClr val="bg2">
+                <a:tint val="98000"/>
+                <a:hueMod val="90000"/>
+                <a:satMod val="150000"/>
+                <a:lumMod val="160000"/>
+              </a:schemeClr>
+            </a:duotone>
+          </a:blip>
+          <a:stretch/>
+        </a:blipFill>
+        <a:effectLst/>
+      </p:bgPr>
+    </p:bg>
+    <p:spTree>
+      <p:nvGrpSpPr>
+        <p:cNvPr id="1" name=""/>
+        <p:cNvGrpSpPr/>
+        <p:nvPr/>
+      </p:nvGrpSpPr>
+      <p:grpSpPr>
+        <a:xfrm>
+          <a:off x="0" y="0"/>
+          <a:ext cx="0" cy="0"/>
+          <a:chOff x="0" y="0"/>
+          <a:chExt cx="0" cy="0"/>
+        </a:xfrm>
+      </p:grpSpPr>
+      <p:sp useBgFill="1">
+        <p:nvSpPr>
+          <p:cNvPr id="76" name="Rectangle 9">
+            <a:extLst>
+              <a:ext uri="{FF2B5EF4-FFF2-40B4-BE49-F238E27FC236}">
+                <a16:creationId xmlns:a16="http://schemas.microsoft.com/office/drawing/2014/main" id="{C6270675-9512-4978-8583-36659256EE23}"/>
+              </a:ext>
+              <a:ext uri="{C183D7F6-B498-43B3-948B-1728B52AA6E4}">
+                <adec:decorative xmlns:adec="http://schemas.microsoft.com/office/drawing/2017/decorative" val="1"/>
+              </a:ext>
+            </a:extLst>
+          </p:cNvPr>
+          <p:cNvSpPr>
+            <a:spLocks noGrp="1" noRot="1" noChangeAspect="1" noMove="1" noResize="1" noEditPoints="1" noAdjustHandles="1" noChangeArrowheads="1" noChangeShapeType="1" noTextEdit="1"/>
+          </p:cNvSpPr>
+          <p:nvPr>
+            <p:extLst>
+              <p:ext uri="{386F3935-93C4-4BCD-93E2-E3B085C9AB24}">
+                <p16:designElem xmlns:p16="http://schemas.microsoft.com/office/powerpoint/2015/main" val="1"/>
+              </p:ext>
+            </p:extLst>
+          </p:nvPr>
+        </p:nvSpPr>
+        <p:spPr>
+          <a:xfrm>
+            <a:off x="0" y="0"/>
+            <a:ext cx="12192000" cy="6858000"/>
+          </a:xfrm>
+          <a:prstGeom prst="rect">
+            <a:avLst/>
+          </a:prstGeom>
+          <a:ln>
+            <a:noFill/>
+          </a:ln>
+        </p:spPr>
+        <p:style>
+          <a:lnRef idx="2">
+            <a:schemeClr val="accent1">
+              <a:shade val="50000"/>
+            </a:schemeClr>
+          </a:lnRef>
+          <a:fillRef idx="1">
+            <a:schemeClr val="accent1"/>
+          </a:fillRef>
+          <a:effectRef idx="0">
+            <a:schemeClr val="accent1"/>
+          </a:effectRef>
+          <a:fontRef idx="minor">
+            <a:schemeClr val="lt1"/>
+          </a:fontRef>
+        </p:style>
+        <p:txBody>
+          <a:bodyPr rtlCol="0" anchor="ctr"/>
+          <a:lstStyle/>
+          <a:p>
+            <a:pPr algn="ctr"/>
+            <a:endParaRPr lang="en-US"/>
+          </a:p>
+        </p:txBody>
+      </p:sp>
+      <p:sp>
+        <p:nvSpPr>
+          <p:cNvPr id="2" name="Titel 1">
+            <a:extLst>
+              <a:ext uri="{FF2B5EF4-FFF2-40B4-BE49-F238E27FC236}">
+                <a16:creationId xmlns:a16="http://schemas.microsoft.com/office/drawing/2014/main" id="{98EB5E25-DD38-B54D-B2FC-2EA7B3AFB2A7}"/>
+              </a:ext>
+            </a:extLst>
+          </p:cNvPr>
+          <p:cNvSpPr>
+            <a:spLocks noGrp="1"/>
+          </p:cNvSpPr>
+          <p:nvPr>
+            <p:ph type="title"/>
+          </p:nvPr>
+        </p:nvSpPr>
+        <p:spPr>
+          <a:xfrm>
+            <a:off x="1141413" y="618518"/>
+            <a:ext cx="9905998" cy="1478570"/>
+          </a:xfrm>
+        </p:spPr>
+        <p:txBody>
+          <a:bodyPr>
+            <a:normAutofit/>
+          </a:bodyPr>
+          <a:lstStyle/>
+          <a:p>
+            <a:r>
+              <a:rPr lang="de-DE"/>
+              <a:t>arbeitsplan</a:t>
+            </a:r>
+            <a:endParaRPr lang="de-DE" dirty="0"/>
+          </a:p>
+        </p:txBody>
+      </p:sp>
+      <p:graphicFrame>
+        <p:nvGraphicFramePr>
+          <p:cNvPr id="77" name="Inhaltsplatzhalter 2">
+            <a:extLst>
+              <a:ext uri="{FF2B5EF4-FFF2-40B4-BE49-F238E27FC236}">
+                <a16:creationId xmlns:a16="http://schemas.microsoft.com/office/drawing/2014/main" id="{72BCC64A-0F4A-4E09-8244-F02ED43FB4AD}"/>
+              </a:ext>
+            </a:extLst>
+          </p:cNvPr>
+          <p:cNvGraphicFramePr>
+            <a:graphicFrameLocks noGrp="1"/>
+          </p:cNvGraphicFramePr>
+          <p:nvPr>
+            <p:ph idx="1"/>
+            <p:extLst>
+              <p:ext uri="{D42A27DB-BD31-4B8C-83A1-F6EECF244321}">
+                <p14:modId xmlns:p14="http://schemas.microsoft.com/office/powerpoint/2010/main" val="1351828686"/>
+              </p:ext>
+            </p:extLst>
+          </p:nvPr>
+        </p:nvGraphicFramePr>
+        <p:xfrm>
+          <a:off x="1141413" y="2249488"/>
+          <a:ext cx="9906000" cy="3541712"/>
+        </p:xfrm>
+        <a:graphic>
+          <a:graphicData uri="http://schemas.openxmlformats.org/drawingml/2006/diagram">
+            <dgm:relIds xmlns:dgm="http://schemas.openxmlformats.org/drawingml/2006/diagram" xmlns:r="http://schemas.openxmlformats.org/officeDocument/2006/relationships" r:dm="rId3" r:lo="rId4" r:qs="rId5" r:cs="rId6"/>
+          </a:graphicData>
+        </a:graphic>
+      </p:graphicFrame>
+    </p:spTree>
+    <p:extLst>
+      <p:ext uri="{BB962C8B-B14F-4D97-AF65-F5344CB8AC3E}">
+        <p14:creationId xmlns:p14="http://schemas.microsoft.com/office/powerpoint/2010/main" val="2761701496"/>
+      </p:ext>
+    </p:extLst>
+  </p:cSld>
+  <p:clrMapOvr>
+    <a:masterClrMapping/>
+  </p:clrMapOvr>
+</p:sld>
+</file>
+
+<file path=ppt/slides/slide11.xml><?xml version="1.0" encoding="utf-8"?>
+<p:sld xmlns:a="http://schemas.openxmlformats.org/drawingml/2006/main" xmlns:r="http://schemas.openxmlformats.org/officeDocument/2006/relationships" xmlns:p="http://schemas.openxmlformats.org/presentationml/2006/main">
+  <p:cSld>
     <p:spTree>
       <p:nvGrpSpPr>
         <p:cNvPr id="1" name=""/>
@@ -16328,7 +16510,7 @@
 </p:sld>
 </file>
 
-<file path=ppt/slides/slide11.xml><?xml version="1.0" encoding="utf-8"?>
+<file path=ppt/slides/slide12.xml><?xml version="1.0" encoding="utf-8"?>
 <p:sld xmlns:a="http://schemas.openxmlformats.org/drawingml/2006/main" xmlns:r="http://schemas.openxmlformats.org/officeDocument/2006/relationships" xmlns:p="http://schemas.openxmlformats.org/presentationml/2006/main">
   <p:cSld>
     <p:spTree>
@@ -16394,7 +16576,7 @@
 </p:sld>
 </file>
 
-<file path=ppt/slides/slide12.xml><?xml version="1.0" encoding="utf-8"?>
+<file path=ppt/slides/slide13.xml><?xml version="1.0" encoding="utf-8"?>
 <p:sld xmlns:a="http://schemas.openxmlformats.org/drawingml/2006/main" xmlns:r="http://schemas.openxmlformats.org/officeDocument/2006/relationships" xmlns:p="http://schemas.openxmlformats.org/presentationml/2006/main">
   <p:cSld>
     <p:spTree>
@@ -16459,7 +16641,7 @@
 </p:sld>
 </file>
 
-<file path=ppt/slides/slide13.xml><?xml version="1.0" encoding="utf-8"?>
+<file path=ppt/slides/slide14.xml><?xml version="1.0" encoding="utf-8"?>
 <p:sld xmlns:a="http://schemas.openxmlformats.org/drawingml/2006/main" xmlns:r="http://schemas.openxmlformats.org/officeDocument/2006/relationships" xmlns:p="http://schemas.openxmlformats.org/presentationml/2006/main">
   <p:cSld>
     <p:spTree>
@@ -18094,182 +18276,6 @@
 <file path=ppt/slides/slide8.xml><?xml version="1.0" encoding="utf-8"?>
 <p:sld xmlns:a="http://schemas.openxmlformats.org/drawingml/2006/main" xmlns:r="http://schemas.openxmlformats.org/officeDocument/2006/relationships" xmlns:p="http://schemas.openxmlformats.org/presentationml/2006/main">
   <p:cSld>
-    <p:spTree>
-      <p:nvGrpSpPr>
-        <p:cNvPr id="1" name=""/>
-        <p:cNvGrpSpPr/>
-        <p:nvPr/>
-      </p:nvGrpSpPr>
-      <p:grpSpPr>
-        <a:xfrm>
-          <a:off x="0" y="0"/>
-          <a:ext cx="0" cy="0"/>
-          <a:chOff x="0" y="0"/>
-          <a:chExt cx="0" cy="0"/>
-        </a:xfrm>
-      </p:grpSpPr>
-      <p:sp>
-        <p:nvSpPr>
-          <p:cNvPr id="2" name="Titel 1">
-            <a:extLst>
-              <a:ext uri="{FF2B5EF4-FFF2-40B4-BE49-F238E27FC236}">
-                <a16:creationId xmlns:a16="http://schemas.microsoft.com/office/drawing/2014/main" id="{9B85A014-3A9F-BD4C-9CFA-74ABA6A049A6}"/>
-              </a:ext>
-            </a:extLst>
-          </p:cNvPr>
-          <p:cNvSpPr>
-            <a:spLocks noGrp="1"/>
-          </p:cNvSpPr>
-          <p:nvPr>
-            <p:ph type="title"/>
-          </p:nvPr>
-        </p:nvSpPr>
-        <p:spPr/>
-        <p:txBody>
-          <a:bodyPr/>
-          <a:lstStyle/>
-          <a:p>
-            <a:r>
-              <a:rPr lang="de-DE" dirty="0"/>
-              <a:t>Netzwerkkommunikation</a:t>
-            </a:r>
-          </a:p>
-        </p:txBody>
-      </p:sp>
-      <p:sp>
-        <p:nvSpPr>
-          <p:cNvPr id="3" name="Inhaltsplatzhalter 2">
-            <a:extLst>
-              <a:ext uri="{FF2B5EF4-FFF2-40B4-BE49-F238E27FC236}">
-                <a16:creationId xmlns:a16="http://schemas.microsoft.com/office/drawing/2014/main" id="{834D8BA0-C82F-5743-8114-5D7E8C2178DF}"/>
-              </a:ext>
-            </a:extLst>
-          </p:cNvPr>
-          <p:cNvSpPr>
-            <a:spLocks noGrp="1"/>
-          </p:cNvSpPr>
-          <p:nvPr>
-            <p:ph idx="1"/>
-          </p:nvPr>
-        </p:nvSpPr>
-        <p:spPr/>
-        <p:txBody>
-          <a:bodyPr/>
-          <a:lstStyle/>
-          <a:p>
-            <a:r>
-              <a:rPr lang="de-CH" sz="1800" dirty="0">
-                <a:latin typeface="Calibri Light" panose="020F0302020204030204" pitchFamily="34" charset="0"/>
-                <a:cs typeface="Calibri Light" panose="020F0302020204030204" pitchFamily="34" charset="0"/>
-              </a:rPr>
-              <a:t>Befehle der Chats enthalten Sender-Client, Empfänger- Client und Nachricht</a:t>
-            </a:r>
-          </a:p>
-          <a:p>
-            <a:pPr lvl="1"/>
-            <a:r>
-              <a:rPr lang="de-CH" sz="1600" dirty="0">
-                <a:latin typeface="Calibri Light" panose="020F0302020204030204" pitchFamily="34" charset="0"/>
-                <a:cs typeface="Calibri Light" panose="020F0302020204030204" pitchFamily="34" charset="0"/>
-              </a:rPr>
-              <a:t>Server/Serverhandler als Vermittler</a:t>
-            </a:r>
-          </a:p>
-          <a:p>
-            <a:pPr lvl="1"/>
-            <a:r>
-              <a:rPr lang="de-CH" sz="1600" dirty="0">
-                <a:latin typeface="Calibri Light" panose="020F0302020204030204" pitchFamily="34" charset="0"/>
-                <a:cs typeface="Calibri Light" panose="020F0302020204030204" pitchFamily="34" charset="0"/>
-              </a:rPr>
-              <a:t>Main Chat:</a:t>
-            </a:r>
-          </a:p>
-          <a:p>
-            <a:pPr lvl="2"/>
-            <a:r>
-              <a:rPr lang="de-CH" sz="1400" dirty="0">
-                <a:latin typeface="Calibri Light" panose="020F0302020204030204" pitchFamily="34" charset="0"/>
-                <a:cs typeface="Calibri Light" panose="020F0302020204030204" pitchFamily="34" charset="0"/>
-              </a:rPr>
-              <a:t>Client schickt Befehl für jeden Client in der Userliste</a:t>
-            </a:r>
-          </a:p>
-          <a:p>
-            <a:pPr lvl="1"/>
-            <a:r>
-              <a:rPr lang="de-CH" sz="1600" dirty="0">
-                <a:latin typeface="Calibri Light" panose="020F0302020204030204" pitchFamily="34" charset="0"/>
-                <a:cs typeface="Calibri Light" panose="020F0302020204030204" pitchFamily="34" charset="0"/>
-              </a:rPr>
-              <a:t>Lobby Chat:</a:t>
-            </a:r>
-          </a:p>
-          <a:p>
-            <a:pPr lvl="2"/>
-            <a:r>
-              <a:rPr lang="de-CH" sz="1400" dirty="0">
-                <a:latin typeface="Calibri Light" panose="020F0302020204030204" pitchFamily="34" charset="0"/>
-                <a:cs typeface="Calibri Light" panose="020F0302020204030204" pitchFamily="34" charset="0"/>
-              </a:rPr>
-              <a:t>Client schickt Befehl für jeden Client in der Lobbyliste</a:t>
-            </a:r>
-          </a:p>
-          <a:p>
-            <a:pPr lvl="1"/>
-            <a:r>
-              <a:rPr lang="de-CH" sz="1600" dirty="0" err="1">
-                <a:latin typeface="Calibri Light" panose="020F0302020204030204" pitchFamily="34" charset="0"/>
-                <a:cs typeface="Calibri Light" panose="020F0302020204030204" pitchFamily="34" charset="0"/>
-              </a:rPr>
-              <a:t>Whisper</a:t>
-            </a:r>
-            <a:r>
-              <a:rPr lang="de-CH" sz="1600" dirty="0">
-                <a:latin typeface="Calibri Light" panose="020F0302020204030204" pitchFamily="34" charset="0"/>
-                <a:cs typeface="Calibri Light" panose="020F0302020204030204" pitchFamily="34" charset="0"/>
-              </a:rPr>
-              <a:t> Chat:</a:t>
-            </a:r>
-          </a:p>
-          <a:p>
-            <a:pPr lvl="2"/>
-            <a:r>
-              <a:rPr lang="de-CH" dirty="0">
-                <a:latin typeface="Calibri Light" panose="020F0302020204030204" pitchFamily="34" charset="0"/>
-                <a:cs typeface="Calibri Light" panose="020F0302020204030204" pitchFamily="34" charset="0"/>
-              </a:rPr>
-              <a:t>Client</a:t>
-            </a:r>
-            <a:r>
-              <a:rPr lang="de-CH" sz="1400" dirty="0">
-                <a:latin typeface="Calibri Light" panose="020F0302020204030204" pitchFamily="34" charset="0"/>
-                <a:cs typeface="Calibri Light" panose="020F0302020204030204" pitchFamily="34" charset="0"/>
-              </a:rPr>
-              <a:t>  schickt Privatnachricht an gewünschten Client</a:t>
-            </a:r>
-          </a:p>
-          <a:p>
-            <a:endParaRPr lang="de-DE" dirty="0"/>
-          </a:p>
-        </p:txBody>
-      </p:sp>
-    </p:spTree>
-    <p:extLst>
-      <p:ext uri="{BB962C8B-B14F-4D97-AF65-F5344CB8AC3E}">
-        <p14:creationId xmlns:p14="http://schemas.microsoft.com/office/powerpoint/2010/main" val="1397821062"/>
-      </p:ext>
-    </p:extLst>
-  </p:cSld>
-  <p:clrMapOvr>
-    <a:masterClrMapping/>
-  </p:clrMapOvr>
-</p:sld>
-</file>
-
-<file path=ppt/slides/slide9.xml><?xml version="1.0" encoding="utf-8"?>
-<p:sld xmlns:a="http://schemas.openxmlformats.org/drawingml/2006/main" xmlns:r="http://schemas.openxmlformats.org/officeDocument/2006/relationships" xmlns:p="http://schemas.openxmlformats.org/presentationml/2006/main">
-  <p:cSld>
     <p:bg>
       <p:bgPr>
         <a:blipFill>
@@ -18310,10 +18316,10 @@
       </p:grpSpPr>
       <p:sp useBgFill="1">
         <p:nvSpPr>
-          <p:cNvPr id="76" name="Rectangle 9">
+          <p:cNvPr id="12" name="Rectangle 11">
             <a:extLst>
               <a:ext uri="{FF2B5EF4-FFF2-40B4-BE49-F238E27FC236}">
-                <a16:creationId xmlns:a16="http://schemas.microsoft.com/office/drawing/2014/main" id="{C6270675-9512-4978-8583-36659256EE23}"/>
+                <a16:creationId xmlns:a16="http://schemas.microsoft.com/office/drawing/2014/main" id="{C2E4E997-8672-4FFD-B8EC-9932A8E4714B}"/>
               </a:ext>
               <a:ext uri="{C183D7F6-B498-43B3-948B-1728B52AA6E4}">
                 <adec:decorative xmlns:adec="http://schemas.microsoft.com/office/drawing/2017/decorative" val="1"/>
@@ -18349,8 +18355,8 @@
               <a:shade val="50000"/>
             </a:schemeClr>
           </a:lnRef>
-          <a:fillRef idx="1">
-            <a:schemeClr val="accent1"/>
+          <a:fillRef idx="1003">
+            <a:schemeClr val="dk2"/>
           </a:fillRef>
           <a:effectRef idx="0">
             <a:schemeClr val="accent1"/>
@@ -18368,12 +18374,69 @@
           </a:p>
         </p:txBody>
       </p:sp>
+      <p:pic>
+        <p:nvPicPr>
+          <p:cNvPr id="14" name="Picture 2">
+            <a:extLst>
+              <a:ext uri="{FF2B5EF4-FFF2-40B4-BE49-F238E27FC236}">
+                <a16:creationId xmlns:a16="http://schemas.microsoft.com/office/drawing/2014/main" id="{FE6BA9E6-1D9E-4D30-B528-D49FA1342E4E}"/>
+              </a:ext>
+              <a:ext uri="{C183D7F6-B498-43B3-948B-1728B52AA6E4}">
+                <adec:decorative xmlns:adec="http://schemas.microsoft.com/office/drawing/2017/decorative" val="1"/>
+              </a:ext>
+            </a:extLst>
+          </p:cNvPr>
+          <p:cNvPicPr>
+            <a:picLocks noGrp="1" noRot="1" noChangeAspect="1" noMove="1" noResize="1" noEditPoints="1" noAdjustHandles="1" noChangeArrowheads="1" noChangeShapeType="1" noCrop="1"/>
+          </p:cNvPicPr>
+          <p:nvPr>
+            <p:extLst>
+              <p:ext uri="{386F3935-93C4-4BCD-93E2-E3B085C9AB24}">
+                <p16:designElem xmlns:p16="http://schemas.microsoft.com/office/powerpoint/2015/main" val="1"/>
+              </p:ext>
+            </p:extLst>
+          </p:nvPr>
+        </p:nvPicPr>
+        <p:blipFill>
+          <a:blip r:embed="rId3">
+            <a:alphaModFix amt="30000"/>
+            <a:extLst>
+              <a:ext uri="{28A0092B-C50C-407E-A947-70E740481C1C}">
+                <a14:useLocalDpi xmlns:a14="http://schemas.microsoft.com/office/drawing/2010/main" val="0"/>
+              </a:ext>
+            </a:extLst>
+          </a:blip>
+          <a:srcRect/>
+          <a:stretch>
+            <a:fillRect/>
+          </a:stretch>
+        </p:blipFill>
+        <p:spPr bwMode="auto">
+          <a:xfrm>
+            <a:off x="0" y="0"/>
+            <a:ext cx="12192003" cy="6858001"/>
+          </a:xfrm>
+          <a:prstGeom prst="rect">
+            <a:avLst/>
+          </a:prstGeom>
+          <a:noFill/>
+          <a:extLst>
+            <a:ext uri="{909E8E84-426E-40dd-AFC4-6F175D3DCCD1}">
+              <a14:hiddenFill xmlns="" xmlns:a16="http://schemas.microsoft.com/office/drawing/2014/main" xmlns:p14="http://schemas.microsoft.com/office/powerpoint/2010/main" xmlns:a14="http://schemas.microsoft.com/office/drawing/2010/main">
+                <a:solidFill>
+                  <a:srgbClr val="FFFFFF"/>
+                </a:solidFill>
+              </a14:hiddenFill>
+            </a:ext>
+          </a:extLst>
+        </p:spPr>
+      </p:pic>
       <p:sp>
         <p:nvSpPr>
           <p:cNvPr id="2" name="Titel 1">
             <a:extLst>
               <a:ext uri="{FF2B5EF4-FFF2-40B4-BE49-F238E27FC236}">
-                <a16:creationId xmlns:a16="http://schemas.microsoft.com/office/drawing/2014/main" id="{98EB5E25-DD38-B54D-B2FC-2EA7B3AFB2A7}"/>
+                <a16:creationId xmlns:a16="http://schemas.microsoft.com/office/drawing/2014/main" id="{F384D549-745E-A04F-A246-B809BB9006BF}"/>
               </a:ext>
             </a:extLst>
           </p:cNvPr>
@@ -18387,7 +18450,7 @@
         <p:spPr>
           <a:xfrm>
             <a:off x="1141413" y="618518"/>
-            <a:ext cx="9905998" cy="1478570"/>
+            <a:ext cx="4459286" cy="1478570"/>
           </a:xfrm>
         </p:spPr>
         <p:txBody>
@@ -18397,48 +18460,2754 @@
           <a:lstStyle/>
           <a:p>
             <a:r>
-              <a:rPr lang="de-DE"/>
-              <a:t>arbeitsplan</a:t>
+              <a:rPr lang="de-DE" sz="2700"/>
+              <a:t>Netzwerkkommunikation</a:t>
             </a:r>
-            <a:endParaRPr lang="de-DE" dirty="0"/>
           </a:p>
         </p:txBody>
       </p:sp>
-      <p:graphicFrame>
-        <p:nvGraphicFramePr>
-          <p:cNvPr id="77" name="Inhaltsplatzhalter 2">
+      <p:sp>
+        <p:nvSpPr>
+          <p:cNvPr id="9" name="Content Placeholder 8">
             <a:extLst>
               <a:ext uri="{FF2B5EF4-FFF2-40B4-BE49-F238E27FC236}">
-                <a16:creationId xmlns:a16="http://schemas.microsoft.com/office/drawing/2014/main" id="{72BCC64A-0F4A-4E09-8244-F02ED43FB4AD}"/>
+                <a16:creationId xmlns:a16="http://schemas.microsoft.com/office/drawing/2014/main" id="{E20E719D-05A5-45C1-88CE-319913DF4039}"/>
               </a:ext>
             </a:extLst>
           </p:cNvPr>
-          <p:cNvGraphicFramePr>
-            <a:graphicFrameLocks noGrp="1"/>
-          </p:cNvGraphicFramePr>
+          <p:cNvSpPr>
+            <a:spLocks noGrp="1"/>
+          </p:cNvSpPr>
           <p:nvPr>
             <p:ph idx="1"/>
+          </p:nvPr>
+        </p:nvSpPr>
+        <p:spPr>
+          <a:xfrm>
+            <a:off x="1141412" y="2249487"/>
+            <a:ext cx="4459287" cy="3965046"/>
+          </a:xfrm>
+        </p:spPr>
+        <p:txBody>
+          <a:bodyPr>
+            <a:normAutofit/>
+          </a:bodyPr>
+          <a:lstStyle/>
+          <a:p>
+            <a:r>
+              <a:rPr lang="en-US" sz="2000" dirty="0" err="1"/>
+              <a:t>ServerHandler</a:t>
+            </a:r>
+            <a:r>
+              <a:rPr lang="en-US" sz="2000" dirty="0"/>
+              <a:t> </a:t>
+            </a:r>
+            <a:r>
+              <a:rPr lang="en-US" sz="2000" dirty="0" err="1"/>
+              <a:t>dient</a:t>
+            </a:r>
+            <a:r>
+              <a:rPr lang="en-US" sz="2000" dirty="0"/>
+              <a:t> </a:t>
+            </a:r>
+            <a:r>
+              <a:rPr lang="en-US" sz="2000" dirty="0" err="1"/>
+              <a:t>als</a:t>
+            </a:r>
+            <a:r>
+              <a:rPr lang="en-US" sz="2000" dirty="0"/>
+              <a:t> </a:t>
+            </a:r>
+            <a:r>
+              <a:rPr lang="en-US" sz="2000" dirty="0" err="1"/>
+              <a:t>Schnittstelle</a:t>
+            </a:r>
+            <a:endParaRPr lang="en-US" sz="2000" dirty="0"/>
+          </a:p>
+          <a:p>
+            <a:r>
+              <a:rPr lang="en-US" sz="2000" dirty="0"/>
+              <a:t>Threads </a:t>
+            </a:r>
+            <a:r>
+              <a:rPr lang="en-US" sz="2000" dirty="0" err="1"/>
+              <a:t>können</a:t>
+            </a:r>
+            <a:r>
+              <a:rPr lang="en-US" sz="2000" dirty="0"/>
+              <a:t> </a:t>
+            </a:r>
+            <a:r>
+              <a:rPr lang="en-US" sz="2000" dirty="0" err="1"/>
+              <a:t>GameState</a:t>
+            </a:r>
+            <a:r>
+              <a:rPr lang="en-US" sz="2000" dirty="0"/>
+              <a:t> </a:t>
+            </a:r>
+            <a:r>
+              <a:rPr lang="en-US" sz="2000" dirty="0" err="1"/>
+              <a:t>verändern</a:t>
+            </a:r>
+            <a:endParaRPr lang="en-US" sz="2000" dirty="0"/>
+          </a:p>
+        </p:txBody>
+      </p:sp>
+      <p:pic>
+        <p:nvPicPr>
+          <p:cNvPr id="5" name="Inhaltsplatzhalter 4" descr="Ein Bild, das Screenshot enthält.&#10;&#10;Automatisch generierte Beschreibung">
+            <a:extLst>
+              <a:ext uri="{FF2B5EF4-FFF2-40B4-BE49-F238E27FC236}">
+                <a16:creationId xmlns:a16="http://schemas.microsoft.com/office/drawing/2014/main" id="{F3456D60-E6E9-DE4C-A6EC-AB051AC87EA1}"/>
+              </a:ext>
+            </a:extLst>
+          </p:cNvPr>
+          <p:cNvPicPr>
+            <a:picLocks noChangeAspect="1"/>
+          </p:cNvPicPr>
+          <p:nvPr/>
+        </p:nvPicPr>
+        <p:blipFill>
+          <a:blip r:embed="rId4"/>
+          <a:stretch>
+            <a:fillRect/>
+          </a:stretch>
+        </p:blipFill>
+        <p:spPr>
+          <a:xfrm>
+            <a:off x="6096000" y="1690977"/>
+            <a:ext cx="5456279" cy="3451096"/>
+          </a:xfrm>
+          <a:prstGeom prst="round2DiagRect">
+            <a:avLst>
+              <a:gd name="adj1" fmla="val 5608"/>
+              <a:gd name="adj2" fmla="val 0"/>
+            </a:avLst>
+          </a:prstGeom>
+          <a:ln w="19050" cap="sq">
+            <a:solidFill>
+              <a:schemeClr val="tx2">
+                <a:lumMod val="60000"/>
+                <a:lumOff val="40000"/>
+                <a:alpha val="60000"/>
+              </a:schemeClr>
+            </a:solidFill>
+            <a:miter lim="800000"/>
+          </a:ln>
+          <a:effectLst>
+            <a:outerShdw blurRad="88900" dist="38100" dir="5400000" algn="t" rotWithShape="0">
+              <a:prstClr val="black">
+                <a:alpha val="40000"/>
+              </a:prstClr>
+            </a:outerShdw>
+          </a:effectLst>
+        </p:spPr>
+      </p:pic>
+      <p:grpSp>
+        <p:nvGrpSpPr>
+          <p:cNvPr id="16" name="Group 15">
+            <a:extLst>
+              <a:ext uri="{FF2B5EF4-FFF2-40B4-BE49-F238E27FC236}">
+                <a16:creationId xmlns:a16="http://schemas.microsoft.com/office/drawing/2014/main" id="{453E4DEE-E996-40F8-8635-0FF43D7348F9}"/>
+              </a:ext>
+              <a:ext uri="{C183D7F6-B498-43B3-948B-1728B52AA6E4}">
+                <adec:decorative xmlns:adec="http://schemas.microsoft.com/office/drawing/2017/decorative" val="1"/>
+              </a:ext>
+            </a:extLst>
+          </p:cNvPr>
+          <p:cNvGrpSpPr>
+            <a:grpSpLocks noGrp="1" noUngrp="1" noRot="1" noChangeAspect="1" noMove="1" noResize="1"/>
+          </p:cNvGrpSpPr>
+          <p:nvPr>
             <p:extLst>
-              <p:ext uri="{D42A27DB-BD31-4B8C-83A1-F6EECF244321}">
-                <p14:modId xmlns:p14="http://schemas.microsoft.com/office/powerpoint/2010/main" val="1351828686"/>
+              <p:ext uri="{386F3935-93C4-4BCD-93E2-E3B085C9AB24}">
+                <p16:designElem xmlns:p16="http://schemas.microsoft.com/office/powerpoint/2015/main" val="1"/>
               </p:ext>
             </p:extLst>
           </p:nvPr>
-        </p:nvGraphicFramePr>
-        <p:xfrm>
-          <a:off x="1141413" y="2249488"/>
-          <a:ext cx="9906000" cy="3541712"/>
-        </p:xfrm>
-        <a:graphic>
-          <a:graphicData uri="http://schemas.openxmlformats.org/drawingml/2006/diagram">
-            <dgm:relIds xmlns:dgm="http://schemas.openxmlformats.org/drawingml/2006/diagram" xmlns:r="http://schemas.openxmlformats.org/officeDocument/2006/relationships" r:dm="rId3" r:lo="rId4" r:qs="rId5" r:cs="rId6"/>
-          </a:graphicData>
-        </a:graphic>
-      </p:graphicFrame>
+        </p:nvGrpSpPr>
+        <p:grpSpPr>
+          <a:xfrm>
+            <a:off x="0" y="0"/>
+            <a:ext cx="1220788" cy="6858001"/>
+            <a:chOff x="-14288" y="0"/>
+            <a:chExt cx="1220788" cy="6858001"/>
+          </a:xfrm>
+          <a:gradFill flip="none" rotWithShape="1">
+            <a:gsLst>
+              <a:gs pos="0">
+                <a:schemeClr val="tx2"/>
+              </a:gs>
+              <a:gs pos="100000">
+                <a:schemeClr val="bg2">
+                  <a:lumMod val="60000"/>
+                  <a:lumOff val="40000"/>
+                </a:schemeClr>
+              </a:gs>
+            </a:gsLst>
+            <a:lin ang="5400000" scaled="0"/>
+            <a:tileRect/>
+          </a:gradFill>
+        </p:grpSpPr>
+        <p:sp>
+          <p:nvSpPr>
+            <p:cNvPr id="17" name="Rectangle 5">
+              <a:extLst>
+                <a:ext uri="{FF2B5EF4-FFF2-40B4-BE49-F238E27FC236}">
+                  <a16:creationId xmlns:a16="http://schemas.microsoft.com/office/drawing/2014/main" id="{08BD1D3E-43CE-49EB-A424-0738950C6424}"/>
+                </a:ext>
+                <a:ext uri="{C183D7F6-B498-43B3-948B-1728B52AA6E4}">
+                  <adec:decorative xmlns:adec="http://schemas.microsoft.com/office/drawing/2017/decorative" val="1"/>
+                </a:ext>
+              </a:extLst>
+            </p:cNvPr>
+            <p:cNvSpPr>
+              <a:spLocks noChangeArrowheads="1"/>
+            </p:cNvSpPr>
+            <p:nvPr>
+              <p:extLst>
+                <p:ext uri="{386F3935-93C4-4BCD-93E2-E3B085C9AB24}">
+                  <p16:designElem xmlns:p16="http://schemas.microsoft.com/office/powerpoint/2015/main" val="1"/>
+                </p:ext>
+              </p:extLst>
+            </p:nvPr>
+          </p:nvSpPr>
+          <p:spPr bwMode="auto">
+            <a:xfrm>
+              <a:off x="114300" y="4763"/>
+              <a:ext cx="23813" cy="2181225"/>
+            </a:xfrm>
+            <a:prstGeom prst="rect">
+              <a:avLst/>
+            </a:prstGeom>
+            <a:grpFill/>
+            <a:ln>
+              <a:noFill/>
+            </a:ln>
+            <a:extLst>
+              <a:ext uri="{91240B29-F687-4f45-9708-019B960494DF}">
+                <a14:hiddenLine xmlns="" xmlns:a16="http://schemas.microsoft.com/office/drawing/2014/main" xmlns:p14="http://schemas.microsoft.com/office/powerpoint/2010/main" xmlns:a14="http://schemas.microsoft.com/office/drawing/2010/main" w="9525">
+                  <a:solidFill>
+                    <a:srgbClr val="000000"/>
+                  </a:solidFill>
+                  <a:miter lim="800000"/>
+                  <a:headEnd/>
+                  <a:tailEnd/>
+                </a14:hiddenLine>
+              </a:ext>
+            </a:extLst>
+          </p:spPr>
+        </p:sp>
+        <p:sp>
+          <p:nvSpPr>
+            <p:cNvPr id="18" name="Freeform 6">
+              <a:extLst>
+                <a:ext uri="{FF2B5EF4-FFF2-40B4-BE49-F238E27FC236}">
+                  <a16:creationId xmlns:a16="http://schemas.microsoft.com/office/drawing/2014/main" id="{E9182037-E3FA-489A-95D5-29E4248420D8}"/>
+                </a:ext>
+                <a:ext uri="{C183D7F6-B498-43B3-948B-1728B52AA6E4}">
+                  <adec:decorative xmlns:adec="http://schemas.microsoft.com/office/drawing/2017/decorative" val="1"/>
+                </a:ext>
+              </a:extLst>
+            </p:cNvPr>
+            <p:cNvSpPr>
+              <a:spLocks noEditPoints="1"/>
+            </p:cNvSpPr>
+            <p:nvPr>
+              <p:extLst>
+                <p:ext uri="{386F3935-93C4-4BCD-93E2-E3B085C9AB24}">
+                  <p16:designElem xmlns:p16="http://schemas.microsoft.com/office/powerpoint/2015/main" val="1"/>
+                </p:ext>
+              </p:extLst>
+            </p:nvPr>
+          </p:nvSpPr>
+          <p:spPr bwMode="auto">
+            <a:xfrm>
+              <a:off x="33337" y="2176463"/>
+              <a:ext cx="190500" cy="190500"/>
+            </a:xfrm>
+            <a:custGeom>
+              <a:avLst/>
+              <a:gdLst/>
+              <a:ahLst/>
+              <a:cxnLst/>
+              <a:rect l="0" t="0" r="r" b="b"/>
+              <a:pathLst>
+                <a:path w="40" h="40">
+                  <a:moveTo>
+                    <a:pt x="20" y="40"/>
+                  </a:moveTo>
+                  <a:cubicBezTo>
+                    <a:pt x="9" y="40"/>
+                    <a:pt x="0" y="31"/>
+                    <a:pt x="0" y="20"/>
+                  </a:cubicBezTo>
+                  <a:cubicBezTo>
+                    <a:pt x="0" y="9"/>
+                    <a:pt x="9" y="0"/>
+                    <a:pt x="20" y="0"/>
+                  </a:cubicBezTo>
+                  <a:cubicBezTo>
+                    <a:pt x="31" y="0"/>
+                    <a:pt x="40" y="9"/>
+                    <a:pt x="40" y="20"/>
+                  </a:cubicBezTo>
+                  <a:cubicBezTo>
+                    <a:pt x="40" y="31"/>
+                    <a:pt x="31" y="40"/>
+                    <a:pt x="20" y="40"/>
+                  </a:cubicBezTo>
+                  <a:close/>
+                  <a:moveTo>
+                    <a:pt x="20" y="4"/>
+                  </a:moveTo>
+                  <a:cubicBezTo>
+                    <a:pt x="11" y="4"/>
+                    <a:pt x="4" y="11"/>
+                    <a:pt x="4" y="20"/>
+                  </a:cubicBezTo>
+                  <a:cubicBezTo>
+                    <a:pt x="4" y="29"/>
+                    <a:pt x="11" y="36"/>
+                    <a:pt x="20" y="36"/>
+                  </a:cubicBezTo>
+                  <a:cubicBezTo>
+                    <a:pt x="28" y="36"/>
+                    <a:pt x="36" y="29"/>
+                    <a:pt x="36" y="20"/>
+                  </a:cubicBezTo>
+                  <a:cubicBezTo>
+                    <a:pt x="36" y="11"/>
+                    <a:pt x="28" y="4"/>
+                    <a:pt x="20" y="4"/>
+                  </a:cubicBezTo>
+                  <a:close/>
+                </a:path>
+              </a:pathLst>
+            </a:custGeom>
+            <a:grpFill/>
+            <a:ln>
+              <a:noFill/>
+            </a:ln>
+            <a:extLst>
+              <a:ext uri="{91240B29-F687-4f45-9708-019B960494DF}">
+                <a14:hiddenLine xmlns="" xmlns:a16="http://schemas.microsoft.com/office/drawing/2014/main" xmlns:p14="http://schemas.microsoft.com/office/powerpoint/2010/main" xmlns:a14="http://schemas.microsoft.com/office/drawing/2010/main" w="9525">
+                  <a:solidFill>
+                    <a:srgbClr val="000000"/>
+                  </a:solidFill>
+                  <a:round/>
+                  <a:headEnd/>
+                  <a:tailEnd/>
+                </a14:hiddenLine>
+              </a:ext>
+            </a:extLst>
+          </p:spPr>
+        </p:sp>
+        <p:sp>
+          <p:nvSpPr>
+            <p:cNvPr id="19" name="Freeform 7">
+              <a:extLst>
+                <a:ext uri="{FF2B5EF4-FFF2-40B4-BE49-F238E27FC236}">
+                  <a16:creationId xmlns:a16="http://schemas.microsoft.com/office/drawing/2014/main" id="{E8864E76-AD7F-4BEE-B3F6-A78FA42AEFAC}"/>
+                </a:ext>
+                <a:ext uri="{C183D7F6-B498-43B3-948B-1728B52AA6E4}">
+                  <adec:decorative xmlns:adec="http://schemas.microsoft.com/office/drawing/2017/decorative" val="1"/>
+                </a:ext>
+              </a:extLst>
+            </p:cNvPr>
+            <p:cNvSpPr>
+              <a:spLocks noEditPoints="1"/>
+            </p:cNvSpPr>
+            <p:nvPr>
+              <p:extLst>
+                <p:ext uri="{386F3935-93C4-4BCD-93E2-E3B085C9AB24}">
+                  <p16:designElem xmlns:p16="http://schemas.microsoft.com/office/powerpoint/2015/main" val="1"/>
+                </p:ext>
+              </p:extLst>
+            </p:nvPr>
+          </p:nvSpPr>
+          <p:spPr bwMode="auto">
+            <a:xfrm>
+              <a:off x="28575" y="4021138"/>
+              <a:ext cx="190500" cy="188913"/>
+            </a:xfrm>
+            <a:custGeom>
+              <a:avLst/>
+              <a:gdLst/>
+              <a:ahLst/>
+              <a:cxnLst/>
+              <a:rect l="0" t="0" r="r" b="b"/>
+              <a:pathLst>
+                <a:path w="40" h="40">
+                  <a:moveTo>
+                    <a:pt x="20" y="40"/>
+                  </a:moveTo>
+                  <a:cubicBezTo>
+                    <a:pt x="9" y="40"/>
+                    <a:pt x="0" y="31"/>
+                    <a:pt x="0" y="20"/>
+                  </a:cubicBezTo>
+                  <a:cubicBezTo>
+                    <a:pt x="0" y="9"/>
+                    <a:pt x="9" y="0"/>
+                    <a:pt x="20" y="0"/>
+                  </a:cubicBezTo>
+                  <a:cubicBezTo>
+                    <a:pt x="31" y="0"/>
+                    <a:pt x="40" y="9"/>
+                    <a:pt x="40" y="20"/>
+                  </a:cubicBezTo>
+                  <a:cubicBezTo>
+                    <a:pt x="40" y="31"/>
+                    <a:pt x="31" y="40"/>
+                    <a:pt x="20" y="40"/>
+                  </a:cubicBezTo>
+                  <a:close/>
+                  <a:moveTo>
+                    <a:pt x="20" y="4"/>
+                  </a:moveTo>
+                  <a:cubicBezTo>
+                    <a:pt x="12" y="4"/>
+                    <a:pt x="4" y="11"/>
+                    <a:pt x="4" y="20"/>
+                  </a:cubicBezTo>
+                  <a:cubicBezTo>
+                    <a:pt x="4" y="29"/>
+                    <a:pt x="12" y="36"/>
+                    <a:pt x="20" y="36"/>
+                  </a:cubicBezTo>
+                  <a:cubicBezTo>
+                    <a:pt x="29" y="36"/>
+                    <a:pt x="36" y="29"/>
+                    <a:pt x="36" y="20"/>
+                  </a:cubicBezTo>
+                  <a:cubicBezTo>
+                    <a:pt x="36" y="11"/>
+                    <a:pt x="29" y="4"/>
+                    <a:pt x="20" y="4"/>
+                  </a:cubicBezTo>
+                  <a:close/>
+                </a:path>
+              </a:pathLst>
+            </a:custGeom>
+            <a:grpFill/>
+            <a:ln>
+              <a:noFill/>
+            </a:ln>
+            <a:extLst>
+              <a:ext uri="{91240B29-F687-4f45-9708-019B960494DF}">
+                <a14:hiddenLine xmlns="" xmlns:a16="http://schemas.microsoft.com/office/drawing/2014/main" xmlns:p14="http://schemas.microsoft.com/office/powerpoint/2010/main" xmlns:a14="http://schemas.microsoft.com/office/drawing/2010/main" w="9525">
+                  <a:solidFill>
+                    <a:srgbClr val="000000"/>
+                  </a:solidFill>
+                  <a:round/>
+                  <a:headEnd/>
+                  <a:tailEnd/>
+                </a14:hiddenLine>
+              </a:ext>
+            </a:extLst>
+          </p:spPr>
+        </p:sp>
+        <p:sp>
+          <p:nvSpPr>
+            <p:cNvPr id="20" name="Freeform 8">
+              <a:extLst>
+                <a:ext uri="{FF2B5EF4-FFF2-40B4-BE49-F238E27FC236}">
+                  <a16:creationId xmlns:a16="http://schemas.microsoft.com/office/drawing/2014/main" id="{8AD071B3-046D-4479-91FE-01E9AD7C8AAB}"/>
+                </a:ext>
+                <a:ext uri="{C183D7F6-B498-43B3-948B-1728B52AA6E4}">
+                  <adec:decorative xmlns:adec="http://schemas.microsoft.com/office/drawing/2017/decorative" val="1"/>
+                </a:ext>
+              </a:extLst>
+            </p:cNvPr>
+            <p:cNvSpPr/>
+            <p:nvPr>
+              <p:extLst>
+                <p:ext uri="{386F3935-93C4-4BCD-93E2-E3B085C9AB24}">
+                  <p16:designElem xmlns:p16="http://schemas.microsoft.com/office/powerpoint/2015/main" val="1"/>
+                </p:ext>
+              </p:extLst>
+            </p:nvPr>
+          </p:nvSpPr>
+          <p:spPr bwMode="auto">
+            <a:xfrm>
+              <a:off x="200025" y="4763"/>
+              <a:ext cx="369888" cy="1811338"/>
+            </a:xfrm>
+            <a:custGeom>
+              <a:avLst/>
+              <a:gdLst/>
+              <a:ahLst/>
+              <a:cxnLst/>
+              <a:rect l="0" t="0" r="r" b="b"/>
+              <a:pathLst>
+                <a:path w="233" h="1141">
+                  <a:moveTo>
+                    <a:pt x="218" y="1141"/>
+                  </a:moveTo>
+                  <a:lnTo>
+                    <a:pt x="0" y="626"/>
+                  </a:lnTo>
+                  <a:lnTo>
+                    <a:pt x="0" y="0"/>
+                  </a:lnTo>
+                  <a:lnTo>
+                    <a:pt x="15" y="0"/>
+                  </a:lnTo>
+                  <a:lnTo>
+                    <a:pt x="15" y="623"/>
+                  </a:lnTo>
+                  <a:lnTo>
+                    <a:pt x="233" y="1135"/>
+                  </a:lnTo>
+                  <a:lnTo>
+                    <a:pt x="218" y="1141"/>
+                  </a:lnTo>
+                  <a:close/>
+                </a:path>
+              </a:pathLst>
+            </a:custGeom>
+            <a:grpFill/>
+            <a:ln>
+              <a:noFill/>
+            </a:ln>
+            <a:extLst>
+              <a:ext uri="{91240B29-F687-4f45-9708-019B960494DF}">
+                <a14:hiddenLine xmlns="" xmlns:a16="http://schemas.microsoft.com/office/drawing/2014/main" xmlns:p14="http://schemas.microsoft.com/office/powerpoint/2010/main" xmlns:a14="http://schemas.microsoft.com/office/drawing/2010/main" w="9525">
+                  <a:solidFill>
+                    <a:srgbClr val="000000"/>
+                  </a:solidFill>
+                  <a:round/>
+                  <a:headEnd/>
+                  <a:tailEnd/>
+                </a14:hiddenLine>
+              </a:ext>
+            </a:extLst>
+          </p:spPr>
+        </p:sp>
+        <p:sp>
+          <p:nvSpPr>
+            <p:cNvPr id="21" name="Freeform 9">
+              <a:extLst>
+                <a:ext uri="{FF2B5EF4-FFF2-40B4-BE49-F238E27FC236}">
+                  <a16:creationId xmlns:a16="http://schemas.microsoft.com/office/drawing/2014/main" id="{91D776F5-E902-4A4D-A75D-A46E063C9F38}"/>
+                </a:ext>
+                <a:ext uri="{C183D7F6-B498-43B3-948B-1728B52AA6E4}">
+                  <adec:decorative xmlns:adec="http://schemas.microsoft.com/office/drawing/2017/decorative" val="1"/>
+                </a:ext>
+              </a:extLst>
+            </p:cNvPr>
+            <p:cNvSpPr>
+              <a:spLocks noEditPoints="1"/>
+            </p:cNvSpPr>
+            <p:nvPr>
+              <p:extLst>
+                <p:ext uri="{386F3935-93C4-4BCD-93E2-E3B085C9AB24}">
+                  <p16:designElem xmlns:p16="http://schemas.microsoft.com/office/powerpoint/2015/main" val="1"/>
+                </p:ext>
+              </p:extLst>
+            </p:nvPr>
+          </p:nvSpPr>
+          <p:spPr bwMode="auto">
+            <a:xfrm>
+              <a:off x="503237" y="1801813"/>
+              <a:ext cx="190500" cy="188913"/>
+            </a:xfrm>
+            <a:custGeom>
+              <a:avLst/>
+              <a:gdLst/>
+              <a:ahLst/>
+              <a:cxnLst/>
+              <a:rect l="0" t="0" r="r" b="b"/>
+              <a:pathLst>
+                <a:path w="40" h="40">
+                  <a:moveTo>
+                    <a:pt x="20" y="40"/>
+                  </a:moveTo>
+                  <a:cubicBezTo>
+                    <a:pt x="9" y="40"/>
+                    <a:pt x="0" y="31"/>
+                    <a:pt x="0" y="20"/>
+                  </a:cubicBezTo>
+                  <a:cubicBezTo>
+                    <a:pt x="0" y="9"/>
+                    <a:pt x="9" y="0"/>
+                    <a:pt x="20" y="0"/>
+                  </a:cubicBezTo>
+                  <a:cubicBezTo>
+                    <a:pt x="33" y="0"/>
+                    <a:pt x="40" y="6"/>
+                    <a:pt x="40" y="20"/>
+                  </a:cubicBezTo>
+                  <a:cubicBezTo>
+                    <a:pt x="40" y="31"/>
+                    <a:pt x="31" y="40"/>
+                    <a:pt x="20" y="40"/>
+                  </a:cubicBezTo>
+                  <a:close/>
+                  <a:moveTo>
+                    <a:pt x="20" y="4"/>
+                  </a:moveTo>
+                  <a:cubicBezTo>
+                    <a:pt x="11" y="4"/>
+                    <a:pt x="4" y="11"/>
+                    <a:pt x="4" y="20"/>
+                  </a:cubicBezTo>
+                  <a:cubicBezTo>
+                    <a:pt x="4" y="29"/>
+                    <a:pt x="11" y="36"/>
+                    <a:pt x="20" y="36"/>
+                  </a:cubicBezTo>
+                  <a:cubicBezTo>
+                    <a:pt x="28" y="36"/>
+                    <a:pt x="36" y="29"/>
+                    <a:pt x="36" y="20"/>
+                  </a:cubicBezTo>
+                  <a:cubicBezTo>
+                    <a:pt x="36" y="9"/>
+                    <a:pt x="31" y="4"/>
+                    <a:pt x="20" y="4"/>
+                  </a:cubicBezTo>
+                  <a:close/>
+                </a:path>
+              </a:pathLst>
+            </a:custGeom>
+            <a:grpFill/>
+            <a:ln>
+              <a:noFill/>
+            </a:ln>
+            <a:extLst>
+              <a:ext uri="{91240B29-F687-4f45-9708-019B960494DF}">
+                <a14:hiddenLine xmlns="" xmlns:a16="http://schemas.microsoft.com/office/drawing/2014/main" xmlns:p14="http://schemas.microsoft.com/office/powerpoint/2010/main" xmlns:a14="http://schemas.microsoft.com/office/drawing/2010/main" w="9525">
+                  <a:solidFill>
+                    <a:srgbClr val="000000"/>
+                  </a:solidFill>
+                  <a:round/>
+                  <a:headEnd/>
+                  <a:tailEnd/>
+                </a14:hiddenLine>
+              </a:ext>
+            </a:extLst>
+          </p:spPr>
+        </p:sp>
+        <p:sp>
+          <p:nvSpPr>
+            <p:cNvPr id="22" name="Freeform 10">
+              <a:extLst>
+                <a:ext uri="{FF2B5EF4-FFF2-40B4-BE49-F238E27FC236}">
+                  <a16:creationId xmlns:a16="http://schemas.microsoft.com/office/drawing/2014/main" id="{EBED8F24-A998-4952-AB68-E2074F0746FE}"/>
+                </a:ext>
+                <a:ext uri="{C183D7F6-B498-43B3-948B-1728B52AA6E4}">
+                  <adec:decorative xmlns:adec="http://schemas.microsoft.com/office/drawing/2017/decorative" val="1"/>
+                </a:ext>
+              </a:extLst>
+            </p:cNvPr>
+            <p:cNvSpPr/>
+            <p:nvPr>
+              <p:extLst>
+                <p:ext uri="{386F3935-93C4-4BCD-93E2-E3B085C9AB24}">
+                  <p16:designElem xmlns:p16="http://schemas.microsoft.com/office/powerpoint/2015/main" val="1"/>
+                </p:ext>
+              </p:extLst>
+            </p:nvPr>
+          </p:nvSpPr>
+          <p:spPr bwMode="auto">
+            <a:xfrm>
+              <a:off x="285750" y="4763"/>
+              <a:ext cx="369888" cy="1430338"/>
+            </a:xfrm>
+            <a:custGeom>
+              <a:avLst/>
+              <a:gdLst/>
+              <a:ahLst/>
+              <a:cxnLst/>
+              <a:rect l="0" t="0" r="r" b="b"/>
+              <a:pathLst>
+                <a:path w="233" h="901">
+                  <a:moveTo>
+                    <a:pt x="221" y="901"/>
+                  </a:moveTo>
+                  <a:lnTo>
+                    <a:pt x="0" y="383"/>
+                  </a:lnTo>
+                  <a:lnTo>
+                    <a:pt x="0" y="0"/>
+                  </a:lnTo>
+                  <a:lnTo>
+                    <a:pt x="18" y="0"/>
+                  </a:lnTo>
+                  <a:lnTo>
+                    <a:pt x="18" y="380"/>
+                  </a:lnTo>
+                  <a:lnTo>
+                    <a:pt x="233" y="895"/>
+                  </a:lnTo>
+                  <a:lnTo>
+                    <a:pt x="221" y="901"/>
+                  </a:lnTo>
+                  <a:close/>
+                </a:path>
+              </a:pathLst>
+            </a:custGeom>
+            <a:grpFill/>
+            <a:ln>
+              <a:noFill/>
+            </a:ln>
+            <a:extLst>
+              <a:ext uri="{91240B29-F687-4f45-9708-019B960494DF}">
+                <a14:hiddenLine xmlns="" xmlns:a16="http://schemas.microsoft.com/office/drawing/2014/main" xmlns:p14="http://schemas.microsoft.com/office/powerpoint/2010/main" xmlns:a14="http://schemas.microsoft.com/office/drawing/2010/main" w="9525">
+                  <a:solidFill>
+                    <a:srgbClr val="000000"/>
+                  </a:solidFill>
+                  <a:round/>
+                  <a:headEnd/>
+                  <a:tailEnd/>
+                </a14:hiddenLine>
+              </a:ext>
+            </a:extLst>
+          </p:spPr>
+        </p:sp>
+        <p:sp>
+          <p:nvSpPr>
+            <p:cNvPr id="23" name="Freeform 11">
+              <a:extLst>
+                <a:ext uri="{FF2B5EF4-FFF2-40B4-BE49-F238E27FC236}">
+                  <a16:creationId xmlns:a16="http://schemas.microsoft.com/office/drawing/2014/main" id="{74D7A646-8CDC-49B3-9C44-3EF38DB4264C}"/>
+                </a:ext>
+                <a:ext uri="{C183D7F6-B498-43B3-948B-1728B52AA6E4}">
+                  <adec:decorative xmlns:adec="http://schemas.microsoft.com/office/drawing/2017/decorative" val="1"/>
+                </a:ext>
+              </a:extLst>
+            </p:cNvPr>
+            <p:cNvSpPr/>
+            <p:nvPr>
+              <p:extLst>
+                <p:ext uri="{386F3935-93C4-4BCD-93E2-E3B085C9AB24}">
+                  <p16:designElem xmlns:p16="http://schemas.microsoft.com/office/powerpoint/2015/main" val="1"/>
+                </p:ext>
+              </p:extLst>
+            </p:nvPr>
+          </p:nvSpPr>
+          <p:spPr bwMode="auto">
+            <a:xfrm>
+              <a:off x="546100" y="0"/>
+              <a:ext cx="152400" cy="912813"/>
+            </a:xfrm>
+            <a:custGeom>
+              <a:avLst/>
+              <a:gdLst/>
+              <a:ahLst/>
+              <a:cxnLst/>
+              <a:rect l="0" t="0" r="r" b="b"/>
+              <a:pathLst>
+                <a:path w="96" h="575">
+                  <a:moveTo>
+                    <a:pt x="96" y="575"/>
+                  </a:moveTo>
+                  <a:lnTo>
+                    <a:pt x="78" y="575"/>
+                  </a:lnTo>
+                  <a:lnTo>
+                    <a:pt x="78" y="192"/>
+                  </a:lnTo>
+                  <a:lnTo>
+                    <a:pt x="0" y="6"/>
+                  </a:lnTo>
+                  <a:lnTo>
+                    <a:pt x="15" y="0"/>
+                  </a:lnTo>
+                  <a:lnTo>
+                    <a:pt x="96" y="189"/>
+                  </a:lnTo>
+                  <a:lnTo>
+                    <a:pt x="96" y="575"/>
+                  </a:lnTo>
+                  <a:close/>
+                </a:path>
+              </a:pathLst>
+            </a:custGeom>
+            <a:grpFill/>
+            <a:ln>
+              <a:noFill/>
+            </a:ln>
+            <a:extLst>
+              <a:ext uri="{91240B29-F687-4f45-9708-019B960494DF}">
+                <a14:hiddenLine xmlns="" xmlns:a16="http://schemas.microsoft.com/office/drawing/2014/main" xmlns:p14="http://schemas.microsoft.com/office/powerpoint/2010/main" xmlns:a14="http://schemas.microsoft.com/office/drawing/2010/main" w="9525">
+                  <a:solidFill>
+                    <a:srgbClr val="000000"/>
+                  </a:solidFill>
+                  <a:round/>
+                  <a:headEnd/>
+                  <a:tailEnd/>
+                </a14:hiddenLine>
+              </a:ext>
+            </a:extLst>
+          </p:spPr>
+        </p:sp>
+        <p:sp>
+          <p:nvSpPr>
+            <p:cNvPr id="24" name="Freeform 12">
+              <a:extLst>
+                <a:ext uri="{FF2B5EF4-FFF2-40B4-BE49-F238E27FC236}">
+                  <a16:creationId xmlns:a16="http://schemas.microsoft.com/office/drawing/2014/main" id="{D4E99D14-E4F4-419B-9AAF-8D1CEAB28A2D}"/>
+                </a:ext>
+                <a:ext uri="{C183D7F6-B498-43B3-948B-1728B52AA6E4}">
+                  <adec:decorative xmlns:adec="http://schemas.microsoft.com/office/drawing/2017/decorative" val="1"/>
+                </a:ext>
+              </a:extLst>
+            </p:cNvPr>
+            <p:cNvSpPr>
+              <a:spLocks noEditPoints="1"/>
+            </p:cNvSpPr>
+            <p:nvPr>
+              <p:extLst>
+                <p:ext uri="{386F3935-93C4-4BCD-93E2-E3B085C9AB24}">
+                  <p16:designElem xmlns:p16="http://schemas.microsoft.com/office/powerpoint/2015/main" val="1"/>
+                </p:ext>
+              </p:extLst>
+            </p:nvPr>
+          </p:nvSpPr>
+          <p:spPr bwMode="auto">
+            <a:xfrm>
+              <a:off x="588962" y="1420813"/>
+              <a:ext cx="190500" cy="190500"/>
+            </a:xfrm>
+            <a:custGeom>
+              <a:avLst/>
+              <a:gdLst/>
+              <a:ahLst/>
+              <a:cxnLst/>
+              <a:rect l="0" t="0" r="r" b="b"/>
+              <a:pathLst>
+                <a:path w="40" h="40">
+                  <a:moveTo>
+                    <a:pt x="20" y="40"/>
+                  </a:moveTo>
+                  <a:cubicBezTo>
+                    <a:pt x="9" y="40"/>
+                    <a:pt x="0" y="31"/>
+                    <a:pt x="0" y="20"/>
+                  </a:cubicBezTo>
+                  <a:cubicBezTo>
+                    <a:pt x="0" y="9"/>
+                    <a:pt x="9" y="0"/>
+                    <a:pt x="20" y="0"/>
+                  </a:cubicBezTo>
+                  <a:cubicBezTo>
+                    <a:pt x="33" y="0"/>
+                    <a:pt x="40" y="7"/>
+                    <a:pt x="40" y="20"/>
+                  </a:cubicBezTo>
+                  <a:cubicBezTo>
+                    <a:pt x="40" y="31"/>
+                    <a:pt x="31" y="40"/>
+                    <a:pt x="20" y="40"/>
+                  </a:cubicBezTo>
+                  <a:close/>
+                  <a:moveTo>
+                    <a:pt x="20" y="4"/>
+                  </a:moveTo>
+                  <a:cubicBezTo>
+                    <a:pt x="11" y="4"/>
+                    <a:pt x="4" y="11"/>
+                    <a:pt x="4" y="20"/>
+                  </a:cubicBezTo>
+                  <a:cubicBezTo>
+                    <a:pt x="4" y="29"/>
+                    <a:pt x="11" y="36"/>
+                    <a:pt x="20" y="36"/>
+                  </a:cubicBezTo>
+                  <a:cubicBezTo>
+                    <a:pt x="29" y="36"/>
+                    <a:pt x="36" y="29"/>
+                    <a:pt x="36" y="20"/>
+                  </a:cubicBezTo>
+                  <a:cubicBezTo>
+                    <a:pt x="36" y="9"/>
+                    <a:pt x="31" y="4"/>
+                    <a:pt x="20" y="4"/>
+                  </a:cubicBezTo>
+                  <a:close/>
+                </a:path>
+              </a:pathLst>
+            </a:custGeom>
+            <a:grpFill/>
+            <a:ln>
+              <a:noFill/>
+            </a:ln>
+            <a:extLst>
+              <a:ext uri="{91240B29-F687-4f45-9708-019B960494DF}">
+                <a14:hiddenLine xmlns="" xmlns:a16="http://schemas.microsoft.com/office/drawing/2014/main" xmlns:p14="http://schemas.microsoft.com/office/powerpoint/2010/main" xmlns:a14="http://schemas.microsoft.com/office/drawing/2010/main" w="9525">
+                  <a:solidFill>
+                    <a:srgbClr val="000000"/>
+                  </a:solidFill>
+                  <a:round/>
+                  <a:headEnd/>
+                  <a:tailEnd/>
+                </a14:hiddenLine>
+              </a:ext>
+            </a:extLst>
+          </p:spPr>
+        </p:sp>
+        <p:sp>
+          <p:nvSpPr>
+            <p:cNvPr id="25" name="Freeform 13">
+              <a:extLst>
+                <a:ext uri="{FF2B5EF4-FFF2-40B4-BE49-F238E27FC236}">
+                  <a16:creationId xmlns:a16="http://schemas.microsoft.com/office/drawing/2014/main" id="{377E106C-5445-4A52-9F7E-DA1738744291}"/>
+                </a:ext>
+                <a:ext uri="{C183D7F6-B498-43B3-948B-1728B52AA6E4}">
+                  <adec:decorative xmlns:adec="http://schemas.microsoft.com/office/drawing/2017/decorative" val="1"/>
+                </a:ext>
+              </a:extLst>
+            </p:cNvPr>
+            <p:cNvSpPr>
+              <a:spLocks noEditPoints="1"/>
+            </p:cNvSpPr>
+            <p:nvPr>
+              <p:extLst>
+                <p:ext uri="{386F3935-93C4-4BCD-93E2-E3B085C9AB24}">
+                  <p16:designElem xmlns:p16="http://schemas.microsoft.com/office/powerpoint/2015/main" val="1"/>
+                </p:ext>
+              </p:extLst>
+            </p:nvPr>
+          </p:nvSpPr>
+          <p:spPr bwMode="auto">
+            <a:xfrm>
+              <a:off x="588962" y="903288"/>
+              <a:ext cx="190500" cy="190500"/>
+            </a:xfrm>
+            <a:custGeom>
+              <a:avLst/>
+              <a:gdLst/>
+              <a:ahLst/>
+              <a:cxnLst/>
+              <a:rect l="0" t="0" r="r" b="b"/>
+              <a:pathLst>
+                <a:path w="40" h="40">
+                  <a:moveTo>
+                    <a:pt x="20" y="40"/>
+                  </a:moveTo>
+                  <a:cubicBezTo>
+                    <a:pt x="9" y="40"/>
+                    <a:pt x="0" y="31"/>
+                    <a:pt x="0" y="20"/>
+                  </a:cubicBezTo>
+                  <a:cubicBezTo>
+                    <a:pt x="0" y="9"/>
+                    <a:pt x="9" y="0"/>
+                    <a:pt x="20" y="0"/>
+                  </a:cubicBezTo>
+                  <a:cubicBezTo>
+                    <a:pt x="31" y="0"/>
+                    <a:pt x="40" y="9"/>
+                    <a:pt x="40" y="20"/>
+                  </a:cubicBezTo>
+                  <a:cubicBezTo>
+                    <a:pt x="40" y="31"/>
+                    <a:pt x="31" y="40"/>
+                    <a:pt x="20" y="40"/>
+                  </a:cubicBezTo>
+                  <a:close/>
+                  <a:moveTo>
+                    <a:pt x="20" y="4"/>
+                  </a:moveTo>
+                  <a:cubicBezTo>
+                    <a:pt x="11" y="4"/>
+                    <a:pt x="4" y="11"/>
+                    <a:pt x="4" y="20"/>
+                  </a:cubicBezTo>
+                  <a:cubicBezTo>
+                    <a:pt x="4" y="29"/>
+                    <a:pt x="11" y="36"/>
+                    <a:pt x="20" y="36"/>
+                  </a:cubicBezTo>
+                  <a:cubicBezTo>
+                    <a:pt x="29" y="36"/>
+                    <a:pt x="36" y="29"/>
+                    <a:pt x="36" y="20"/>
+                  </a:cubicBezTo>
+                  <a:cubicBezTo>
+                    <a:pt x="36" y="11"/>
+                    <a:pt x="29" y="4"/>
+                    <a:pt x="20" y="4"/>
+                  </a:cubicBezTo>
+                  <a:close/>
+                </a:path>
+              </a:pathLst>
+            </a:custGeom>
+            <a:grpFill/>
+            <a:ln>
+              <a:noFill/>
+            </a:ln>
+            <a:extLst>
+              <a:ext uri="{91240B29-F687-4f45-9708-019B960494DF}">
+                <a14:hiddenLine xmlns="" xmlns:a16="http://schemas.microsoft.com/office/drawing/2014/main" xmlns:p14="http://schemas.microsoft.com/office/powerpoint/2010/main" xmlns:a14="http://schemas.microsoft.com/office/drawing/2010/main" w="9525">
+                  <a:solidFill>
+                    <a:srgbClr val="000000"/>
+                  </a:solidFill>
+                  <a:round/>
+                  <a:headEnd/>
+                  <a:tailEnd/>
+                </a14:hiddenLine>
+              </a:ext>
+            </a:extLst>
+          </p:spPr>
+        </p:sp>
+        <p:sp>
+          <p:nvSpPr>
+            <p:cNvPr id="26" name="Freeform 14">
+              <a:extLst>
+                <a:ext uri="{FF2B5EF4-FFF2-40B4-BE49-F238E27FC236}">
+                  <a16:creationId xmlns:a16="http://schemas.microsoft.com/office/drawing/2014/main" id="{752BFE96-D378-4BAE-A64B-F851A34C4770}"/>
+                </a:ext>
+                <a:ext uri="{C183D7F6-B498-43B3-948B-1728B52AA6E4}">
+                  <adec:decorative xmlns:adec="http://schemas.microsoft.com/office/drawing/2017/decorative" val="1"/>
+                </a:ext>
+              </a:extLst>
+            </p:cNvPr>
+            <p:cNvSpPr/>
+            <p:nvPr>
+              <p:extLst>
+                <p:ext uri="{386F3935-93C4-4BCD-93E2-E3B085C9AB24}">
+                  <p16:designElem xmlns:p16="http://schemas.microsoft.com/office/powerpoint/2015/main" val="1"/>
+                </p:ext>
+              </p:extLst>
+            </p:nvPr>
+          </p:nvSpPr>
+          <p:spPr bwMode="auto">
+            <a:xfrm>
+              <a:off x="641350" y="0"/>
+              <a:ext cx="422275" cy="527050"/>
+            </a:xfrm>
+            <a:custGeom>
+              <a:avLst/>
+              <a:gdLst/>
+              <a:ahLst/>
+              <a:cxnLst/>
+              <a:rect l="0" t="0" r="r" b="b"/>
+              <a:pathLst>
+                <a:path w="266" h="332">
+                  <a:moveTo>
+                    <a:pt x="257" y="332"/>
+                  </a:moveTo>
+                  <a:lnTo>
+                    <a:pt x="48" y="123"/>
+                  </a:lnTo>
+                  <a:lnTo>
+                    <a:pt x="0" y="6"/>
+                  </a:lnTo>
+                  <a:lnTo>
+                    <a:pt x="15" y="0"/>
+                  </a:lnTo>
+                  <a:lnTo>
+                    <a:pt x="63" y="114"/>
+                  </a:lnTo>
+                  <a:lnTo>
+                    <a:pt x="266" y="320"/>
+                  </a:lnTo>
+                  <a:lnTo>
+                    <a:pt x="257" y="332"/>
+                  </a:lnTo>
+                  <a:close/>
+                </a:path>
+              </a:pathLst>
+            </a:custGeom>
+            <a:grpFill/>
+            <a:ln>
+              <a:noFill/>
+            </a:ln>
+            <a:extLst>
+              <a:ext uri="{91240B29-F687-4f45-9708-019B960494DF}">
+                <a14:hiddenLine xmlns="" xmlns:a16="http://schemas.microsoft.com/office/drawing/2014/main" xmlns:p14="http://schemas.microsoft.com/office/powerpoint/2010/main" xmlns:a14="http://schemas.microsoft.com/office/drawing/2010/main" w="9525">
+                  <a:solidFill>
+                    <a:srgbClr val="000000"/>
+                  </a:solidFill>
+                  <a:round/>
+                  <a:headEnd/>
+                  <a:tailEnd/>
+                </a14:hiddenLine>
+              </a:ext>
+            </a:extLst>
+          </p:spPr>
+        </p:sp>
+        <p:sp>
+          <p:nvSpPr>
+            <p:cNvPr id="27" name="Freeform 15">
+              <a:extLst>
+                <a:ext uri="{FF2B5EF4-FFF2-40B4-BE49-F238E27FC236}">
+                  <a16:creationId xmlns:a16="http://schemas.microsoft.com/office/drawing/2014/main" id="{B88FFB19-5A5E-4078-B467-9D4ABD21BD9A}"/>
+                </a:ext>
+                <a:ext uri="{C183D7F6-B498-43B3-948B-1728B52AA6E4}">
+                  <adec:decorative xmlns:adec="http://schemas.microsoft.com/office/drawing/2017/decorative" val="1"/>
+                </a:ext>
+              </a:extLst>
+            </p:cNvPr>
+            <p:cNvSpPr>
+              <a:spLocks noEditPoints="1"/>
+            </p:cNvSpPr>
+            <p:nvPr>
+              <p:extLst>
+                <p:ext uri="{386F3935-93C4-4BCD-93E2-E3B085C9AB24}">
+                  <p16:designElem xmlns:p16="http://schemas.microsoft.com/office/powerpoint/2015/main" val="1"/>
+                </p:ext>
+              </p:extLst>
+            </p:nvPr>
+          </p:nvSpPr>
+          <p:spPr bwMode="auto">
+            <a:xfrm>
+              <a:off x="1020762" y="488950"/>
+              <a:ext cx="161925" cy="147638"/>
+            </a:xfrm>
+            <a:custGeom>
+              <a:avLst/>
+              <a:gdLst/>
+              <a:ahLst/>
+              <a:cxnLst/>
+              <a:rect l="0" t="0" r="r" b="b"/>
+              <a:pathLst>
+                <a:path w="34" h="31">
+                  <a:moveTo>
+                    <a:pt x="17" y="31"/>
+                  </a:moveTo>
+                  <a:cubicBezTo>
+                    <a:pt x="13" y="31"/>
+                    <a:pt x="9" y="30"/>
+                    <a:pt x="6" y="27"/>
+                  </a:cubicBezTo>
+                  <a:cubicBezTo>
+                    <a:pt x="0" y="20"/>
+                    <a:pt x="0" y="10"/>
+                    <a:pt x="6" y="4"/>
+                  </a:cubicBezTo>
+                  <a:cubicBezTo>
+                    <a:pt x="9" y="1"/>
+                    <a:pt x="13" y="0"/>
+                    <a:pt x="17" y="0"/>
+                  </a:cubicBezTo>
+                  <a:cubicBezTo>
+                    <a:pt x="21" y="0"/>
+                    <a:pt x="25" y="1"/>
+                    <a:pt x="28" y="4"/>
+                  </a:cubicBezTo>
+                  <a:cubicBezTo>
+                    <a:pt x="34" y="10"/>
+                    <a:pt x="34" y="20"/>
+                    <a:pt x="28" y="27"/>
+                  </a:cubicBezTo>
+                  <a:cubicBezTo>
+                    <a:pt x="25" y="30"/>
+                    <a:pt x="21" y="31"/>
+                    <a:pt x="17" y="31"/>
+                  </a:cubicBezTo>
+                  <a:close/>
+                  <a:moveTo>
+                    <a:pt x="17" y="4"/>
+                  </a:moveTo>
+                  <a:cubicBezTo>
+                    <a:pt x="14" y="4"/>
+                    <a:pt x="11" y="5"/>
+                    <a:pt x="9" y="7"/>
+                  </a:cubicBezTo>
+                  <a:cubicBezTo>
+                    <a:pt x="4" y="12"/>
+                    <a:pt x="4" y="19"/>
+                    <a:pt x="9" y="24"/>
+                  </a:cubicBezTo>
+                  <a:cubicBezTo>
+                    <a:pt x="11" y="26"/>
+                    <a:pt x="14" y="27"/>
+                    <a:pt x="17" y="27"/>
+                  </a:cubicBezTo>
+                  <a:cubicBezTo>
+                    <a:pt x="20" y="27"/>
+                    <a:pt x="23" y="26"/>
+                    <a:pt x="25" y="24"/>
+                  </a:cubicBezTo>
+                  <a:cubicBezTo>
+                    <a:pt x="30" y="19"/>
+                    <a:pt x="30" y="12"/>
+                    <a:pt x="25" y="7"/>
+                  </a:cubicBezTo>
+                  <a:cubicBezTo>
+                    <a:pt x="23" y="5"/>
+                    <a:pt x="20" y="4"/>
+                    <a:pt x="17" y="4"/>
+                  </a:cubicBezTo>
+                  <a:close/>
+                </a:path>
+              </a:pathLst>
+            </a:custGeom>
+            <a:grpFill/>
+            <a:ln>
+              <a:noFill/>
+            </a:ln>
+            <a:extLst>
+              <a:ext uri="{91240B29-F687-4f45-9708-019B960494DF}">
+                <a14:hiddenLine xmlns="" xmlns:a16="http://schemas.microsoft.com/office/drawing/2014/main" xmlns:p14="http://schemas.microsoft.com/office/powerpoint/2010/main" xmlns:a14="http://schemas.microsoft.com/office/drawing/2010/main" w="9525">
+                  <a:solidFill>
+                    <a:srgbClr val="000000"/>
+                  </a:solidFill>
+                  <a:round/>
+                  <a:headEnd/>
+                  <a:tailEnd/>
+                </a14:hiddenLine>
+              </a:ext>
+            </a:extLst>
+          </p:spPr>
+        </p:sp>
+        <p:sp>
+          <p:nvSpPr>
+            <p:cNvPr id="28" name="Line 16">
+              <a:extLst>
+                <a:ext uri="{FF2B5EF4-FFF2-40B4-BE49-F238E27FC236}">
+                  <a16:creationId xmlns:a16="http://schemas.microsoft.com/office/drawing/2014/main" id="{11042975-3D19-4728-BCDA-D3F5CD633EDB}"/>
+                </a:ext>
+                <a:ext uri="{C183D7F6-B498-43B3-948B-1728B52AA6E4}">
+                  <adec:decorative xmlns:adec="http://schemas.microsoft.com/office/drawing/2017/decorative" val="1"/>
+                </a:ext>
+              </a:extLst>
+            </p:cNvPr>
+            <p:cNvSpPr>
+              <a:spLocks noChangeShapeType="1"/>
+            </p:cNvSpPr>
+            <p:nvPr>
+              <p:extLst>
+                <p:ext uri="{386F3935-93C4-4BCD-93E2-E3B085C9AB24}">
+                  <p16:designElem xmlns:p16="http://schemas.microsoft.com/office/powerpoint/2015/main" val="1"/>
+                </p:ext>
+              </p:extLst>
+            </p:nvPr>
+          </p:nvSpPr>
+          <p:spPr bwMode="auto">
+            <a:xfrm>
+              <a:off x="-4763" y="9525"/>
+              <a:ext cx="0" cy="0"/>
+            </a:xfrm>
+            <a:prstGeom prst="line">
+              <a:avLst/>
+            </a:prstGeom>
+            <a:grpFill/>
+            <a:ln w="15" cap="flat">
+              <a:solidFill>
+                <a:srgbClr val="FFFFFF"/>
+              </a:solidFill>
+              <a:prstDash val="solid"/>
+              <a:miter lim="800000"/>
+              <a:headEnd/>
+              <a:tailEnd/>
+            </a:ln>
+          </p:spPr>
+        </p:sp>
+        <p:sp>
+          <p:nvSpPr>
+            <p:cNvPr id="29" name="Freeform 17">
+              <a:extLst>
+                <a:ext uri="{FF2B5EF4-FFF2-40B4-BE49-F238E27FC236}">
+                  <a16:creationId xmlns:a16="http://schemas.microsoft.com/office/drawing/2014/main" id="{A28972BD-D2E1-4DCA-A907-2E3B6F606649}"/>
+                </a:ext>
+                <a:ext uri="{C183D7F6-B498-43B3-948B-1728B52AA6E4}">
+                  <adec:decorative xmlns:adec="http://schemas.microsoft.com/office/drawing/2017/decorative" val="1"/>
+                </a:ext>
+              </a:extLst>
+            </p:cNvPr>
+            <p:cNvSpPr/>
+            <p:nvPr>
+              <p:extLst>
+                <p:ext uri="{386F3935-93C4-4BCD-93E2-E3B085C9AB24}">
+                  <p16:designElem xmlns:p16="http://schemas.microsoft.com/office/powerpoint/2015/main" val="1"/>
+                </p:ext>
+              </p:extLst>
+            </p:nvPr>
+          </p:nvSpPr>
+          <p:spPr bwMode="auto">
+            <a:xfrm>
+              <a:off x="9525" y="1801813"/>
+              <a:ext cx="123825" cy="127000"/>
+            </a:xfrm>
+            <a:custGeom>
+              <a:avLst/>
+              <a:gdLst/>
+              <a:ahLst/>
+              <a:cxnLst/>
+              <a:rect l="0" t="0" r="r" b="b"/>
+              <a:pathLst>
+                <a:path w="78" h="80">
+                  <a:moveTo>
+                    <a:pt x="6" y="80"/>
+                  </a:moveTo>
+                  <a:lnTo>
+                    <a:pt x="0" y="71"/>
+                  </a:lnTo>
+                  <a:lnTo>
+                    <a:pt x="69" y="0"/>
+                  </a:lnTo>
+                  <a:lnTo>
+                    <a:pt x="78" y="9"/>
+                  </a:lnTo>
+                  <a:lnTo>
+                    <a:pt x="6" y="80"/>
+                  </a:lnTo>
+                  <a:close/>
+                </a:path>
+              </a:pathLst>
+            </a:custGeom>
+            <a:grpFill/>
+            <a:ln>
+              <a:noFill/>
+            </a:ln>
+            <a:extLst>
+              <a:ext uri="{91240B29-F687-4f45-9708-019B960494DF}">
+                <a14:hiddenLine xmlns="" xmlns:a16="http://schemas.microsoft.com/office/drawing/2014/main" xmlns:p14="http://schemas.microsoft.com/office/powerpoint/2010/main" xmlns:a14="http://schemas.microsoft.com/office/drawing/2010/main" w="9525">
+                  <a:solidFill>
+                    <a:srgbClr val="000000"/>
+                  </a:solidFill>
+                  <a:round/>
+                  <a:headEnd/>
+                  <a:tailEnd/>
+                </a14:hiddenLine>
+              </a:ext>
+            </a:extLst>
+          </p:spPr>
+        </p:sp>
+        <p:sp>
+          <p:nvSpPr>
+            <p:cNvPr id="30" name="Freeform 18">
+              <a:extLst>
+                <a:ext uri="{FF2B5EF4-FFF2-40B4-BE49-F238E27FC236}">
+                  <a16:creationId xmlns:a16="http://schemas.microsoft.com/office/drawing/2014/main" id="{1C806824-5C2D-4747-B038-69EE4074B366}"/>
+                </a:ext>
+                <a:ext uri="{C183D7F6-B498-43B3-948B-1728B52AA6E4}">
+                  <adec:decorative xmlns:adec="http://schemas.microsoft.com/office/drawing/2017/decorative" val="1"/>
+                </a:ext>
+              </a:extLst>
+            </p:cNvPr>
+            <p:cNvSpPr/>
+            <p:nvPr>
+              <p:extLst>
+                <p:ext uri="{386F3935-93C4-4BCD-93E2-E3B085C9AB24}">
+                  <p16:designElem xmlns:p16="http://schemas.microsoft.com/office/powerpoint/2015/main" val="1"/>
+                </p:ext>
+              </p:extLst>
+            </p:nvPr>
+          </p:nvSpPr>
+          <p:spPr bwMode="auto">
+            <a:xfrm>
+              <a:off x="-9525" y="3549650"/>
+              <a:ext cx="147638" cy="481013"/>
+            </a:xfrm>
+            <a:custGeom>
+              <a:avLst/>
+              <a:gdLst/>
+              <a:ahLst/>
+              <a:cxnLst/>
+              <a:rect l="0" t="0" r="r" b="b"/>
+              <a:pathLst>
+                <a:path w="93" h="303">
+                  <a:moveTo>
+                    <a:pt x="93" y="303"/>
+                  </a:moveTo>
+                  <a:lnTo>
+                    <a:pt x="78" y="303"/>
+                  </a:lnTo>
+                  <a:lnTo>
+                    <a:pt x="78" y="78"/>
+                  </a:lnTo>
+                  <a:lnTo>
+                    <a:pt x="0" y="12"/>
+                  </a:lnTo>
+                  <a:lnTo>
+                    <a:pt x="12" y="0"/>
+                  </a:lnTo>
+                  <a:lnTo>
+                    <a:pt x="93" y="69"/>
+                  </a:lnTo>
+                  <a:lnTo>
+                    <a:pt x="93" y="303"/>
+                  </a:lnTo>
+                  <a:close/>
+                </a:path>
+              </a:pathLst>
+            </a:custGeom>
+            <a:grpFill/>
+            <a:ln>
+              <a:noFill/>
+            </a:ln>
+            <a:extLst>
+              <a:ext uri="{91240B29-F687-4f45-9708-019B960494DF}">
+                <a14:hiddenLine xmlns="" xmlns:a16="http://schemas.microsoft.com/office/drawing/2014/main" xmlns:p14="http://schemas.microsoft.com/office/powerpoint/2010/main" xmlns:a14="http://schemas.microsoft.com/office/drawing/2010/main" w="9525">
+                  <a:solidFill>
+                    <a:srgbClr val="000000"/>
+                  </a:solidFill>
+                  <a:round/>
+                  <a:headEnd/>
+                  <a:tailEnd/>
+                </a14:hiddenLine>
+              </a:ext>
+            </a:extLst>
+          </p:spPr>
+        </p:sp>
+        <p:sp>
+          <p:nvSpPr>
+            <p:cNvPr id="31" name="Freeform 19">
+              <a:extLst>
+                <a:ext uri="{FF2B5EF4-FFF2-40B4-BE49-F238E27FC236}">
+                  <a16:creationId xmlns:a16="http://schemas.microsoft.com/office/drawing/2014/main" id="{3B33F710-16D7-4F48-BFCA-66C9CA2352CB}"/>
+                </a:ext>
+                <a:ext uri="{C183D7F6-B498-43B3-948B-1728B52AA6E4}">
+                  <adec:decorative xmlns:adec="http://schemas.microsoft.com/office/drawing/2017/decorative" val="1"/>
+                </a:ext>
+              </a:extLst>
+            </p:cNvPr>
+            <p:cNvSpPr/>
+            <p:nvPr>
+              <p:extLst>
+                <p:ext uri="{386F3935-93C4-4BCD-93E2-E3B085C9AB24}">
+                  <p16:designElem xmlns:p16="http://schemas.microsoft.com/office/powerpoint/2015/main" val="1"/>
+                </p:ext>
+              </p:extLst>
+            </p:nvPr>
+          </p:nvSpPr>
+          <p:spPr bwMode="auto">
+            <a:xfrm>
+              <a:off x="128587" y="1382713"/>
+              <a:ext cx="142875" cy="476250"/>
+            </a:xfrm>
+            <a:custGeom>
+              <a:avLst/>
+              <a:gdLst/>
+              <a:ahLst/>
+              <a:cxnLst/>
+              <a:rect l="0" t="0" r="r" b="b"/>
+              <a:pathLst>
+                <a:path w="90" h="300">
+                  <a:moveTo>
+                    <a:pt x="90" y="300"/>
+                  </a:moveTo>
+                  <a:lnTo>
+                    <a:pt x="78" y="300"/>
+                  </a:lnTo>
+                  <a:lnTo>
+                    <a:pt x="78" y="84"/>
+                  </a:lnTo>
+                  <a:lnTo>
+                    <a:pt x="0" y="9"/>
+                  </a:lnTo>
+                  <a:lnTo>
+                    <a:pt x="9" y="0"/>
+                  </a:lnTo>
+                  <a:lnTo>
+                    <a:pt x="90" y="81"/>
+                  </a:lnTo>
+                  <a:lnTo>
+                    <a:pt x="90" y="300"/>
+                  </a:lnTo>
+                  <a:close/>
+                </a:path>
+              </a:pathLst>
+            </a:custGeom>
+            <a:grpFill/>
+            <a:ln>
+              <a:noFill/>
+            </a:ln>
+            <a:extLst>
+              <a:ext uri="{91240B29-F687-4f45-9708-019B960494DF}">
+                <a14:hiddenLine xmlns="" xmlns:a16="http://schemas.microsoft.com/office/drawing/2014/main" xmlns:p14="http://schemas.microsoft.com/office/powerpoint/2010/main" xmlns:a14="http://schemas.microsoft.com/office/drawing/2010/main" w="9525">
+                  <a:solidFill>
+                    <a:srgbClr val="000000"/>
+                  </a:solidFill>
+                  <a:round/>
+                  <a:headEnd/>
+                  <a:tailEnd/>
+                </a14:hiddenLine>
+              </a:ext>
+            </a:extLst>
+          </p:spPr>
+        </p:sp>
+        <p:sp>
+          <p:nvSpPr>
+            <p:cNvPr id="32" name="Freeform 20">
+              <a:extLst>
+                <a:ext uri="{FF2B5EF4-FFF2-40B4-BE49-F238E27FC236}">
+                  <a16:creationId xmlns:a16="http://schemas.microsoft.com/office/drawing/2014/main" id="{6C8C8ED4-90FA-4E97-AAF0-D5D51E6A935E}"/>
+                </a:ext>
+                <a:ext uri="{C183D7F6-B498-43B3-948B-1728B52AA6E4}">
+                  <adec:decorative xmlns:adec="http://schemas.microsoft.com/office/drawing/2017/decorative" val="1"/>
+                </a:ext>
+              </a:extLst>
+            </p:cNvPr>
+            <p:cNvSpPr>
+              <a:spLocks noEditPoints="1"/>
+            </p:cNvSpPr>
+            <p:nvPr>
+              <p:extLst>
+                <p:ext uri="{386F3935-93C4-4BCD-93E2-E3B085C9AB24}">
+                  <p16:designElem xmlns:p16="http://schemas.microsoft.com/office/powerpoint/2015/main" val="1"/>
+                </p:ext>
+              </p:extLst>
+            </p:nvPr>
+          </p:nvSpPr>
+          <p:spPr bwMode="auto">
+            <a:xfrm>
+              <a:off x="204787" y="1849438"/>
+              <a:ext cx="114300" cy="107950"/>
+            </a:xfrm>
+            <a:custGeom>
+              <a:avLst/>
+              <a:gdLst/>
+              <a:ahLst/>
+              <a:cxnLst/>
+              <a:rect l="0" t="0" r="r" b="b"/>
+              <a:pathLst>
+                <a:path w="24" h="23">
+                  <a:moveTo>
+                    <a:pt x="12" y="23"/>
+                  </a:moveTo>
+                  <a:cubicBezTo>
+                    <a:pt x="6" y="23"/>
+                    <a:pt x="0" y="18"/>
+                    <a:pt x="0" y="12"/>
+                  </a:cubicBezTo>
+                  <a:cubicBezTo>
+                    <a:pt x="0" y="5"/>
+                    <a:pt x="6" y="0"/>
+                    <a:pt x="12" y="0"/>
+                  </a:cubicBezTo>
+                  <a:cubicBezTo>
+                    <a:pt x="18" y="0"/>
+                    <a:pt x="24" y="5"/>
+                    <a:pt x="24" y="12"/>
+                  </a:cubicBezTo>
+                  <a:cubicBezTo>
+                    <a:pt x="24" y="18"/>
+                    <a:pt x="18" y="23"/>
+                    <a:pt x="12" y="23"/>
+                  </a:cubicBezTo>
+                  <a:close/>
+                  <a:moveTo>
+                    <a:pt x="12" y="4"/>
+                  </a:moveTo>
+                  <a:cubicBezTo>
+                    <a:pt x="8" y="4"/>
+                    <a:pt x="4" y="8"/>
+                    <a:pt x="4" y="12"/>
+                  </a:cubicBezTo>
+                  <a:cubicBezTo>
+                    <a:pt x="4" y="16"/>
+                    <a:pt x="8" y="19"/>
+                    <a:pt x="12" y="19"/>
+                  </a:cubicBezTo>
+                  <a:cubicBezTo>
+                    <a:pt x="16" y="19"/>
+                    <a:pt x="20" y="16"/>
+                    <a:pt x="20" y="12"/>
+                  </a:cubicBezTo>
+                  <a:cubicBezTo>
+                    <a:pt x="20" y="8"/>
+                    <a:pt x="16" y="4"/>
+                    <a:pt x="12" y="4"/>
+                  </a:cubicBezTo>
+                  <a:close/>
+                </a:path>
+              </a:pathLst>
+            </a:custGeom>
+            <a:grpFill/>
+            <a:ln>
+              <a:noFill/>
+            </a:ln>
+            <a:extLst>
+              <a:ext uri="{91240B29-F687-4f45-9708-019B960494DF}">
+                <a14:hiddenLine xmlns="" xmlns:a16="http://schemas.microsoft.com/office/drawing/2014/main" xmlns:p14="http://schemas.microsoft.com/office/powerpoint/2010/main" xmlns:a14="http://schemas.microsoft.com/office/drawing/2010/main" w="9525">
+                  <a:solidFill>
+                    <a:srgbClr val="000000"/>
+                  </a:solidFill>
+                  <a:round/>
+                  <a:headEnd/>
+                  <a:tailEnd/>
+                </a14:hiddenLine>
+              </a:ext>
+            </a:extLst>
+          </p:spPr>
+        </p:sp>
+        <p:sp>
+          <p:nvSpPr>
+            <p:cNvPr id="33" name="Rectangle 21">
+              <a:extLst>
+                <a:ext uri="{FF2B5EF4-FFF2-40B4-BE49-F238E27FC236}">
+                  <a16:creationId xmlns:a16="http://schemas.microsoft.com/office/drawing/2014/main" id="{6C5EB9C1-B25F-4172-8A96-5950ECC828FC}"/>
+                </a:ext>
+                <a:ext uri="{C183D7F6-B498-43B3-948B-1728B52AA6E4}">
+                  <adec:decorative xmlns:adec="http://schemas.microsoft.com/office/drawing/2017/decorative" val="1"/>
+                </a:ext>
+              </a:extLst>
+            </p:cNvPr>
+            <p:cNvSpPr>
+              <a:spLocks noChangeArrowheads="1"/>
+            </p:cNvSpPr>
+            <p:nvPr>
+              <p:extLst>
+                <p:ext uri="{386F3935-93C4-4BCD-93E2-E3B085C9AB24}">
+                  <p16:designElem xmlns:p16="http://schemas.microsoft.com/office/powerpoint/2015/main" val="1"/>
+                </p:ext>
+              </p:extLst>
+            </p:nvPr>
+          </p:nvSpPr>
+          <p:spPr bwMode="auto">
+            <a:xfrm>
+              <a:off x="133350" y="4662488"/>
+              <a:ext cx="23813" cy="2181225"/>
+            </a:xfrm>
+            <a:prstGeom prst="rect">
+              <a:avLst/>
+            </a:prstGeom>
+            <a:grpFill/>
+            <a:ln>
+              <a:noFill/>
+            </a:ln>
+            <a:extLst>
+              <a:ext uri="{91240B29-F687-4f45-9708-019B960494DF}">
+                <a14:hiddenLine xmlns="" xmlns:a16="http://schemas.microsoft.com/office/drawing/2014/main" xmlns:p14="http://schemas.microsoft.com/office/powerpoint/2010/main" xmlns:a14="http://schemas.microsoft.com/office/drawing/2010/main" w="9525">
+                  <a:solidFill>
+                    <a:srgbClr val="000000"/>
+                  </a:solidFill>
+                  <a:miter lim="800000"/>
+                  <a:headEnd/>
+                  <a:tailEnd/>
+                </a14:hiddenLine>
+              </a:ext>
+            </a:extLst>
+          </p:spPr>
+        </p:sp>
+        <p:sp>
+          <p:nvSpPr>
+            <p:cNvPr id="34" name="Freeform 22">
+              <a:extLst>
+                <a:ext uri="{FF2B5EF4-FFF2-40B4-BE49-F238E27FC236}">
+                  <a16:creationId xmlns:a16="http://schemas.microsoft.com/office/drawing/2014/main" id="{097E6E8A-9373-4655-882B-21715CCE97EE}"/>
+                </a:ext>
+                <a:ext uri="{C183D7F6-B498-43B3-948B-1728B52AA6E4}">
+                  <adec:decorative xmlns:adec="http://schemas.microsoft.com/office/drawing/2017/decorative" val="1"/>
+                </a:ext>
+              </a:extLst>
+            </p:cNvPr>
+            <p:cNvSpPr/>
+            <p:nvPr>
+              <p:extLst>
+                <p:ext uri="{386F3935-93C4-4BCD-93E2-E3B085C9AB24}">
+                  <p16:designElem xmlns:p16="http://schemas.microsoft.com/office/powerpoint/2015/main" val="1"/>
+                </p:ext>
+              </p:extLst>
+            </p:nvPr>
+          </p:nvSpPr>
+          <p:spPr bwMode="auto">
+            <a:xfrm>
+              <a:off x="223837" y="5041900"/>
+              <a:ext cx="369888" cy="1801813"/>
+            </a:xfrm>
+            <a:custGeom>
+              <a:avLst/>
+              <a:gdLst/>
+              <a:ahLst/>
+              <a:cxnLst/>
+              <a:rect l="0" t="0" r="r" b="b"/>
+              <a:pathLst>
+                <a:path w="233" h="1135">
+                  <a:moveTo>
+                    <a:pt x="15" y="1135"/>
+                  </a:moveTo>
+                  <a:lnTo>
+                    <a:pt x="0" y="1135"/>
+                  </a:lnTo>
+                  <a:lnTo>
+                    <a:pt x="0" y="515"/>
+                  </a:lnTo>
+                  <a:lnTo>
+                    <a:pt x="0" y="512"/>
+                  </a:lnTo>
+                  <a:lnTo>
+                    <a:pt x="218" y="0"/>
+                  </a:lnTo>
+                  <a:lnTo>
+                    <a:pt x="233" y="6"/>
+                  </a:lnTo>
+                  <a:lnTo>
+                    <a:pt x="15" y="518"/>
+                  </a:lnTo>
+                  <a:lnTo>
+                    <a:pt x="15" y="1135"/>
+                  </a:lnTo>
+                  <a:close/>
+                </a:path>
+              </a:pathLst>
+            </a:custGeom>
+            <a:grpFill/>
+            <a:ln>
+              <a:noFill/>
+            </a:ln>
+            <a:extLst>
+              <a:ext uri="{91240B29-F687-4f45-9708-019B960494DF}">
+                <a14:hiddenLine xmlns="" xmlns:a16="http://schemas.microsoft.com/office/drawing/2014/main" xmlns:p14="http://schemas.microsoft.com/office/powerpoint/2010/main" xmlns:a14="http://schemas.microsoft.com/office/drawing/2010/main" w="9525">
+                  <a:solidFill>
+                    <a:srgbClr val="000000"/>
+                  </a:solidFill>
+                  <a:round/>
+                  <a:headEnd/>
+                  <a:tailEnd/>
+                </a14:hiddenLine>
+              </a:ext>
+            </a:extLst>
+          </p:spPr>
+        </p:sp>
+        <p:sp>
+          <p:nvSpPr>
+            <p:cNvPr id="35" name="Freeform 23">
+              <a:extLst>
+                <a:ext uri="{FF2B5EF4-FFF2-40B4-BE49-F238E27FC236}">
+                  <a16:creationId xmlns:a16="http://schemas.microsoft.com/office/drawing/2014/main" id="{EB8CC766-1206-4372-ACAF-8230AF4D5421}"/>
+                </a:ext>
+                <a:ext uri="{C183D7F6-B498-43B3-948B-1728B52AA6E4}">
+                  <adec:decorative xmlns:adec="http://schemas.microsoft.com/office/drawing/2017/decorative" val="1"/>
+                </a:ext>
+              </a:extLst>
+            </p:cNvPr>
+            <p:cNvSpPr>
+              <a:spLocks noEditPoints="1"/>
+            </p:cNvSpPr>
+            <p:nvPr>
+              <p:extLst>
+                <p:ext uri="{386F3935-93C4-4BCD-93E2-E3B085C9AB24}">
+                  <p16:designElem xmlns:p16="http://schemas.microsoft.com/office/powerpoint/2015/main" val="1"/>
+                </p:ext>
+              </p:extLst>
+            </p:nvPr>
+          </p:nvSpPr>
+          <p:spPr bwMode="auto">
+            <a:xfrm>
+              <a:off x="52387" y="4481513"/>
+              <a:ext cx="190500" cy="190500"/>
+            </a:xfrm>
+            <a:custGeom>
+              <a:avLst/>
+              <a:gdLst/>
+              <a:ahLst/>
+              <a:cxnLst/>
+              <a:rect l="0" t="0" r="r" b="b"/>
+              <a:pathLst>
+                <a:path w="40" h="40">
+                  <a:moveTo>
+                    <a:pt x="20" y="40"/>
+                  </a:moveTo>
+                  <a:cubicBezTo>
+                    <a:pt x="9" y="40"/>
+                    <a:pt x="0" y="31"/>
+                    <a:pt x="0" y="20"/>
+                  </a:cubicBezTo>
+                  <a:cubicBezTo>
+                    <a:pt x="0" y="9"/>
+                    <a:pt x="9" y="0"/>
+                    <a:pt x="20" y="0"/>
+                  </a:cubicBezTo>
+                  <a:cubicBezTo>
+                    <a:pt x="31" y="0"/>
+                    <a:pt x="40" y="9"/>
+                    <a:pt x="40" y="20"/>
+                  </a:cubicBezTo>
+                  <a:cubicBezTo>
+                    <a:pt x="40" y="31"/>
+                    <a:pt x="31" y="40"/>
+                    <a:pt x="20" y="40"/>
+                  </a:cubicBezTo>
+                  <a:close/>
+                  <a:moveTo>
+                    <a:pt x="20" y="4"/>
+                  </a:moveTo>
+                  <a:cubicBezTo>
+                    <a:pt x="11" y="4"/>
+                    <a:pt x="4" y="11"/>
+                    <a:pt x="4" y="20"/>
+                  </a:cubicBezTo>
+                  <a:cubicBezTo>
+                    <a:pt x="4" y="29"/>
+                    <a:pt x="11" y="36"/>
+                    <a:pt x="20" y="36"/>
+                  </a:cubicBezTo>
+                  <a:cubicBezTo>
+                    <a:pt x="28" y="36"/>
+                    <a:pt x="36" y="29"/>
+                    <a:pt x="36" y="20"/>
+                  </a:cubicBezTo>
+                  <a:cubicBezTo>
+                    <a:pt x="36" y="11"/>
+                    <a:pt x="28" y="4"/>
+                    <a:pt x="20" y="4"/>
+                  </a:cubicBezTo>
+                  <a:close/>
+                </a:path>
+              </a:pathLst>
+            </a:custGeom>
+            <a:grpFill/>
+            <a:ln>
+              <a:noFill/>
+            </a:ln>
+            <a:extLst>
+              <a:ext uri="{91240B29-F687-4f45-9708-019B960494DF}">
+                <a14:hiddenLine xmlns="" xmlns:a16="http://schemas.microsoft.com/office/drawing/2014/main" xmlns:p14="http://schemas.microsoft.com/office/powerpoint/2010/main" xmlns:a14="http://schemas.microsoft.com/office/drawing/2010/main" w="9525">
+                  <a:solidFill>
+                    <a:srgbClr val="000000"/>
+                  </a:solidFill>
+                  <a:round/>
+                  <a:headEnd/>
+                  <a:tailEnd/>
+                </a14:hiddenLine>
+              </a:ext>
+            </a:extLst>
+          </p:spPr>
+        </p:sp>
+        <p:sp>
+          <p:nvSpPr>
+            <p:cNvPr id="36" name="Freeform 24">
+              <a:extLst>
+                <a:ext uri="{FF2B5EF4-FFF2-40B4-BE49-F238E27FC236}">
+                  <a16:creationId xmlns:a16="http://schemas.microsoft.com/office/drawing/2014/main" id="{1C8E2511-2489-47B2-9C19-C410910DD901}"/>
+                </a:ext>
+                <a:ext uri="{C183D7F6-B498-43B3-948B-1728B52AA6E4}">
+                  <adec:decorative xmlns:adec="http://schemas.microsoft.com/office/drawing/2017/decorative" val="1"/>
+                </a:ext>
+              </a:extLst>
+            </p:cNvPr>
+            <p:cNvSpPr/>
+            <p:nvPr>
+              <p:extLst>
+                <p:ext uri="{386F3935-93C4-4BCD-93E2-E3B085C9AB24}">
+                  <p16:designElem xmlns:p16="http://schemas.microsoft.com/office/powerpoint/2015/main" val="1"/>
+                </p:ext>
+              </p:extLst>
+            </p:nvPr>
+          </p:nvSpPr>
+          <p:spPr bwMode="auto">
+            <a:xfrm>
+              <a:off x="-14288" y="5627688"/>
+              <a:ext cx="85725" cy="1216025"/>
+            </a:xfrm>
+            <a:custGeom>
+              <a:avLst/>
+              <a:gdLst/>
+              <a:ahLst/>
+              <a:cxnLst/>
+              <a:rect l="0" t="0" r="r" b="b"/>
+              <a:pathLst>
+                <a:path w="54" h="766">
+                  <a:moveTo>
+                    <a:pt x="54" y="766"/>
+                  </a:moveTo>
+                  <a:lnTo>
+                    <a:pt x="36" y="766"/>
+                  </a:lnTo>
+                  <a:lnTo>
+                    <a:pt x="36" y="149"/>
+                  </a:lnTo>
+                  <a:lnTo>
+                    <a:pt x="0" y="3"/>
+                  </a:lnTo>
+                  <a:lnTo>
+                    <a:pt x="18" y="0"/>
+                  </a:lnTo>
+                  <a:lnTo>
+                    <a:pt x="54" y="146"/>
+                  </a:lnTo>
+                  <a:lnTo>
+                    <a:pt x="54" y="766"/>
+                  </a:lnTo>
+                  <a:close/>
+                </a:path>
+              </a:pathLst>
+            </a:custGeom>
+            <a:grpFill/>
+            <a:ln>
+              <a:noFill/>
+            </a:ln>
+            <a:extLst>
+              <a:ext uri="{91240B29-F687-4f45-9708-019B960494DF}">
+                <a14:hiddenLine xmlns="" xmlns:a16="http://schemas.microsoft.com/office/drawing/2014/main" xmlns:p14="http://schemas.microsoft.com/office/powerpoint/2010/main" xmlns:a14="http://schemas.microsoft.com/office/drawing/2010/main" w="9525">
+                  <a:solidFill>
+                    <a:srgbClr val="000000"/>
+                  </a:solidFill>
+                  <a:round/>
+                  <a:headEnd/>
+                  <a:tailEnd/>
+                </a14:hiddenLine>
+              </a:ext>
+            </a:extLst>
+          </p:spPr>
+        </p:sp>
+        <p:sp>
+          <p:nvSpPr>
+            <p:cNvPr id="37" name="Freeform 25">
+              <a:extLst>
+                <a:ext uri="{FF2B5EF4-FFF2-40B4-BE49-F238E27FC236}">
+                  <a16:creationId xmlns:a16="http://schemas.microsoft.com/office/drawing/2014/main" id="{D7820196-0A47-47EF-832C-A688E8977D60}"/>
+                </a:ext>
+                <a:ext uri="{C183D7F6-B498-43B3-948B-1728B52AA6E4}">
+                  <adec:decorative xmlns:adec="http://schemas.microsoft.com/office/drawing/2017/decorative" val="1"/>
+                </a:ext>
+              </a:extLst>
+            </p:cNvPr>
+            <p:cNvSpPr>
+              <a:spLocks noEditPoints="1"/>
+            </p:cNvSpPr>
+            <p:nvPr>
+              <p:extLst>
+                <p:ext uri="{386F3935-93C4-4BCD-93E2-E3B085C9AB24}">
+                  <p16:designElem xmlns:p16="http://schemas.microsoft.com/office/powerpoint/2015/main" val="1"/>
+                </p:ext>
+              </p:extLst>
+            </p:nvPr>
+          </p:nvSpPr>
+          <p:spPr bwMode="auto">
+            <a:xfrm>
+              <a:off x="527050" y="4867275"/>
+              <a:ext cx="190500" cy="188913"/>
+            </a:xfrm>
+            <a:custGeom>
+              <a:avLst/>
+              <a:gdLst/>
+              <a:ahLst/>
+              <a:cxnLst/>
+              <a:rect l="0" t="0" r="r" b="b"/>
+              <a:pathLst>
+                <a:path w="40" h="40">
+                  <a:moveTo>
+                    <a:pt x="20" y="40"/>
+                  </a:moveTo>
+                  <a:cubicBezTo>
+                    <a:pt x="9" y="40"/>
+                    <a:pt x="0" y="31"/>
+                    <a:pt x="0" y="20"/>
+                  </a:cubicBezTo>
+                  <a:cubicBezTo>
+                    <a:pt x="0" y="9"/>
+                    <a:pt x="9" y="0"/>
+                    <a:pt x="20" y="0"/>
+                  </a:cubicBezTo>
+                  <a:cubicBezTo>
+                    <a:pt x="31" y="0"/>
+                    <a:pt x="40" y="9"/>
+                    <a:pt x="40" y="20"/>
+                  </a:cubicBezTo>
+                  <a:cubicBezTo>
+                    <a:pt x="40" y="31"/>
+                    <a:pt x="31" y="40"/>
+                    <a:pt x="20" y="40"/>
+                  </a:cubicBezTo>
+                  <a:close/>
+                  <a:moveTo>
+                    <a:pt x="20" y="4"/>
+                  </a:moveTo>
+                  <a:cubicBezTo>
+                    <a:pt x="11" y="4"/>
+                    <a:pt x="4" y="11"/>
+                    <a:pt x="4" y="20"/>
+                  </a:cubicBezTo>
+                  <a:cubicBezTo>
+                    <a:pt x="4" y="29"/>
+                    <a:pt x="11" y="36"/>
+                    <a:pt x="20" y="36"/>
+                  </a:cubicBezTo>
+                  <a:cubicBezTo>
+                    <a:pt x="29" y="36"/>
+                    <a:pt x="36" y="29"/>
+                    <a:pt x="36" y="20"/>
+                  </a:cubicBezTo>
+                  <a:cubicBezTo>
+                    <a:pt x="36" y="11"/>
+                    <a:pt x="29" y="4"/>
+                    <a:pt x="20" y="4"/>
+                  </a:cubicBezTo>
+                  <a:close/>
+                </a:path>
+              </a:pathLst>
+            </a:custGeom>
+            <a:grpFill/>
+            <a:ln>
+              <a:noFill/>
+            </a:ln>
+            <a:extLst>
+              <a:ext uri="{91240B29-F687-4f45-9708-019B960494DF}">
+                <a14:hiddenLine xmlns="" xmlns:a16="http://schemas.microsoft.com/office/drawing/2014/main" xmlns:p14="http://schemas.microsoft.com/office/powerpoint/2010/main" xmlns:a14="http://schemas.microsoft.com/office/drawing/2010/main" w="9525">
+                  <a:solidFill>
+                    <a:srgbClr val="000000"/>
+                  </a:solidFill>
+                  <a:round/>
+                  <a:headEnd/>
+                  <a:tailEnd/>
+                </a14:hiddenLine>
+              </a:ext>
+            </a:extLst>
+          </p:spPr>
+        </p:sp>
+        <p:sp>
+          <p:nvSpPr>
+            <p:cNvPr id="38" name="Freeform 26">
+              <a:extLst>
+                <a:ext uri="{FF2B5EF4-FFF2-40B4-BE49-F238E27FC236}">
+                  <a16:creationId xmlns:a16="http://schemas.microsoft.com/office/drawing/2014/main" id="{4982E0BF-34AE-48A3-AD6B-E0F3CD05DB34}"/>
+                </a:ext>
+                <a:ext uri="{C183D7F6-B498-43B3-948B-1728B52AA6E4}">
+                  <adec:decorative xmlns:adec="http://schemas.microsoft.com/office/drawing/2017/decorative" val="1"/>
+                </a:ext>
+              </a:extLst>
+            </p:cNvPr>
+            <p:cNvSpPr/>
+            <p:nvPr>
+              <p:extLst>
+                <p:ext uri="{386F3935-93C4-4BCD-93E2-E3B085C9AB24}">
+                  <p16:designElem xmlns:p16="http://schemas.microsoft.com/office/powerpoint/2015/main" val="1"/>
+                </p:ext>
+              </p:extLst>
+            </p:nvPr>
+          </p:nvSpPr>
+          <p:spPr bwMode="auto">
+            <a:xfrm>
+              <a:off x="309562" y="5422900"/>
+              <a:ext cx="374650" cy="1425575"/>
+            </a:xfrm>
+            <a:custGeom>
+              <a:avLst/>
+              <a:gdLst/>
+              <a:ahLst/>
+              <a:cxnLst/>
+              <a:rect l="0" t="0" r="r" b="b"/>
+              <a:pathLst>
+                <a:path w="236" h="898">
+                  <a:moveTo>
+                    <a:pt x="18" y="898"/>
+                  </a:moveTo>
+                  <a:lnTo>
+                    <a:pt x="0" y="898"/>
+                  </a:lnTo>
+                  <a:lnTo>
+                    <a:pt x="0" y="515"/>
+                  </a:lnTo>
+                  <a:lnTo>
+                    <a:pt x="3" y="512"/>
+                  </a:lnTo>
+                  <a:lnTo>
+                    <a:pt x="221" y="0"/>
+                  </a:lnTo>
+                  <a:lnTo>
+                    <a:pt x="236" y="6"/>
+                  </a:lnTo>
+                  <a:lnTo>
+                    <a:pt x="18" y="518"/>
+                  </a:lnTo>
+                  <a:lnTo>
+                    <a:pt x="18" y="898"/>
+                  </a:lnTo>
+                  <a:close/>
+                </a:path>
+              </a:pathLst>
+            </a:custGeom>
+            <a:grpFill/>
+            <a:ln>
+              <a:noFill/>
+            </a:ln>
+            <a:extLst>
+              <a:ext uri="{91240B29-F687-4f45-9708-019B960494DF}">
+                <a14:hiddenLine xmlns="" xmlns:a16="http://schemas.microsoft.com/office/drawing/2014/main" xmlns:p14="http://schemas.microsoft.com/office/powerpoint/2010/main" xmlns:a14="http://schemas.microsoft.com/office/drawing/2010/main" w="9525">
+                  <a:solidFill>
+                    <a:srgbClr val="000000"/>
+                  </a:solidFill>
+                  <a:round/>
+                  <a:headEnd/>
+                  <a:tailEnd/>
+                </a14:hiddenLine>
+              </a:ext>
+            </a:extLst>
+          </p:spPr>
+        </p:sp>
+        <p:sp>
+          <p:nvSpPr>
+            <p:cNvPr id="39" name="Freeform 27">
+              <a:extLst>
+                <a:ext uri="{FF2B5EF4-FFF2-40B4-BE49-F238E27FC236}">
+                  <a16:creationId xmlns:a16="http://schemas.microsoft.com/office/drawing/2014/main" id="{CD34643B-9DF2-4310-8868-48252C3393F0}"/>
+                </a:ext>
+                <a:ext uri="{C183D7F6-B498-43B3-948B-1728B52AA6E4}">
+                  <adec:decorative xmlns:adec="http://schemas.microsoft.com/office/drawing/2017/decorative" val="1"/>
+                </a:ext>
+              </a:extLst>
+            </p:cNvPr>
+            <p:cNvSpPr/>
+            <p:nvPr>
+              <p:extLst>
+                <p:ext uri="{386F3935-93C4-4BCD-93E2-E3B085C9AB24}">
+                  <p16:designElem xmlns:p16="http://schemas.microsoft.com/office/powerpoint/2015/main" val="1"/>
+                </p:ext>
+              </p:extLst>
+            </p:nvPr>
+          </p:nvSpPr>
+          <p:spPr bwMode="auto">
+            <a:xfrm>
+              <a:off x="569912" y="5945188"/>
+              <a:ext cx="152400" cy="912813"/>
+            </a:xfrm>
+            <a:custGeom>
+              <a:avLst/>
+              <a:gdLst/>
+              <a:ahLst/>
+              <a:cxnLst/>
+              <a:rect l="0" t="0" r="r" b="b"/>
+              <a:pathLst>
+                <a:path w="96" h="575">
+                  <a:moveTo>
+                    <a:pt x="15" y="575"/>
+                  </a:moveTo>
+                  <a:lnTo>
+                    <a:pt x="0" y="569"/>
+                  </a:lnTo>
+                  <a:lnTo>
+                    <a:pt x="81" y="383"/>
+                  </a:lnTo>
+                  <a:lnTo>
+                    <a:pt x="81" y="0"/>
+                  </a:lnTo>
+                  <a:lnTo>
+                    <a:pt x="96" y="0"/>
+                  </a:lnTo>
+                  <a:lnTo>
+                    <a:pt x="96" y="386"/>
+                  </a:lnTo>
+                  <a:lnTo>
+                    <a:pt x="15" y="575"/>
+                  </a:lnTo>
+                  <a:close/>
+                </a:path>
+              </a:pathLst>
+            </a:custGeom>
+            <a:grpFill/>
+            <a:ln>
+              <a:noFill/>
+            </a:ln>
+            <a:extLst>
+              <a:ext uri="{91240B29-F687-4f45-9708-019B960494DF}">
+                <a14:hiddenLine xmlns="" xmlns:a16="http://schemas.microsoft.com/office/drawing/2014/main" xmlns:p14="http://schemas.microsoft.com/office/powerpoint/2010/main" xmlns:a14="http://schemas.microsoft.com/office/drawing/2010/main" w="9525">
+                  <a:solidFill>
+                    <a:srgbClr val="000000"/>
+                  </a:solidFill>
+                  <a:round/>
+                  <a:headEnd/>
+                  <a:tailEnd/>
+                </a14:hiddenLine>
+              </a:ext>
+            </a:extLst>
+          </p:spPr>
+        </p:sp>
+        <p:sp>
+          <p:nvSpPr>
+            <p:cNvPr id="40" name="Freeform 28">
+              <a:extLst>
+                <a:ext uri="{FF2B5EF4-FFF2-40B4-BE49-F238E27FC236}">
+                  <a16:creationId xmlns:a16="http://schemas.microsoft.com/office/drawing/2014/main" id="{4E020C4E-AF64-44A8-B830-779541D8D549}"/>
+                </a:ext>
+                <a:ext uri="{C183D7F6-B498-43B3-948B-1728B52AA6E4}">
+                  <adec:decorative xmlns:adec="http://schemas.microsoft.com/office/drawing/2017/decorative" val="1"/>
+                </a:ext>
+              </a:extLst>
+            </p:cNvPr>
+            <p:cNvSpPr>
+              <a:spLocks noEditPoints="1"/>
+            </p:cNvSpPr>
+            <p:nvPr>
+              <p:extLst>
+                <p:ext uri="{386F3935-93C4-4BCD-93E2-E3B085C9AB24}">
+                  <p16:designElem xmlns:p16="http://schemas.microsoft.com/office/powerpoint/2015/main" val="1"/>
+                </p:ext>
+              </p:extLst>
+            </p:nvPr>
+          </p:nvSpPr>
+          <p:spPr bwMode="auto">
+            <a:xfrm>
+              <a:off x="612775" y="5246688"/>
+              <a:ext cx="190500" cy="190500"/>
+            </a:xfrm>
+            <a:custGeom>
+              <a:avLst/>
+              <a:gdLst/>
+              <a:ahLst/>
+              <a:cxnLst/>
+              <a:rect l="0" t="0" r="r" b="b"/>
+              <a:pathLst>
+                <a:path w="40" h="40">
+                  <a:moveTo>
+                    <a:pt x="20" y="40"/>
+                  </a:moveTo>
+                  <a:cubicBezTo>
+                    <a:pt x="9" y="40"/>
+                    <a:pt x="0" y="31"/>
+                    <a:pt x="0" y="20"/>
+                  </a:cubicBezTo>
+                  <a:cubicBezTo>
+                    <a:pt x="0" y="9"/>
+                    <a:pt x="9" y="0"/>
+                    <a:pt x="20" y="0"/>
+                  </a:cubicBezTo>
+                  <a:cubicBezTo>
+                    <a:pt x="31" y="0"/>
+                    <a:pt x="40" y="9"/>
+                    <a:pt x="40" y="20"/>
+                  </a:cubicBezTo>
+                  <a:cubicBezTo>
+                    <a:pt x="40" y="31"/>
+                    <a:pt x="31" y="40"/>
+                    <a:pt x="20" y="40"/>
+                  </a:cubicBezTo>
+                  <a:close/>
+                  <a:moveTo>
+                    <a:pt x="20" y="4"/>
+                  </a:moveTo>
+                  <a:cubicBezTo>
+                    <a:pt x="12" y="4"/>
+                    <a:pt x="4" y="11"/>
+                    <a:pt x="4" y="20"/>
+                  </a:cubicBezTo>
+                  <a:cubicBezTo>
+                    <a:pt x="4" y="29"/>
+                    <a:pt x="12" y="36"/>
+                    <a:pt x="20" y="36"/>
+                  </a:cubicBezTo>
+                  <a:cubicBezTo>
+                    <a:pt x="29" y="36"/>
+                    <a:pt x="36" y="29"/>
+                    <a:pt x="36" y="20"/>
+                  </a:cubicBezTo>
+                  <a:cubicBezTo>
+                    <a:pt x="36" y="11"/>
+                    <a:pt x="29" y="4"/>
+                    <a:pt x="20" y="4"/>
+                  </a:cubicBezTo>
+                  <a:close/>
+                </a:path>
+              </a:pathLst>
+            </a:custGeom>
+            <a:grpFill/>
+            <a:ln>
+              <a:noFill/>
+            </a:ln>
+            <a:extLst>
+              <a:ext uri="{91240B29-F687-4f45-9708-019B960494DF}">
+                <a14:hiddenLine xmlns="" xmlns:a16="http://schemas.microsoft.com/office/drawing/2014/main" xmlns:p14="http://schemas.microsoft.com/office/powerpoint/2010/main" xmlns:a14="http://schemas.microsoft.com/office/drawing/2010/main" w="9525">
+                  <a:solidFill>
+                    <a:srgbClr val="000000"/>
+                  </a:solidFill>
+                  <a:round/>
+                  <a:headEnd/>
+                  <a:tailEnd/>
+                </a14:hiddenLine>
+              </a:ext>
+            </a:extLst>
+          </p:spPr>
+        </p:sp>
+        <p:sp>
+          <p:nvSpPr>
+            <p:cNvPr id="41" name="Freeform 29">
+              <a:extLst>
+                <a:ext uri="{FF2B5EF4-FFF2-40B4-BE49-F238E27FC236}">
+                  <a16:creationId xmlns:a16="http://schemas.microsoft.com/office/drawing/2014/main" id="{D97BC3D3-B1B3-4825-9169-BBEF1DBCF055}"/>
+                </a:ext>
+                <a:ext uri="{C183D7F6-B498-43B3-948B-1728B52AA6E4}">
+                  <adec:decorative xmlns:adec="http://schemas.microsoft.com/office/drawing/2017/decorative" val="1"/>
+                </a:ext>
+              </a:extLst>
+            </p:cNvPr>
+            <p:cNvSpPr>
+              <a:spLocks noEditPoints="1"/>
+            </p:cNvSpPr>
+            <p:nvPr>
+              <p:extLst>
+                <p:ext uri="{386F3935-93C4-4BCD-93E2-E3B085C9AB24}">
+                  <p16:designElem xmlns:p16="http://schemas.microsoft.com/office/powerpoint/2015/main" val="1"/>
+                </p:ext>
+              </p:extLst>
+            </p:nvPr>
+          </p:nvSpPr>
+          <p:spPr bwMode="auto">
+            <a:xfrm>
+              <a:off x="612775" y="5764213"/>
+              <a:ext cx="190500" cy="190500"/>
+            </a:xfrm>
+            <a:custGeom>
+              <a:avLst/>
+              <a:gdLst/>
+              <a:ahLst/>
+              <a:cxnLst/>
+              <a:rect l="0" t="0" r="r" b="b"/>
+              <a:pathLst>
+                <a:path w="40" h="40">
+                  <a:moveTo>
+                    <a:pt x="20" y="40"/>
+                  </a:moveTo>
+                  <a:cubicBezTo>
+                    <a:pt x="9" y="40"/>
+                    <a:pt x="0" y="31"/>
+                    <a:pt x="0" y="20"/>
+                  </a:cubicBezTo>
+                  <a:cubicBezTo>
+                    <a:pt x="0" y="9"/>
+                    <a:pt x="9" y="0"/>
+                    <a:pt x="20" y="0"/>
+                  </a:cubicBezTo>
+                  <a:cubicBezTo>
+                    <a:pt x="31" y="0"/>
+                    <a:pt x="40" y="9"/>
+                    <a:pt x="40" y="20"/>
+                  </a:cubicBezTo>
+                  <a:cubicBezTo>
+                    <a:pt x="40" y="31"/>
+                    <a:pt x="31" y="40"/>
+                    <a:pt x="20" y="40"/>
+                  </a:cubicBezTo>
+                  <a:close/>
+                  <a:moveTo>
+                    <a:pt x="20" y="4"/>
+                  </a:moveTo>
+                  <a:cubicBezTo>
+                    <a:pt x="12" y="4"/>
+                    <a:pt x="4" y="11"/>
+                    <a:pt x="4" y="20"/>
+                  </a:cubicBezTo>
+                  <a:cubicBezTo>
+                    <a:pt x="4" y="29"/>
+                    <a:pt x="12" y="36"/>
+                    <a:pt x="20" y="36"/>
+                  </a:cubicBezTo>
+                  <a:cubicBezTo>
+                    <a:pt x="29" y="36"/>
+                    <a:pt x="36" y="29"/>
+                    <a:pt x="36" y="20"/>
+                  </a:cubicBezTo>
+                  <a:cubicBezTo>
+                    <a:pt x="36" y="11"/>
+                    <a:pt x="29" y="4"/>
+                    <a:pt x="20" y="4"/>
+                  </a:cubicBezTo>
+                  <a:close/>
+                </a:path>
+              </a:pathLst>
+            </a:custGeom>
+            <a:grpFill/>
+            <a:ln>
+              <a:noFill/>
+            </a:ln>
+            <a:extLst>
+              <a:ext uri="{91240B29-F687-4f45-9708-019B960494DF}">
+                <a14:hiddenLine xmlns="" xmlns:a16="http://schemas.microsoft.com/office/drawing/2014/main" xmlns:p14="http://schemas.microsoft.com/office/powerpoint/2010/main" xmlns:a14="http://schemas.microsoft.com/office/drawing/2010/main" w="9525">
+                  <a:solidFill>
+                    <a:srgbClr val="000000"/>
+                  </a:solidFill>
+                  <a:round/>
+                  <a:headEnd/>
+                  <a:tailEnd/>
+                </a14:hiddenLine>
+              </a:ext>
+            </a:extLst>
+          </p:spPr>
+        </p:sp>
+        <p:sp>
+          <p:nvSpPr>
+            <p:cNvPr id="42" name="Freeform 30">
+              <a:extLst>
+                <a:ext uri="{FF2B5EF4-FFF2-40B4-BE49-F238E27FC236}">
+                  <a16:creationId xmlns:a16="http://schemas.microsoft.com/office/drawing/2014/main" id="{A750DC4F-1DAF-470E-98C6-6C68DEB93363}"/>
+                </a:ext>
+                <a:ext uri="{C183D7F6-B498-43B3-948B-1728B52AA6E4}">
+                  <adec:decorative xmlns:adec="http://schemas.microsoft.com/office/drawing/2017/decorative" val="1"/>
+                </a:ext>
+              </a:extLst>
+            </p:cNvPr>
+            <p:cNvSpPr/>
+            <p:nvPr>
+              <p:extLst>
+                <p:ext uri="{386F3935-93C4-4BCD-93E2-E3B085C9AB24}">
+                  <p16:designElem xmlns:p16="http://schemas.microsoft.com/office/powerpoint/2015/main" val="1"/>
+                </p:ext>
+              </p:extLst>
+            </p:nvPr>
+          </p:nvSpPr>
+          <p:spPr bwMode="auto">
+            <a:xfrm>
+              <a:off x="669925" y="6330950"/>
+              <a:ext cx="417513" cy="517525"/>
+            </a:xfrm>
+            <a:custGeom>
+              <a:avLst/>
+              <a:gdLst/>
+              <a:ahLst/>
+              <a:cxnLst/>
+              <a:rect l="0" t="0" r="r" b="b"/>
+              <a:pathLst>
+                <a:path w="263" h="326">
+                  <a:moveTo>
+                    <a:pt x="15" y="326"/>
+                  </a:moveTo>
+                  <a:lnTo>
+                    <a:pt x="0" y="320"/>
+                  </a:lnTo>
+                  <a:lnTo>
+                    <a:pt x="45" y="206"/>
+                  </a:lnTo>
+                  <a:lnTo>
+                    <a:pt x="48" y="206"/>
+                  </a:lnTo>
+                  <a:lnTo>
+                    <a:pt x="254" y="0"/>
+                  </a:lnTo>
+                  <a:lnTo>
+                    <a:pt x="263" y="12"/>
+                  </a:lnTo>
+                  <a:lnTo>
+                    <a:pt x="60" y="215"/>
+                  </a:lnTo>
+                  <a:lnTo>
+                    <a:pt x="15" y="326"/>
+                  </a:lnTo>
+                  <a:close/>
+                </a:path>
+              </a:pathLst>
+            </a:custGeom>
+            <a:grpFill/>
+            <a:ln>
+              <a:noFill/>
+            </a:ln>
+            <a:extLst>
+              <a:ext uri="{91240B29-F687-4f45-9708-019B960494DF}">
+                <a14:hiddenLine xmlns="" xmlns:a16="http://schemas.microsoft.com/office/drawing/2014/main" xmlns:p14="http://schemas.microsoft.com/office/powerpoint/2010/main" xmlns:a14="http://schemas.microsoft.com/office/drawing/2010/main" w="9525">
+                  <a:solidFill>
+                    <a:srgbClr val="000000"/>
+                  </a:solidFill>
+                  <a:round/>
+                  <a:headEnd/>
+                  <a:tailEnd/>
+                </a14:hiddenLine>
+              </a:ext>
+            </a:extLst>
+          </p:spPr>
+        </p:sp>
+        <p:sp>
+          <p:nvSpPr>
+            <p:cNvPr id="43" name="Freeform 31">
+              <a:extLst>
+                <a:ext uri="{FF2B5EF4-FFF2-40B4-BE49-F238E27FC236}">
+                  <a16:creationId xmlns:a16="http://schemas.microsoft.com/office/drawing/2014/main" id="{2F99594A-5BBD-4E10-A818-8BE52B7D952C}"/>
+                </a:ext>
+                <a:ext uri="{C183D7F6-B498-43B3-948B-1728B52AA6E4}">
+                  <adec:decorative xmlns:adec="http://schemas.microsoft.com/office/drawing/2017/decorative" val="1"/>
+                </a:ext>
+              </a:extLst>
+            </p:cNvPr>
+            <p:cNvSpPr>
+              <a:spLocks noEditPoints="1"/>
+            </p:cNvSpPr>
+            <p:nvPr>
+              <p:extLst>
+                <p:ext uri="{386F3935-93C4-4BCD-93E2-E3B085C9AB24}">
+                  <p16:designElem xmlns:p16="http://schemas.microsoft.com/office/powerpoint/2015/main" val="1"/>
+                </p:ext>
+              </p:extLst>
+            </p:nvPr>
+          </p:nvSpPr>
+          <p:spPr bwMode="auto">
+            <a:xfrm>
+              <a:off x="1049337" y="6221413"/>
+              <a:ext cx="157163" cy="147638"/>
+            </a:xfrm>
+            <a:custGeom>
+              <a:avLst/>
+              <a:gdLst/>
+              <a:ahLst/>
+              <a:cxnLst/>
+              <a:rect l="0" t="0" r="r" b="b"/>
+              <a:pathLst>
+                <a:path w="33" h="31">
+                  <a:moveTo>
+                    <a:pt x="16" y="31"/>
+                  </a:moveTo>
+                  <a:cubicBezTo>
+                    <a:pt x="12" y="31"/>
+                    <a:pt x="8" y="29"/>
+                    <a:pt x="5" y="26"/>
+                  </a:cubicBezTo>
+                  <a:cubicBezTo>
+                    <a:pt x="2" y="24"/>
+                    <a:pt x="0" y="20"/>
+                    <a:pt x="0" y="15"/>
+                  </a:cubicBezTo>
+                  <a:cubicBezTo>
+                    <a:pt x="0" y="11"/>
+                    <a:pt x="2" y="7"/>
+                    <a:pt x="5" y="4"/>
+                  </a:cubicBezTo>
+                  <a:cubicBezTo>
+                    <a:pt x="8" y="1"/>
+                    <a:pt x="12" y="0"/>
+                    <a:pt x="16" y="0"/>
+                  </a:cubicBezTo>
+                  <a:cubicBezTo>
+                    <a:pt x="20" y="0"/>
+                    <a:pt x="24" y="1"/>
+                    <a:pt x="27" y="4"/>
+                  </a:cubicBezTo>
+                  <a:cubicBezTo>
+                    <a:pt x="33" y="10"/>
+                    <a:pt x="33" y="20"/>
+                    <a:pt x="27" y="26"/>
+                  </a:cubicBezTo>
+                  <a:cubicBezTo>
+                    <a:pt x="24" y="29"/>
+                    <a:pt x="20" y="31"/>
+                    <a:pt x="16" y="31"/>
+                  </a:cubicBezTo>
+                  <a:close/>
+                  <a:moveTo>
+                    <a:pt x="16" y="4"/>
+                  </a:moveTo>
+                  <a:cubicBezTo>
+                    <a:pt x="13" y="4"/>
+                    <a:pt x="10" y="5"/>
+                    <a:pt x="8" y="7"/>
+                  </a:cubicBezTo>
+                  <a:cubicBezTo>
+                    <a:pt x="6" y="9"/>
+                    <a:pt x="4" y="12"/>
+                    <a:pt x="4" y="15"/>
+                  </a:cubicBezTo>
+                  <a:cubicBezTo>
+                    <a:pt x="4" y="19"/>
+                    <a:pt x="6" y="21"/>
+                    <a:pt x="8" y="24"/>
+                  </a:cubicBezTo>
+                  <a:cubicBezTo>
+                    <a:pt x="10" y="26"/>
+                    <a:pt x="13" y="27"/>
+                    <a:pt x="16" y="27"/>
+                  </a:cubicBezTo>
+                  <a:cubicBezTo>
+                    <a:pt x="19" y="27"/>
+                    <a:pt x="22" y="26"/>
+                    <a:pt x="24" y="24"/>
+                  </a:cubicBezTo>
+                  <a:cubicBezTo>
+                    <a:pt x="29" y="19"/>
+                    <a:pt x="29" y="12"/>
+                    <a:pt x="24" y="7"/>
+                  </a:cubicBezTo>
+                  <a:cubicBezTo>
+                    <a:pt x="22" y="5"/>
+                    <a:pt x="19" y="4"/>
+                    <a:pt x="16" y="4"/>
+                  </a:cubicBezTo>
+                  <a:close/>
+                </a:path>
+              </a:pathLst>
+            </a:custGeom>
+            <a:grpFill/>
+            <a:ln>
+              <a:noFill/>
+            </a:ln>
+            <a:extLst>
+              <a:ext uri="{91240B29-F687-4f45-9708-019B960494DF}">
+                <a14:hiddenLine xmlns="" xmlns:a16="http://schemas.microsoft.com/office/drawing/2014/main" xmlns:p14="http://schemas.microsoft.com/office/powerpoint/2010/main" xmlns:a14="http://schemas.microsoft.com/office/drawing/2010/main" w="9525">
+                  <a:solidFill>
+                    <a:srgbClr val="000000"/>
+                  </a:solidFill>
+                  <a:round/>
+                  <a:headEnd/>
+                  <a:tailEnd/>
+                </a14:hiddenLine>
+              </a:ext>
+            </a:extLst>
+          </p:spPr>
+        </p:sp>
+      </p:grpSp>
     </p:spTree>
     <p:extLst>
       <p:ext uri="{BB962C8B-B14F-4D97-AF65-F5344CB8AC3E}">
-        <p14:creationId xmlns:p14="http://schemas.microsoft.com/office/powerpoint/2010/main" val="2761701496"/>
+        <p14:creationId xmlns:p14="http://schemas.microsoft.com/office/powerpoint/2010/main" val="742447988"/>
+      </p:ext>
+    </p:extLst>
+  </p:cSld>
+  <p:clrMapOvr>
+    <a:masterClrMapping/>
+  </p:clrMapOvr>
+</p:sld>
+</file>
+
+<file path=ppt/slides/slide9.xml><?xml version="1.0" encoding="utf-8"?>
+<p:sld xmlns:a="http://schemas.openxmlformats.org/drawingml/2006/main" xmlns:r="http://schemas.openxmlformats.org/officeDocument/2006/relationships" xmlns:p="http://schemas.openxmlformats.org/presentationml/2006/main">
+  <p:cSld>
+    <p:spTree>
+      <p:nvGrpSpPr>
+        <p:cNvPr id="1" name=""/>
+        <p:cNvGrpSpPr/>
+        <p:nvPr/>
+      </p:nvGrpSpPr>
+      <p:grpSpPr>
+        <a:xfrm>
+          <a:off x="0" y="0"/>
+          <a:ext cx="0" cy="0"/>
+          <a:chOff x="0" y="0"/>
+          <a:chExt cx="0" cy="0"/>
+        </a:xfrm>
+      </p:grpSpPr>
+      <p:sp>
+        <p:nvSpPr>
+          <p:cNvPr id="2" name="Titel 1">
+            <a:extLst>
+              <a:ext uri="{FF2B5EF4-FFF2-40B4-BE49-F238E27FC236}">
+                <a16:creationId xmlns:a16="http://schemas.microsoft.com/office/drawing/2014/main" id="{9B85A014-3A9F-BD4C-9CFA-74ABA6A049A6}"/>
+              </a:ext>
+            </a:extLst>
+          </p:cNvPr>
+          <p:cNvSpPr>
+            <a:spLocks noGrp="1"/>
+          </p:cNvSpPr>
+          <p:nvPr>
+            <p:ph type="title"/>
+          </p:nvPr>
+        </p:nvSpPr>
+        <p:spPr/>
+        <p:txBody>
+          <a:bodyPr/>
+          <a:lstStyle/>
+          <a:p>
+            <a:r>
+              <a:rPr lang="de-DE" dirty="0"/>
+              <a:t>Netzwerkkommunikation</a:t>
+            </a:r>
+          </a:p>
+        </p:txBody>
+      </p:sp>
+      <p:sp>
+        <p:nvSpPr>
+          <p:cNvPr id="3" name="Inhaltsplatzhalter 2">
+            <a:extLst>
+              <a:ext uri="{FF2B5EF4-FFF2-40B4-BE49-F238E27FC236}">
+                <a16:creationId xmlns:a16="http://schemas.microsoft.com/office/drawing/2014/main" id="{834D8BA0-C82F-5743-8114-5D7E8C2178DF}"/>
+              </a:ext>
+            </a:extLst>
+          </p:cNvPr>
+          <p:cNvSpPr>
+            <a:spLocks noGrp="1"/>
+          </p:cNvSpPr>
+          <p:nvPr>
+            <p:ph idx="1"/>
+          </p:nvPr>
+        </p:nvSpPr>
+        <p:spPr/>
+        <p:txBody>
+          <a:bodyPr/>
+          <a:lstStyle/>
+          <a:p>
+            <a:r>
+              <a:rPr lang="de-CH" sz="1800" dirty="0">
+                <a:latin typeface="Calibri Light" panose="020F0302020204030204" pitchFamily="34" charset="0"/>
+                <a:cs typeface="Calibri Light" panose="020F0302020204030204" pitchFamily="34" charset="0"/>
+              </a:rPr>
+              <a:t>Befehle der Chats enthalten Sender-Client, Empfänger- Client und Nachricht</a:t>
+            </a:r>
+          </a:p>
+          <a:p>
+            <a:pPr lvl="1"/>
+            <a:r>
+              <a:rPr lang="de-CH" sz="1600" dirty="0">
+                <a:latin typeface="Calibri Light" panose="020F0302020204030204" pitchFamily="34" charset="0"/>
+                <a:cs typeface="Calibri Light" panose="020F0302020204030204" pitchFamily="34" charset="0"/>
+              </a:rPr>
+              <a:t>Server/Serverhandler als Vermittler</a:t>
+            </a:r>
+          </a:p>
+          <a:p>
+            <a:pPr lvl="1"/>
+            <a:r>
+              <a:rPr lang="de-CH" sz="1600" dirty="0">
+                <a:latin typeface="Calibri Light" panose="020F0302020204030204" pitchFamily="34" charset="0"/>
+                <a:cs typeface="Calibri Light" panose="020F0302020204030204" pitchFamily="34" charset="0"/>
+              </a:rPr>
+              <a:t>Main Chat:</a:t>
+            </a:r>
+          </a:p>
+          <a:p>
+            <a:pPr lvl="2"/>
+            <a:r>
+              <a:rPr lang="de-CH" sz="1400" dirty="0">
+                <a:latin typeface="Calibri Light" panose="020F0302020204030204" pitchFamily="34" charset="0"/>
+                <a:cs typeface="Calibri Light" panose="020F0302020204030204" pitchFamily="34" charset="0"/>
+              </a:rPr>
+              <a:t>Client schickt Befehl für jeden Client in der Userliste</a:t>
+            </a:r>
+          </a:p>
+          <a:p>
+            <a:pPr lvl="1"/>
+            <a:r>
+              <a:rPr lang="de-CH" sz="1600" dirty="0">
+                <a:latin typeface="Calibri Light" panose="020F0302020204030204" pitchFamily="34" charset="0"/>
+                <a:cs typeface="Calibri Light" panose="020F0302020204030204" pitchFamily="34" charset="0"/>
+              </a:rPr>
+              <a:t>Lobby Chat:</a:t>
+            </a:r>
+          </a:p>
+          <a:p>
+            <a:pPr lvl="2"/>
+            <a:r>
+              <a:rPr lang="de-CH" sz="1400" dirty="0">
+                <a:latin typeface="Calibri Light" panose="020F0302020204030204" pitchFamily="34" charset="0"/>
+                <a:cs typeface="Calibri Light" panose="020F0302020204030204" pitchFamily="34" charset="0"/>
+              </a:rPr>
+              <a:t>Client schickt Befehl für jeden Client in der Lobbyliste</a:t>
+            </a:r>
+          </a:p>
+          <a:p>
+            <a:pPr lvl="1"/>
+            <a:r>
+              <a:rPr lang="de-CH" sz="1600" dirty="0" err="1">
+                <a:latin typeface="Calibri Light" panose="020F0302020204030204" pitchFamily="34" charset="0"/>
+                <a:cs typeface="Calibri Light" panose="020F0302020204030204" pitchFamily="34" charset="0"/>
+              </a:rPr>
+              <a:t>Whisper</a:t>
+            </a:r>
+            <a:r>
+              <a:rPr lang="de-CH" sz="1600" dirty="0">
+                <a:latin typeface="Calibri Light" panose="020F0302020204030204" pitchFamily="34" charset="0"/>
+                <a:cs typeface="Calibri Light" panose="020F0302020204030204" pitchFamily="34" charset="0"/>
+              </a:rPr>
+              <a:t> Chat:</a:t>
+            </a:r>
+          </a:p>
+          <a:p>
+            <a:pPr lvl="2"/>
+            <a:r>
+              <a:rPr lang="de-CH" dirty="0">
+                <a:latin typeface="Calibri Light" panose="020F0302020204030204" pitchFamily="34" charset="0"/>
+                <a:cs typeface="Calibri Light" panose="020F0302020204030204" pitchFamily="34" charset="0"/>
+              </a:rPr>
+              <a:t>Client</a:t>
+            </a:r>
+            <a:r>
+              <a:rPr lang="de-CH" sz="1400" dirty="0">
+                <a:latin typeface="Calibri Light" panose="020F0302020204030204" pitchFamily="34" charset="0"/>
+                <a:cs typeface="Calibri Light" panose="020F0302020204030204" pitchFamily="34" charset="0"/>
+              </a:rPr>
+              <a:t>  schickt Privatnachricht an gewünschten Client</a:t>
+            </a:r>
+          </a:p>
+          <a:p>
+            <a:endParaRPr lang="de-DE" dirty="0"/>
+          </a:p>
+        </p:txBody>
+      </p:sp>
+    </p:spTree>
+    <p:extLst>
+      <p:ext uri="{BB962C8B-B14F-4D97-AF65-F5344CB8AC3E}">
+        <p14:creationId xmlns:p14="http://schemas.microsoft.com/office/powerpoint/2010/main" val="1397821062"/>
       </p:ext>
     </p:extLst>
   </p:cSld>

--- a/documents/Meilensteine/Meilenstein III/Meilenstein_3_Präsentation .pptx
+++ b/documents/Meilensteine/Meilenstein III/Meilenstein_3_Präsentation .pptx
@@ -3494,7 +3494,7 @@
           <a:noFill/>
           <a:extLst>
             <a:ext uri="{909E8E84-426E-40dd-AFC4-6F175D3DCCD1}">
-              <a14:hiddenFill xmlns:a14="http://schemas.microsoft.com/office/drawing/2010/main" xmlns="">
+              <a14:hiddenFill xmlns="" xmlns:a14="http://schemas.microsoft.com/office/drawing/2010/main">
                 <a:solidFill>
                   <a:srgbClr val="FFFFFF"/>
                 </a:solidFill>
@@ -3554,7 +3554,7 @@
             </a:ln>
             <a:extLst>
               <a:ext uri="{91240B29-F687-4f45-9708-019B960494DF}">
-                <a14:hiddenLine xmlns:a14="http://schemas.microsoft.com/office/drawing/2010/main" xmlns="" w="9525">
+                <a14:hiddenLine xmlns="" xmlns:a14="http://schemas.microsoft.com/office/drawing/2010/main" w="9525">
                   <a:solidFill>
                     <a:srgbClr val="000000"/>
                   </a:solidFill>
@@ -3644,7 +3644,7 @@
             </a:ln>
             <a:extLst>
               <a:ext uri="{91240B29-F687-4f45-9708-019B960494DF}">
-                <a14:hiddenLine xmlns:a14="http://schemas.microsoft.com/office/drawing/2010/main" xmlns="" w="9525">
+                <a14:hiddenLine xmlns="" xmlns:a14="http://schemas.microsoft.com/office/drawing/2010/main" w="9525">
                   <a:solidFill>
                     <a:srgbClr val="000000"/>
                   </a:solidFill>
@@ -3734,7 +3734,7 @@
             </a:ln>
             <a:extLst>
               <a:ext uri="{91240B29-F687-4f45-9708-019B960494DF}">
-                <a14:hiddenLine xmlns:a14="http://schemas.microsoft.com/office/drawing/2010/main" xmlns="" w="9525">
+                <a14:hiddenLine xmlns="" xmlns:a14="http://schemas.microsoft.com/office/drawing/2010/main" w="9525">
                   <a:solidFill>
                     <a:srgbClr val="000000"/>
                   </a:solidFill>
@@ -3768,7 +3768,7 @@
             </a:ln>
             <a:extLst>
               <a:ext uri="{91240B29-F687-4f45-9708-019B960494DF}">
-                <a14:hiddenLine xmlns:a14="http://schemas.microsoft.com/office/drawing/2010/main" xmlns="" w="9525">
+                <a14:hiddenLine xmlns="" xmlns:a14="http://schemas.microsoft.com/office/drawing/2010/main" w="9525">
                   <a:solidFill>
                     <a:srgbClr val="000000"/>
                   </a:solidFill>
@@ -3858,7 +3858,7 @@
             </a:ln>
             <a:extLst>
               <a:ext uri="{91240B29-F687-4f45-9708-019B960494DF}">
-                <a14:hiddenLine xmlns:a14="http://schemas.microsoft.com/office/drawing/2010/main" xmlns="" w="9525">
+                <a14:hiddenLine xmlns="" xmlns:a14="http://schemas.microsoft.com/office/drawing/2010/main" w="9525">
                   <a:solidFill>
                     <a:srgbClr val="000000"/>
                   </a:solidFill>
@@ -3920,7 +3920,7 @@
             </a:ln>
             <a:extLst>
               <a:ext uri="{91240B29-F687-4f45-9708-019B960494DF}">
-                <a14:hiddenLine xmlns:a14="http://schemas.microsoft.com/office/drawing/2010/main" xmlns="" w="9525">
+                <a14:hiddenLine xmlns="" xmlns:a14="http://schemas.microsoft.com/office/drawing/2010/main" w="9525">
                   <a:solidFill>
                     <a:srgbClr val="000000"/>
                   </a:solidFill>
@@ -3982,7 +3982,7 @@
             </a:ln>
             <a:extLst>
               <a:ext uri="{91240B29-F687-4f45-9708-019B960494DF}">
-                <a14:hiddenLine xmlns:a14="http://schemas.microsoft.com/office/drawing/2010/main" xmlns="" w="9525">
+                <a14:hiddenLine xmlns="" xmlns:a14="http://schemas.microsoft.com/office/drawing/2010/main" w="9525">
                   <a:solidFill>
                     <a:srgbClr val="000000"/>
                   </a:solidFill>
@@ -4072,7 +4072,7 @@
             </a:ln>
             <a:extLst>
               <a:ext uri="{91240B29-F687-4f45-9708-019B960494DF}">
-                <a14:hiddenLine xmlns:a14="http://schemas.microsoft.com/office/drawing/2010/main" xmlns="" w="9525">
+                <a14:hiddenLine xmlns="" xmlns:a14="http://schemas.microsoft.com/office/drawing/2010/main" w="9525">
                   <a:solidFill>
                     <a:srgbClr val="000000"/>
                   </a:solidFill>
@@ -4134,7 +4134,7 @@
             </a:ln>
             <a:extLst>
               <a:ext uri="{91240B29-F687-4f45-9708-019B960494DF}">
-                <a14:hiddenLine xmlns:a14="http://schemas.microsoft.com/office/drawing/2010/main" xmlns="" w="9525">
+                <a14:hiddenLine xmlns="" xmlns:a14="http://schemas.microsoft.com/office/drawing/2010/main" w="9525">
                   <a:solidFill>
                     <a:srgbClr val="000000"/>
                   </a:solidFill>
@@ -4196,7 +4196,7 @@
             </a:ln>
             <a:extLst>
               <a:ext uri="{91240B29-F687-4f45-9708-019B960494DF}">
-                <a14:hiddenLine xmlns:a14="http://schemas.microsoft.com/office/drawing/2010/main" xmlns="" w="9525">
+                <a14:hiddenLine xmlns="" xmlns:a14="http://schemas.microsoft.com/office/drawing/2010/main" w="9525">
                   <a:solidFill>
                     <a:srgbClr val="000000"/>
                   </a:solidFill>
@@ -4286,7 +4286,7 @@
             </a:ln>
             <a:extLst>
               <a:ext uri="{91240B29-F687-4f45-9708-019B960494DF}">
-                <a14:hiddenLine xmlns:a14="http://schemas.microsoft.com/office/drawing/2010/main" xmlns="" w="9525">
+                <a14:hiddenLine xmlns="" xmlns:a14="http://schemas.microsoft.com/office/drawing/2010/main" w="9525">
                   <a:solidFill>
                     <a:srgbClr val="000000"/>
                   </a:solidFill>
@@ -4376,7 +4376,7 @@
             </a:ln>
             <a:extLst>
               <a:ext uri="{91240B29-F687-4f45-9708-019B960494DF}">
-                <a14:hiddenLine xmlns:a14="http://schemas.microsoft.com/office/drawing/2010/main" xmlns="" w="9525">
+                <a14:hiddenLine xmlns="" xmlns:a14="http://schemas.microsoft.com/office/drawing/2010/main" w="9525">
                   <a:solidFill>
                     <a:srgbClr val="000000"/>
                   </a:solidFill>
@@ -4438,7 +4438,7 @@
             </a:ln>
             <a:extLst>
               <a:ext uri="{91240B29-F687-4f45-9708-019B960494DF}">
-                <a14:hiddenLine xmlns:a14="http://schemas.microsoft.com/office/drawing/2010/main" xmlns="" w="9525">
+                <a14:hiddenLine xmlns="" xmlns:a14="http://schemas.microsoft.com/office/drawing/2010/main" w="9525">
                   <a:solidFill>
                     <a:srgbClr val="000000"/>
                   </a:solidFill>
@@ -4548,7 +4548,7 @@
             </a:ln>
             <a:extLst>
               <a:ext uri="{91240B29-F687-4f45-9708-019B960494DF}">
-                <a14:hiddenLine xmlns:a14="http://schemas.microsoft.com/office/drawing/2010/main" xmlns="" w="9525">
+                <a14:hiddenLine xmlns="" xmlns:a14="http://schemas.microsoft.com/office/drawing/2010/main" w="9525">
                   <a:solidFill>
                     <a:srgbClr val="000000"/>
                   </a:solidFill>
@@ -4610,7 +4610,7 @@
             </a:ln>
             <a:extLst>
               <a:ext uri="{91240B29-F687-4f45-9708-019B960494DF}">
-                <a14:hiddenLine xmlns:a14="http://schemas.microsoft.com/office/drawing/2010/main" xmlns="" w="9525">
+                <a14:hiddenLine xmlns="" xmlns:a14="http://schemas.microsoft.com/office/drawing/2010/main" w="9525">
                   <a:solidFill>
                     <a:srgbClr val="000000"/>
                   </a:solidFill>
@@ -4700,7 +4700,7 @@
             </a:ln>
             <a:extLst>
               <a:ext uri="{91240B29-F687-4f45-9708-019B960494DF}">
-                <a14:hiddenLine xmlns:a14="http://schemas.microsoft.com/office/drawing/2010/main" xmlns="" w="9525">
+                <a14:hiddenLine xmlns="" xmlns:a14="http://schemas.microsoft.com/office/drawing/2010/main" w="9525">
                   <a:solidFill>
                     <a:srgbClr val="000000"/>
                   </a:solidFill>
@@ -4790,7 +4790,7 @@
             </a:ln>
             <a:extLst>
               <a:ext uri="{91240B29-F687-4f45-9708-019B960494DF}">
-                <a14:hiddenLine xmlns:a14="http://schemas.microsoft.com/office/drawing/2010/main" xmlns="" w="9525">
+                <a14:hiddenLine xmlns="" xmlns:a14="http://schemas.microsoft.com/office/drawing/2010/main" w="9525">
                   <a:solidFill>
                     <a:srgbClr val="000000"/>
                   </a:solidFill>
@@ -4852,7 +4852,7 @@
             </a:ln>
             <a:extLst>
               <a:ext uri="{91240B29-F687-4f45-9708-019B960494DF}">
-                <a14:hiddenLine xmlns:a14="http://schemas.microsoft.com/office/drawing/2010/main" xmlns="" w="9525">
+                <a14:hiddenLine xmlns="" xmlns:a14="http://schemas.microsoft.com/office/drawing/2010/main" w="9525">
                   <a:solidFill>
                     <a:srgbClr val="000000"/>
                   </a:solidFill>
@@ -4942,7 +4942,7 @@
             </a:ln>
             <a:extLst>
               <a:ext uri="{91240B29-F687-4f45-9708-019B960494DF}">
-                <a14:hiddenLine xmlns:a14="http://schemas.microsoft.com/office/drawing/2010/main" xmlns="" w="9525">
+                <a14:hiddenLine xmlns="" xmlns:a14="http://schemas.microsoft.com/office/drawing/2010/main" w="9525">
                   <a:solidFill>
                     <a:srgbClr val="000000"/>
                   </a:solidFill>
@@ -5032,7 +5032,7 @@
             </a:ln>
             <a:extLst>
               <a:ext uri="{91240B29-F687-4f45-9708-019B960494DF}">
-                <a14:hiddenLine xmlns:a14="http://schemas.microsoft.com/office/drawing/2010/main" xmlns="" w="9525">
+                <a14:hiddenLine xmlns="" xmlns:a14="http://schemas.microsoft.com/office/drawing/2010/main" w="9525">
                   <a:solidFill>
                     <a:srgbClr val="000000"/>
                   </a:solidFill>
@@ -5088,7 +5088,7 @@
             </a:ln>
             <a:extLst>
               <a:ext uri="{91240B29-F687-4f45-9708-019B960494DF}">
-                <a14:hiddenLine xmlns:a14="http://schemas.microsoft.com/office/drawing/2010/main" xmlns="" w="9525">
+                <a14:hiddenLine xmlns="" xmlns:a14="http://schemas.microsoft.com/office/drawing/2010/main" w="9525">
                   <a:solidFill>
                     <a:srgbClr val="000000"/>
                   </a:solidFill>
@@ -5178,7 +5178,7 @@
             </a:ln>
             <a:extLst>
               <a:ext uri="{91240B29-F687-4f45-9708-019B960494DF}">
-                <a14:hiddenLine xmlns:a14="http://schemas.microsoft.com/office/drawing/2010/main" xmlns="" w="9525">
+                <a14:hiddenLine xmlns="" xmlns:a14="http://schemas.microsoft.com/office/drawing/2010/main" w="9525">
                   <a:solidFill>
                     <a:srgbClr val="000000"/>
                   </a:solidFill>
@@ -5234,7 +5234,7 @@
             </a:ln>
             <a:extLst>
               <a:ext uri="{91240B29-F687-4f45-9708-019B960494DF}">
-                <a14:hiddenLine xmlns:a14="http://schemas.microsoft.com/office/drawing/2010/main" xmlns="" w="9525">
+                <a14:hiddenLine xmlns="" xmlns:a14="http://schemas.microsoft.com/office/drawing/2010/main" w="9525">
                   <a:solidFill>
                     <a:srgbClr val="000000"/>
                   </a:solidFill>
@@ -5324,7 +5324,7 @@
             </a:ln>
             <a:extLst>
               <a:ext uri="{91240B29-F687-4f45-9708-019B960494DF}">
-                <a14:hiddenLine xmlns:a14="http://schemas.microsoft.com/office/drawing/2010/main" xmlns="" w="9525">
+                <a14:hiddenLine xmlns="" xmlns:a14="http://schemas.microsoft.com/office/drawing/2010/main" w="9525">
                   <a:solidFill>
                     <a:srgbClr val="000000"/>
                   </a:solidFill>
@@ -5392,7 +5392,7 @@
             </a:ln>
             <a:extLst>
               <a:ext uri="{91240B29-F687-4f45-9708-019B960494DF}">
-                <a14:hiddenLine xmlns:a14="http://schemas.microsoft.com/office/drawing/2010/main" xmlns="" w="9525">
+                <a14:hiddenLine xmlns="" xmlns:a14="http://schemas.microsoft.com/office/drawing/2010/main" w="9525">
                   <a:solidFill>
                     <a:srgbClr val="000000"/>
                   </a:solidFill>
@@ -5482,7 +5482,7 @@
             </a:ln>
             <a:extLst>
               <a:ext uri="{91240B29-F687-4f45-9708-019B960494DF}">
-                <a14:hiddenLine xmlns:a14="http://schemas.microsoft.com/office/drawing/2010/main" xmlns="" w="9525">
+                <a14:hiddenLine xmlns="" xmlns:a14="http://schemas.microsoft.com/office/drawing/2010/main" w="9525">
                   <a:solidFill>
                     <a:srgbClr val="000000"/>
                   </a:solidFill>
@@ -5550,7 +5550,7 @@
             </a:ln>
             <a:extLst>
               <a:ext uri="{91240B29-F687-4f45-9708-019B960494DF}">
-                <a14:hiddenLine xmlns:a14="http://schemas.microsoft.com/office/drawing/2010/main" xmlns="" w="9525">
+                <a14:hiddenLine xmlns="" xmlns:a14="http://schemas.microsoft.com/office/drawing/2010/main" w="9525">
                   <a:solidFill>
                     <a:srgbClr val="000000"/>
                   </a:solidFill>
@@ -5640,7 +5640,7 @@
             </a:ln>
             <a:extLst>
               <a:ext uri="{91240B29-F687-4f45-9708-019B960494DF}">
-                <a14:hiddenLine xmlns:a14="http://schemas.microsoft.com/office/drawing/2010/main" xmlns="" w="9525">
+                <a14:hiddenLine xmlns="" xmlns:a14="http://schemas.microsoft.com/office/drawing/2010/main" w="9525">
                   <a:solidFill>
                     <a:srgbClr val="000000"/>
                   </a:solidFill>
@@ -5674,7 +5674,7 @@
             </a:ln>
             <a:extLst>
               <a:ext uri="{91240B29-F687-4f45-9708-019B960494DF}">
-                <a14:hiddenLine xmlns:a14="http://schemas.microsoft.com/office/drawing/2010/main" xmlns="" w="9525">
+                <a14:hiddenLine xmlns="" xmlns:a14="http://schemas.microsoft.com/office/drawing/2010/main" w="9525">
                   <a:solidFill>
                     <a:srgbClr val="000000"/>
                   </a:solidFill>
@@ -5764,7 +5764,7 @@
             </a:ln>
             <a:extLst>
               <a:ext uri="{91240B29-F687-4f45-9708-019B960494DF}">
-                <a14:hiddenLine xmlns:a14="http://schemas.microsoft.com/office/drawing/2010/main" xmlns="" w="9525">
+                <a14:hiddenLine xmlns="" xmlns:a14="http://schemas.microsoft.com/office/drawing/2010/main" w="9525">
                   <a:solidFill>
                     <a:srgbClr val="000000"/>
                   </a:solidFill>
@@ -5826,7 +5826,7 @@
             </a:ln>
             <a:extLst>
               <a:ext uri="{91240B29-F687-4f45-9708-019B960494DF}">
-                <a14:hiddenLine xmlns:a14="http://schemas.microsoft.com/office/drawing/2010/main" xmlns="" w="9525">
+                <a14:hiddenLine xmlns="" xmlns:a14="http://schemas.microsoft.com/office/drawing/2010/main" w="9525">
                   <a:solidFill>
                     <a:srgbClr val="000000"/>
                   </a:solidFill>
@@ -5888,7 +5888,7 @@
             </a:ln>
             <a:extLst>
               <a:ext uri="{91240B29-F687-4f45-9708-019B960494DF}">
-                <a14:hiddenLine xmlns:a14="http://schemas.microsoft.com/office/drawing/2010/main" xmlns="" w="9525">
+                <a14:hiddenLine xmlns="" xmlns:a14="http://schemas.microsoft.com/office/drawing/2010/main" w="9525">
                   <a:solidFill>
                     <a:srgbClr val="000000"/>
                   </a:solidFill>
@@ -5978,7 +5978,7 @@
             </a:ln>
             <a:extLst>
               <a:ext uri="{91240B29-F687-4f45-9708-019B960494DF}">
-                <a14:hiddenLine xmlns:a14="http://schemas.microsoft.com/office/drawing/2010/main" xmlns="" w="9525">
+                <a14:hiddenLine xmlns="" xmlns:a14="http://schemas.microsoft.com/office/drawing/2010/main" w="9525">
                   <a:solidFill>
                     <a:srgbClr val="000000"/>
                   </a:solidFill>
@@ -6046,7 +6046,7 @@
             </a:ln>
             <a:extLst>
               <a:ext uri="{91240B29-F687-4f45-9708-019B960494DF}">
-                <a14:hiddenLine xmlns:a14="http://schemas.microsoft.com/office/drawing/2010/main" xmlns="" w="9525">
+                <a14:hiddenLine xmlns="" xmlns:a14="http://schemas.microsoft.com/office/drawing/2010/main" w="9525">
                   <a:solidFill>
                     <a:srgbClr val="000000"/>
                   </a:solidFill>
@@ -6108,7 +6108,7 @@
             </a:ln>
             <a:extLst>
               <a:ext uri="{91240B29-F687-4f45-9708-019B960494DF}">
-                <a14:hiddenLine xmlns:a14="http://schemas.microsoft.com/office/drawing/2010/main" xmlns="" w="9525">
+                <a14:hiddenLine xmlns="" xmlns:a14="http://schemas.microsoft.com/office/drawing/2010/main" w="9525">
                   <a:solidFill>
                     <a:srgbClr val="000000"/>
                   </a:solidFill>
@@ -6198,7 +6198,7 @@
             </a:ln>
             <a:extLst>
               <a:ext uri="{91240B29-F687-4f45-9708-019B960494DF}">
-                <a14:hiddenLine xmlns:a14="http://schemas.microsoft.com/office/drawing/2010/main" xmlns="" w="9525">
+                <a14:hiddenLine xmlns="" xmlns:a14="http://schemas.microsoft.com/office/drawing/2010/main" w="9525">
                   <a:solidFill>
                     <a:srgbClr val="000000"/>
                   </a:solidFill>
@@ -6260,7 +6260,7 @@
             </a:ln>
             <a:extLst>
               <a:ext uri="{91240B29-F687-4f45-9708-019B960494DF}">
-                <a14:hiddenLine xmlns:a14="http://schemas.microsoft.com/office/drawing/2010/main" xmlns="" w="9525">
+                <a14:hiddenLine xmlns="" xmlns:a14="http://schemas.microsoft.com/office/drawing/2010/main" w="9525">
                   <a:solidFill>
                     <a:srgbClr val="000000"/>
                   </a:solidFill>
@@ -6350,7 +6350,7 @@
             </a:ln>
             <a:extLst>
               <a:ext uri="{91240B29-F687-4f45-9708-019B960494DF}">
-                <a14:hiddenLine xmlns:a14="http://schemas.microsoft.com/office/drawing/2010/main" xmlns="" w="9525">
+                <a14:hiddenLine xmlns="" xmlns:a14="http://schemas.microsoft.com/office/drawing/2010/main" w="9525">
                   <a:solidFill>
                     <a:srgbClr val="000000"/>
                   </a:solidFill>
@@ -6412,7 +6412,7 @@
             </a:ln>
             <a:extLst>
               <a:ext uri="{91240B29-F687-4f45-9708-019B960494DF}">
-                <a14:hiddenLine xmlns:a14="http://schemas.microsoft.com/office/drawing/2010/main" xmlns="" w="9525">
+                <a14:hiddenLine xmlns="" xmlns:a14="http://schemas.microsoft.com/office/drawing/2010/main" w="9525">
                   <a:solidFill>
                     <a:srgbClr val="000000"/>
                   </a:solidFill>
@@ -6502,7 +6502,7 @@
             </a:ln>
             <a:extLst>
               <a:ext uri="{91240B29-F687-4f45-9708-019B960494DF}">
-                <a14:hiddenLine xmlns:a14="http://schemas.microsoft.com/office/drawing/2010/main" xmlns="" w="9525">
+                <a14:hiddenLine xmlns="" xmlns:a14="http://schemas.microsoft.com/office/drawing/2010/main" w="9525">
                   <a:solidFill>
                     <a:srgbClr val="000000"/>
                   </a:solidFill>
@@ -6536,7 +6536,7 @@
             </a:ln>
             <a:extLst>
               <a:ext uri="{91240B29-F687-4f45-9708-019B960494DF}">
-                <a14:hiddenLine xmlns:a14="http://schemas.microsoft.com/office/drawing/2010/main" xmlns="" w="9525">
+                <a14:hiddenLine xmlns="" xmlns:a14="http://schemas.microsoft.com/office/drawing/2010/main" w="9525">
                   <a:solidFill>
                     <a:srgbClr val="000000"/>
                   </a:solidFill>
@@ -6601,7 +6601,7 @@
             </a:ln>
             <a:extLst>
               <a:ext uri="{91240B29-F687-4f45-9708-019B960494DF}">
-                <a14:hiddenLine xmlns:a14="http://schemas.microsoft.com/office/drawing/2010/main" xmlns="" w="9525">
+                <a14:hiddenLine xmlns="" xmlns:a14="http://schemas.microsoft.com/office/drawing/2010/main" w="9525">
                   <a:solidFill>
                     <a:srgbClr val="000000"/>
                   </a:solidFill>
@@ -6691,7 +6691,7 @@
             </a:ln>
             <a:extLst>
               <a:ext uri="{91240B29-F687-4f45-9708-019B960494DF}">
-                <a14:hiddenLine xmlns:a14="http://schemas.microsoft.com/office/drawing/2010/main" xmlns="" w="9525">
+                <a14:hiddenLine xmlns="" xmlns:a14="http://schemas.microsoft.com/office/drawing/2010/main" w="9525">
                   <a:solidFill>
                     <a:srgbClr val="000000"/>
                   </a:solidFill>
@@ -6753,7 +6753,7 @@
             </a:ln>
             <a:extLst>
               <a:ext uri="{91240B29-F687-4f45-9708-019B960494DF}">
-                <a14:hiddenLine xmlns:a14="http://schemas.microsoft.com/office/drawing/2010/main" xmlns="" w="9525">
+                <a14:hiddenLine xmlns="" xmlns:a14="http://schemas.microsoft.com/office/drawing/2010/main" w="9525">
                   <a:solidFill>
                     <a:srgbClr val="000000"/>
                   </a:solidFill>
@@ -6843,7 +6843,7 @@
             </a:ln>
             <a:extLst>
               <a:ext uri="{91240B29-F687-4f45-9708-019B960494DF}">
-                <a14:hiddenLine xmlns:a14="http://schemas.microsoft.com/office/drawing/2010/main" xmlns="" w="9525">
+                <a14:hiddenLine xmlns="" xmlns:a14="http://schemas.microsoft.com/office/drawing/2010/main" w="9525">
                   <a:solidFill>
                     <a:srgbClr val="000000"/>
                   </a:solidFill>
@@ -6933,7 +6933,7 @@
             </a:ln>
             <a:extLst>
               <a:ext uri="{91240B29-F687-4f45-9708-019B960494DF}">
-                <a14:hiddenLine xmlns:a14="http://schemas.microsoft.com/office/drawing/2010/main" xmlns="" w="9525">
+                <a14:hiddenLine xmlns="" xmlns:a14="http://schemas.microsoft.com/office/drawing/2010/main" w="9525">
                   <a:solidFill>
                     <a:srgbClr val="000000"/>
                   </a:solidFill>
@@ -6998,7 +6998,7 @@
             </a:ln>
             <a:extLst>
               <a:ext uri="{91240B29-F687-4f45-9708-019B960494DF}">
-                <a14:hiddenLine xmlns:a14="http://schemas.microsoft.com/office/drawing/2010/main" xmlns="" w="9525">
+                <a14:hiddenLine xmlns="" xmlns:a14="http://schemas.microsoft.com/office/drawing/2010/main" w="9525">
                   <a:solidFill>
                     <a:srgbClr val="000000"/>
                   </a:solidFill>
@@ -7060,7 +7060,7 @@
             </a:ln>
             <a:extLst>
               <a:ext uri="{91240B29-F687-4f45-9708-019B960494DF}">
-                <a14:hiddenLine xmlns:a14="http://schemas.microsoft.com/office/drawing/2010/main" xmlns="" w="9525">
+                <a14:hiddenLine xmlns="" xmlns:a14="http://schemas.microsoft.com/office/drawing/2010/main" w="9525">
                   <a:solidFill>
                     <a:srgbClr val="000000"/>
                   </a:solidFill>
@@ -7150,7 +7150,7 @@
             </a:ln>
             <a:extLst>
               <a:ext uri="{91240B29-F687-4f45-9708-019B960494DF}">
-                <a14:hiddenLine xmlns:a14="http://schemas.microsoft.com/office/drawing/2010/main" xmlns="" w="9525">
+                <a14:hiddenLine xmlns="" xmlns:a14="http://schemas.microsoft.com/office/drawing/2010/main" w="9525">
                   <a:solidFill>
                     <a:srgbClr val="000000"/>
                   </a:solidFill>
@@ -7240,7 +7240,7 @@
             </a:ln>
             <a:extLst>
               <a:ext uri="{91240B29-F687-4f45-9708-019B960494DF}">
-                <a14:hiddenLine xmlns:a14="http://schemas.microsoft.com/office/drawing/2010/main" xmlns="" w="9525">
+                <a14:hiddenLine xmlns="" xmlns:a14="http://schemas.microsoft.com/office/drawing/2010/main" w="9525">
                   <a:solidFill>
                     <a:srgbClr val="000000"/>
                   </a:solidFill>
@@ -7302,7 +7302,7 @@
             </a:ln>
             <a:extLst>
               <a:ext uri="{91240B29-F687-4f45-9708-019B960494DF}">
-                <a14:hiddenLine xmlns:a14="http://schemas.microsoft.com/office/drawing/2010/main" xmlns="" w="9525">
+                <a14:hiddenLine xmlns="" xmlns:a14="http://schemas.microsoft.com/office/drawing/2010/main" w="9525">
                   <a:solidFill>
                     <a:srgbClr val="000000"/>
                   </a:solidFill>
@@ -7422,7 +7422,7 @@
             </a:ln>
             <a:extLst>
               <a:ext uri="{91240B29-F687-4f45-9708-019B960494DF}">
-                <a14:hiddenLine xmlns:a14="http://schemas.microsoft.com/office/drawing/2010/main" xmlns="" w="9525">
+                <a14:hiddenLine xmlns="" xmlns:a14="http://schemas.microsoft.com/office/drawing/2010/main" w="9525">
                   <a:solidFill>
                     <a:srgbClr val="000000"/>
                   </a:solidFill>
@@ -7490,7 +7490,7 @@
             </a:ln>
             <a:extLst>
               <a:ext uri="{91240B29-F687-4f45-9708-019B960494DF}">
-                <a14:hiddenLine xmlns:a14="http://schemas.microsoft.com/office/drawing/2010/main" xmlns="" w="9525">
+                <a14:hiddenLine xmlns="" xmlns:a14="http://schemas.microsoft.com/office/drawing/2010/main" w="9525">
                   <a:solidFill>
                     <a:srgbClr val="000000"/>
                   </a:solidFill>
@@ -7580,7 +7580,7 @@
             </a:ln>
             <a:extLst>
               <a:ext uri="{91240B29-F687-4f45-9708-019B960494DF}">
-                <a14:hiddenLine xmlns:a14="http://schemas.microsoft.com/office/drawing/2010/main" xmlns="" w="9525">
+                <a14:hiddenLine xmlns="" xmlns:a14="http://schemas.microsoft.com/office/drawing/2010/main" w="9525">
                   <a:solidFill>
                     <a:srgbClr val="000000"/>
                   </a:solidFill>
@@ -7720,7 +7720,7 @@
           <a:p>
             <a:fld id="{9AB3A824-1A51-4B26-AD58-A6D8E14F6C04}" type="datetimeFigureOut">
               <a:rPr lang="en-US" smtClean="0"/>
-              <a:t>4/13/20</a:t>
+              <a:t>4/15/20</a:t>
             </a:fld>
             <a:endParaRPr lang="en-US" dirty="0"/>
           </a:p>
@@ -7992,7 +7992,7 @@
           <a:p>
             <a:fld id="{3CBC1C18-307B-4F68-A007-B5B542270E8D}" type="datetimeFigureOut">
               <a:rPr lang="en-US" smtClean="0"/>
-              <a:t>4/13/20</a:t>
+              <a:t>4/15/20</a:t>
             </a:fld>
             <a:endParaRPr lang="en-US" dirty="0"/>
           </a:p>
@@ -8195,7 +8195,7 @@
           <a:p>
             <a:fld id="{3CBC1C18-307B-4F68-A007-B5B542270E8D}" type="datetimeFigureOut">
               <a:rPr lang="en-US" smtClean="0"/>
-              <a:t>4/13/20</a:t>
+              <a:t>4/15/20</a:t>
             </a:fld>
             <a:endParaRPr lang="en-US" dirty="0"/>
           </a:p>
@@ -8465,7 +8465,7 @@
           <a:p>
             <a:fld id="{3CBC1C18-307B-4F68-A007-B5B542270E8D}" type="datetimeFigureOut">
               <a:rPr lang="en-US" smtClean="0"/>
-              <a:t>4/13/20</a:t>
+              <a:t>4/15/20</a:t>
             </a:fld>
             <a:endParaRPr lang="en-US" dirty="0"/>
           </a:p>
@@ -8906,7 +8906,7 @@
           <a:p>
             <a:fld id="{3CBC1C18-307B-4F68-A007-B5B542270E8D}" type="datetimeFigureOut">
               <a:rPr lang="en-US" smtClean="0"/>
-              <a:t>4/13/20</a:t>
+              <a:t>4/15/20</a:t>
             </a:fld>
             <a:endParaRPr lang="en-US" dirty="0"/>
           </a:p>
@@ -9459,7 +9459,7 @@
           <a:p>
             <a:fld id="{3CBC1C18-307B-4F68-A007-B5B542270E8D}" type="datetimeFigureOut">
               <a:rPr lang="en-US" smtClean="0"/>
-              <a:t>4/13/20</a:t>
+              <a:t>4/15/20</a:t>
             </a:fld>
             <a:endParaRPr lang="en-US" dirty="0"/>
           </a:p>
@@ -10186,7 +10186,7 @@
           <a:p>
             <a:fld id="{3CBC1C18-307B-4F68-A007-B5B542270E8D}" type="datetimeFigureOut">
               <a:rPr lang="en-US" smtClean="0"/>
-              <a:t>4/13/20</a:t>
+              <a:t>4/15/20</a:t>
             </a:fld>
             <a:endParaRPr lang="en-US" dirty="0"/>
           </a:p>
@@ -10363,7 +10363,7 @@
           <a:p>
             <a:fld id="{D857E33E-8B18-4087-B112-809917729534}" type="datetimeFigureOut">
               <a:rPr lang="en-US" smtClean="0"/>
-              <a:t>4/13/20</a:t>
+              <a:t>4/15/20</a:t>
             </a:fld>
             <a:endParaRPr lang="en-US" dirty="0"/>
           </a:p>
@@ -10548,7 +10548,7 @@
           <a:p>
             <a:fld id="{D3FFE419-2371-464F-8239-3959401C3561}" type="datetimeFigureOut">
               <a:rPr lang="en-US" smtClean="0"/>
-              <a:t>4/13/20</a:t>
+              <a:t>4/15/20</a:t>
             </a:fld>
             <a:endParaRPr lang="en-US" dirty="0"/>
           </a:p>
@@ -10723,7 +10723,7 @@
           <a:p>
             <a:fld id="{97D162C4-EDD9-4389-A98B-B87ECEA2A816}" type="datetimeFigureOut">
               <a:rPr lang="en-US" smtClean="0"/>
-              <a:t>4/13/20</a:t>
+              <a:t>4/15/20</a:t>
             </a:fld>
             <a:endParaRPr lang="en-US" dirty="0"/>
           </a:p>
@@ -10978,7 +10978,7 @@
           <a:p>
             <a:fld id="{3E5059C3-6A89-4494-99FF-5A4D6FFD50EB}" type="datetimeFigureOut">
               <a:rPr lang="en-US" smtClean="0"/>
-              <a:t>4/13/20</a:t>
+              <a:t>4/15/20</a:t>
             </a:fld>
             <a:endParaRPr lang="en-US" dirty="0"/>
           </a:p>
@@ -11215,7 +11215,7 @@
           <a:p>
             <a:fld id="{CA954B2F-12DE-47F5-8894-472B206D2E1E}" type="datetimeFigureOut">
               <a:rPr lang="en-US" smtClean="0"/>
-              <a:t>4/13/20</a:t>
+              <a:t>4/15/20</a:t>
             </a:fld>
             <a:endParaRPr lang="en-US" dirty="0"/>
           </a:p>
@@ -11601,7 +11601,7 @@
           <a:p>
             <a:fld id="{3CBC1C18-307B-4F68-A007-B5B542270E8D}" type="datetimeFigureOut">
               <a:rPr lang="en-US" smtClean="0"/>
-              <a:t>4/13/20</a:t>
+              <a:t>4/15/20</a:t>
             </a:fld>
             <a:endParaRPr lang="en-US" dirty="0"/>
           </a:p>
@@ -11726,7 +11726,7 @@
           <a:p>
             <a:fld id="{1FAF3416-4057-4DAA-829D-4CA07428D088}" type="datetimeFigureOut">
               <a:rPr lang="en-US" smtClean="0"/>
-              <a:t>4/13/20</a:t>
+              <a:t>4/15/20</a:t>
             </a:fld>
             <a:endParaRPr lang="en-US" dirty="0"/>
           </a:p>
@@ -11826,7 +11826,7 @@
           <a:p>
             <a:fld id="{921D9284-D300-4297-87F7-E791DCC15DB1}" type="datetimeFigureOut">
               <a:rPr lang="en-US" smtClean="0"/>
-              <a:t>4/13/20</a:t>
+              <a:t>4/15/20</a:t>
             </a:fld>
             <a:endParaRPr lang="en-US" dirty="0"/>
           </a:p>
@@ -12080,7 +12080,7 @@
           <a:p>
             <a:fld id="{37D525BB-DA17-4BA0-B3C8-3AC3ABC827E6}" type="datetimeFigureOut">
               <a:rPr lang="en-US" smtClean="0"/>
-              <a:t>4/13/20</a:t>
+              <a:t>4/15/20</a:t>
             </a:fld>
             <a:endParaRPr lang="en-US" dirty="0"/>
           </a:p>
@@ -12365,7 +12365,7 @@
           <a:p>
             <a:fld id="{B16C4C9A-3960-41CF-A4E9-2A8FB932454B}" type="datetimeFigureOut">
               <a:rPr lang="en-US" smtClean="0"/>
-              <a:t>4/13/20</a:t>
+              <a:t>4/15/20</a:t>
             </a:fld>
             <a:endParaRPr lang="en-US" dirty="0"/>
           </a:p>
@@ -12486,7 +12486,7 @@
           <a:noFill/>
           <a:extLst>
             <a:ext uri="{909E8E84-426E-40dd-AFC4-6F175D3DCCD1}">
-              <a14:hiddenFill xmlns:a14="http://schemas.microsoft.com/office/drawing/2010/main" xmlns="">
+              <a14:hiddenFill xmlns="" xmlns:a14="http://schemas.microsoft.com/office/drawing/2010/main">
                 <a:solidFill>
                   <a:srgbClr val="FFFFFF"/>
                 </a:solidFill>
@@ -12560,7 +12560,7 @@
               </a:ln>
               <a:extLst>
                 <a:ext uri="{91240B29-F687-4f45-9708-019B960494DF}">
-                  <a14:hiddenLine xmlns:a14="http://schemas.microsoft.com/office/drawing/2010/main" xmlns="" w="9525">
+                  <a14:hiddenLine xmlns="" xmlns:a14="http://schemas.microsoft.com/office/drawing/2010/main" w="9525">
                     <a:solidFill>
                       <a:srgbClr val="000000"/>
                     </a:solidFill>
@@ -12650,7 +12650,7 @@
               </a:ln>
               <a:extLst>
                 <a:ext uri="{91240B29-F687-4f45-9708-019B960494DF}">
-                  <a14:hiddenLine xmlns:a14="http://schemas.microsoft.com/office/drawing/2010/main" xmlns="" w="9525">
+                  <a14:hiddenLine xmlns="" xmlns:a14="http://schemas.microsoft.com/office/drawing/2010/main" w="9525">
                     <a:solidFill>
                       <a:srgbClr val="000000"/>
                     </a:solidFill>
@@ -12740,7 +12740,7 @@
               </a:ln>
               <a:extLst>
                 <a:ext uri="{91240B29-F687-4f45-9708-019B960494DF}">
-                  <a14:hiddenLine xmlns:a14="http://schemas.microsoft.com/office/drawing/2010/main" xmlns="" w="9525">
+                  <a14:hiddenLine xmlns="" xmlns:a14="http://schemas.microsoft.com/office/drawing/2010/main" w="9525">
                     <a:solidFill>
                       <a:srgbClr val="000000"/>
                     </a:solidFill>
@@ -12802,7 +12802,7 @@
               </a:ln>
               <a:extLst>
                 <a:ext uri="{91240B29-F687-4f45-9708-019B960494DF}">
-                  <a14:hiddenLine xmlns:a14="http://schemas.microsoft.com/office/drawing/2010/main" xmlns="" w="9525">
+                  <a14:hiddenLine xmlns="" xmlns:a14="http://schemas.microsoft.com/office/drawing/2010/main" w="9525">
                     <a:solidFill>
                       <a:srgbClr val="000000"/>
                     </a:solidFill>
@@ -12892,7 +12892,7 @@
               </a:ln>
               <a:extLst>
                 <a:ext uri="{91240B29-F687-4f45-9708-019B960494DF}">
-                  <a14:hiddenLine xmlns:a14="http://schemas.microsoft.com/office/drawing/2010/main" xmlns="" w="9525">
+                  <a14:hiddenLine xmlns="" xmlns:a14="http://schemas.microsoft.com/office/drawing/2010/main" w="9525">
                     <a:solidFill>
                       <a:srgbClr val="000000"/>
                     </a:solidFill>
@@ -12954,7 +12954,7 @@
               </a:ln>
               <a:extLst>
                 <a:ext uri="{91240B29-F687-4f45-9708-019B960494DF}">
-                  <a14:hiddenLine xmlns:a14="http://schemas.microsoft.com/office/drawing/2010/main" xmlns="" w="9525">
+                  <a14:hiddenLine xmlns="" xmlns:a14="http://schemas.microsoft.com/office/drawing/2010/main" w="9525">
                     <a:solidFill>
                       <a:srgbClr val="000000"/>
                     </a:solidFill>
@@ -13016,7 +13016,7 @@
               </a:ln>
               <a:extLst>
                 <a:ext uri="{91240B29-F687-4f45-9708-019B960494DF}">
-                  <a14:hiddenLine xmlns:a14="http://schemas.microsoft.com/office/drawing/2010/main" xmlns="" w="9525">
+                  <a14:hiddenLine xmlns="" xmlns:a14="http://schemas.microsoft.com/office/drawing/2010/main" w="9525">
                     <a:solidFill>
                       <a:srgbClr val="000000"/>
                     </a:solidFill>
@@ -13106,7 +13106,7 @@
               </a:ln>
               <a:extLst>
                 <a:ext uri="{91240B29-F687-4f45-9708-019B960494DF}">
-                  <a14:hiddenLine xmlns:a14="http://schemas.microsoft.com/office/drawing/2010/main" xmlns="" w="9525">
+                  <a14:hiddenLine xmlns="" xmlns:a14="http://schemas.microsoft.com/office/drawing/2010/main" w="9525">
                     <a:solidFill>
                       <a:srgbClr val="000000"/>
                     </a:solidFill>
@@ -13196,7 +13196,7 @@
               </a:ln>
               <a:extLst>
                 <a:ext uri="{91240B29-F687-4f45-9708-019B960494DF}">
-                  <a14:hiddenLine xmlns:a14="http://schemas.microsoft.com/office/drawing/2010/main" xmlns="" w="9525">
+                  <a14:hiddenLine xmlns="" xmlns:a14="http://schemas.microsoft.com/office/drawing/2010/main" w="9525">
                     <a:solidFill>
                       <a:srgbClr val="000000"/>
                     </a:solidFill>
@@ -13258,7 +13258,7 @@
               </a:ln>
               <a:extLst>
                 <a:ext uri="{91240B29-F687-4f45-9708-019B960494DF}">
-                  <a14:hiddenLine xmlns:a14="http://schemas.microsoft.com/office/drawing/2010/main" xmlns="" w="9525">
+                  <a14:hiddenLine xmlns="" xmlns:a14="http://schemas.microsoft.com/office/drawing/2010/main" w="9525">
                     <a:solidFill>
                       <a:srgbClr val="000000"/>
                     </a:solidFill>
@@ -13368,7 +13368,7 @@
               </a:ln>
               <a:extLst>
                 <a:ext uri="{91240B29-F687-4f45-9708-019B960494DF}">
-                  <a14:hiddenLine xmlns:a14="http://schemas.microsoft.com/office/drawing/2010/main" xmlns="" w="9525">
+                  <a14:hiddenLine xmlns="" xmlns:a14="http://schemas.microsoft.com/office/drawing/2010/main" w="9525">
                     <a:solidFill>
                       <a:srgbClr val="000000"/>
                     </a:solidFill>
@@ -13452,7 +13452,7 @@
               </a:ln>
               <a:extLst>
                 <a:ext uri="{91240B29-F687-4f45-9708-019B960494DF}">
-                  <a14:hiddenLine xmlns:a14="http://schemas.microsoft.com/office/drawing/2010/main" xmlns="" w="9525">
+                  <a14:hiddenLine xmlns="" xmlns:a14="http://schemas.microsoft.com/office/drawing/2010/main" w="9525">
                     <a:solidFill>
                       <a:srgbClr val="000000"/>
                     </a:solidFill>
@@ -13514,7 +13514,7 @@
               </a:ln>
               <a:extLst>
                 <a:ext uri="{91240B29-F687-4f45-9708-019B960494DF}">
-                  <a14:hiddenLine xmlns:a14="http://schemas.microsoft.com/office/drawing/2010/main" xmlns="" w="9525">
+                  <a14:hiddenLine xmlns="" xmlns:a14="http://schemas.microsoft.com/office/drawing/2010/main" w="9525">
                     <a:solidFill>
                       <a:srgbClr val="000000"/>
                     </a:solidFill>
@@ -13576,7 +13576,7 @@
               </a:ln>
               <a:extLst>
                 <a:ext uri="{91240B29-F687-4f45-9708-019B960494DF}">
-                  <a14:hiddenLine xmlns:a14="http://schemas.microsoft.com/office/drawing/2010/main" xmlns="" w="9525">
+                  <a14:hiddenLine xmlns="" xmlns:a14="http://schemas.microsoft.com/office/drawing/2010/main" w="9525">
                     <a:solidFill>
                       <a:srgbClr val="000000"/>
                     </a:solidFill>
@@ -13666,7 +13666,7 @@
               </a:ln>
               <a:extLst>
                 <a:ext uri="{91240B29-F687-4f45-9708-019B960494DF}">
-                  <a14:hiddenLine xmlns:a14="http://schemas.microsoft.com/office/drawing/2010/main" xmlns="" w="9525">
+                  <a14:hiddenLine xmlns="" xmlns:a14="http://schemas.microsoft.com/office/drawing/2010/main" w="9525">
                     <a:solidFill>
                       <a:srgbClr val="000000"/>
                     </a:solidFill>
@@ -13700,7 +13700,7 @@
               </a:ln>
               <a:extLst>
                 <a:ext uri="{91240B29-F687-4f45-9708-019B960494DF}">
-                  <a14:hiddenLine xmlns:a14="http://schemas.microsoft.com/office/drawing/2010/main" xmlns="" w="9525">
+                  <a14:hiddenLine xmlns="" xmlns:a14="http://schemas.microsoft.com/office/drawing/2010/main" w="9525">
                     <a:solidFill>
                       <a:srgbClr val="000000"/>
                     </a:solidFill>
@@ -13765,7 +13765,7 @@
               </a:ln>
               <a:extLst>
                 <a:ext uri="{91240B29-F687-4f45-9708-019B960494DF}">
-                  <a14:hiddenLine xmlns:a14="http://schemas.microsoft.com/office/drawing/2010/main" xmlns="" w="9525">
+                  <a14:hiddenLine xmlns="" xmlns:a14="http://schemas.microsoft.com/office/drawing/2010/main" w="9525">
                     <a:solidFill>
                       <a:srgbClr val="000000"/>
                     </a:solidFill>
@@ -13855,7 +13855,7 @@
               </a:ln>
               <a:extLst>
                 <a:ext uri="{91240B29-F687-4f45-9708-019B960494DF}">
-                  <a14:hiddenLine xmlns:a14="http://schemas.microsoft.com/office/drawing/2010/main" xmlns="" w="9525">
+                  <a14:hiddenLine xmlns="" xmlns:a14="http://schemas.microsoft.com/office/drawing/2010/main" w="9525">
                     <a:solidFill>
                       <a:srgbClr val="000000"/>
                     </a:solidFill>
@@ -13917,7 +13917,7 @@
               </a:ln>
               <a:extLst>
                 <a:ext uri="{91240B29-F687-4f45-9708-019B960494DF}">
-                  <a14:hiddenLine xmlns:a14="http://schemas.microsoft.com/office/drawing/2010/main" xmlns="" w="9525">
+                  <a14:hiddenLine xmlns="" xmlns:a14="http://schemas.microsoft.com/office/drawing/2010/main" w="9525">
                     <a:solidFill>
                       <a:srgbClr val="000000"/>
                     </a:solidFill>
@@ -14007,7 +14007,7 @@
               </a:ln>
               <a:extLst>
                 <a:ext uri="{91240B29-F687-4f45-9708-019B960494DF}">
-                  <a14:hiddenLine xmlns:a14="http://schemas.microsoft.com/office/drawing/2010/main" xmlns="" w="9525">
+                  <a14:hiddenLine xmlns="" xmlns:a14="http://schemas.microsoft.com/office/drawing/2010/main" w="9525">
                     <a:solidFill>
                       <a:srgbClr val="000000"/>
                     </a:solidFill>
@@ -14072,7 +14072,7 @@
               </a:ln>
               <a:extLst>
                 <a:ext uri="{91240B29-F687-4f45-9708-019B960494DF}">
-                  <a14:hiddenLine xmlns:a14="http://schemas.microsoft.com/office/drawing/2010/main" xmlns="" w="9525">
+                  <a14:hiddenLine xmlns="" xmlns:a14="http://schemas.microsoft.com/office/drawing/2010/main" w="9525">
                     <a:solidFill>
                       <a:srgbClr val="000000"/>
                     </a:solidFill>
@@ -14134,7 +14134,7 @@
               </a:ln>
               <a:extLst>
                 <a:ext uri="{91240B29-F687-4f45-9708-019B960494DF}">
-                  <a14:hiddenLine xmlns:a14="http://schemas.microsoft.com/office/drawing/2010/main" xmlns="" w="9525">
+                  <a14:hiddenLine xmlns="" xmlns:a14="http://schemas.microsoft.com/office/drawing/2010/main" w="9525">
                     <a:solidFill>
                       <a:srgbClr val="000000"/>
                     </a:solidFill>
@@ -14224,7 +14224,7 @@
               </a:ln>
               <a:extLst>
                 <a:ext uri="{91240B29-F687-4f45-9708-019B960494DF}">
-                  <a14:hiddenLine xmlns:a14="http://schemas.microsoft.com/office/drawing/2010/main" xmlns="" w="9525">
+                  <a14:hiddenLine xmlns="" xmlns:a14="http://schemas.microsoft.com/office/drawing/2010/main" w="9525">
                     <a:solidFill>
                       <a:srgbClr val="000000"/>
                     </a:solidFill>
@@ -14314,7 +14314,7 @@
               </a:ln>
               <a:extLst>
                 <a:ext uri="{91240B29-F687-4f45-9708-019B960494DF}">
-                  <a14:hiddenLine xmlns:a14="http://schemas.microsoft.com/office/drawing/2010/main" xmlns="" w="9525">
+                  <a14:hiddenLine xmlns="" xmlns:a14="http://schemas.microsoft.com/office/drawing/2010/main" w="9525">
                     <a:solidFill>
                       <a:srgbClr val="000000"/>
                     </a:solidFill>
@@ -14379,7 +14379,7 @@
               </a:ln>
               <a:extLst>
                 <a:ext uri="{91240B29-F687-4f45-9708-019B960494DF}">
-                  <a14:hiddenLine xmlns:a14="http://schemas.microsoft.com/office/drawing/2010/main" xmlns="" w="9525">
+                  <a14:hiddenLine xmlns="" xmlns:a14="http://schemas.microsoft.com/office/drawing/2010/main" w="9525">
                     <a:solidFill>
                       <a:srgbClr val="000000"/>
                     </a:solidFill>
@@ -14499,7 +14499,7 @@
               </a:ln>
               <a:extLst>
                 <a:ext uri="{91240B29-F687-4f45-9708-019B960494DF}">
-                  <a14:hiddenLine xmlns:a14="http://schemas.microsoft.com/office/drawing/2010/main" xmlns="" w="9525">
+                  <a14:hiddenLine xmlns="" xmlns:a14="http://schemas.microsoft.com/office/drawing/2010/main" w="9525">
                     <a:solidFill>
                       <a:srgbClr val="000000"/>
                     </a:solidFill>
@@ -14597,7 +14597,7 @@
               </a:ln>
               <a:extLst>
                 <a:ext uri="{91240B29-F687-4f45-9708-019B960494DF}">
-                  <a14:hiddenLine xmlns:a14="http://schemas.microsoft.com/office/drawing/2010/main" xmlns="" w="9525">
+                  <a14:hiddenLine xmlns="" xmlns:a14="http://schemas.microsoft.com/office/drawing/2010/main" w="9525">
                     <a:solidFill>
                       <a:srgbClr val="000000"/>
                     </a:solidFill>
@@ -14712,7 +14712,7 @@
               </a:ln>
               <a:extLst>
                 <a:ext uri="{91240B29-F687-4f45-9708-019B960494DF}">
-                  <a14:hiddenLine xmlns:a14="http://schemas.microsoft.com/office/drawing/2010/main" xmlns="" w="9525">
+                  <a14:hiddenLine xmlns="" xmlns:a14="http://schemas.microsoft.com/office/drawing/2010/main" w="9525">
                     <a:solidFill>
                       <a:srgbClr val="000000"/>
                     </a:solidFill>
@@ -14802,7 +14802,7 @@
               </a:ln>
               <a:extLst>
                 <a:ext uri="{91240B29-F687-4f45-9708-019B960494DF}">
-                  <a14:hiddenLine xmlns:a14="http://schemas.microsoft.com/office/drawing/2010/main" xmlns="" w="9525">
+                  <a14:hiddenLine xmlns="" xmlns:a14="http://schemas.microsoft.com/office/drawing/2010/main" w="9525">
                     <a:solidFill>
                       <a:srgbClr val="000000"/>
                     </a:solidFill>
@@ -14867,7 +14867,7 @@
               </a:ln>
               <a:extLst>
                 <a:ext uri="{91240B29-F687-4f45-9708-019B960494DF}">
-                  <a14:hiddenLine xmlns:a14="http://schemas.microsoft.com/office/drawing/2010/main" xmlns="" w="9525">
+                  <a14:hiddenLine xmlns="" xmlns:a14="http://schemas.microsoft.com/office/drawing/2010/main" w="9525">
                     <a:solidFill>
                       <a:srgbClr val="000000"/>
                     </a:solidFill>
@@ -14957,7 +14957,7 @@
               </a:ln>
               <a:extLst>
                 <a:ext uri="{91240B29-F687-4f45-9708-019B960494DF}">
-                  <a14:hiddenLine xmlns:a14="http://schemas.microsoft.com/office/drawing/2010/main" xmlns="" w="9525">
+                  <a14:hiddenLine xmlns="" xmlns:a14="http://schemas.microsoft.com/office/drawing/2010/main" w="9525">
                     <a:solidFill>
                       <a:srgbClr val="000000"/>
                     </a:solidFill>
@@ -15025,7 +15025,7 @@
               </a:ln>
               <a:extLst>
                 <a:ext uri="{91240B29-F687-4f45-9708-019B960494DF}">
-                  <a14:hiddenLine xmlns:a14="http://schemas.microsoft.com/office/drawing/2010/main" xmlns="" w="9525">
+                  <a14:hiddenLine xmlns="" xmlns:a14="http://schemas.microsoft.com/office/drawing/2010/main" w="9525">
                     <a:solidFill>
                       <a:srgbClr val="000000"/>
                     </a:solidFill>
@@ -15115,7 +15115,7 @@
               </a:ln>
               <a:extLst>
                 <a:ext uri="{91240B29-F687-4f45-9708-019B960494DF}">
-                  <a14:hiddenLine xmlns:a14="http://schemas.microsoft.com/office/drawing/2010/main" xmlns="" w="9525">
+                  <a14:hiddenLine xmlns="" xmlns:a14="http://schemas.microsoft.com/office/drawing/2010/main" w="9525">
                     <a:solidFill>
                       <a:srgbClr val="000000"/>
                     </a:solidFill>
@@ -15183,7 +15183,7 @@
               </a:ln>
               <a:extLst>
                 <a:ext uri="{91240B29-F687-4f45-9708-019B960494DF}">
-                  <a14:hiddenLine xmlns:a14="http://schemas.microsoft.com/office/drawing/2010/main" xmlns="" w="9525">
+                  <a14:hiddenLine xmlns="" xmlns:a14="http://schemas.microsoft.com/office/drawing/2010/main" w="9525">
                     <a:solidFill>
                       <a:srgbClr val="000000"/>
                     </a:solidFill>
@@ -15273,7 +15273,7 @@
               </a:ln>
               <a:extLst>
                 <a:ext uri="{91240B29-F687-4f45-9708-019B960494DF}">
-                  <a14:hiddenLine xmlns:a14="http://schemas.microsoft.com/office/drawing/2010/main" xmlns="" w="9525">
+                  <a14:hiddenLine xmlns="" xmlns:a14="http://schemas.microsoft.com/office/drawing/2010/main" w="9525">
                     <a:solidFill>
                       <a:srgbClr val="000000"/>
                     </a:solidFill>
@@ -15307,7 +15307,7 @@
               </a:ln>
               <a:extLst>
                 <a:ext uri="{91240B29-F687-4f45-9708-019B960494DF}">
-                  <a14:hiddenLine xmlns:a14="http://schemas.microsoft.com/office/drawing/2010/main" xmlns="" w="9525">
+                  <a14:hiddenLine xmlns="" xmlns:a14="http://schemas.microsoft.com/office/drawing/2010/main" w="9525">
                     <a:solidFill>
                       <a:srgbClr val="000000"/>
                     </a:solidFill>
@@ -15447,7 +15447,7 @@
           <a:p>
             <a:fld id="{3CBC1C18-307B-4F68-A007-B5B542270E8D}" type="datetimeFigureOut">
               <a:rPr lang="en-US" smtClean="0"/>
-              <a:t>4/13/20</a:t>
+              <a:t>4/15/20</a:t>
             </a:fld>
             <a:endParaRPr lang="en-US" dirty="0"/>
           </a:p>
@@ -18225,22 +18225,38 @@
             <p:ph idx="1"/>
           </p:nvPr>
         </p:nvSpPr>
-        <p:spPr/>
+        <p:spPr>
+          <a:xfrm>
+            <a:off x="1141412" y="2249486"/>
+            <a:ext cx="9905999" cy="4176713"/>
+          </a:xfrm>
+        </p:spPr>
         <p:txBody>
-          <a:bodyPr/>
+          <a:bodyPr>
+            <a:normAutofit/>
+          </a:bodyPr>
           <a:lstStyle/>
           <a:p>
             <a:r>
               <a:rPr lang="de-DE" dirty="0"/>
-              <a:t>TCP</a:t>
+              <a:t>Kommunikation</a:t>
             </a:r>
           </a:p>
           <a:p>
             <a:pPr lvl="1"/>
             <a:r>
-              <a:rPr lang="de-DE" dirty="0"/>
-              <a:t>Sicher</a:t>
+              <a:rPr lang="de-DE" dirty="0" err="1"/>
+              <a:t>Zoom.us</a:t>
             </a:r>
+            <a:endParaRPr lang="de-DE" dirty="0"/>
+          </a:p>
+          <a:p>
+            <a:pPr lvl="1"/>
+            <a:r>
+              <a:rPr lang="de-DE" dirty="0" err="1"/>
+              <a:t>Discord</a:t>
+            </a:r>
+            <a:endParaRPr lang="de-DE" dirty="0"/>
           </a:p>
           <a:p>
             <a:r>
@@ -18249,14 +18265,36 @@
             </a:r>
           </a:p>
           <a:p>
+            <a:pPr lvl="1"/>
             <a:r>
-              <a:rPr lang="de-DE"/>
-              <a:t>Log4j</a:t>
+              <a:rPr lang="de-DE" dirty="0"/>
+              <a:t>Log4j	</a:t>
+            </a:r>
+          </a:p>
+          <a:p>
+            <a:r>
+              <a:rPr lang="de-DE" dirty="0"/>
+              <a:t>Tools</a:t>
+            </a:r>
+          </a:p>
+          <a:p>
+            <a:pPr lvl="1"/>
+            <a:r>
+              <a:rPr lang="de-DE" dirty="0" err="1"/>
+              <a:t>PaintBrush</a:t>
             </a:r>
             <a:r>
               <a:rPr lang="de-DE" dirty="0"/>
-              <a:t>	</a:t>
+              <a:t> </a:t>
             </a:r>
+          </a:p>
+          <a:p>
+            <a:pPr lvl="1"/>
+            <a:r>
+              <a:rPr lang="de-DE" dirty="0" err="1"/>
+              <a:t>SceneBuilder</a:t>
+            </a:r>
+            <a:endParaRPr lang="de-DE" dirty="0"/>
           </a:p>
         </p:txBody>
       </p:sp>
@@ -18278,25 +18316,9 @@
   <p:cSld>
     <p:bg>
       <p:bgPr>
-        <a:blipFill>
-          <a:blip r:embed="rId2">
-            <a:duotone>
-              <a:schemeClr val="bg2">
-                <a:shade val="88000"/>
-                <a:hueMod val="106000"/>
-                <a:satMod val="140000"/>
-                <a:lumMod val="54000"/>
-              </a:schemeClr>
-              <a:schemeClr val="bg2">
-                <a:tint val="98000"/>
-                <a:hueMod val="90000"/>
-                <a:satMod val="150000"/>
-                <a:lumMod val="160000"/>
-              </a:schemeClr>
-            </a:duotone>
-          </a:blip>
-          <a:stretch/>
-        </a:blipFill>
+        <a:solidFill>
+          <a:schemeClr val="bg1"/>
+        </a:solidFill>
         <a:effectLst/>
       </p:bgPr>
     </p:bg>
@@ -18314,12 +18336,12 @@
           <a:chExt cx="0" cy="0"/>
         </a:xfrm>
       </p:grpSpPr>
-      <p:sp useBgFill="1">
+      <p:sp>
         <p:nvSpPr>
-          <p:cNvPr id="12" name="Rectangle 11">
+          <p:cNvPr id="48" name="Rectangle 47">
             <a:extLst>
               <a:ext uri="{FF2B5EF4-FFF2-40B4-BE49-F238E27FC236}">
-                <a16:creationId xmlns:a16="http://schemas.microsoft.com/office/drawing/2014/main" id="{C2E4E997-8672-4FFD-B8EC-9932A8E4714B}"/>
+                <a16:creationId xmlns:a16="http://schemas.microsoft.com/office/drawing/2014/main" id="{3CBA50DB-DBC7-4B6E-B3C1-8FF1EA519791}"/>
               </a:ext>
               <a:ext uri="{C183D7F6-B498-43B3-948B-1728B52AA6E4}">
                 <adec:decorative xmlns:adec="http://schemas.microsoft.com/office/drawing/2017/decorative" val="1"/>
@@ -18374,12 +18396,3437 @@
           </a:p>
         </p:txBody>
       </p:sp>
+      <p:grpSp>
+        <p:nvGrpSpPr>
+          <p:cNvPr id="50" name="Group 49">
+            <a:extLst>
+              <a:ext uri="{FF2B5EF4-FFF2-40B4-BE49-F238E27FC236}">
+                <a16:creationId xmlns:a16="http://schemas.microsoft.com/office/drawing/2014/main" id="{1DED8FB6-AF8D-4D98-913D-E6486FEC1021}"/>
+              </a:ext>
+              <a:ext uri="{C183D7F6-B498-43B3-948B-1728B52AA6E4}">
+                <adec:decorative xmlns:adec="http://schemas.microsoft.com/office/drawing/2017/decorative" val="1"/>
+              </a:ext>
+            </a:extLst>
+          </p:cNvPr>
+          <p:cNvGrpSpPr>
+            <a:grpSpLocks noGrp="1" noUngrp="1" noRot="1" noChangeAspect="1" noMove="1" noResize="1"/>
+          </p:cNvGrpSpPr>
+          <p:nvPr>
+            <p:extLst>
+              <p:ext uri="{386F3935-93C4-4BCD-93E2-E3B085C9AB24}">
+                <p16:designElem xmlns:p16="http://schemas.microsoft.com/office/powerpoint/2015/main" val="1"/>
+              </p:ext>
+            </p:extLst>
+          </p:nvPr>
+        </p:nvGrpSpPr>
+        <p:grpSpPr>
+          <a:xfrm>
+            <a:off x="0" y="0"/>
+            <a:ext cx="11902285" cy="6858001"/>
+            <a:chOff x="0" y="0"/>
+            <a:chExt cx="11902285" cy="6858001"/>
+          </a:xfrm>
+        </p:grpSpPr>
+        <p:grpSp>
+          <p:nvGrpSpPr>
+            <p:cNvPr id="51" name="Group 50">
+              <a:extLst>
+                <a:ext uri="{FF2B5EF4-FFF2-40B4-BE49-F238E27FC236}">
+                  <a16:creationId xmlns:a16="http://schemas.microsoft.com/office/drawing/2014/main" id="{0A805ED2-113B-4584-8827-567B5792F1FA}"/>
+                </a:ext>
+                <a:ext uri="{C183D7F6-B498-43B3-948B-1728B52AA6E4}">
+                  <adec:decorative xmlns:adec="http://schemas.microsoft.com/office/drawing/2017/decorative" val="1"/>
+                </a:ext>
+              </a:extLst>
+            </p:cNvPr>
+            <p:cNvGrpSpPr/>
+            <p:nvPr>
+              <p:extLst>
+                <p:ext uri="{386F3935-93C4-4BCD-93E2-E3B085C9AB24}">
+                  <p16:designElem xmlns:p16="http://schemas.microsoft.com/office/powerpoint/2015/main" val="1"/>
+                </p:ext>
+              </p:extLst>
+            </p:nvPr>
+          </p:nvGrpSpPr>
+          <p:grpSpPr>
+            <a:xfrm>
+              <a:off x="0" y="0"/>
+              <a:ext cx="1220788" cy="6858001"/>
+              <a:chOff x="-14288" y="0"/>
+              <a:chExt cx="1220788" cy="6858001"/>
+            </a:xfrm>
+            <a:gradFill flip="none" rotWithShape="1">
+              <a:gsLst>
+                <a:gs pos="0">
+                  <a:schemeClr val="bg2"/>
+                </a:gs>
+                <a:gs pos="100000">
+                  <a:schemeClr val="tx2">
+                    <a:lumMod val="60000"/>
+                    <a:lumOff val="40000"/>
+                  </a:schemeClr>
+                </a:gs>
+              </a:gsLst>
+              <a:lin ang="5400000" scaled="0"/>
+              <a:tileRect/>
+            </a:gradFill>
+          </p:grpSpPr>
+          <p:sp>
+            <p:nvSpPr>
+              <p:cNvPr id="63" name="Rectangle 5">
+                <a:extLst>
+                  <a:ext uri="{FF2B5EF4-FFF2-40B4-BE49-F238E27FC236}">
+                    <a16:creationId xmlns:a16="http://schemas.microsoft.com/office/drawing/2014/main" id="{C6CF21D8-CC72-4F35-A29E-3AF9E6DA1302}"/>
+                  </a:ext>
+                  <a:ext uri="{C183D7F6-B498-43B3-948B-1728B52AA6E4}">
+                    <adec:decorative xmlns:adec="http://schemas.microsoft.com/office/drawing/2017/decorative" val="1"/>
+                  </a:ext>
+                </a:extLst>
+              </p:cNvPr>
+              <p:cNvSpPr>
+                <a:spLocks noChangeArrowheads="1"/>
+              </p:cNvSpPr>
+              <p:nvPr>
+                <p:extLst>
+                  <p:ext uri="{386F3935-93C4-4BCD-93E2-E3B085C9AB24}">
+                    <p16:designElem xmlns:p16="http://schemas.microsoft.com/office/powerpoint/2015/main" val="1"/>
+                  </p:ext>
+                </p:extLst>
+              </p:nvPr>
+            </p:nvSpPr>
+            <p:spPr bwMode="auto">
+              <a:xfrm>
+                <a:off x="114300" y="4763"/>
+                <a:ext cx="23813" cy="2181225"/>
+              </a:xfrm>
+              <a:prstGeom prst="rect">
+                <a:avLst/>
+              </a:prstGeom>
+              <a:grpFill/>
+              <a:ln>
+                <a:noFill/>
+              </a:ln>
+              <a:extLst>
+                <a:ext uri="{91240B29-F687-4f45-9708-019B960494DF}">
+                  <a14:hiddenLine xmlns="" xmlns:a16="http://schemas.microsoft.com/office/drawing/2014/main" xmlns:p14="http://schemas.microsoft.com/office/powerpoint/2010/main" xmlns:a14="http://schemas.microsoft.com/office/drawing/2010/main" w="9525">
+                    <a:solidFill>
+                      <a:srgbClr val="000000"/>
+                    </a:solidFill>
+                    <a:miter lim="800000"/>
+                    <a:headEnd/>
+                    <a:tailEnd/>
+                  </a14:hiddenLine>
+                </a:ext>
+              </a:extLst>
+            </p:spPr>
+          </p:sp>
+          <p:sp>
+            <p:nvSpPr>
+              <p:cNvPr id="64" name="Freeform 6">
+                <a:extLst>
+                  <a:ext uri="{FF2B5EF4-FFF2-40B4-BE49-F238E27FC236}">
+                    <a16:creationId xmlns:a16="http://schemas.microsoft.com/office/drawing/2014/main" id="{8E60A7C3-087D-47B4-AB5A-C8B1042FD201}"/>
+                  </a:ext>
+                  <a:ext uri="{C183D7F6-B498-43B3-948B-1728B52AA6E4}">
+                    <adec:decorative xmlns:adec="http://schemas.microsoft.com/office/drawing/2017/decorative" val="1"/>
+                  </a:ext>
+                </a:extLst>
+              </p:cNvPr>
+              <p:cNvSpPr>
+                <a:spLocks noEditPoints="1"/>
+              </p:cNvSpPr>
+              <p:nvPr>
+                <p:extLst>
+                  <p:ext uri="{386F3935-93C4-4BCD-93E2-E3B085C9AB24}">
+                    <p16:designElem xmlns:p16="http://schemas.microsoft.com/office/powerpoint/2015/main" val="1"/>
+                  </p:ext>
+                </p:extLst>
+              </p:nvPr>
+            </p:nvSpPr>
+            <p:spPr bwMode="auto">
+              <a:xfrm>
+                <a:off x="33337" y="2176463"/>
+                <a:ext cx="190500" cy="190500"/>
+              </a:xfrm>
+              <a:custGeom>
+                <a:avLst/>
+                <a:gdLst/>
+                <a:ahLst/>
+                <a:cxnLst/>
+                <a:rect l="0" t="0" r="r" b="b"/>
+                <a:pathLst>
+                  <a:path w="40" h="40">
+                    <a:moveTo>
+                      <a:pt x="20" y="40"/>
+                    </a:moveTo>
+                    <a:cubicBezTo>
+                      <a:pt x="9" y="40"/>
+                      <a:pt x="0" y="31"/>
+                      <a:pt x="0" y="20"/>
+                    </a:cubicBezTo>
+                    <a:cubicBezTo>
+                      <a:pt x="0" y="9"/>
+                      <a:pt x="9" y="0"/>
+                      <a:pt x="20" y="0"/>
+                    </a:cubicBezTo>
+                    <a:cubicBezTo>
+                      <a:pt x="31" y="0"/>
+                      <a:pt x="40" y="9"/>
+                      <a:pt x="40" y="20"/>
+                    </a:cubicBezTo>
+                    <a:cubicBezTo>
+                      <a:pt x="40" y="31"/>
+                      <a:pt x="31" y="40"/>
+                      <a:pt x="20" y="40"/>
+                    </a:cubicBezTo>
+                    <a:close/>
+                    <a:moveTo>
+                      <a:pt x="20" y="4"/>
+                    </a:moveTo>
+                    <a:cubicBezTo>
+                      <a:pt x="11" y="4"/>
+                      <a:pt x="4" y="11"/>
+                      <a:pt x="4" y="20"/>
+                    </a:cubicBezTo>
+                    <a:cubicBezTo>
+                      <a:pt x="4" y="29"/>
+                      <a:pt x="11" y="36"/>
+                      <a:pt x="20" y="36"/>
+                    </a:cubicBezTo>
+                    <a:cubicBezTo>
+                      <a:pt x="28" y="36"/>
+                      <a:pt x="36" y="29"/>
+                      <a:pt x="36" y="20"/>
+                    </a:cubicBezTo>
+                    <a:cubicBezTo>
+                      <a:pt x="36" y="11"/>
+                      <a:pt x="28" y="4"/>
+                      <a:pt x="20" y="4"/>
+                    </a:cubicBezTo>
+                    <a:close/>
+                  </a:path>
+                </a:pathLst>
+              </a:custGeom>
+              <a:grpFill/>
+              <a:ln>
+                <a:noFill/>
+              </a:ln>
+              <a:extLst>
+                <a:ext uri="{91240B29-F687-4f45-9708-019B960494DF}">
+                  <a14:hiddenLine xmlns="" xmlns:a16="http://schemas.microsoft.com/office/drawing/2014/main" xmlns:p14="http://schemas.microsoft.com/office/powerpoint/2010/main" xmlns:a14="http://schemas.microsoft.com/office/drawing/2010/main" w="9525">
+                    <a:solidFill>
+                      <a:srgbClr val="000000"/>
+                    </a:solidFill>
+                    <a:round/>
+                    <a:headEnd/>
+                    <a:tailEnd/>
+                  </a14:hiddenLine>
+                </a:ext>
+              </a:extLst>
+            </p:spPr>
+          </p:sp>
+          <p:sp>
+            <p:nvSpPr>
+              <p:cNvPr id="65" name="Freeform 7">
+                <a:extLst>
+                  <a:ext uri="{FF2B5EF4-FFF2-40B4-BE49-F238E27FC236}">
+                    <a16:creationId xmlns:a16="http://schemas.microsoft.com/office/drawing/2014/main" id="{1885EECE-F6D9-4128-BC90-01583BF2699D}"/>
+                  </a:ext>
+                  <a:ext uri="{C183D7F6-B498-43B3-948B-1728B52AA6E4}">
+                    <adec:decorative xmlns:adec="http://schemas.microsoft.com/office/drawing/2017/decorative" val="1"/>
+                  </a:ext>
+                </a:extLst>
+              </p:cNvPr>
+              <p:cNvSpPr>
+                <a:spLocks noEditPoints="1"/>
+              </p:cNvSpPr>
+              <p:nvPr>
+                <p:extLst>
+                  <p:ext uri="{386F3935-93C4-4BCD-93E2-E3B085C9AB24}">
+                    <p16:designElem xmlns:p16="http://schemas.microsoft.com/office/powerpoint/2015/main" val="1"/>
+                  </p:ext>
+                </p:extLst>
+              </p:nvPr>
+            </p:nvSpPr>
+            <p:spPr bwMode="auto">
+              <a:xfrm>
+                <a:off x="28575" y="4021138"/>
+                <a:ext cx="190500" cy="188913"/>
+              </a:xfrm>
+              <a:custGeom>
+                <a:avLst/>
+                <a:gdLst/>
+                <a:ahLst/>
+                <a:cxnLst/>
+                <a:rect l="0" t="0" r="r" b="b"/>
+                <a:pathLst>
+                  <a:path w="40" h="40">
+                    <a:moveTo>
+                      <a:pt x="20" y="40"/>
+                    </a:moveTo>
+                    <a:cubicBezTo>
+                      <a:pt x="9" y="40"/>
+                      <a:pt x="0" y="31"/>
+                      <a:pt x="0" y="20"/>
+                    </a:cubicBezTo>
+                    <a:cubicBezTo>
+                      <a:pt x="0" y="9"/>
+                      <a:pt x="9" y="0"/>
+                      <a:pt x="20" y="0"/>
+                    </a:cubicBezTo>
+                    <a:cubicBezTo>
+                      <a:pt x="31" y="0"/>
+                      <a:pt x="40" y="9"/>
+                      <a:pt x="40" y="20"/>
+                    </a:cubicBezTo>
+                    <a:cubicBezTo>
+                      <a:pt x="40" y="31"/>
+                      <a:pt x="31" y="40"/>
+                      <a:pt x="20" y="40"/>
+                    </a:cubicBezTo>
+                    <a:close/>
+                    <a:moveTo>
+                      <a:pt x="20" y="4"/>
+                    </a:moveTo>
+                    <a:cubicBezTo>
+                      <a:pt x="12" y="4"/>
+                      <a:pt x="4" y="11"/>
+                      <a:pt x="4" y="20"/>
+                    </a:cubicBezTo>
+                    <a:cubicBezTo>
+                      <a:pt x="4" y="29"/>
+                      <a:pt x="12" y="36"/>
+                      <a:pt x="20" y="36"/>
+                    </a:cubicBezTo>
+                    <a:cubicBezTo>
+                      <a:pt x="29" y="36"/>
+                      <a:pt x="36" y="29"/>
+                      <a:pt x="36" y="20"/>
+                    </a:cubicBezTo>
+                    <a:cubicBezTo>
+                      <a:pt x="36" y="11"/>
+                      <a:pt x="29" y="4"/>
+                      <a:pt x="20" y="4"/>
+                    </a:cubicBezTo>
+                    <a:close/>
+                  </a:path>
+                </a:pathLst>
+              </a:custGeom>
+              <a:grpFill/>
+              <a:ln>
+                <a:noFill/>
+              </a:ln>
+              <a:extLst>
+                <a:ext uri="{91240B29-F687-4f45-9708-019B960494DF}">
+                  <a14:hiddenLine xmlns="" xmlns:a16="http://schemas.microsoft.com/office/drawing/2014/main" xmlns:p14="http://schemas.microsoft.com/office/powerpoint/2010/main" xmlns:a14="http://schemas.microsoft.com/office/drawing/2010/main" w="9525">
+                    <a:solidFill>
+                      <a:srgbClr val="000000"/>
+                    </a:solidFill>
+                    <a:round/>
+                    <a:headEnd/>
+                    <a:tailEnd/>
+                  </a14:hiddenLine>
+                </a:ext>
+              </a:extLst>
+            </p:spPr>
+          </p:sp>
+          <p:sp>
+            <p:nvSpPr>
+              <p:cNvPr id="66" name="Freeform 8">
+                <a:extLst>
+                  <a:ext uri="{FF2B5EF4-FFF2-40B4-BE49-F238E27FC236}">
+                    <a16:creationId xmlns:a16="http://schemas.microsoft.com/office/drawing/2014/main" id="{F44AA128-AA96-4FF2-A1C3-F9D2E7FD38CA}"/>
+                  </a:ext>
+                  <a:ext uri="{C183D7F6-B498-43B3-948B-1728B52AA6E4}">
+                    <adec:decorative xmlns:adec="http://schemas.microsoft.com/office/drawing/2017/decorative" val="1"/>
+                  </a:ext>
+                </a:extLst>
+              </p:cNvPr>
+              <p:cNvSpPr/>
+              <p:nvPr>
+                <p:extLst>
+                  <p:ext uri="{386F3935-93C4-4BCD-93E2-E3B085C9AB24}">
+                    <p16:designElem xmlns:p16="http://schemas.microsoft.com/office/powerpoint/2015/main" val="1"/>
+                  </p:ext>
+                </p:extLst>
+              </p:nvPr>
+            </p:nvSpPr>
+            <p:spPr bwMode="auto">
+              <a:xfrm>
+                <a:off x="200025" y="4763"/>
+                <a:ext cx="369888" cy="1811338"/>
+              </a:xfrm>
+              <a:custGeom>
+                <a:avLst/>
+                <a:gdLst/>
+                <a:ahLst/>
+                <a:cxnLst/>
+                <a:rect l="0" t="0" r="r" b="b"/>
+                <a:pathLst>
+                  <a:path w="233" h="1141">
+                    <a:moveTo>
+                      <a:pt x="218" y="1141"/>
+                    </a:moveTo>
+                    <a:lnTo>
+                      <a:pt x="0" y="626"/>
+                    </a:lnTo>
+                    <a:lnTo>
+                      <a:pt x="0" y="0"/>
+                    </a:lnTo>
+                    <a:lnTo>
+                      <a:pt x="15" y="0"/>
+                    </a:lnTo>
+                    <a:lnTo>
+                      <a:pt x="15" y="623"/>
+                    </a:lnTo>
+                    <a:lnTo>
+                      <a:pt x="233" y="1135"/>
+                    </a:lnTo>
+                    <a:lnTo>
+                      <a:pt x="218" y="1141"/>
+                    </a:lnTo>
+                    <a:close/>
+                  </a:path>
+                </a:pathLst>
+              </a:custGeom>
+              <a:grpFill/>
+              <a:ln>
+                <a:noFill/>
+              </a:ln>
+              <a:extLst>
+                <a:ext uri="{91240B29-F687-4f45-9708-019B960494DF}">
+                  <a14:hiddenLine xmlns="" xmlns:a16="http://schemas.microsoft.com/office/drawing/2014/main" xmlns:p14="http://schemas.microsoft.com/office/powerpoint/2010/main" xmlns:a14="http://schemas.microsoft.com/office/drawing/2010/main" w="9525">
+                    <a:solidFill>
+                      <a:srgbClr val="000000"/>
+                    </a:solidFill>
+                    <a:round/>
+                    <a:headEnd/>
+                    <a:tailEnd/>
+                  </a14:hiddenLine>
+                </a:ext>
+              </a:extLst>
+            </p:spPr>
+          </p:sp>
+          <p:sp>
+            <p:nvSpPr>
+              <p:cNvPr id="67" name="Freeform 9">
+                <a:extLst>
+                  <a:ext uri="{FF2B5EF4-FFF2-40B4-BE49-F238E27FC236}">
+                    <a16:creationId xmlns:a16="http://schemas.microsoft.com/office/drawing/2014/main" id="{7E52DC12-230B-4892-B284-F2FE9DE16A7C}"/>
+                  </a:ext>
+                  <a:ext uri="{C183D7F6-B498-43B3-948B-1728B52AA6E4}">
+                    <adec:decorative xmlns:adec="http://schemas.microsoft.com/office/drawing/2017/decorative" val="1"/>
+                  </a:ext>
+                </a:extLst>
+              </p:cNvPr>
+              <p:cNvSpPr>
+                <a:spLocks noEditPoints="1"/>
+              </p:cNvSpPr>
+              <p:nvPr>
+                <p:extLst>
+                  <p:ext uri="{386F3935-93C4-4BCD-93E2-E3B085C9AB24}">
+                    <p16:designElem xmlns:p16="http://schemas.microsoft.com/office/powerpoint/2015/main" val="1"/>
+                  </p:ext>
+                </p:extLst>
+              </p:nvPr>
+            </p:nvSpPr>
+            <p:spPr bwMode="auto">
+              <a:xfrm>
+                <a:off x="503237" y="1801813"/>
+                <a:ext cx="190500" cy="188913"/>
+              </a:xfrm>
+              <a:custGeom>
+                <a:avLst/>
+                <a:gdLst/>
+                <a:ahLst/>
+                <a:cxnLst/>
+                <a:rect l="0" t="0" r="r" b="b"/>
+                <a:pathLst>
+                  <a:path w="40" h="40">
+                    <a:moveTo>
+                      <a:pt x="20" y="40"/>
+                    </a:moveTo>
+                    <a:cubicBezTo>
+                      <a:pt x="9" y="40"/>
+                      <a:pt x="0" y="31"/>
+                      <a:pt x="0" y="20"/>
+                    </a:cubicBezTo>
+                    <a:cubicBezTo>
+                      <a:pt x="0" y="9"/>
+                      <a:pt x="9" y="0"/>
+                      <a:pt x="20" y="0"/>
+                    </a:cubicBezTo>
+                    <a:cubicBezTo>
+                      <a:pt x="33" y="0"/>
+                      <a:pt x="40" y="6"/>
+                      <a:pt x="40" y="20"/>
+                    </a:cubicBezTo>
+                    <a:cubicBezTo>
+                      <a:pt x="40" y="31"/>
+                      <a:pt x="31" y="40"/>
+                      <a:pt x="20" y="40"/>
+                    </a:cubicBezTo>
+                    <a:close/>
+                    <a:moveTo>
+                      <a:pt x="20" y="4"/>
+                    </a:moveTo>
+                    <a:cubicBezTo>
+                      <a:pt x="11" y="4"/>
+                      <a:pt x="4" y="11"/>
+                      <a:pt x="4" y="20"/>
+                    </a:cubicBezTo>
+                    <a:cubicBezTo>
+                      <a:pt x="4" y="29"/>
+                      <a:pt x="11" y="36"/>
+                      <a:pt x="20" y="36"/>
+                    </a:cubicBezTo>
+                    <a:cubicBezTo>
+                      <a:pt x="28" y="36"/>
+                      <a:pt x="36" y="29"/>
+                      <a:pt x="36" y="20"/>
+                    </a:cubicBezTo>
+                    <a:cubicBezTo>
+                      <a:pt x="36" y="9"/>
+                      <a:pt x="31" y="4"/>
+                      <a:pt x="20" y="4"/>
+                    </a:cubicBezTo>
+                    <a:close/>
+                  </a:path>
+                </a:pathLst>
+              </a:custGeom>
+              <a:grpFill/>
+              <a:ln>
+                <a:noFill/>
+              </a:ln>
+              <a:extLst>
+                <a:ext uri="{91240B29-F687-4f45-9708-019B960494DF}">
+                  <a14:hiddenLine xmlns="" xmlns:a16="http://schemas.microsoft.com/office/drawing/2014/main" xmlns:p14="http://schemas.microsoft.com/office/powerpoint/2010/main" xmlns:a14="http://schemas.microsoft.com/office/drawing/2010/main" w="9525">
+                    <a:solidFill>
+                      <a:srgbClr val="000000"/>
+                    </a:solidFill>
+                    <a:round/>
+                    <a:headEnd/>
+                    <a:tailEnd/>
+                  </a14:hiddenLine>
+                </a:ext>
+              </a:extLst>
+            </p:spPr>
+          </p:sp>
+          <p:sp>
+            <p:nvSpPr>
+              <p:cNvPr id="68" name="Freeform 10">
+                <a:extLst>
+                  <a:ext uri="{FF2B5EF4-FFF2-40B4-BE49-F238E27FC236}">
+                    <a16:creationId xmlns:a16="http://schemas.microsoft.com/office/drawing/2014/main" id="{A68FBF9E-B81A-41D0-8A03-6CFC30811D1F}"/>
+                  </a:ext>
+                  <a:ext uri="{C183D7F6-B498-43B3-948B-1728B52AA6E4}">
+                    <adec:decorative xmlns:adec="http://schemas.microsoft.com/office/drawing/2017/decorative" val="1"/>
+                  </a:ext>
+                </a:extLst>
+              </p:cNvPr>
+              <p:cNvSpPr/>
+              <p:nvPr>
+                <p:extLst>
+                  <p:ext uri="{386F3935-93C4-4BCD-93E2-E3B085C9AB24}">
+                    <p16:designElem xmlns:p16="http://schemas.microsoft.com/office/powerpoint/2015/main" val="1"/>
+                  </p:ext>
+                </p:extLst>
+              </p:nvPr>
+            </p:nvSpPr>
+            <p:spPr bwMode="auto">
+              <a:xfrm>
+                <a:off x="285750" y="4763"/>
+                <a:ext cx="369888" cy="1430338"/>
+              </a:xfrm>
+              <a:custGeom>
+                <a:avLst/>
+                <a:gdLst/>
+                <a:ahLst/>
+                <a:cxnLst/>
+                <a:rect l="0" t="0" r="r" b="b"/>
+                <a:pathLst>
+                  <a:path w="233" h="901">
+                    <a:moveTo>
+                      <a:pt x="221" y="901"/>
+                    </a:moveTo>
+                    <a:lnTo>
+                      <a:pt x="0" y="383"/>
+                    </a:lnTo>
+                    <a:lnTo>
+                      <a:pt x="0" y="0"/>
+                    </a:lnTo>
+                    <a:lnTo>
+                      <a:pt x="18" y="0"/>
+                    </a:lnTo>
+                    <a:lnTo>
+                      <a:pt x="18" y="380"/>
+                    </a:lnTo>
+                    <a:lnTo>
+                      <a:pt x="233" y="895"/>
+                    </a:lnTo>
+                    <a:lnTo>
+                      <a:pt x="221" y="901"/>
+                    </a:lnTo>
+                    <a:close/>
+                  </a:path>
+                </a:pathLst>
+              </a:custGeom>
+              <a:grpFill/>
+              <a:ln>
+                <a:noFill/>
+              </a:ln>
+              <a:extLst>
+                <a:ext uri="{91240B29-F687-4f45-9708-019B960494DF}">
+                  <a14:hiddenLine xmlns="" xmlns:a16="http://schemas.microsoft.com/office/drawing/2014/main" xmlns:p14="http://schemas.microsoft.com/office/powerpoint/2010/main" xmlns:a14="http://schemas.microsoft.com/office/drawing/2010/main" w="9525">
+                    <a:solidFill>
+                      <a:srgbClr val="000000"/>
+                    </a:solidFill>
+                    <a:round/>
+                    <a:headEnd/>
+                    <a:tailEnd/>
+                  </a14:hiddenLine>
+                </a:ext>
+              </a:extLst>
+            </p:spPr>
+          </p:sp>
+          <p:sp>
+            <p:nvSpPr>
+              <p:cNvPr id="69" name="Freeform 11">
+                <a:extLst>
+                  <a:ext uri="{FF2B5EF4-FFF2-40B4-BE49-F238E27FC236}">
+                    <a16:creationId xmlns:a16="http://schemas.microsoft.com/office/drawing/2014/main" id="{B0047F84-8480-494F-9241-39FF17CFFFAE}"/>
+                  </a:ext>
+                  <a:ext uri="{C183D7F6-B498-43B3-948B-1728B52AA6E4}">
+                    <adec:decorative xmlns:adec="http://schemas.microsoft.com/office/drawing/2017/decorative" val="1"/>
+                  </a:ext>
+                </a:extLst>
+              </p:cNvPr>
+              <p:cNvSpPr/>
+              <p:nvPr>
+                <p:extLst>
+                  <p:ext uri="{386F3935-93C4-4BCD-93E2-E3B085C9AB24}">
+                    <p16:designElem xmlns:p16="http://schemas.microsoft.com/office/powerpoint/2015/main" val="1"/>
+                  </p:ext>
+                </p:extLst>
+              </p:nvPr>
+            </p:nvSpPr>
+            <p:spPr bwMode="auto">
+              <a:xfrm>
+                <a:off x="546100" y="0"/>
+                <a:ext cx="152400" cy="912813"/>
+              </a:xfrm>
+              <a:custGeom>
+                <a:avLst/>
+                <a:gdLst/>
+                <a:ahLst/>
+                <a:cxnLst/>
+                <a:rect l="0" t="0" r="r" b="b"/>
+                <a:pathLst>
+                  <a:path w="96" h="575">
+                    <a:moveTo>
+                      <a:pt x="96" y="575"/>
+                    </a:moveTo>
+                    <a:lnTo>
+                      <a:pt x="78" y="575"/>
+                    </a:lnTo>
+                    <a:lnTo>
+                      <a:pt x="78" y="192"/>
+                    </a:lnTo>
+                    <a:lnTo>
+                      <a:pt x="0" y="6"/>
+                    </a:lnTo>
+                    <a:lnTo>
+                      <a:pt x="15" y="0"/>
+                    </a:lnTo>
+                    <a:lnTo>
+                      <a:pt x="96" y="189"/>
+                    </a:lnTo>
+                    <a:lnTo>
+                      <a:pt x="96" y="575"/>
+                    </a:lnTo>
+                    <a:close/>
+                  </a:path>
+                </a:pathLst>
+              </a:custGeom>
+              <a:grpFill/>
+              <a:ln>
+                <a:noFill/>
+              </a:ln>
+              <a:extLst>
+                <a:ext uri="{91240B29-F687-4f45-9708-019B960494DF}">
+                  <a14:hiddenLine xmlns="" xmlns:a16="http://schemas.microsoft.com/office/drawing/2014/main" xmlns:p14="http://schemas.microsoft.com/office/powerpoint/2010/main" xmlns:a14="http://schemas.microsoft.com/office/drawing/2010/main" w="9525">
+                    <a:solidFill>
+                      <a:srgbClr val="000000"/>
+                    </a:solidFill>
+                    <a:round/>
+                    <a:headEnd/>
+                    <a:tailEnd/>
+                  </a14:hiddenLine>
+                </a:ext>
+              </a:extLst>
+            </p:spPr>
+          </p:sp>
+          <p:sp>
+            <p:nvSpPr>
+              <p:cNvPr id="70" name="Freeform 12">
+                <a:extLst>
+                  <a:ext uri="{FF2B5EF4-FFF2-40B4-BE49-F238E27FC236}">
+                    <a16:creationId xmlns:a16="http://schemas.microsoft.com/office/drawing/2014/main" id="{8CAF76D8-4B95-4A8E-9EE5-8CCC0A7AD2CA}"/>
+                  </a:ext>
+                  <a:ext uri="{C183D7F6-B498-43B3-948B-1728B52AA6E4}">
+                    <adec:decorative xmlns:adec="http://schemas.microsoft.com/office/drawing/2017/decorative" val="1"/>
+                  </a:ext>
+                </a:extLst>
+              </p:cNvPr>
+              <p:cNvSpPr>
+                <a:spLocks noEditPoints="1"/>
+              </p:cNvSpPr>
+              <p:nvPr>
+                <p:extLst>
+                  <p:ext uri="{386F3935-93C4-4BCD-93E2-E3B085C9AB24}">
+                    <p16:designElem xmlns:p16="http://schemas.microsoft.com/office/powerpoint/2015/main" val="1"/>
+                  </p:ext>
+                </p:extLst>
+              </p:nvPr>
+            </p:nvSpPr>
+            <p:spPr bwMode="auto">
+              <a:xfrm>
+                <a:off x="588962" y="1420813"/>
+                <a:ext cx="190500" cy="190500"/>
+              </a:xfrm>
+              <a:custGeom>
+                <a:avLst/>
+                <a:gdLst/>
+                <a:ahLst/>
+                <a:cxnLst/>
+                <a:rect l="0" t="0" r="r" b="b"/>
+                <a:pathLst>
+                  <a:path w="40" h="40">
+                    <a:moveTo>
+                      <a:pt x="20" y="40"/>
+                    </a:moveTo>
+                    <a:cubicBezTo>
+                      <a:pt x="9" y="40"/>
+                      <a:pt x="0" y="31"/>
+                      <a:pt x="0" y="20"/>
+                    </a:cubicBezTo>
+                    <a:cubicBezTo>
+                      <a:pt x="0" y="9"/>
+                      <a:pt x="9" y="0"/>
+                      <a:pt x="20" y="0"/>
+                    </a:cubicBezTo>
+                    <a:cubicBezTo>
+                      <a:pt x="33" y="0"/>
+                      <a:pt x="40" y="7"/>
+                      <a:pt x="40" y="20"/>
+                    </a:cubicBezTo>
+                    <a:cubicBezTo>
+                      <a:pt x="40" y="31"/>
+                      <a:pt x="31" y="40"/>
+                      <a:pt x="20" y="40"/>
+                    </a:cubicBezTo>
+                    <a:close/>
+                    <a:moveTo>
+                      <a:pt x="20" y="4"/>
+                    </a:moveTo>
+                    <a:cubicBezTo>
+                      <a:pt x="11" y="4"/>
+                      <a:pt x="4" y="11"/>
+                      <a:pt x="4" y="20"/>
+                    </a:cubicBezTo>
+                    <a:cubicBezTo>
+                      <a:pt x="4" y="29"/>
+                      <a:pt x="11" y="36"/>
+                      <a:pt x="20" y="36"/>
+                    </a:cubicBezTo>
+                    <a:cubicBezTo>
+                      <a:pt x="29" y="36"/>
+                      <a:pt x="36" y="29"/>
+                      <a:pt x="36" y="20"/>
+                    </a:cubicBezTo>
+                    <a:cubicBezTo>
+                      <a:pt x="36" y="9"/>
+                      <a:pt x="31" y="4"/>
+                      <a:pt x="20" y="4"/>
+                    </a:cubicBezTo>
+                    <a:close/>
+                  </a:path>
+                </a:pathLst>
+              </a:custGeom>
+              <a:grpFill/>
+              <a:ln>
+                <a:noFill/>
+              </a:ln>
+              <a:extLst>
+                <a:ext uri="{91240B29-F687-4f45-9708-019B960494DF}">
+                  <a14:hiddenLine xmlns="" xmlns:a16="http://schemas.microsoft.com/office/drawing/2014/main" xmlns:p14="http://schemas.microsoft.com/office/powerpoint/2010/main" xmlns:a14="http://schemas.microsoft.com/office/drawing/2010/main" w="9525">
+                    <a:solidFill>
+                      <a:srgbClr val="000000"/>
+                    </a:solidFill>
+                    <a:round/>
+                    <a:headEnd/>
+                    <a:tailEnd/>
+                  </a14:hiddenLine>
+                </a:ext>
+              </a:extLst>
+            </p:spPr>
+          </p:sp>
+          <p:sp>
+            <p:nvSpPr>
+              <p:cNvPr id="71" name="Freeform 13">
+                <a:extLst>
+                  <a:ext uri="{FF2B5EF4-FFF2-40B4-BE49-F238E27FC236}">
+                    <a16:creationId xmlns:a16="http://schemas.microsoft.com/office/drawing/2014/main" id="{792F82F3-05A8-4A55-8C5B-81F6678B595B}"/>
+                  </a:ext>
+                  <a:ext uri="{C183D7F6-B498-43B3-948B-1728B52AA6E4}">
+                    <adec:decorative xmlns:adec="http://schemas.microsoft.com/office/drawing/2017/decorative" val="1"/>
+                  </a:ext>
+                </a:extLst>
+              </p:cNvPr>
+              <p:cNvSpPr>
+                <a:spLocks noEditPoints="1"/>
+              </p:cNvSpPr>
+              <p:nvPr>
+                <p:extLst>
+                  <p:ext uri="{386F3935-93C4-4BCD-93E2-E3B085C9AB24}">
+                    <p16:designElem xmlns:p16="http://schemas.microsoft.com/office/powerpoint/2015/main" val="1"/>
+                  </p:ext>
+                </p:extLst>
+              </p:nvPr>
+            </p:nvSpPr>
+            <p:spPr bwMode="auto">
+              <a:xfrm>
+                <a:off x="588962" y="903288"/>
+                <a:ext cx="190500" cy="190500"/>
+              </a:xfrm>
+              <a:custGeom>
+                <a:avLst/>
+                <a:gdLst/>
+                <a:ahLst/>
+                <a:cxnLst/>
+                <a:rect l="0" t="0" r="r" b="b"/>
+                <a:pathLst>
+                  <a:path w="40" h="40">
+                    <a:moveTo>
+                      <a:pt x="20" y="40"/>
+                    </a:moveTo>
+                    <a:cubicBezTo>
+                      <a:pt x="9" y="40"/>
+                      <a:pt x="0" y="31"/>
+                      <a:pt x="0" y="20"/>
+                    </a:cubicBezTo>
+                    <a:cubicBezTo>
+                      <a:pt x="0" y="9"/>
+                      <a:pt x="9" y="0"/>
+                      <a:pt x="20" y="0"/>
+                    </a:cubicBezTo>
+                    <a:cubicBezTo>
+                      <a:pt x="31" y="0"/>
+                      <a:pt x="40" y="9"/>
+                      <a:pt x="40" y="20"/>
+                    </a:cubicBezTo>
+                    <a:cubicBezTo>
+                      <a:pt x="40" y="31"/>
+                      <a:pt x="31" y="40"/>
+                      <a:pt x="20" y="40"/>
+                    </a:cubicBezTo>
+                    <a:close/>
+                    <a:moveTo>
+                      <a:pt x="20" y="4"/>
+                    </a:moveTo>
+                    <a:cubicBezTo>
+                      <a:pt x="11" y="4"/>
+                      <a:pt x="4" y="11"/>
+                      <a:pt x="4" y="20"/>
+                    </a:cubicBezTo>
+                    <a:cubicBezTo>
+                      <a:pt x="4" y="29"/>
+                      <a:pt x="11" y="36"/>
+                      <a:pt x="20" y="36"/>
+                    </a:cubicBezTo>
+                    <a:cubicBezTo>
+                      <a:pt x="29" y="36"/>
+                      <a:pt x="36" y="29"/>
+                      <a:pt x="36" y="20"/>
+                    </a:cubicBezTo>
+                    <a:cubicBezTo>
+                      <a:pt x="36" y="11"/>
+                      <a:pt x="29" y="4"/>
+                      <a:pt x="20" y="4"/>
+                    </a:cubicBezTo>
+                    <a:close/>
+                  </a:path>
+                </a:pathLst>
+              </a:custGeom>
+              <a:grpFill/>
+              <a:ln>
+                <a:noFill/>
+              </a:ln>
+              <a:extLst>
+                <a:ext uri="{91240B29-F687-4f45-9708-019B960494DF}">
+                  <a14:hiddenLine xmlns="" xmlns:a16="http://schemas.microsoft.com/office/drawing/2014/main" xmlns:p14="http://schemas.microsoft.com/office/powerpoint/2010/main" xmlns:a14="http://schemas.microsoft.com/office/drawing/2010/main" w="9525">
+                    <a:solidFill>
+                      <a:srgbClr val="000000"/>
+                    </a:solidFill>
+                    <a:round/>
+                    <a:headEnd/>
+                    <a:tailEnd/>
+                  </a14:hiddenLine>
+                </a:ext>
+              </a:extLst>
+            </p:spPr>
+          </p:sp>
+          <p:sp>
+            <p:nvSpPr>
+              <p:cNvPr id="72" name="Freeform 14">
+                <a:extLst>
+                  <a:ext uri="{FF2B5EF4-FFF2-40B4-BE49-F238E27FC236}">
+                    <a16:creationId xmlns:a16="http://schemas.microsoft.com/office/drawing/2014/main" id="{B8472536-021A-4E59-BD59-DDC090A18ABE}"/>
+                  </a:ext>
+                  <a:ext uri="{C183D7F6-B498-43B3-948B-1728B52AA6E4}">
+                    <adec:decorative xmlns:adec="http://schemas.microsoft.com/office/drawing/2017/decorative" val="1"/>
+                  </a:ext>
+                </a:extLst>
+              </p:cNvPr>
+              <p:cNvSpPr/>
+              <p:nvPr>
+                <p:extLst>
+                  <p:ext uri="{386F3935-93C4-4BCD-93E2-E3B085C9AB24}">
+                    <p16:designElem xmlns:p16="http://schemas.microsoft.com/office/powerpoint/2015/main" val="1"/>
+                  </p:ext>
+                </p:extLst>
+              </p:nvPr>
+            </p:nvSpPr>
+            <p:spPr bwMode="auto">
+              <a:xfrm>
+                <a:off x="641350" y="0"/>
+                <a:ext cx="422275" cy="527050"/>
+              </a:xfrm>
+              <a:custGeom>
+                <a:avLst/>
+                <a:gdLst/>
+                <a:ahLst/>
+                <a:cxnLst/>
+                <a:rect l="0" t="0" r="r" b="b"/>
+                <a:pathLst>
+                  <a:path w="266" h="332">
+                    <a:moveTo>
+                      <a:pt x="257" y="332"/>
+                    </a:moveTo>
+                    <a:lnTo>
+                      <a:pt x="48" y="123"/>
+                    </a:lnTo>
+                    <a:lnTo>
+                      <a:pt x="0" y="6"/>
+                    </a:lnTo>
+                    <a:lnTo>
+                      <a:pt x="15" y="0"/>
+                    </a:lnTo>
+                    <a:lnTo>
+                      <a:pt x="63" y="114"/>
+                    </a:lnTo>
+                    <a:lnTo>
+                      <a:pt x="266" y="320"/>
+                    </a:lnTo>
+                    <a:lnTo>
+                      <a:pt x="257" y="332"/>
+                    </a:lnTo>
+                    <a:close/>
+                  </a:path>
+                </a:pathLst>
+              </a:custGeom>
+              <a:grpFill/>
+              <a:ln>
+                <a:noFill/>
+              </a:ln>
+              <a:extLst>
+                <a:ext uri="{91240B29-F687-4f45-9708-019B960494DF}">
+                  <a14:hiddenLine xmlns="" xmlns:a16="http://schemas.microsoft.com/office/drawing/2014/main" xmlns:p14="http://schemas.microsoft.com/office/powerpoint/2010/main" xmlns:a14="http://schemas.microsoft.com/office/drawing/2010/main" w="9525">
+                    <a:solidFill>
+                      <a:srgbClr val="000000"/>
+                    </a:solidFill>
+                    <a:round/>
+                    <a:headEnd/>
+                    <a:tailEnd/>
+                  </a14:hiddenLine>
+                </a:ext>
+              </a:extLst>
+            </p:spPr>
+          </p:sp>
+          <p:sp>
+            <p:nvSpPr>
+              <p:cNvPr id="73" name="Freeform 15">
+                <a:extLst>
+                  <a:ext uri="{FF2B5EF4-FFF2-40B4-BE49-F238E27FC236}">
+                    <a16:creationId xmlns:a16="http://schemas.microsoft.com/office/drawing/2014/main" id="{AEBEF646-3C12-469F-B194-A161A7A95D2F}"/>
+                  </a:ext>
+                  <a:ext uri="{C183D7F6-B498-43B3-948B-1728B52AA6E4}">
+                    <adec:decorative xmlns:adec="http://schemas.microsoft.com/office/drawing/2017/decorative" val="1"/>
+                  </a:ext>
+                </a:extLst>
+              </p:cNvPr>
+              <p:cNvSpPr>
+                <a:spLocks noEditPoints="1"/>
+              </p:cNvSpPr>
+              <p:nvPr>
+                <p:extLst>
+                  <p:ext uri="{386F3935-93C4-4BCD-93E2-E3B085C9AB24}">
+                    <p16:designElem xmlns:p16="http://schemas.microsoft.com/office/powerpoint/2015/main" val="1"/>
+                  </p:ext>
+                </p:extLst>
+              </p:nvPr>
+            </p:nvSpPr>
+            <p:spPr bwMode="auto">
+              <a:xfrm>
+                <a:off x="1020762" y="488950"/>
+                <a:ext cx="161925" cy="147638"/>
+              </a:xfrm>
+              <a:custGeom>
+                <a:avLst/>
+                <a:gdLst/>
+                <a:ahLst/>
+                <a:cxnLst/>
+                <a:rect l="0" t="0" r="r" b="b"/>
+                <a:pathLst>
+                  <a:path w="34" h="31">
+                    <a:moveTo>
+                      <a:pt x="17" y="31"/>
+                    </a:moveTo>
+                    <a:cubicBezTo>
+                      <a:pt x="13" y="31"/>
+                      <a:pt x="9" y="30"/>
+                      <a:pt x="6" y="27"/>
+                    </a:cubicBezTo>
+                    <a:cubicBezTo>
+                      <a:pt x="0" y="20"/>
+                      <a:pt x="0" y="10"/>
+                      <a:pt x="6" y="4"/>
+                    </a:cubicBezTo>
+                    <a:cubicBezTo>
+                      <a:pt x="9" y="1"/>
+                      <a:pt x="13" y="0"/>
+                      <a:pt x="17" y="0"/>
+                    </a:cubicBezTo>
+                    <a:cubicBezTo>
+                      <a:pt x="21" y="0"/>
+                      <a:pt x="25" y="1"/>
+                      <a:pt x="28" y="4"/>
+                    </a:cubicBezTo>
+                    <a:cubicBezTo>
+                      <a:pt x="34" y="10"/>
+                      <a:pt x="34" y="20"/>
+                      <a:pt x="28" y="27"/>
+                    </a:cubicBezTo>
+                    <a:cubicBezTo>
+                      <a:pt x="25" y="30"/>
+                      <a:pt x="21" y="31"/>
+                      <a:pt x="17" y="31"/>
+                    </a:cubicBezTo>
+                    <a:close/>
+                    <a:moveTo>
+                      <a:pt x="17" y="4"/>
+                    </a:moveTo>
+                    <a:cubicBezTo>
+                      <a:pt x="14" y="4"/>
+                      <a:pt x="11" y="5"/>
+                      <a:pt x="9" y="7"/>
+                    </a:cubicBezTo>
+                    <a:cubicBezTo>
+                      <a:pt x="4" y="12"/>
+                      <a:pt x="4" y="19"/>
+                      <a:pt x="9" y="24"/>
+                    </a:cubicBezTo>
+                    <a:cubicBezTo>
+                      <a:pt x="11" y="26"/>
+                      <a:pt x="14" y="27"/>
+                      <a:pt x="17" y="27"/>
+                    </a:cubicBezTo>
+                    <a:cubicBezTo>
+                      <a:pt x="20" y="27"/>
+                      <a:pt x="23" y="26"/>
+                      <a:pt x="25" y="24"/>
+                    </a:cubicBezTo>
+                    <a:cubicBezTo>
+                      <a:pt x="30" y="19"/>
+                      <a:pt x="30" y="12"/>
+                      <a:pt x="25" y="7"/>
+                    </a:cubicBezTo>
+                    <a:cubicBezTo>
+                      <a:pt x="23" y="5"/>
+                      <a:pt x="20" y="4"/>
+                      <a:pt x="17" y="4"/>
+                    </a:cubicBezTo>
+                    <a:close/>
+                  </a:path>
+                </a:pathLst>
+              </a:custGeom>
+              <a:grpFill/>
+              <a:ln>
+                <a:noFill/>
+              </a:ln>
+              <a:extLst>
+                <a:ext uri="{91240B29-F687-4f45-9708-019B960494DF}">
+                  <a14:hiddenLine xmlns="" xmlns:a16="http://schemas.microsoft.com/office/drawing/2014/main" xmlns:p14="http://schemas.microsoft.com/office/powerpoint/2010/main" xmlns:a14="http://schemas.microsoft.com/office/drawing/2010/main" w="9525">
+                    <a:solidFill>
+                      <a:srgbClr val="000000"/>
+                    </a:solidFill>
+                    <a:round/>
+                    <a:headEnd/>
+                    <a:tailEnd/>
+                  </a14:hiddenLine>
+                </a:ext>
+              </a:extLst>
+            </p:spPr>
+          </p:sp>
+          <p:sp>
+            <p:nvSpPr>
+              <p:cNvPr id="74" name="Line 16">
+                <a:extLst>
+                  <a:ext uri="{FF2B5EF4-FFF2-40B4-BE49-F238E27FC236}">
+                    <a16:creationId xmlns:a16="http://schemas.microsoft.com/office/drawing/2014/main" id="{D4501159-D7AC-4307-9DFC-C8F3A94341DA}"/>
+                  </a:ext>
+                  <a:ext uri="{C183D7F6-B498-43B3-948B-1728B52AA6E4}">
+                    <adec:decorative xmlns:adec="http://schemas.microsoft.com/office/drawing/2017/decorative" val="1"/>
+                  </a:ext>
+                </a:extLst>
+              </p:cNvPr>
+              <p:cNvSpPr>
+                <a:spLocks noChangeShapeType="1"/>
+              </p:cNvSpPr>
+              <p:nvPr>
+                <p:extLst>
+                  <p:ext uri="{386F3935-93C4-4BCD-93E2-E3B085C9AB24}">
+                    <p16:designElem xmlns:p16="http://schemas.microsoft.com/office/powerpoint/2015/main" val="1"/>
+                  </p:ext>
+                </p:extLst>
+              </p:nvPr>
+            </p:nvSpPr>
+            <p:spPr bwMode="auto">
+              <a:xfrm>
+                <a:off x="-4763" y="9525"/>
+                <a:ext cx="0" cy="0"/>
+              </a:xfrm>
+              <a:prstGeom prst="line">
+                <a:avLst/>
+              </a:prstGeom>
+              <a:grpFill/>
+              <a:ln w="15" cap="flat">
+                <a:solidFill>
+                  <a:srgbClr val="FFFFFF"/>
+                </a:solidFill>
+                <a:prstDash val="solid"/>
+                <a:miter lim="800000"/>
+                <a:headEnd/>
+                <a:tailEnd/>
+              </a:ln>
+            </p:spPr>
+          </p:sp>
+          <p:sp>
+            <p:nvSpPr>
+              <p:cNvPr id="75" name="Freeform 17">
+                <a:extLst>
+                  <a:ext uri="{FF2B5EF4-FFF2-40B4-BE49-F238E27FC236}">
+                    <a16:creationId xmlns:a16="http://schemas.microsoft.com/office/drawing/2014/main" id="{B5244C41-454C-47D8-A6A9-C17EC2A36631}"/>
+                  </a:ext>
+                  <a:ext uri="{C183D7F6-B498-43B3-948B-1728B52AA6E4}">
+                    <adec:decorative xmlns:adec="http://schemas.microsoft.com/office/drawing/2017/decorative" val="1"/>
+                  </a:ext>
+                </a:extLst>
+              </p:cNvPr>
+              <p:cNvSpPr/>
+              <p:nvPr>
+                <p:extLst>
+                  <p:ext uri="{386F3935-93C4-4BCD-93E2-E3B085C9AB24}">
+                    <p16:designElem xmlns:p16="http://schemas.microsoft.com/office/powerpoint/2015/main" val="1"/>
+                  </p:ext>
+                </p:extLst>
+              </p:nvPr>
+            </p:nvSpPr>
+            <p:spPr bwMode="auto">
+              <a:xfrm>
+                <a:off x="9525" y="1801813"/>
+                <a:ext cx="123825" cy="127000"/>
+              </a:xfrm>
+              <a:custGeom>
+                <a:avLst/>
+                <a:gdLst/>
+                <a:ahLst/>
+                <a:cxnLst/>
+                <a:rect l="0" t="0" r="r" b="b"/>
+                <a:pathLst>
+                  <a:path w="78" h="80">
+                    <a:moveTo>
+                      <a:pt x="6" y="80"/>
+                    </a:moveTo>
+                    <a:lnTo>
+                      <a:pt x="0" y="71"/>
+                    </a:lnTo>
+                    <a:lnTo>
+                      <a:pt x="69" y="0"/>
+                    </a:lnTo>
+                    <a:lnTo>
+                      <a:pt x="78" y="9"/>
+                    </a:lnTo>
+                    <a:lnTo>
+                      <a:pt x="6" y="80"/>
+                    </a:lnTo>
+                    <a:close/>
+                  </a:path>
+                </a:pathLst>
+              </a:custGeom>
+              <a:grpFill/>
+              <a:ln>
+                <a:noFill/>
+              </a:ln>
+              <a:extLst>
+                <a:ext uri="{91240B29-F687-4f45-9708-019B960494DF}">
+                  <a14:hiddenLine xmlns="" xmlns:a16="http://schemas.microsoft.com/office/drawing/2014/main" xmlns:p14="http://schemas.microsoft.com/office/powerpoint/2010/main" xmlns:a14="http://schemas.microsoft.com/office/drawing/2010/main" w="9525">
+                    <a:solidFill>
+                      <a:srgbClr val="000000"/>
+                    </a:solidFill>
+                    <a:round/>
+                    <a:headEnd/>
+                    <a:tailEnd/>
+                  </a14:hiddenLine>
+                </a:ext>
+              </a:extLst>
+            </p:spPr>
+          </p:sp>
+          <p:sp>
+            <p:nvSpPr>
+              <p:cNvPr id="76" name="Freeform 18">
+                <a:extLst>
+                  <a:ext uri="{FF2B5EF4-FFF2-40B4-BE49-F238E27FC236}">
+                    <a16:creationId xmlns:a16="http://schemas.microsoft.com/office/drawing/2014/main" id="{8FA883B8-99FB-4540-B573-F0674BFB1C2A}"/>
+                  </a:ext>
+                  <a:ext uri="{C183D7F6-B498-43B3-948B-1728B52AA6E4}">
+                    <adec:decorative xmlns:adec="http://schemas.microsoft.com/office/drawing/2017/decorative" val="1"/>
+                  </a:ext>
+                </a:extLst>
+              </p:cNvPr>
+              <p:cNvSpPr/>
+              <p:nvPr>
+                <p:extLst>
+                  <p:ext uri="{386F3935-93C4-4BCD-93E2-E3B085C9AB24}">
+                    <p16:designElem xmlns:p16="http://schemas.microsoft.com/office/powerpoint/2015/main" val="1"/>
+                  </p:ext>
+                </p:extLst>
+              </p:nvPr>
+            </p:nvSpPr>
+            <p:spPr bwMode="auto">
+              <a:xfrm>
+                <a:off x="-9525" y="3549650"/>
+                <a:ext cx="147638" cy="481013"/>
+              </a:xfrm>
+              <a:custGeom>
+                <a:avLst/>
+                <a:gdLst/>
+                <a:ahLst/>
+                <a:cxnLst/>
+                <a:rect l="0" t="0" r="r" b="b"/>
+                <a:pathLst>
+                  <a:path w="93" h="303">
+                    <a:moveTo>
+                      <a:pt x="93" y="303"/>
+                    </a:moveTo>
+                    <a:lnTo>
+                      <a:pt x="78" y="303"/>
+                    </a:lnTo>
+                    <a:lnTo>
+                      <a:pt x="78" y="78"/>
+                    </a:lnTo>
+                    <a:lnTo>
+                      <a:pt x="0" y="12"/>
+                    </a:lnTo>
+                    <a:lnTo>
+                      <a:pt x="12" y="0"/>
+                    </a:lnTo>
+                    <a:lnTo>
+                      <a:pt x="93" y="69"/>
+                    </a:lnTo>
+                    <a:lnTo>
+                      <a:pt x="93" y="303"/>
+                    </a:lnTo>
+                    <a:close/>
+                  </a:path>
+                </a:pathLst>
+              </a:custGeom>
+              <a:grpFill/>
+              <a:ln>
+                <a:noFill/>
+              </a:ln>
+              <a:extLst>
+                <a:ext uri="{91240B29-F687-4f45-9708-019B960494DF}">
+                  <a14:hiddenLine xmlns="" xmlns:a16="http://schemas.microsoft.com/office/drawing/2014/main" xmlns:p14="http://schemas.microsoft.com/office/powerpoint/2010/main" xmlns:a14="http://schemas.microsoft.com/office/drawing/2010/main" w="9525">
+                    <a:solidFill>
+                      <a:srgbClr val="000000"/>
+                    </a:solidFill>
+                    <a:round/>
+                    <a:headEnd/>
+                    <a:tailEnd/>
+                  </a14:hiddenLine>
+                </a:ext>
+              </a:extLst>
+            </p:spPr>
+          </p:sp>
+          <p:sp>
+            <p:nvSpPr>
+              <p:cNvPr id="77" name="Freeform 19">
+                <a:extLst>
+                  <a:ext uri="{FF2B5EF4-FFF2-40B4-BE49-F238E27FC236}">
+                    <a16:creationId xmlns:a16="http://schemas.microsoft.com/office/drawing/2014/main" id="{F1178B7C-5A00-4E5B-9010-B1477621E049}"/>
+                  </a:ext>
+                  <a:ext uri="{C183D7F6-B498-43B3-948B-1728B52AA6E4}">
+                    <adec:decorative xmlns:adec="http://schemas.microsoft.com/office/drawing/2017/decorative" val="1"/>
+                  </a:ext>
+                </a:extLst>
+              </p:cNvPr>
+              <p:cNvSpPr/>
+              <p:nvPr>
+                <p:extLst>
+                  <p:ext uri="{386F3935-93C4-4BCD-93E2-E3B085C9AB24}">
+                    <p16:designElem xmlns:p16="http://schemas.microsoft.com/office/powerpoint/2015/main" val="1"/>
+                  </p:ext>
+                </p:extLst>
+              </p:nvPr>
+            </p:nvSpPr>
+            <p:spPr bwMode="auto">
+              <a:xfrm>
+                <a:off x="128587" y="1382713"/>
+                <a:ext cx="142875" cy="476250"/>
+              </a:xfrm>
+              <a:custGeom>
+                <a:avLst/>
+                <a:gdLst/>
+                <a:ahLst/>
+                <a:cxnLst/>
+                <a:rect l="0" t="0" r="r" b="b"/>
+                <a:pathLst>
+                  <a:path w="90" h="300">
+                    <a:moveTo>
+                      <a:pt x="90" y="300"/>
+                    </a:moveTo>
+                    <a:lnTo>
+                      <a:pt x="78" y="300"/>
+                    </a:lnTo>
+                    <a:lnTo>
+                      <a:pt x="78" y="84"/>
+                    </a:lnTo>
+                    <a:lnTo>
+                      <a:pt x="0" y="9"/>
+                    </a:lnTo>
+                    <a:lnTo>
+                      <a:pt x="9" y="0"/>
+                    </a:lnTo>
+                    <a:lnTo>
+                      <a:pt x="90" y="81"/>
+                    </a:lnTo>
+                    <a:lnTo>
+                      <a:pt x="90" y="300"/>
+                    </a:lnTo>
+                    <a:close/>
+                  </a:path>
+                </a:pathLst>
+              </a:custGeom>
+              <a:grpFill/>
+              <a:ln>
+                <a:noFill/>
+              </a:ln>
+              <a:extLst>
+                <a:ext uri="{91240B29-F687-4f45-9708-019B960494DF}">
+                  <a14:hiddenLine xmlns="" xmlns:a16="http://schemas.microsoft.com/office/drawing/2014/main" xmlns:p14="http://schemas.microsoft.com/office/powerpoint/2010/main" xmlns:a14="http://schemas.microsoft.com/office/drawing/2010/main" w="9525">
+                    <a:solidFill>
+                      <a:srgbClr val="000000"/>
+                    </a:solidFill>
+                    <a:round/>
+                    <a:headEnd/>
+                    <a:tailEnd/>
+                  </a14:hiddenLine>
+                </a:ext>
+              </a:extLst>
+            </p:spPr>
+          </p:sp>
+          <p:sp>
+            <p:nvSpPr>
+              <p:cNvPr id="78" name="Freeform 20">
+                <a:extLst>
+                  <a:ext uri="{FF2B5EF4-FFF2-40B4-BE49-F238E27FC236}">
+                    <a16:creationId xmlns:a16="http://schemas.microsoft.com/office/drawing/2014/main" id="{E359D5D8-EE2E-4714-A40A-C3A6D91F9897}"/>
+                  </a:ext>
+                  <a:ext uri="{C183D7F6-B498-43B3-948B-1728B52AA6E4}">
+                    <adec:decorative xmlns:adec="http://schemas.microsoft.com/office/drawing/2017/decorative" val="1"/>
+                  </a:ext>
+                </a:extLst>
+              </p:cNvPr>
+              <p:cNvSpPr>
+                <a:spLocks noEditPoints="1"/>
+              </p:cNvSpPr>
+              <p:nvPr>
+                <p:extLst>
+                  <p:ext uri="{386F3935-93C4-4BCD-93E2-E3B085C9AB24}">
+                    <p16:designElem xmlns:p16="http://schemas.microsoft.com/office/powerpoint/2015/main" val="1"/>
+                  </p:ext>
+                </p:extLst>
+              </p:nvPr>
+            </p:nvSpPr>
+            <p:spPr bwMode="auto">
+              <a:xfrm>
+                <a:off x="204787" y="1849438"/>
+                <a:ext cx="114300" cy="107950"/>
+              </a:xfrm>
+              <a:custGeom>
+                <a:avLst/>
+                <a:gdLst/>
+                <a:ahLst/>
+                <a:cxnLst/>
+                <a:rect l="0" t="0" r="r" b="b"/>
+                <a:pathLst>
+                  <a:path w="24" h="23">
+                    <a:moveTo>
+                      <a:pt x="12" y="23"/>
+                    </a:moveTo>
+                    <a:cubicBezTo>
+                      <a:pt x="6" y="23"/>
+                      <a:pt x="0" y="18"/>
+                      <a:pt x="0" y="12"/>
+                    </a:cubicBezTo>
+                    <a:cubicBezTo>
+                      <a:pt x="0" y="5"/>
+                      <a:pt x="6" y="0"/>
+                      <a:pt x="12" y="0"/>
+                    </a:cubicBezTo>
+                    <a:cubicBezTo>
+                      <a:pt x="18" y="0"/>
+                      <a:pt x="24" y="5"/>
+                      <a:pt x="24" y="12"/>
+                    </a:cubicBezTo>
+                    <a:cubicBezTo>
+                      <a:pt x="24" y="18"/>
+                      <a:pt x="18" y="23"/>
+                      <a:pt x="12" y="23"/>
+                    </a:cubicBezTo>
+                    <a:close/>
+                    <a:moveTo>
+                      <a:pt x="12" y="4"/>
+                    </a:moveTo>
+                    <a:cubicBezTo>
+                      <a:pt x="8" y="4"/>
+                      <a:pt x="4" y="8"/>
+                      <a:pt x="4" y="12"/>
+                    </a:cubicBezTo>
+                    <a:cubicBezTo>
+                      <a:pt x="4" y="16"/>
+                      <a:pt x="8" y="19"/>
+                      <a:pt x="12" y="19"/>
+                    </a:cubicBezTo>
+                    <a:cubicBezTo>
+                      <a:pt x="16" y="19"/>
+                      <a:pt x="20" y="16"/>
+                      <a:pt x="20" y="12"/>
+                    </a:cubicBezTo>
+                    <a:cubicBezTo>
+                      <a:pt x="20" y="8"/>
+                      <a:pt x="16" y="4"/>
+                      <a:pt x="12" y="4"/>
+                    </a:cubicBezTo>
+                    <a:close/>
+                  </a:path>
+                </a:pathLst>
+              </a:custGeom>
+              <a:grpFill/>
+              <a:ln>
+                <a:noFill/>
+              </a:ln>
+              <a:extLst>
+                <a:ext uri="{91240B29-F687-4f45-9708-019B960494DF}">
+                  <a14:hiddenLine xmlns="" xmlns:a16="http://schemas.microsoft.com/office/drawing/2014/main" xmlns:p14="http://schemas.microsoft.com/office/powerpoint/2010/main" xmlns:a14="http://schemas.microsoft.com/office/drawing/2010/main" w="9525">
+                    <a:solidFill>
+                      <a:srgbClr val="000000"/>
+                    </a:solidFill>
+                    <a:round/>
+                    <a:headEnd/>
+                    <a:tailEnd/>
+                  </a14:hiddenLine>
+                </a:ext>
+              </a:extLst>
+            </p:spPr>
+          </p:sp>
+          <p:sp>
+            <p:nvSpPr>
+              <p:cNvPr id="79" name="Rectangle 21">
+                <a:extLst>
+                  <a:ext uri="{FF2B5EF4-FFF2-40B4-BE49-F238E27FC236}">
+                    <a16:creationId xmlns:a16="http://schemas.microsoft.com/office/drawing/2014/main" id="{8A89C2E5-F892-4666-85FB-995578FBC739}"/>
+                  </a:ext>
+                  <a:ext uri="{C183D7F6-B498-43B3-948B-1728B52AA6E4}">
+                    <adec:decorative xmlns:adec="http://schemas.microsoft.com/office/drawing/2017/decorative" val="1"/>
+                  </a:ext>
+                </a:extLst>
+              </p:cNvPr>
+              <p:cNvSpPr>
+                <a:spLocks noChangeArrowheads="1"/>
+              </p:cNvSpPr>
+              <p:nvPr>
+                <p:extLst>
+                  <p:ext uri="{386F3935-93C4-4BCD-93E2-E3B085C9AB24}">
+                    <p16:designElem xmlns:p16="http://schemas.microsoft.com/office/powerpoint/2015/main" val="1"/>
+                  </p:ext>
+                </p:extLst>
+              </p:nvPr>
+            </p:nvSpPr>
+            <p:spPr bwMode="auto">
+              <a:xfrm>
+                <a:off x="133350" y="4662488"/>
+                <a:ext cx="23813" cy="2181225"/>
+              </a:xfrm>
+              <a:prstGeom prst="rect">
+                <a:avLst/>
+              </a:prstGeom>
+              <a:grpFill/>
+              <a:ln>
+                <a:noFill/>
+              </a:ln>
+              <a:extLst>
+                <a:ext uri="{91240B29-F687-4f45-9708-019B960494DF}">
+                  <a14:hiddenLine xmlns="" xmlns:a16="http://schemas.microsoft.com/office/drawing/2014/main" xmlns:p14="http://schemas.microsoft.com/office/powerpoint/2010/main" xmlns:a14="http://schemas.microsoft.com/office/drawing/2010/main" w="9525">
+                    <a:solidFill>
+                      <a:srgbClr val="000000"/>
+                    </a:solidFill>
+                    <a:miter lim="800000"/>
+                    <a:headEnd/>
+                    <a:tailEnd/>
+                  </a14:hiddenLine>
+                </a:ext>
+              </a:extLst>
+            </p:spPr>
+          </p:sp>
+          <p:sp>
+            <p:nvSpPr>
+              <p:cNvPr id="80" name="Freeform 22">
+                <a:extLst>
+                  <a:ext uri="{FF2B5EF4-FFF2-40B4-BE49-F238E27FC236}">
+                    <a16:creationId xmlns:a16="http://schemas.microsoft.com/office/drawing/2014/main" id="{6DC6174B-0EC3-4A81-A0D1-D10DBB869A5A}"/>
+                  </a:ext>
+                  <a:ext uri="{C183D7F6-B498-43B3-948B-1728B52AA6E4}">
+                    <adec:decorative xmlns:adec="http://schemas.microsoft.com/office/drawing/2017/decorative" val="1"/>
+                  </a:ext>
+                </a:extLst>
+              </p:cNvPr>
+              <p:cNvSpPr/>
+              <p:nvPr>
+                <p:extLst>
+                  <p:ext uri="{386F3935-93C4-4BCD-93E2-E3B085C9AB24}">
+                    <p16:designElem xmlns:p16="http://schemas.microsoft.com/office/powerpoint/2015/main" val="1"/>
+                  </p:ext>
+                </p:extLst>
+              </p:nvPr>
+            </p:nvSpPr>
+            <p:spPr bwMode="auto">
+              <a:xfrm>
+                <a:off x="223837" y="5041900"/>
+                <a:ext cx="369888" cy="1801813"/>
+              </a:xfrm>
+              <a:custGeom>
+                <a:avLst/>
+                <a:gdLst/>
+                <a:ahLst/>
+                <a:cxnLst/>
+                <a:rect l="0" t="0" r="r" b="b"/>
+                <a:pathLst>
+                  <a:path w="233" h="1135">
+                    <a:moveTo>
+                      <a:pt x="15" y="1135"/>
+                    </a:moveTo>
+                    <a:lnTo>
+                      <a:pt x="0" y="1135"/>
+                    </a:lnTo>
+                    <a:lnTo>
+                      <a:pt x="0" y="515"/>
+                    </a:lnTo>
+                    <a:lnTo>
+                      <a:pt x="0" y="512"/>
+                    </a:lnTo>
+                    <a:lnTo>
+                      <a:pt x="218" y="0"/>
+                    </a:lnTo>
+                    <a:lnTo>
+                      <a:pt x="233" y="6"/>
+                    </a:lnTo>
+                    <a:lnTo>
+                      <a:pt x="15" y="518"/>
+                    </a:lnTo>
+                    <a:lnTo>
+                      <a:pt x="15" y="1135"/>
+                    </a:lnTo>
+                    <a:close/>
+                  </a:path>
+                </a:pathLst>
+              </a:custGeom>
+              <a:grpFill/>
+              <a:ln>
+                <a:noFill/>
+              </a:ln>
+              <a:extLst>
+                <a:ext uri="{91240B29-F687-4f45-9708-019B960494DF}">
+                  <a14:hiddenLine xmlns="" xmlns:a16="http://schemas.microsoft.com/office/drawing/2014/main" xmlns:p14="http://schemas.microsoft.com/office/powerpoint/2010/main" xmlns:a14="http://schemas.microsoft.com/office/drawing/2010/main" w="9525">
+                    <a:solidFill>
+                      <a:srgbClr val="000000"/>
+                    </a:solidFill>
+                    <a:round/>
+                    <a:headEnd/>
+                    <a:tailEnd/>
+                  </a14:hiddenLine>
+                </a:ext>
+              </a:extLst>
+            </p:spPr>
+          </p:sp>
+          <p:sp>
+            <p:nvSpPr>
+              <p:cNvPr id="81" name="Freeform 23">
+                <a:extLst>
+                  <a:ext uri="{FF2B5EF4-FFF2-40B4-BE49-F238E27FC236}">
+                    <a16:creationId xmlns:a16="http://schemas.microsoft.com/office/drawing/2014/main" id="{2CB96070-0553-4F79-984C-8DABB1CD5DB5}"/>
+                  </a:ext>
+                  <a:ext uri="{C183D7F6-B498-43B3-948B-1728B52AA6E4}">
+                    <adec:decorative xmlns:adec="http://schemas.microsoft.com/office/drawing/2017/decorative" val="1"/>
+                  </a:ext>
+                </a:extLst>
+              </p:cNvPr>
+              <p:cNvSpPr>
+                <a:spLocks noEditPoints="1"/>
+              </p:cNvSpPr>
+              <p:nvPr>
+                <p:extLst>
+                  <p:ext uri="{386F3935-93C4-4BCD-93E2-E3B085C9AB24}">
+                    <p16:designElem xmlns:p16="http://schemas.microsoft.com/office/powerpoint/2015/main" val="1"/>
+                  </p:ext>
+                </p:extLst>
+              </p:nvPr>
+            </p:nvSpPr>
+            <p:spPr bwMode="auto">
+              <a:xfrm>
+                <a:off x="52387" y="4481513"/>
+                <a:ext cx="190500" cy="190500"/>
+              </a:xfrm>
+              <a:custGeom>
+                <a:avLst/>
+                <a:gdLst/>
+                <a:ahLst/>
+                <a:cxnLst/>
+                <a:rect l="0" t="0" r="r" b="b"/>
+                <a:pathLst>
+                  <a:path w="40" h="40">
+                    <a:moveTo>
+                      <a:pt x="20" y="40"/>
+                    </a:moveTo>
+                    <a:cubicBezTo>
+                      <a:pt x="9" y="40"/>
+                      <a:pt x="0" y="31"/>
+                      <a:pt x="0" y="20"/>
+                    </a:cubicBezTo>
+                    <a:cubicBezTo>
+                      <a:pt x="0" y="9"/>
+                      <a:pt x="9" y="0"/>
+                      <a:pt x="20" y="0"/>
+                    </a:cubicBezTo>
+                    <a:cubicBezTo>
+                      <a:pt x="31" y="0"/>
+                      <a:pt x="40" y="9"/>
+                      <a:pt x="40" y="20"/>
+                    </a:cubicBezTo>
+                    <a:cubicBezTo>
+                      <a:pt x="40" y="31"/>
+                      <a:pt x="31" y="40"/>
+                      <a:pt x="20" y="40"/>
+                    </a:cubicBezTo>
+                    <a:close/>
+                    <a:moveTo>
+                      <a:pt x="20" y="4"/>
+                    </a:moveTo>
+                    <a:cubicBezTo>
+                      <a:pt x="11" y="4"/>
+                      <a:pt x="4" y="11"/>
+                      <a:pt x="4" y="20"/>
+                    </a:cubicBezTo>
+                    <a:cubicBezTo>
+                      <a:pt x="4" y="29"/>
+                      <a:pt x="11" y="36"/>
+                      <a:pt x="20" y="36"/>
+                    </a:cubicBezTo>
+                    <a:cubicBezTo>
+                      <a:pt x="28" y="36"/>
+                      <a:pt x="36" y="29"/>
+                      <a:pt x="36" y="20"/>
+                    </a:cubicBezTo>
+                    <a:cubicBezTo>
+                      <a:pt x="36" y="11"/>
+                      <a:pt x="28" y="4"/>
+                      <a:pt x="20" y="4"/>
+                    </a:cubicBezTo>
+                    <a:close/>
+                  </a:path>
+                </a:pathLst>
+              </a:custGeom>
+              <a:grpFill/>
+              <a:ln>
+                <a:noFill/>
+              </a:ln>
+              <a:extLst>
+                <a:ext uri="{91240B29-F687-4f45-9708-019B960494DF}">
+                  <a14:hiddenLine xmlns="" xmlns:a16="http://schemas.microsoft.com/office/drawing/2014/main" xmlns:p14="http://schemas.microsoft.com/office/powerpoint/2010/main" xmlns:a14="http://schemas.microsoft.com/office/drawing/2010/main" w="9525">
+                    <a:solidFill>
+                      <a:srgbClr val="000000"/>
+                    </a:solidFill>
+                    <a:round/>
+                    <a:headEnd/>
+                    <a:tailEnd/>
+                  </a14:hiddenLine>
+                </a:ext>
+              </a:extLst>
+            </p:spPr>
+          </p:sp>
+          <p:sp>
+            <p:nvSpPr>
+              <p:cNvPr id="82" name="Freeform 24">
+                <a:extLst>
+                  <a:ext uri="{FF2B5EF4-FFF2-40B4-BE49-F238E27FC236}">
+                    <a16:creationId xmlns:a16="http://schemas.microsoft.com/office/drawing/2014/main" id="{BA23B6E2-3718-4009-B80E-9279154B1918}"/>
+                  </a:ext>
+                  <a:ext uri="{C183D7F6-B498-43B3-948B-1728B52AA6E4}">
+                    <adec:decorative xmlns:adec="http://schemas.microsoft.com/office/drawing/2017/decorative" val="1"/>
+                  </a:ext>
+                </a:extLst>
+              </p:cNvPr>
+              <p:cNvSpPr/>
+              <p:nvPr>
+                <p:extLst>
+                  <p:ext uri="{386F3935-93C4-4BCD-93E2-E3B085C9AB24}">
+                    <p16:designElem xmlns:p16="http://schemas.microsoft.com/office/powerpoint/2015/main" val="1"/>
+                  </p:ext>
+                </p:extLst>
+              </p:nvPr>
+            </p:nvSpPr>
+            <p:spPr bwMode="auto">
+              <a:xfrm>
+                <a:off x="-14288" y="5627688"/>
+                <a:ext cx="85725" cy="1216025"/>
+              </a:xfrm>
+              <a:custGeom>
+                <a:avLst/>
+                <a:gdLst/>
+                <a:ahLst/>
+                <a:cxnLst/>
+                <a:rect l="0" t="0" r="r" b="b"/>
+                <a:pathLst>
+                  <a:path w="54" h="766">
+                    <a:moveTo>
+                      <a:pt x="54" y="766"/>
+                    </a:moveTo>
+                    <a:lnTo>
+                      <a:pt x="36" y="766"/>
+                    </a:lnTo>
+                    <a:lnTo>
+                      <a:pt x="36" y="149"/>
+                    </a:lnTo>
+                    <a:lnTo>
+                      <a:pt x="0" y="3"/>
+                    </a:lnTo>
+                    <a:lnTo>
+                      <a:pt x="18" y="0"/>
+                    </a:lnTo>
+                    <a:lnTo>
+                      <a:pt x="54" y="146"/>
+                    </a:lnTo>
+                    <a:lnTo>
+                      <a:pt x="54" y="766"/>
+                    </a:lnTo>
+                    <a:close/>
+                  </a:path>
+                </a:pathLst>
+              </a:custGeom>
+              <a:grpFill/>
+              <a:ln>
+                <a:noFill/>
+              </a:ln>
+              <a:extLst>
+                <a:ext uri="{91240B29-F687-4f45-9708-019B960494DF}">
+                  <a14:hiddenLine xmlns="" xmlns:a16="http://schemas.microsoft.com/office/drawing/2014/main" xmlns:p14="http://schemas.microsoft.com/office/powerpoint/2010/main" xmlns:a14="http://schemas.microsoft.com/office/drawing/2010/main" w="9525">
+                    <a:solidFill>
+                      <a:srgbClr val="000000"/>
+                    </a:solidFill>
+                    <a:round/>
+                    <a:headEnd/>
+                    <a:tailEnd/>
+                  </a14:hiddenLine>
+                </a:ext>
+              </a:extLst>
+            </p:spPr>
+          </p:sp>
+          <p:sp>
+            <p:nvSpPr>
+              <p:cNvPr id="83" name="Freeform 25">
+                <a:extLst>
+                  <a:ext uri="{FF2B5EF4-FFF2-40B4-BE49-F238E27FC236}">
+                    <a16:creationId xmlns:a16="http://schemas.microsoft.com/office/drawing/2014/main" id="{CAFB32D5-E528-419B-80EE-1475633970AC}"/>
+                  </a:ext>
+                  <a:ext uri="{C183D7F6-B498-43B3-948B-1728B52AA6E4}">
+                    <adec:decorative xmlns:adec="http://schemas.microsoft.com/office/drawing/2017/decorative" val="1"/>
+                  </a:ext>
+                </a:extLst>
+              </p:cNvPr>
+              <p:cNvSpPr>
+                <a:spLocks noEditPoints="1"/>
+              </p:cNvSpPr>
+              <p:nvPr>
+                <p:extLst>
+                  <p:ext uri="{386F3935-93C4-4BCD-93E2-E3B085C9AB24}">
+                    <p16:designElem xmlns:p16="http://schemas.microsoft.com/office/powerpoint/2015/main" val="1"/>
+                  </p:ext>
+                </p:extLst>
+              </p:nvPr>
+            </p:nvSpPr>
+            <p:spPr bwMode="auto">
+              <a:xfrm>
+                <a:off x="527050" y="4867275"/>
+                <a:ext cx="190500" cy="188913"/>
+              </a:xfrm>
+              <a:custGeom>
+                <a:avLst/>
+                <a:gdLst/>
+                <a:ahLst/>
+                <a:cxnLst/>
+                <a:rect l="0" t="0" r="r" b="b"/>
+                <a:pathLst>
+                  <a:path w="40" h="40">
+                    <a:moveTo>
+                      <a:pt x="20" y="40"/>
+                    </a:moveTo>
+                    <a:cubicBezTo>
+                      <a:pt x="9" y="40"/>
+                      <a:pt x="0" y="31"/>
+                      <a:pt x="0" y="20"/>
+                    </a:cubicBezTo>
+                    <a:cubicBezTo>
+                      <a:pt x="0" y="9"/>
+                      <a:pt x="9" y="0"/>
+                      <a:pt x="20" y="0"/>
+                    </a:cubicBezTo>
+                    <a:cubicBezTo>
+                      <a:pt x="31" y="0"/>
+                      <a:pt x="40" y="9"/>
+                      <a:pt x="40" y="20"/>
+                    </a:cubicBezTo>
+                    <a:cubicBezTo>
+                      <a:pt x="40" y="31"/>
+                      <a:pt x="31" y="40"/>
+                      <a:pt x="20" y="40"/>
+                    </a:cubicBezTo>
+                    <a:close/>
+                    <a:moveTo>
+                      <a:pt x="20" y="4"/>
+                    </a:moveTo>
+                    <a:cubicBezTo>
+                      <a:pt x="11" y="4"/>
+                      <a:pt x="4" y="11"/>
+                      <a:pt x="4" y="20"/>
+                    </a:cubicBezTo>
+                    <a:cubicBezTo>
+                      <a:pt x="4" y="29"/>
+                      <a:pt x="11" y="36"/>
+                      <a:pt x="20" y="36"/>
+                    </a:cubicBezTo>
+                    <a:cubicBezTo>
+                      <a:pt x="29" y="36"/>
+                      <a:pt x="36" y="29"/>
+                      <a:pt x="36" y="20"/>
+                    </a:cubicBezTo>
+                    <a:cubicBezTo>
+                      <a:pt x="36" y="11"/>
+                      <a:pt x="29" y="4"/>
+                      <a:pt x="20" y="4"/>
+                    </a:cubicBezTo>
+                    <a:close/>
+                  </a:path>
+                </a:pathLst>
+              </a:custGeom>
+              <a:grpFill/>
+              <a:ln>
+                <a:noFill/>
+              </a:ln>
+              <a:extLst>
+                <a:ext uri="{91240B29-F687-4f45-9708-019B960494DF}">
+                  <a14:hiddenLine xmlns="" xmlns:a16="http://schemas.microsoft.com/office/drawing/2014/main" xmlns:p14="http://schemas.microsoft.com/office/powerpoint/2010/main" xmlns:a14="http://schemas.microsoft.com/office/drawing/2010/main" w="9525">
+                    <a:solidFill>
+                      <a:srgbClr val="000000"/>
+                    </a:solidFill>
+                    <a:round/>
+                    <a:headEnd/>
+                    <a:tailEnd/>
+                  </a14:hiddenLine>
+                </a:ext>
+              </a:extLst>
+            </p:spPr>
+          </p:sp>
+          <p:sp>
+            <p:nvSpPr>
+              <p:cNvPr id="84" name="Freeform 26">
+                <a:extLst>
+                  <a:ext uri="{FF2B5EF4-FFF2-40B4-BE49-F238E27FC236}">
+                    <a16:creationId xmlns:a16="http://schemas.microsoft.com/office/drawing/2014/main" id="{A68ADD35-4FEA-404D-B2F3-23556E6E8F72}"/>
+                  </a:ext>
+                  <a:ext uri="{C183D7F6-B498-43B3-948B-1728B52AA6E4}">
+                    <adec:decorative xmlns:adec="http://schemas.microsoft.com/office/drawing/2017/decorative" val="1"/>
+                  </a:ext>
+                </a:extLst>
+              </p:cNvPr>
+              <p:cNvSpPr/>
+              <p:nvPr>
+                <p:extLst>
+                  <p:ext uri="{386F3935-93C4-4BCD-93E2-E3B085C9AB24}">
+                    <p16:designElem xmlns:p16="http://schemas.microsoft.com/office/powerpoint/2015/main" val="1"/>
+                  </p:ext>
+                </p:extLst>
+              </p:nvPr>
+            </p:nvSpPr>
+            <p:spPr bwMode="auto">
+              <a:xfrm>
+                <a:off x="309562" y="5422900"/>
+                <a:ext cx="374650" cy="1425575"/>
+              </a:xfrm>
+              <a:custGeom>
+                <a:avLst/>
+                <a:gdLst/>
+                <a:ahLst/>
+                <a:cxnLst/>
+                <a:rect l="0" t="0" r="r" b="b"/>
+                <a:pathLst>
+                  <a:path w="236" h="898">
+                    <a:moveTo>
+                      <a:pt x="18" y="898"/>
+                    </a:moveTo>
+                    <a:lnTo>
+                      <a:pt x="0" y="898"/>
+                    </a:lnTo>
+                    <a:lnTo>
+                      <a:pt x="0" y="515"/>
+                    </a:lnTo>
+                    <a:lnTo>
+                      <a:pt x="3" y="512"/>
+                    </a:lnTo>
+                    <a:lnTo>
+                      <a:pt x="221" y="0"/>
+                    </a:lnTo>
+                    <a:lnTo>
+                      <a:pt x="236" y="6"/>
+                    </a:lnTo>
+                    <a:lnTo>
+                      <a:pt x="18" y="518"/>
+                    </a:lnTo>
+                    <a:lnTo>
+                      <a:pt x="18" y="898"/>
+                    </a:lnTo>
+                    <a:close/>
+                  </a:path>
+                </a:pathLst>
+              </a:custGeom>
+              <a:grpFill/>
+              <a:ln>
+                <a:noFill/>
+              </a:ln>
+              <a:extLst>
+                <a:ext uri="{91240B29-F687-4f45-9708-019B960494DF}">
+                  <a14:hiddenLine xmlns="" xmlns:a16="http://schemas.microsoft.com/office/drawing/2014/main" xmlns:p14="http://schemas.microsoft.com/office/powerpoint/2010/main" xmlns:a14="http://schemas.microsoft.com/office/drawing/2010/main" w="9525">
+                    <a:solidFill>
+                      <a:srgbClr val="000000"/>
+                    </a:solidFill>
+                    <a:round/>
+                    <a:headEnd/>
+                    <a:tailEnd/>
+                  </a14:hiddenLine>
+                </a:ext>
+              </a:extLst>
+            </p:spPr>
+          </p:sp>
+          <p:sp>
+            <p:nvSpPr>
+              <p:cNvPr id="85" name="Freeform 27">
+                <a:extLst>
+                  <a:ext uri="{FF2B5EF4-FFF2-40B4-BE49-F238E27FC236}">
+                    <a16:creationId xmlns:a16="http://schemas.microsoft.com/office/drawing/2014/main" id="{89CF17CA-49E3-4B4A-836A-4FD55C67BECE}"/>
+                  </a:ext>
+                  <a:ext uri="{C183D7F6-B498-43B3-948B-1728B52AA6E4}">
+                    <adec:decorative xmlns:adec="http://schemas.microsoft.com/office/drawing/2017/decorative" val="1"/>
+                  </a:ext>
+                </a:extLst>
+              </p:cNvPr>
+              <p:cNvSpPr/>
+              <p:nvPr>
+                <p:extLst>
+                  <p:ext uri="{386F3935-93C4-4BCD-93E2-E3B085C9AB24}">
+                    <p16:designElem xmlns:p16="http://schemas.microsoft.com/office/powerpoint/2015/main" val="1"/>
+                  </p:ext>
+                </p:extLst>
+              </p:nvPr>
+            </p:nvSpPr>
+            <p:spPr bwMode="auto">
+              <a:xfrm>
+                <a:off x="569912" y="5945188"/>
+                <a:ext cx="152400" cy="912813"/>
+              </a:xfrm>
+              <a:custGeom>
+                <a:avLst/>
+                <a:gdLst/>
+                <a:ahLst/>
+                <a:cxnLst/>
+                <a:rect l="0" t="0" r="r" b="b"/>
+                <a:pathLst>
+                  <a:path w="96" h="575">
+                    <a:moveTo>
+                      <a:pt x="15" y="575"/>
+                    </a:moveTo>
+                    <a:lnTo>
+                      <a:pt x="0" y="569"/>
+                    </a:lnTo>
+                    <a:lnTo>
+                      <a:pt x="81" y="383"/>
+                    </a:lnTo>
+                    <a:lnTo>
+                      <a:pt x="81" y="0"/>
+                    </a:lnTo>
+                    <a:lnTo>
+                      <a:pt x="96" y="0"/>
+                    </a:lnTo>
+                    <a:lnTo>
+                      <a:pt x="96" y="386"/>
+                    </a:lnTo>
+                    <a:lnTo>
+                      <a:pt x="15" y="575"/>
+                    </a:lnTo>
+                    <a:close/>
+                  </a:path>
+                </a:pathLst>
+              </a:custGeom>
+              <a:grpFill/>
+              <a:ln>
+                <a:noFill/>
+              </a:ln>
+              <a:extLst>
+                <a:ext uri="{91240B29-F687-4f45-9708-019B960494DF}">
+                  <a14:hiddenLine xmlns="" xmlns:a16="http://schemas.microsoft.com/office/drawing/2014/main" xmlns:p14="http://schemas.microsoft.com/office/powerpoint/2010/main" xmlns:a14="http://schemas.microsoft.com/office/drawing/2010/main" w="9525">
+                    <a:solidFill>
+                      <a:srgbClr val="000000"/>
+                    </a:solidFill>
+                    <a:round/>
+                    <a:headEnd/>
+                    <a:tailEnd/>
+                  </a14:hiddenLine>
+                </a:ext>
+              </a:extLst>
+            </p:spPr>
+          </p:sp>
+          <p:sp>
+            <p:nvSpPr>
+              <p:cNvPr id="86" name="Freeform 28">
+                <a:extLst>
+                  <a:ext uri="{FF2B5EF4-FFF2-40B4-BE49-F238E27FC236}">
+                    <a16:creationId xmlns:a16="http://schemas.microsoft.com/office/drawing/2014/main" id="{AB394F2E-F3E7-4CED-84A9-35C47AB287C8}"/>
+                  </a:ext>
+                  <a:ext uri="{C183D7F6-B498-43B3-948B-1728B52AA6E4}">
+                    <adec:decorative xmlns:adec="http://schemas.microsoft.com/office/drawing/2017/decorative" val="1"/>
+                  </a:ext>
+                </a:extLst>
+              </p:cNvPr>
+              <p:cNvSpPr>
+                <a:spLocks noEditPoints="1"/>
+              </p:cNvSpPr>
+              <p:nvPr>
+                <p:extLst>
+                  <p:ext uri="{386F3935-93C4-4BCD-93E2-E3B085C9AB24}">
+                    <p16:designElem xmlns:p16="http://schemas.microsoft.com/office/powerpoint/2015/main" val="1"/>
+                  </p:ext>
+                </p:extLst>
+              </p:nvPr>
+            </p:nvSpPr>
+            <p:spPr bwMode="auto">
+              <a:xfrm>
+                <a:off x="612775" y="5246688"/>
+                <a:ext cx="190500" cy="190500"/>
+              </a:xfrm>
+              <a:custGeom>
+                <a:avLst/>
+                <a:gdLst/>
+                <a:ahLst/>
+                <a:cxnLst/>
+                <a:rect l="0" t="0" r="r" b="b"/>
+                <a:pathLst>
+                  <a:path w="40" h="40">
+                    <a:moveTo>
+                      <a:pt x="20" y="40"/>
+                    </a:moveTo>
+                    <a:cubicBezTo>
+                      <a:pt x="9" y="40"/>
+                      <a:pt x="0" y="31"/>
+                      <a:pt x="0" y="20"/>
+                    </a:cubicBezTo>
+                    <a:cubicBezTo>
+                      <a:pt x="0" y="9"/>
+                      <a:pt x="9" y="0"/>
+                      <a:pt x="20" y="0"/>
+                    </a:cubicBezTo>
+                    <a:cubicBezTo>
+                      <a:pt x="31" y="0"/>
+                      <a:pt x="40" y="9"/>
+                      <a:pt x="40" y="20"/>
+                    </a:cubicBezTo>
+                    <a:cubicBezTo>
+                      <a:pt x="40" y="31"/>
+                      <a:pt x="31" y="40"/>
+                      <a:pt x="20" y="40"/>
+                    </a:cubicBezTo>
+                    <a:close/>
+                    <a:moveTo>
+                      <a:pt x="20" y="4"/>
+                    </a:moveTo>
+                    <a:cubicBezTo>
+                      <a:pt x="12" y="4"/>
+                      <a:pt x="4" y="11"/>
+                      <a:pt x="4" y="20"/>
+                    </a:cubicBezTo>
+                    <a:cubicBezTo>
+                      <a:pt x="4" y="29"/>
+                      <a:pt x="12" y="36"/>
+                      <a:pt x="20" y="36"/>
+                    </a:cubicBezTo>
+                    <a:cubicBezTo>
+                      <a:pt x="29" y="36"/>
+                      <a:pt x="36" y="29"/>
+                      <a:pt x="36" y="20"/>
+                    </a:cubicBezTo>
+                    <a:cubicBezTo>
+                      <a:pt x="36" y="11"/>
+                      <a:pt x="29" y="4"/>
+                      <a:pt x="20" y="4"/>
+                    </a:cubicBezTo>
+                    <a:close/>
+                  </a:path>
+                </a:pathLst>
+              </a:custGeom>
+              <a:grpFill/>
+              <a:ln>
+                <a:noFill/>
+              </a:ln>
+              <a:extLst>
+                <a:ext uri="{91240B29-F687-4f45-9708-019B960494DF}">
+                  <a14:hiddenLine xmlns="" xmlns:a16="http://schemas.microsoft.com/office/drawing/2014/main" xmlns:p14="http://schemas.microsoft.com/office/powerpoint/2010/main" xmlns:a14="http://schemas.microsoft.com/office/drawing/2010/main" w="9525">
+                    <a:solidFill>
+                      <a:srgbClr val="000000"/>
+                    </a:solidFill>
+                    <a:round/>
+                    <a:headEnd/>
+                    <a:tailEnd/>
+                  </a14:hiddenLine>
+                </a:ext>
+              </a:extLst>
+            </p:spPr>
+          </p:sp>
+          <p:sp>
+            <p:nvSpPr>
+              <p:cNvPr id="87" name="Freeform 29">
+                <a:extLst>
+                  <a:ext uri="{FF2B5EF4-FFF2-40B4-BE49-F238E27FC236}">
+                    <a16:creationId xmlns:a16="http://schemas.microsoft.com/office/drawing/2014/main" id="{FF816C2F-3999-4A9F-8395-5D68ED33A41E}"/>
+                  </a:ext>
+                  <a:ext uri="{C183D7F6-B498-43B3-948B-1728B52AA6E4}">
+                    <adec:decorative xmlns:adec="http://schemas.microsoft.com/office/drawing/2017/decorative" val="1"/>
+                  </a:ext>
+                </a:extLst>
+              </p:cNvPr>
+              <p:cNvSpPr>
+                <a:spLocks noEditPoints="1"/>
+              </p:cNvSpPr>
+              <p:nvPr>
+                <p:extLst>
+                  <p:ext uri="{386F3935-93C4-4BCD-93E2-E3B085C9AB24}">
+                    <p16:designElem xmlns:p16="http://schemas.microsoft.com/office/powerpoint/2015/main" val="1"/>
+                  </p:ext>
+                </p:extLst>
+              </p:nvPr>
+            </p:nvSpPr>
+            <p:spPr bwMode="auto">
+              <a:xfrm>
+                <a:off x="612775" y="5764213"/>
+                <a:ext cx="190500" cy="190500"/>
+              </a:xfrm>
+              <a:custGeom>
+                <a:avLst/>
+                <a:gdLst/>
+                <a:ahLst/>
+                <a:cxnLst/>
+                <a:rect l="0" t="0" r="r" b="b"/>
+                <a:pathLst>
+                  <a:path w="40" h="40">
+                    <a:moveTo>
+                      <a:pt x="20" y="40"/>
+                    </a:moveTo>
+                    <a:cubicBezTo>
+                      <a:pt x="9" y="40"/>
+                      <a:pt x="0" y="31"/>
+                      <a:pt x="0" y="20"/>
+                    </a:cubicBezTo>
+                    <a:cubicBezTo>
+                      <a:pt x="0" y="9"/>
+                      <a:pt x="9" y="0"/>
+                      <a:pt x="20" y="0"/>
+                    </a:cubicBezTo>
+                    <a:cubicBezTo>
+                      <a:pt x="31" y="0"/>
+                      <a:pt x="40" y="9"/>
+                      <a:pt x="40" y="20"/>
+                    </a:cubicBezTo>
+                    <a:cubicBezTo>
+                      <a:pt x="40" y="31"/>
+                      <a:pt x="31" y="40"/>
+                      <a:pt x="20" y="40"/>
+                    </a:cubicBezTo>
+                    <a:close/>
+                    <a:moveTo>
+                      <a:pt x="20" y="4"/>
+                    </a:moveTo>
+                    <a:cubicBezTo>
+                      <a:pt x="12" y="4"/>
+                      <a:pt x="4" y="11"/>
+                      <a:pt x="4" y="20"/>
+                    </a:cubicBezTo>
+                    <a:cubicBezTo>
+                      <a:pt x="4" y="29"/>
+                      <a:pt x="12" y="36"/>
+                      <a:pt x="20" y="36"/>
+                    </a:cubicBezTo>
+                    <a:cubicBezTo>
+                      <a:pt x="29" y="36"/>
+                      <a:pt x="36" y="29"/>
+                      <a:pt x="36" y="20"/>
+                    </a:cubicBezTo>
+                    <a:cubicBezTo>
+                      <a:pt x="36" y="11"/>
+                      <a:pt x="29" y="4"/>
+                      <a:pt x="20" y="4"/>
+                    </a:cubicBezTo>
+                    <a:close/>
+                  </a:path>
+                </a:pathLst>
+              </a:custGeom>
+              <a:grpFill/>
+              <a:ln>
+                <a:noFill/>
+              </a:ln>
+              <a:extLst>
+                <a:ext uri="{91240B29-F687-4f45-9708-019B960494DF}">
+                  <a14:hiddenLine xmlns="" xmlns:a16="http://schemas.microsoft.com/office/drawing/2014/main" xmlns:p14="http://schemas.microsoft.com/office/powerpoint/2010/main" xmlns:a14="http://schemas.microsoft.com/office/drawing/2010/main" w="9525">
+                    <a:solidFill>
+                      <a:srgbClr val="000000"/>
+                    </a:solidFill>
+                    <a:round/>
+                    <a:headEnd/>
+                    <a:tailEnd/>
+                  </a14:hiddenLine>
+                </a:ext>
+              </a:extLst>
+            </p:spPr>
+          </p:sp>
+          <p:sp>
+            <p:nvSpPr>
+              <p:cNvPr id="88" name="Freeform 30">
+                <a:extLst>
+                  <a:ext uri="{FF2B5EF4-FFF2-40B4-BE49-F238E27FC236}">
+                    <a16:creationId xmlns:a16="http://schemas.microsoft.com/office/drawing/2014/main" id="{82AD6AC6-71D5-4BD8-9185-D3062968B57E}"/>
+                  </a:ext>
+                  <a:ext uri="{C183D7F6-B498-43B3-948B-1728B52AA6E4}">
+                    <adec:decorative xmlns:adec="http://schemas.microsoft.com/office/drawing/2017/decorative" val="1"/>
+                  </a:ext>
+                </a:extLst>
+              </p:cNvPr>
+              <p:cNvSpPr/>
+              <p:nvPr>
+                <p:extLst>
+                  <p:ext uri="{386F3935-93C4-4BCD-93E2-E3B085C9AB24}">
+                    <p16:designElem xmlns:p16="http://schemas.microsoft.com/office/powerpoint/2015/main" val="1"/>
+                  </p:ext>
+                </p:extLst>
+              </p:nvPr>
+            </p:nvSpPr>
+            <p:spPr bwMode="auto">
+              <a:xfrm>
+                <a:off x="669925" y="6330950"/>
+                <a:ext cx="417513" cy="517525"/>
+              </a:xfrm>
+              <a:custGeom>
+                <a:avLst/>
+                <a:gdLst/>
+                <a:ahLst/>
+                <a:cxnLst/>
+                <a:rect l="0" t="0" r="r" b="b"/>
+                <a:pathLst>
+                  <a:path w="263" h="326">
+                    <a:moveTo>
+                      <a:pt x="15" y="326"/>
+                    </a:moveTo>
+                    <a:lnTo>
+                      <a:pt x="0" y="320"/>
+                    </a:lnTo>
+                    <a:lnTo>
+                      <a:pt x="45" y="206"/>
+                    </a:lnTo>
+                    <a:lnTo>
+                      <a:pt x="48" y="206"/>
+                    </a:lnTo>
+                    <a:lnTo>
+                      <a:pt x="254" y="0"/>
+                    </a:lnTo>
+                    <a:lnTo>
+                      <a:pt x="263" y="12"/>
+                    </a:lnTo>
+                    <a:lnTo>
+                      <a:pt x="60" y="215"/>
+                    </a:lnTo>
+                    <a:lnTo>
+                      <a:pt x="15" y="326"/>
+                    </a:lnTo>
+                    <a:close/>
+                  </a:path>
+                </a:pathLst>
+              </a:custGeom>
+              <a:grpFill/>
+              <a:ln>
+                <a:noFill/>
+              </a:ln>
+              <a:extLst>
+                <a:ext uri="{91240B29-F687-4f45-9708-019B960494DF}">
+                  <a14:hiddenLine xmlns="" xmlns:a16="http://schemas.microsoft.com/office/drawing/2014/main" xmlns:p14="http://schemas.microsoft.com/office/powerpoint/2010/main" xmlns:a14="http://schemas.microsoft.com/office/drawing/2010/main" w="9525">
+                    <a:solidFill>
+                      <a:srgbClr val="000000"/>
+                    </a:solidFill>
+                    <a:round/>
+                    <a:headEnd/>
+                    <a:tailEnd/>
+                  </a14:hiddenLine>
+                </a:ext>
+              </a:extLst>
+            </p:spPr>
+          </p:sp>
+          <p:sp>
+            <p:nvSpPr>
+              <p:cNvPr id="89" name="Freeform 31">
+                <a:extLst>
+                  <a:ext uri="{FF2B5EF4-FFF2-40B4-BE49-F238E27FC236}">
+                    <a16:creationId xmlns:a16="http://schemas.microsoft.com/office/drawing/2014/main" id="{743A50C2-65CF-4F4C-B412-6149A93ACFE5}"/>
+                  </a:ext>
+                  <a:ext uri="{C183D7F6-B498-43B3-948B-1728B52AA6E4}">
+                    <adec:decorative xmlns:adec="http://schemas.microsoft.com/office/drawing/2017/decorative" val="1"/>
+                  </a:ext>
+                </a:extLst>
+              </p:cNvPr>
+              <p:cNvSpPr>
+                <a:spLocks noEditPoints="1"/>
+              </p:cNvSpPr>
+              <p:nvPr>
+                <p:extLst>
+                  <p:ext uri="{386F3935-93C4-4BCD-93E2-E3B085C9AB24}">
+                    <p16:designElem xmlns:p16="http://schemas.microsoft.com/office/powerpoint/2015/main" val="1"/>
+                  </p:ext>
+                </p:extLst>
+              </p:nvPr>
+            </p:nvSpPr>
+            <p:spPr bwMode="auto">
+              <a:xfrm>
+                <a:off x="1049337" y="6221413"/>
+                <a:ext cx="157163" cy="147638"/>
+              </a:xfrm>
+              <a:custGeom>
+                <a:avLst/>
+                <a:gdLst/>
+                <a:ahLst/>
+                <a:cxnLst/>
+                <a:rect l="0" t="0" r="r" b="b"/>
+                <a:pathLst>
+                  <a:path w="33" h="31">
+                    <a:moveTo>
+                      <a:pt x="16" y="31"/>
+                    </a:moveTo>
+                    <a:cubicBezTo>
+                      <a:pt x="12" y="31"/>
+                      <a:pt x="8" y="29"/>
+                      <a:pt x="5" y="26"/>
+                    </a:cubicBezTo>
+                    <a:cubicBezTo>
+                      <a:pt x="2" y="24"/>
+                      <a:pt x="0" y="20"/>
+                      <a:pt x="0" y="15"/>
+                    </a:cubicBezTo>
+                    <a:cubicBezTo>
+                      <a:pt x="0" y="11"/>
+                      <a:pt x="2" y="7"/>
+                      <a:pt x="5" y="4"/>
+                    </a:cubicBezTo>
+                    <a:cubicBezTo>
+                      <a:pt x="8" y="1"/>
+                      <a:pt x="12" y="0"/>
+                      <a:pt x="16" y="0"/>
+                    </a:cubicBezTo>
+                    <a:cubicBezTo>
+                      <a:pt x="20" y="0"/>
+                      <a:pt x="24" y="1"/>
+                      <a:pt x="27" y="4"/>
+                    </a:cubicBezTo>
+                    <a:cubicBezTo>
+                      <a:pt x="33" y="10"/>
+                      <a:pt x="33" y="20"/>
+                      <a:pt x="27" y="26"/>
+                    </a:cubicBezTo>
+                    <a:cubicBezTo>
+                      <a:pt x="24" y="29"/>
+                      <a:pt x="20" y="31"/>
+                      <a:pt x="16" y="31"/>
+                    </a:cubicBezTo>
+                    <a:close/>
+                    <a:moveTo>
+                      <a:pt x="16" y="4"/>
+                    </a:moveTo>
+                    <a:cubicBezTo>
+                      <a:pt x="13" y="4"/>
+                      <a:pt x="10" y="5"/>
+                      <a:pt x="8" y="7"/>
+                    </a:cubicBezTo>
+                    <a:cubicBezTo>
+                      <a:pt x="6" y="9"/>
+                      <a:pt x="4" y="12"/>
+                      <a:pt x="4" y="15"/>
+                    </a:cubicBezTo>
+                    <a:cubicBezTo>
+                      <a:pt x="4" y="19"/>
+                      <a:pt x="6" y="21"/>
+                      <a:pt x="8" y="24"/>
+                    </a:cubicBezTo>
+                    <a:cubicBezTo>
+                      <a:pt x="10" y="26"/>
+                      <a:pt x="13" y="27"/>
+                      <a:pt x="16" y="27"/>
+                    </a:cubicBezTo>
+                    <a:cubicBezTo>
+                      <a:pt x="19" y="27"/>
+                      <a:pt x="22" y="26"/>
+                      <a:pt x="24" y="24"/>
+                    </a:cubicBezTo>
+                    <a:cubicBezTo>
+                      <a:pt x="29" y="19"/>
+                      <a:pt x="29" y="12"/>
+                      <a:pt x="24" y="7"/>
+                    </a:cubicBezTo>
+                    <a:cubicBezTo>
+                      <a:pt x="22" y="5"/>
+                      <a:pt x="19" y="4"/>
+                      <a:pt x="16" y="4"/>
+                    </a:cubicBezTo>
+                    <a:close/>
+                  </a:path>
+                </a:pathLst>
+              </a:custGeom>
+              <a:grpFill/>
+              <a:ln>
+                <a:noFill/>
+              </a:ln>
+              <a:extLst>
+                <a:ext uri="{91240B29-F687-4f45-9708-019B960494DF}">
+                  <a14:hiddenLine xmlns="" xmlns:a16="http://schemas.microsoft.com/office/drawing/2014/main" xmlns:p14="http://schemas.microsoft.com/office/powerpoint/2010/main" xmlns:a14="http://schemas.microsoft.com/office/drawing/2010/main" w="9525">
+                    <a:solidFill>
+                      <a:srgbClr val="000000"/>
+                    </a:solidFill>
+                    <a:round/>
+                    <a:headEnd/>
+                    <a:tailEnd/>
+                  </a14:hiddenLine>
+                </a:ext>
+              </a:extLst>
+            </p:spPr>
+          </p:sp>
+        </p:grpSp>
+        <p:grpSp>
+          <p:nvGrpSpPr>
+            <p:cNvPr id="52" name="Group 51">
+              <a:extLst>
+                <a:ext uri="{FF2B5EF4-FFF2-40B4-BE49-F238E27FC236}">
+                  <a16:creationId xmlns:a16="http://schemas.microsoft.com/office/drawing/2014/main" id="{6C0E7A88-FEDF-4C4F-A6B4-F7DDE9DE926A}"/>
+                </a:ext>
+                <a:ext uri="{C183D7F6-B498-43B3-948B-1728B52AA6E4}">
+                  <adec:decorative xmlns:adec="http://schemas.microsoft.com/office/drawing/2017/decorative" val="1"/>
+                </a:ext>
+              </a:extLst>
+            </p:cNvPr>
+            <p:cNvGrpSpPr/>
+            <p:nvPr>
+              <p:extLst>
+                <p:ext uri="{386F3935-93C4-4BCD-93E2-E3B085C9AB24}">
+                  <p16:designElem xmlns:p16="http://schemas.microsoft.com/office/powerpoint/2015/main" val="1"/>
+                </p:ext>
+              </p:extLst>
+            </p:nvPr>
+          </p:nvGrpSpPr>
+          <p:grpSpPr>
+            <a:xfrm>
+              <a:off x="11227597" y="0"/>
+              <a:ext cx="674688" cy="6848476"/>
+              <a:chOff x="11364912" y="0"/>
+              <a:chExt cx="674688" cy="6848476"/>
+            </a:xfrm>
+            <a:gradFill flip="none" rotWithShape="1">
+              <a:gsLst>
+                <a:gs pos="0">
+                  <a:schemeClr val="bg2"/>
+                </a:gs>
+                <a:gs pos="100000">
+                  <a:schemeClr val="tx2">
+                    <a:lumMod val="60000"/>
+                    <a:lumOff val="40000"/>
+                  </a:schemeClr>
+                </a:gs>
+              </a:gsLst>
+              <a:lin ang="5400000" scaled="0"/>
+              <a:tileRect/>
+            </a:gradFill>
+          </p:grpSpPr>
+          <p:sp>
+            <p:nvSpPr>
+              <p:cNvPr id="53" name="Freeform 32">
+                <a:extLst>
+                  <a:ext uri="{FF2B5EF4-FFF2-40B4-BE49-F238E27FC236}">
+                    <a16:creationId xmlns:a16="http://schemas.microsoft.com/office/drawing/2014/main" id="{AE94B3EE-D5C0-4BDE-B6AA-7599F0486EA5}"/>
+                  </a:ext>
+                  <a:ext uri="{C183D7F6-B498-43B3-948B-1728B52AA6E4}">
+                    <adec:decorative xmlns:adec="http://schemas.microsoft.com/office/drawing/2017/decorative" val="1"/>
+                  </a:ext>
+                </a:extLst>
+              </p:cNvPr>
+              <p:cNvSpPr/>
+              <p:nvPr>
+                <p:extLst>
+                  <p:ext uri="{386F3935-93C4-4BCD-93E2-E3B085C9AB24}">
+                    <p16:designElem xmlns:p16="http://schemas.microsoft.com/office/powerpoint/2015/main" val="1"/>
+                  </p:ext>
+                </p:extLst>
+              </p:nvPr>
+            </p:nvSpPr>
+            <p:spPr bwMode="auto">
+              <a:xfrm>
+                <a:off x="11483975" y="0"/>
+                <a:ext cx="417513" cy="512763"/>
+              </a:xfrm>
+              <a:custGeom>
+                <a:avLst/>
+                <a:gdLst/>
+                <a:ahLst/>
+                <a:cxnLst/>
+                <a:rect l="0" t="0" r="r" b="b"/>
+                <a:pathLst>
+                  <a:path w="263" h="323">
+                    <a:moveTo>
+                      <a:pt x="12" y="323"/>
+                    </a:moveTo>
+                    <a:lnTo>
+                      <a:pt x="0" y="314"/>
+                    </a:lnTo>
+                    <a:lnTo>
+                      <a:pt x="203" y="108"/>
+                    </a:lnTo>
+                    <a:lnTo>
+                      <a:pt x="248" y="0"/>
+                    </a:lnTo>
+                    <a:lnTo>
+                      <a:pt x="263" y="6"/>
+                    </a:lnTo>
+                    <a:lnTo>
+                      <a:pt x="218" y="117"/>
+                    </a:lnTo>
+                    <a:lnTo>
+                      <a:pt x="218" y="117"/>
+                    </a:lnTo>
+                    <a:lnTo>
+                      <a:pt x="12" y="323"/>
+                    </a:lnTo>
+                    <a:close/>
+                  </a:path>
+                </a:pathLst>
+              </a:custGeom>
+              <a:grpFill/>
+              <a:ln>
+                <a:noFill/>
+              </a:ln>
+              <a:extLst>
+                <a:ext uri="{91240B29-F687-4f45-9708-019B960494DF}">
+                  <a14:hiddenLine xmlns="" xmlns:a16="http://schemas.microsoft.com/office/drawing/2014/main" xmlns:p14="http://schemas.microsoft.com/office/powerpoint/2010/main" xmlns:a14="http://schemas.microsoft.com/office/drawing/2010/main" w="9525">
+                    <a:solidFill>
+                      <a:srgbClr val="000000"/>
+                    </a:solidFill>
+                    <a:round/>
+                    <a:headEnd/>
+                    <a:tailEnd/>
+                  </a14:hiddenLine>
+                </a:ext>
+              </a:extLst>
+            </p:spPr>
+          </p:sp>
+          <p:sp>
+            <p:nvSpPr>
+              <p:cNvPr id="54" name="Freeform 33">
+                <a:extLst>
+                  <a:ext uri="{FF2B5EF4-FFF2-40B4-BE49-F238E27FC236}">
+                    <a16:creationId xmlns:a16="http://schemas.microsoft.com/office/drawing/2014/main" id="{5EF110E8-C00D-454E-8F3A-ECF2D356676F}"/>
+                  </a:ext>
+                  <a:ext uri="{C183D7F6-B498-43B3-948B-1728B52AA6E4}">
+                    <adec:decorative xmlns:adec="http://schemas.microsoft.com/office/drawing/2017/decorative" val="1"/>
+                  </a:ext>
+                </a:extLst>
+              </p:cNvPr>
+              <p:cNvSpPr>
+                <a:spLocks noEditPoints="1"/>
+              </p:cNvSpPr>
+              <p:nvPr>
+                <p:extLst>
+                  <p:ext uri="{386F3935-93C4-4BCD-93E2-E3B085C9AB24}">
+                    <p16:designElem xmlns:p16="http://schemas.microsoft.com/office/powerpoint/2015/main" val="1"/>
+                  </p:ext>
+                </p:extLst>
+              </p:nvPr>
+            </p:nvSpPr>
+            <p:spPr bwMode="auto">
+              <a:xfrm>
+                <a:off x="11364912" y="474663"/>
+                <a:ext cx="157163" cy="152400"/>
+              </a:xfrm>
+              <a:custGeom>
+                <a:avLst/>
+                <a:gdLst/>
+                <a:ahLst/>
+                <a:cxnLst/>
+                <a:rect l="0" t="0" r="r" b="b"/>
+                <a:pathLst>
+                  <a:path w="33" h="32">
+                    <a:moveTo>
+                      <a:pt x="17" y="32"/>
+                    </a:moveTo>
+                    <a:cubicBezTo>
+                      <a:pt x="13" y="32"/>
+                      <a:pt x="9" y="30"/>
+                      <a:pt x="6" y="27"/>
+                    </a:cubicBezTo>
+                    <a:cubicBezTo>
+                      <a:pt x="0" y="21"/>
+                      <a:pt x="0" y="11"/>
+                      <a:pt x="6" y="5"/>
+                    </a:cubicBezTo>
+                    <a:cubicBezTo>
+                      <a:pt x="9" y="2"/>
+                      <a:pt x="13" y="0"/>
+                      <a:pt x="17" y="0"/>
+                    </a:cubicBezTo>
+                    <a:cubicBezTo>
+                      <a:pt x="21" y="0"/>
+                      <a:pt x="25" y="2"/>
+                      <a:pt x="28" y="5"/>
+                    </a:cubicBezTo>
+                    <a:cubicBezTo>
+                      <a:pt x="31" y="8"/>
+                      <a:pt x="33" y="12"/>
+                      <a:pt x="33" y="16"/>
+                    </a:cubicBezTo>
+                    <a:cubicBezTo>
+                      <a:pt x="33" y="20"/>
+                      <a:pt x="31" y="24"/>
+                      <a:pt x="28" y="27"/>
+                    </a:cubicBezTo>
+                    <a:cubicBezTo>
+                      <a:pt x="25" y="30"/>
+                      <a:pt x="21" y="32"/>
+                      <a:pt x="17" y="32"/>
+                    </a:cubicBezTo>
+                    <a:close/>
+                    <a:moveTo>
+                      <a:pt x="17" y="4"/>
+                    </a:moveTo>
+                    <a:cubicBezTo>
+                      <a:pt x="14" y="4"/>
+                      <a:pt x="11" y="6"/>
+                      <a:pt x="9" y="8"/>
+                    </a:cubicBezTo>
+                    <a:cubicBezTo>
+                      <a:pt x="4" y="12"/>
+                      <a:pt x="4" y="20"/>
+                      <a:pt x="9" y="24"/>
+                    </a:cubicBezTo>
+                    <a:cubicBezTo>
+                      <a:pt x="11" y="27"/>
+                      <a:pt x="14" y="28"/>
+                      <a:pt x="17" y="28"/>
+                    </a:cubicBezTo>
+                    <a:cubicBezTo>
+                      <a:pt x="20" y="28"/>
+                      <a:pt x="23" y="27"/>
+                      <a:pt x="26" y="24"/>
+                    </a:cubicBezTo>
+                    <a:cubicBezTo>
+                      <a:pt x="30" y="20"/>
+                      <a:pt x="30" y="12"/>
+                      <a:pt x="26" y="8"/>
+                    </a:cubicBezTo>
+                    <a:cubicBezTo>
+                      <a:pt x="23" y="6"/>
+                      <a:pt x="20" y="4"/>
+                      <a:pt x="17" y="4"/>
+                    </a:cubicBezTo>
+                    <a:close/>
+                  </a:path>
+                </a:pathLst>
+              </a:custGeom>
+              <a:grpFill/>
+              <a:ln>
+                <a:noFill/>
+              </a:ln>
+              <a:extLst>
+                <a:ext uri="{91240B29-F687-4f45-9708-019B960494DF}">
+                  <a14:hiddenLine xmlns="" xmlns:a16="http://schemas.microsoft.com/office/drawing/2014/main" xmlns:p14="http://schemas.microsoft.com/office/powerpoint/2010/main" xmlns:a14="http://schemas.microsoft.com/office/drawing/2010/main" w="9525">
+                    <a:solidFill>
+                      <a:srgbClr val="000000"/>
+                    </a:solidFill>
+                    <a:round/>
+                    <a:headEnd/>
+                    <a:tailEnd/>
+                  </a14:hiddenLine>
+                </a:ext>
+              </a:extLst>
+            </p:spPr>
+          </p:sp>
+          <p:sp>
+            <p:nvSpPr>
+              <p:cNvPr id="55" name="Freeform 34">
+                <a:extLst>
+                  <a:ext uri="{FF2B5EF4-FFF2-40B4-BE49-F238E27FC236}">
+                    <a16:creationId xmlns:a16="http://schemas.microsoft.com/office/drawing/2014/main" id="{BFC5F327-6927-4F35-9AF6-C45527BB4512}"/>
+                  </a:ext>
+                  <a:ext uri="{C183D7F6-B498-43B3-948B-1728B52AA6E4}">
+                    <adec:decorative xmlns:adec="http://schemas.microsoft.com/office/drawing/2017/decorative" val="1"/>
+                  </a:ext>
+                </a:extLst>
+              </p:cNvPr>
+              <p:cNvSpPr>
+                <a:spLocks noEditPoints="1"/>
+              </p:cNvSpPr>
+              <p:nvPr>
+                <p:extLst>
+                  <p:ext uri="{386F3935-93C4-4BCD-93E2-E3B085C9AB24}">
+                    <p16:designElem xmlns:p16="http://schemas.microsoft.com/office/powerpoint/2015/main" val="1"/>
+                  </p:ext>
+                </p:extLst>
+              </p:nvPr>
+            </p:nvSpPr>
+            <p:spPr bwMode="auto">
+              <a:xfrm>
+                <a:off x="11631612" y="1539875"/>
+                <a:ext cx="188913" cy="190500"/>
+              </a:xfrm>
+              <a:custGeom>
+                <a:avLst/>
+                <a:gdLst/>
+                <a:ahLst/>
+                <a:cxnLst/>
+                <a:rect l="0" t="0" r="r" b="b"/>
+                <a:pathLst>
+                  <a:path w="40" h="40">
+                    <a:moveTo>
+                      <a:pt x="20" y="40"/>
+                    </a:moveTo>
+                    <a:cubicBezTo>
+                      <a:pt x="9" y="40"/>
+                      <a:pt x="0" y="31"/>
+                      <a:pt x="0" y="20"/>
+                    </a:cubicBezTo>
+                    <a:cubicBezTo>
+                      <a:pt x="0" y="9"/>
+                      <a:pt x="9" y="0"/>
+                      <a:pt x="20" y="0"/>
+                    </a:cubicBezTo>
+                    <a:cubicBezTo>
+                      <a:pt x="31" y="0"/>
+                      <a:pt x="40" y="9"/>
+                      <a:pt x="40" y="20"/>
+                    </a:cubicBezTo>
+                    <a:cubicBezTo>
+                      <a:pt x="40" y="31"/>
+                      <a:pt x="31" y="40"/>
+                      <a:pt x="20" y="40"/>
+                    </a:cubicBezTo>
+                    <a:close/>
+                    <a:moveTo>
+                      <a:pt x="20" y="4"/>
+                    </a:moveTo>
+                    <a:cubicBezTo>
+                      <a:pt x="11" y="4"/>
+                      <a:pt x="4" y="11"/>
+                      <a:pt x="4" y="20"/>
+                    </a:cubicBezTo>
+                    <a:cubicBezTo>
+                      <a:pt x="4" y="29"/>
+                      <a:pt x="11" y="36"/>
+                      <a:pt x="20" y="36"/>
+                    </a:cubicBezTo>
+                    <a:cubicBezTo>
+                      <a:pt x="29" y="36"/>
+                      <a:pt x="36" y="29"/>
+                      <a:pt x="36" y="20"/>
+                    </a:cubicBezTo>
+                    <a:cubicBezTo>
+                      <a:pt x="36" y="11"/>
+                      <a:pt x="29" y="4"/>
+                      <a:pt x="20" y="4"/>
+                    </a:cubicBezTo>
+                    <a:close/>
+                  </a:path>
+                </a:pathLst>
+              </a:custGeom>
+              <a:grpFill/>
+              <a:ln>
+                <a:noFill/>
+              </a:ln>
+              <a:extLst>
+                <a:ext uri="{91240B29-F687-4f45-9708-019B960494DF}">
+                  <a14:hiddenLine xmlns="" xmlns:a16="http://schemas.microsoft.com/office/drawing/2014/main" xmlns:p14="http://schemas.microsoft.com/office/powerpoint/2010/main" xmlns:a14="http://schemas.microsoft.com/office/drawing/2010/main" w="9525">
+                    <a:solidFill>
+                      <a:srgbClr val="000000"/>
+                    </a:solidFill>
+                    <a:round/>
+                    <a:headEnd/>
+                    <a:tailEnd/>
+                  </a14:hiddenLine>
+                </a:ext>
+              </a:extLst>
+            </p:spPr>
+          </p:sp>
+          <p:sp>
+            <p:nvSpPr>
+              <p:cNvPr id="56" name="Freeform 35">
+                <a:extLst>
+                  <a:ext uri="{FF2B5EF4-FFF2-40B4-BE49-F238E27FC236}">
+                    <a16:creationId xmlns:a16="http://schemas.microsoft.com/office/drawing/2014/main" id="{BF2D314D-AEDE-418D-9702-D3CDB98C30FB}"/>
+                  </a:ext>
+                  <a:ext uri="{C183D7F6-B498-43B3-948B-1728B52AA6E4}">
+                    <adec:decorative xmlns:adec="http://schemas.microsoft.com/office/drawing/2017/decorative" val="1"/>
+                  </a:ext>
+                </a:extLst>
+              </p:cNvPr>
+              <p:cNvSpPr/>
+              <p:nvPr>
+                <p:extLst>
+                  <p:ext uri="{386F3935-93C4-4BCD-93E2-E3B085C9AB24}">
+                    <p16:designElem xmlns:p16="http://schemas.microsoft.com/office/powerpoint/2015/main" val="1"/>
+                  </p:ext>
+                </p:extLst>
+              </p:nvPr>
+            </p:nvSpPr>
+            <p:spPr bwMode="auto">
+              <a:xfrm>
+                <a:off x="11531600" y="5694363"/>
+                <a:ext cx="298450" cy="1154113"/>
+              </a:xfrm>
+              <a:custGeom>
+                <a:avLst/>
+                <a:gdLst/>
+                <a:ahLst/>
+                <a:cxnLst/>
+                <a:rect l="0" t="0" r="r" b="b"/>
+                <a:pathLst>
+                  <a:path w="188" h="727">
+                    <a:moveTo>
+                      <a:pt x="15" y="727"/>
+                    </a:moveTo>
+                    <a:lnTo>
+                      <a:pt x="0" y="727"/>
+                    </a:lnTo>
+                    <a:lnTo>
+                      <a:pt x="0" y="407"/>
+                    </a:lnTo>
+                    <a:lnTo>
+                      <a:pt x="0" y="407"/>
+                    </a:lnTo>
+                    <a:lnTo>
+                      <a:pt x="176" y="0"/>
+                    </a:lnTo>
+                    <a:lnTo>
+                      <a:pt x="188" y="6"/>
+                    </a:lnTo>
+                    <a:lnTo>
+                      <a:pt x="15" y="410"/>
+                    </a:lnTo>
+                    <a:lnTo>
+                      <a:pt x="15" y="727"/>
+                    </a:lnTo>
+                    <a:close/>
+                  </a:path>
+                </a:pathLst>
+              </a:custGeom>
+              <a:grpFill/>
+              <a:ln>
+                <a:noFill/>
+              </a:ln>
+              <a:extLst>
+                <a:ext uri="{91240B29-F687-4f45-9708-019B960494DF}">
+                  <a14:hiddenLine xmlns="" xmlns:a16="http://schemas.microsoft.com/office/drawing/2014/main" xmlns:p14="http://schemas.microsoft.com/office/powerpoint/2010/main" xmlns:a14="http://schemas.microsoft.com/office/drawing/2010/main" w="9525">
+                    <a:solidFill>
+                      <a:srgbClr val="000000"/>
+                    </a:solidFill>
+                    <a:round/>
+                    <a:headEnd/>
+                    <a:tailEnd/>
+                  </a14:hiddenLine>
+                </a:ext>
+              </a:extLst>
+            </p:spPr>
+          </p:sp>
+          <p:sp>
+            <p:nvSpPr>
+              <p:cNvPr id="57" name="Freeform 36">
+                <a:extLst>
+                  <a:ext uri="{FF2B5EF4-FFF2-40B4-BE49-F238E27FC236}">
+                    <a16:creationId xmlns:a16="http://schemas.microsoft.com/office/drawing/2014/main" id="{64FD07F8-3CA6-4209-9A9E-30609FE9A36D}"/>
+                  </a:ext>
+                  <a:ext uri="{C183D7F6-B498-43B3-948B-1728B52AA6E4}">
+                    <adec:decorative xmlns:adec="http://schemas.microsoft.com/office/drawing/2017/decorative" val="1"/>
+                  </a:ext>
+                </a:extLst>
+              </p:cNvPr>
+              <p:cNvSpPr>
+                <a:spLocks noEditPoints="1"/>
+              </p:cNvSpPr>
+              <p:nvPr>
+                <p:extLst>
+                  <p:ext uri="{386F3935-93C4-4BCD-93E2-E3B085C9AB24}">
+                    <p16:designElem xmlns:p16="http://schemas.microsoft.com/office/powerpoint/2015/main" val="1"/>
+                  </p:ext>
+                </p:extLst>
+              </p:nvPr>
+            </p:nvSpPr>
+            <p:spPr bwMode="auto">
+              <a:xfrm>
+                <a:off x="11772900" y="5551488"/>
+                <a:ext cx="157163" cy="155575"/>
+              </a:xfrm>
+              <a:custGeom>
+                <a:avLst/>
+                <a:gdLst/>
+                <a:ahLst/>
+                <a:cxnLst/>
+                <a:rect l="0" t="0" r="r" b="b"/>
+                <a:pathLst>
+                  <a:path w="33" h="33">
+                    <a:moveTo>
+                      <a:pt x="17" y="33"/>
+                    </a:moveTo>
+                    <a:cubicBezTo>
+                      <a:pt x="8" y="33"/>
+                      <a:pt x="0" y="25"/>
+                      <a:pt x="0" y="16"/>
+                    </a:cubicBezTo>
+                    <a:cubicBezTo>
+                      <a:pt x="0" y="7"/>
+                      <a:pt x="8" y="0"/>
+                      <a:pt x="17" y="0"/>
+                    </a:cubicBezTo>
+                    <a:cubicBezTo>
+                      <a:pt x="26" y="0"/>
+                      <a:pt x="33" y="7"/>
+                      <a:pt x="33" y="16"/>
+                    </a:cubicBezTo>
+                    <a:cubicBezTo>
+                      <a:pt x="33" y="25"/>
+                      <a:pt x="26" y="33"/>
+                      <a:pt x="17" y="33"/>
+                    </a:cubicBezTo>
+                    <a:close/>
+                    <a:moveTo>
+                      <a:pt x="17" y="4"/>
+                    </a:moveTo>
+                    <a:cubicBezTo>
+                      <a:pt x="10" y="4"/>
+                      <a:pt x="4" y="9"/>
+                      <a:pt x="4" y="16"/>
+                    </a:cubicBezTo>
+                    <a:cubicBezTo>
+                      <a:pt x="4" y="23"/>
+                      <a:pt x="10" y="29"/>
+                      <a:pt x="17" y="29"/>
+                    </a:cubicBezTo>
+                    <a:cubicBezTo>
+                      <a:pt x="23" y="29"/>
+                      <a:pt x="29" y="23"/>
+                      <a:pt x="29" y="16"/>
+                    </a:cubicBezTo>
+                    <a:cubicBezTo>
+                      <a:pt x="29" y="9"/>
+                      <a:pt x="23" y="4"/>
+                      <a:pt x="17" y="4"/>
+                    </a:cubicBezTo>
+                    <a:close/>
+                  </a:path>
+                </a:pathLst>
+              </a:custGeom>
+              <a:grpFill/>
+              <a:ln>
+                <a:noFill/>
+              </a:ln>
+              <a:extLst>
+                <a:ext uri="{91240B29-F687-4f45-9708-019B960494DF}">
+                  <a14:hiddenLine xmlns="" xmlns:a16="http://schemas.microsoft.com/office/drawing/2014/main" xmlns:p14="http://schemas.microsoft.com/office/powerpoint/2010/main" xmlns:a14="http://schemas.microsoft.com/office/drawing/2010/main" w="9525">
+                    <a:solidFill>
+                      <a:srgbClr val="000000"/>
+                    </a:solidFill>
+                    <a:round/>
+                    <a:headEnd/>
+                    <a:tailEnd/>
+                  </a14:hiddenLine>
+                </a:ext>
+              </a:extLst>
+            </p:spPr>
+          </p:sp>
+          <p:sp>
+            <p:nvSpPr>
+              <p:cNvPr id="58" name="Freeform 37">
+                <a:extLst>
+                  <a:ext uri="{FF2B5EF4-FFF2-40B4-BE49-F238E27FC236}">
+                    <a16:creationId xmlns:a16="http://schemas.microsoft.com/office/drawing/2014/main" id="{AB0AE24D-CD49-4B57-82E0-780F62AE4FDE}"/>
+                  </a:ext>
+                  <a:ext uri="{C183D7F6-B498-43B3-948B-1728B52AA6E4}">
+                    <adec:decorative xmlns:adec="http://schemas.microsoft.com/office/drawing/2017/decorative" val="1"/>
+                  </a:ext>
+                </a:extLst>
+              </p:cNvPr>
+              <p:cNvSpPr/>
+              <p:nvPr>
+                <p:extLst>
+                  <p:ext uri="{386F3935-93C4-4BCD-93E2-E3B085C9AB24}">
+                    <p16:designElem xmlns:p16="http://schemas.microsoft.com/office/powerpoint/2015/main" val="1"/>
+                  </p:ext>
+                </p:extLst>
+              </p:nvPr>
+            </p:nvSpPr>
+            <p:spPr bwMode="auto">
+              <a:xfrm>
+                <a:off x="11710987" y="4763"/>
+                <a:ext cx="304800" cy="1544638"/>
+              </a:xfrm>
+              <a:custGeom>
+                <a:avLst/>
+                <a:gdLst/>
+                <a:ahLst/>
+                <a:cxnLst/>
+                <a:rect l="0" t="0" r="r" b="b"/>
+                <a:pathLst>
+                  <a:path w="192" h="973">
+                    <a:moveTo>
+                      <a:pt x="15" y="973"/>
+                    </a:moveTo>
+                    <a:lnTo>
+                      <a:pt x="0" y="973"/>
+                    </a:lnTo>
+                    <a:lnTo>
+                      <a:pt x="0" y="790"/>
+                    </a:lnTo>
+                    <a:lnTo>
+                      <a:pt x="174" y="614"/>
+                    </a:lnTo>
+                    <a:lnTo>
+                      <a:pt x="174" y="0"/>
+                    </a:lnTo>
+                    <a:lnTo>
+                      <a:pt x="192" y="0"/>
+                    </a:lnTo>
+                    <a:lnTo>
+                      <a:pt x="192" y="620"/>
+                    </a:lnTo>
+                    <a:lnTo>
+                      <a:pt x="15" y="796"/>
+                    </a:lnTo>
+                    <a:lnTo>
+                      <a:pt x="15" y="973"/>
+                    </a:lnTo>
+                    <a:close/>
+                  </a:path>
+                </a:pathLst>
+              </a:custGeom>
+              <a:grpFill/>
+              <a:ln>
+                <a:noFill/>
+              </a:ln>
+              <a:extLst>
+                <a:ext uri="{91240B29-F687-4f45-9708-019B960494DF}">
+                  <a14:hiddenLine xmlns="" xmlns:a16="http://schemas.microsoft.com/office/drawing/2014/main" xmlns:p14="http://schemas.microsoft.com/office/powerpoint/2010/main" xmlns:a14="http://schemas.microsoft.com/office/drawing/2010/main" w="9525">
+                    <a:solidFill>
+                      <a:srgbClr val="000000"/>
+                    </a:solidFill>
+                    <a:round/>
+                    <a:headEnd/>
+                    <a:tailEnd/>
+                  </a14:hiddenLine>
+                </a:ext>
+              </a:extLst>
+            </p:spPr>
+          </p:sp>
+          <p:sp>
+            <p:nvSpPr>
+              <p:cNvPr id="59" name="Freeform 38">
+                <a:extLst>
+                  <a:ext uri="{FF2B5EF4-FFF2-40B4-BE49-F238E27FC236}">
+                    <a16:creationId xmlns:a16="http://schemas.microsoft.com/office/drawing/2014/main" id="{66803AF8-6368-45E6-A0B7-C0C4CFFEEB51}"/>
+                  </a:ext>
+                  <a:ext uri="{C183D7F6-B498-43B3-948B-1728B52AA6E4}">
+                    <adec:decorative xmlns:adec="http://schemas.microsoft.com/office/drawing/2017/decorative" val="1"/>
+                  </a:ext>
+                </a:extLst>
+              </p:cNvPr>
+              <p:cNvSpPr>
+                <a:spLocks noEditPoints="1"/>
+              </p:cNvSpPr>
+              <p:nvPr>
+                <p:extLst>
+                  <p:ext uri="{386F3935-93C4-4BCD-93E2-E3B085C9AB24}">
+                    <p16:designElem xmlns:p16="http://schemas.microsoft.com/office/powerpoint/2015/main" val="1"/>
+                  </p:ext>
+                </p:extLst>
+              </p:nvPr>
+            </p:nvSpPr>
+            <p:spPr bwMode="auto">
+              <a:xfrm>
+                <a:off x="11636375" y="4867275"/>
+                <a:ext cx="188913" cy="188913"/>
+              </a:xfrm>
+              <a:custGeom>
+                <a:avLst/>
+                <a:gdLst/>
+                <a:ahLst/>
+                <a:cxnLst/>
+                <a:rect l="0" t="0" r="r" b="b"/>
+                <a:pathLst>
+                  <a:path w="40" h="40">
+                    <a:moveTo>
+                      <a:pt x="20" y="40"/>
+                    </a:moveTo>
+                    <a:cubicBezTo>
+                      <a:pt x="9" y="40"/>
+                      <a:pt x="0" y="31"/>
+                      <a:pt x="0" y="20"/>
+                    </a:cubicBezTo>
+                    <a:cubicBezTo>
+                      <a:pt x="0" y="9"/>
+                      <a:pt x="9" y="0"/>
+                      <a:pt x="20" y="0"/>
+                    </a:cubicBezTo>
+                    <a:cubicBezTo>
+                      <a:pt x="31" y="0"/>
+                      <a:pt x="40" y="9"/>
+                      <a:pt x="40" y="20"/>
+                    </a:cubicBezTo>
+                    <a:cubicBezTo>
+                      <a:pt x="40" y="31"/>
+                      <a:pt x="31" y="40"/>
+                      <a:pt x="20" y="40"/>
+                    </a:cubicBezTo>
+                    <a:close/>
+                    <a:moveTo>
+                      <a:pt x="20" y="4"/>
+                    </a:moveTo>
+                    <a:cubicBezTo>
+                      <a:pt x="11" y="4"/>
+                      <a:pt x="4" y="11"/>
+                      <a:pt x="4" y="20"/>
+                    </a:cubicBezTo>
+                    <a:cubicBezTo>
+                      <a:pt x="4" y="29"/>
+                      <a:pt x="11" y="36"/>
+                      <a:pt x="20" y="36"/>
+                    </a:cubicBezTo>
+                    <a:cubicBezTo>
+                      <a:pt x="29" y="36"/>
+                      <a:pt x="36" y="29"/>
+                      <a:pt x="36" y="20"/>
+                    </a:cubicBezTo>
+                    <a:cubicBezTo>
+                      <a:pt x="36" y="11"/>
+                      <a:pt x="29" y="4"/>
+                      <a:pt x="20" y="4"/>
+                    </a:cubicBezTo>
+                    <a:close/>
+                  </a:path>
+                </a:pathLst>
+              </a:custGeom>
+              <a:grpFill/>
+              <a:ln>
+                <a:noFill/>
+              </a:ln>
+              <a:extLst>
+                <a:ext uri="{91240B29-F687-4f45-9708-019B960494DF}">
+                  <a14:hiddenLine xmlns="" xmlns:a16="http://schemas.microsoft.com/office/drawing/2014/main" xmlns:p14="http://schemas.microsoft.com/office/powerpoint/2010/main" xmlns:a14="http://schemas.microsoft.com/office/drawing/2010/main" w="9525">
+                    <a:solidFill>
+                      <a:srgbClr val="000000"/>
+                    </a:solidFill>
+                    <a:round/>
+                    <a:headEnd/>
+                    <a:tailEnd/>
+                  </a14:hiddenLine>
+                </a:ext>
+              </a:extLst>
+            </p:spPr>
+          </p:sp>
+          <p:sp>
+            <p:nvSpPr>
+              <p:cNvPr id="60" name="Freeform 39">
+                <a:extLst>
+                  <a:ext uri="{FF2B5EF4-FFF2-40B4-BE49-F238E27FC236}">
+                    <a16:creationId xmlns:a16="http://schemas.microsoft.com/office/drawing/2014/main" id="{B4761E05-2792-472B-A814-9616151CF305}"/>
+                  </a:ext>
+                  <a:ext uri="{C183D7F6-B498-43B3-948B-1728B52AA6E4}">
+                    <adec:decorative xmlns:adec="http://schemas.microsoft.com/office/drawing/2017/decorative" val="1"/>
+                  </a:ext>
+                </a:extLst>
+              </p:cNvPr>
+              <p:cNvSpPr/>
+              <p:nvPr>
+                <p:extLst>
+                  <p:ext uri="{386F3935-93C4-4BCD-93E2-E3B085C9AB24}">
+                    <p16:designElem xmlns:p16="http://schemas.microsoft.com/office/powerpoint/2015/main" val="1"/>
+                  </p:ext>
+                </p:extLst>
+              </p:nvPr>
+            </p:nvSpPr>
+            <p:spPr bwMode="auto">
+              <a:xfrm>
+                <a:off x="11441112" y="5046663"/>
+                <a:ext cx="307975" cy="1801813"/>
+              </a:xfrm>
+              <a:custGeom>
+                <a:avLst/>
+                <a:gdLst/>
+                <a:ahLst/>
+                <a:cxnLst/>
+                <a:rect l="0" t="0" r="r" b="b"/>
+                <a:pathLst>
+                  <a:path w="194" h="1135">
+                    <a:moveTo>
+                      <a:pt x="18" y="1135"/>
+                    </a:moveTo>
+                    <a:lnTo>
+                      <a:pt x="0" y="1135"/>
+                    </a:lnTo>
+                    <a:lnTo>
+                      <a:pt x="0" y="354"/>
+                    </a:lnTo>
+                    <a:lnTo>
+                      <a:pt x="176" y="177"/>
+                    </a:lnTo>
+                    <a:lnTo>
+                      <a:pt x="176" y="0"/>
+                    </a:lnTo>
+                    <a:lnTo>
+                      <a:pt x="194" y="0"/>
+                    </a:lnTo>
+                    <a:lnTo>
+                      <a:pt x="194" y="183"/>
+                    </a:lnTo>
+                    <a:lnTo>
+                      <a:pt x="18" y="360"/>
+                    </a:lnTo>
+                    <a:lnTo>
+                      <a:pt x="18" y="1135"/>
+                    </a:lnTo>
+                    <a:close/>
+                  </a:path>
+                </a:pathLst>
+              </a:custGeom>
+              <a:grpFill/>
+              <a:ln>
+                <a:noFill/>
+              </a:ln>
+              <a:extLst>
+                <a:ext uri="{91240B29-F687-4f45-9708-019B960494DF}">
+                  <a14:hiddenLine xmlns="" xmlns:a16="http://schemas.microsoft.com/office/drawing/2014/main" xmlns:p14="http://schemas.microsoft.com/office/powerpoint/2010/main" xmlns:a14="http://schemas.microsoft.com/office/drawing/2010/main" w="9525">
+                    <a:solidFill>
+                      <a:srgbClr val="000000"/>
+                    </a:solidFill>
+                    <a:round/>
+                    <a:headEnd/>
+                    <a:tailEnd/>
+                  </a14:hiddenLine>
+                </a:ext>
+              </a:extLst>
+            </p:spPr>
+          </p:sp>
+          <p:sp>
+            <p:nvSpPr>
+              <p:cNvPr id="61" name="Freeform 40">
+                <a:extLst>
+                  <a:ext uri="{FF2B5EF4-FFF2-40B4-BE49-F238E27FC236}">
+                    <a16:creationId xmlns:a16="http://schemas.microsoft.com/office/drawing/2014/main" id="{40B6A261-9427-4E70-9564-048AD009BD83}"/>
+                  </a:ext>
+                  <a:ext uri="{C183D7F6-B498-43B3-948B-1728B52AA6E4}">
+                    <adec:decorative xmlns:adec="http://schemas.microsoft.com/office/drawing/2017/decorative" val="1"/>
+                  </a:ext>
+                </a:extLst>
+              </p:cNvPr>
+              <p:cNvSpPr>
+                <a:spLocks noEditPoints="1"/>
+              </p:cNvSpPr>
+              <p:nvPr>
+                <p:extLst>
+                  <p:ext uri="{386F3935-93C4-4BCD-93E2-E3B085C9AB24}">
+                    <p16:designElem xmlns:p16="http://schemas.microsoft.com/office/powerpoint/2015/main" val="1"/>
+                  </p:ext>
+                </p:extLst>
+              </p:nvPr>
+            </p:nvSpPr>
+            <p:spPr bwMode="auto">
+              <a:xfrm>
+                <a:off x="11849100" y="6416675"/>
+                <a:ext cx="190500" cy="188913"/>
+              </a:xfrm>
+              <a:custGeom>
+                <a:avLst/>
+                <a:gdLst/>
+                <a:ahLst/>
+                <a:cxnLst/>
+                <a:rect l="0" t="0" r="r" b="b"/>
+                <a:pathLst>
+                  <a:path w="40" h="40">
+                    <a:moveTo>
+                      <a:pt x="20" y="40"/>
+                    </a:moveTo>
+                    <a:cubicBezTo>
+                      <a:pt x="9" y="40"/>
+                      <a:pt x="0" y="31"/>
+                      <a:pt x="0" y="20"/>
+                    </a:cubicBezTo>
+                    <a:cubicBezTo>
+                      <a:pt x="0" y="9"/>
+                      <a:pt x="9" y="0"/>
+                      <a:pt x="20" y="0"/>
+                    </a:cubicBezTo>
+                    <a:cubicBezTo>
+                      <a:pt x="31" y="0"/>
+                      <a:pt x="40" y="9"/>
+                      <a:pt x="40" y="20"/>
+                    </a:cubicBezTo>
+                    <a:cubicBezTo>
+                      <a:pt x="40" y="31"/>
+                      <a:pt x="31" y="40"/>
+                      <a:pt x="20" y="40"/>
+                    </a:cubicBezTo>
+                    <a:close/>
+                    <a:moveTo>
+                      <a:pt x="20" y="4"/>
+                    </a:moveTo>
+                    <a:cubicBezTo>
+                      <a:pt x="12" y="4"/>
+                      <a:pt x="4" y="11"/>
+                      <a:pt x="4" y="20"/>
+                    </a:cubicBezTo>
+                    <a:cubicBezTo>
+                      <a:pt x="4" y="29"/>
+                      <a:pt x="12" y="36"/>
+                      <a:pt x="20" y="36"/>
+                    </a:cubicBezTo>
+                    <a:cubicBezTo>
+                      <a:pt x="29" y="36"/>
+                      <a:pt x="36" y="29"/>
+                      <a:pt x="36" y="20"/>
+                    </a:cubicBezTo>
+                    <a:cubicBezTo>
+                      <a:pt x="36" y="11"/>
+                      <a:pt x="29" y="4"/>
+                      <a:pt x="20" y="4"/>
+                    </a:cubicBezTo>
+                    <a:close/>
+                  </a:path>
+                </a:pathLst>
+              </a:custGeom>
+              <a:grpFill/>
+              <a:ln>
+                <a:noFill/>
+              </a:ln>
+              <a:extLst>
+                <a:ext uri="{91240B29-F687-4f45-9708-019B960494DF}">
+                  <a14:hiddenLine xmlns="" xmlns:a16="http://schemas.microsoft.com/office/drawing/2014/main" xmlns:p14="http://schemas.microsoft.com/office/powerpoint/2010/main" xmlns:a14="http://schemas.microsoft.com/office/drawing/2010/main" w="9525">
+                    <a:solidFill>
+                      <a:srgbClr val="000000"/>
+                    </a:solidFill>
+                    <a:round/>
+                    <a:headEnd/>
+                    <a:tailEnd/>
+                  </a14:hiddenLine>
+                </a:ext>
+              </a:extLst>
+            </p:spPr>
+          </p:sp>
+          <p:sp>
+            <p:nvSpPr>
+              <p:cNvPr id="62" name="Rectangle 41">
+                <a:extLst>
+                  <a:ext uri="{FF2B5EF4-FFF2-40B4-BE49-F238E27FC236}">
+                    <a16:creationId xmlns:a16="http://schemas.microsoft.com/office/drawing/2014/main" id="{68BFDFBE-2286-4123-9436-E1DF84AF494F}"/>
+                  </a:ext>
+                  <a:ext uri="{C183D7F6-B498-43B3-948B-1728B52AA6E4}">
+                    <adec:decorative xmlns:adec="http://schemas.microsoft.com/office/drawing/2017/decorative" val="1"/>
+                  </a:ext>
+                </a:extLst>
+              </p:cNvPr>
+              <p:cNvSpPr>
+                <a:spLocks noChangeArrowheads="1"/>
+              </p:cNvSpPr>
+              <p:nvPr>
+                <p:extLst>
+                  <p:ext uri="{386F3935-93C4-4BCD-93E2-E3B085C9AB24}">
+                    <p16:designElem xmlns:p16="http://schemas.microsoft.com/office/powerpoint/2015/main" val="1"/>
+                  </p:ext>
+                </p:extLst>
+              </p:nvPr>
+            </p:nvSpPr>
+            <p:spPr bwMode="auto">
+              <a:xfrm>
+                <a:off x="11939587" y="6596063"/>
+                <a:ext cx="23813" cy="252413"/>
+              </a:xfrm>
+              <a:prstGeom prst="rect">
+                <a:avLst/>
+              </a:prstGeom>
+              <a:grpFill/>
+              <a:ln>
+                <a:noFill/>
+              </a:ln>
+              <a:extLst>
+                <a:ext uri="{91240B29-F687-4f45-9708-019B960494DF}">
+                  <a14:hiddenLine xmlns="" xmlns:a16="http://schemas.microsoft.com/office/drawing/2014/main" xmlns:p14="http://schemas.microsoft.com/office/powerpoint/2010/main" xmlns:a14="http://schemas.microsoft.com/office/drawing/2010/main" w="9525">
+                    <a:solidFill>
+                      <a:srgbClr val="000000"/>
+                    </a:solidFill>
+                    <a:miter lim="800000"/>
+                    <a:headEnd/>
+                    <a:tailEnd/>
+                  </a14:hiddenLine>
+                </a:ext>
+              </a:extLst>
+            </p:spPr>
+          </p:sp>
+        </p:grpSp>
+      </p:grpSp>
       <p:pic>
         <p:nvPicPr>
-          <p:cNvPr id="14" name="Picture 2">
+          <p:cNvPr id="91" name="Picture 2">
             <a:extLst>
               <a:ext uri="{FF2B5EF4-FFF2-40B4-BE49-F238E27FC236}">
-                <a16:creationId xmlns:a16="http://schemas.microsoft.com/office/drawing/2014/main" id="{FE6BA9E6-1D9E-4D30-B528-D49FA1342E4E}"/>
+                <a16:creationId xmlns:a16="http://schemas.microsoft.com/office/drawing/2014/main" id="{5B3DE270-418F-47A7-B311-C4D876041DC6}"/>
               </a:ext>
               <a:ext uri="{C183D7F6-B498-43B3-948B-1728B52AA6E4}">
                 <adec:decorative xmlns:adec="http://schemas.microsoft.com/office/drawing/2017/decorative" val="1"/>
@@ -18398,7 +21845,7 @@
           </p:nvPr>
         </p:nvPicPr>
         <p:blipFill>
-          <a:blip r:embed="rId3">
+          <a:blip r:embed="rId2">
             <a:alphaModFix amt="30000"/>
             <a:extLst>
               <a:ext uri="{28A0092B-C50C-407E-A947-70E740481C1C}">
@@ -18449,138 +21896,58 @@
         </p:nvSpPr>
         <p:spPr>
           <a:xfrm>
-            <a:off x="1141413" y="618518"/>
-            <a:ext cx="4459286" cy="1478570"/>
+            <a:off x="8036041" y="618518"/>
+            <a:ext cx="3281003" cy="1478570"/>
           </a:xfrm>
         </p:spPr>
         <p:txBody>
-          <a:bodyPr>
+          <a:bodyPr anchor="b">
             <a:normAutofit/>
           </a:bodyPr>
           <a:lstStyle/>
           <a:p>
             <a:r>
-              <a:rPr lang="de-DE" sz="2700"/>
+              <a:rPr lang="de-DE" sz="2000">
+                <a:solidFill>
+                  <a:srgbClr val="FFFFFF"/>
+                </a:solidFill>
+              </a:rPr>
               <a:t>Netzwerkkommunikation</a:t>
             </a:r>
           </a:p>
         </p:txBody>
       </p:sp>
-      <p:sp>
+      <p:sp useBgFill="1">
         <p:nvSpPr>
-          <p:cNvPr id="9" name="Content Placeholder 8">
+          <p:cNvPr id="93" name="Round Diagonal Corner Rectangle 11">
             <a:extLst>
               <a:ext uri="{FF2B5EF4-FFF2-40B4-BE49-F238E27FC236}">
-                <a16:creationId xmlns:a16="http://schemas.microsoft.com/office/drawing/2014/main" id="{E20E719D-05A5-45C1-88CE-319913DF4039}"/>
+                <a16:creationId xmlns:a16="http://schemas.microsoft.com/office/drawing/2014/main" id="{A1351C6B-7343-451F-AB4A-1CE294A4E927}"/>
+              </a:ext>
+              <a:ext uri="{C183D7F6-B498-43B3-948B-1728B52AA6E4}">
+                <adec:decorative xmlns:adec="http://schemas.microsoft.com/office/drawing/2017/decorative" val="1"/>
               </a:ext>
             </a:extLst>
           </p:cNvPr>
           <p:cNvSpPr>
-            <a:spLocks noGrp="1"/>
+            <a:spLocks noGrp="1" noRot="1" noChangeAspect="1" noMove="1" noResize="1" noEditPoints="1" noAdjustHandles="1" noChangeArrowheads="1" noChangeShapeType="1" noTextEdit="1"/>
           </p:cNvSpPr>
           <p:nvPr>
-            <p:ph idx="1"/>
+            <p:extLst>
+              <p:ext uri="{386F3935-93C4-4BCD-93E2-E3B085C9AB24}">
+                <p16:designElem xmlns:p16="http://schemas.microsoft.com/office/powerpoint/2015/main" val="1"/>
+              </p:ext>
+            </p:extLst>
           </p:nvPr>
         </p:nvSpPr>
         <p:spPr>
           <a:xfrm>
-            <a:off x="1141412" y="2249487"/>
-            <a:ext cx="4459287" cy="3965046"/>
-          </a:xfrm>
-        </p:spPr>
-        <p:txBody>
-          <a:bodyPr>
-            <a:normAutofit/>
-          </a:bodyPr>
-          <a:lstStyle/>
-          <a:p>
-            <a:r>
-              <a:rPr lang="en-US" sz="2000" dirty="0" err="1"/>
-              <a:t>ServerHandler</a:t>
-            </a:r>
-            <a:r>
-              <a:rPr lang="en-US" sz="2000" dirty="0"/>
-              <a:t> </a:t>
-            </a:r>
-            <a:r>
-              <a:rPr lang="en-US" sz="2000" dirty="0" err="1"/>
-              <a:t>dient</a:t>
-            </a:r>
-            <a:r>
-              <a:rPr lang="en-US" sz="2000" dirty="0"/>
-              <a:t> </a:t>
-            </a:r>
-            <a:r>
-              <a:rPr lang="en-US" sz="2000" dirty="0" err="1"/>
-              <a:t>als</a:t>
-            </a:r>
-            <a:r>
-              <a:rPr lang="en-US" sz="2000" dirty="0"/>
-              <a:t> </a:t>
-            </a:r>
-            <a:r>
-              <a:rPr lang="en-US" sz="2000" dirty="0" err="1"/>
-              <a:t>Schnittstelle</a:t>
-            </a:r>
-            <a:endParaRPr lang="en-US" sz="2000" dirty="0"/>
-          </a:p>
-          <a:p>
-            <a:r>
-              <a:rPr lang="en-US" sz="2000" dirty="0"/>
-              <a:t>Threads </a:t>
-            </a:r>
-            <a:r>
-              <a:rPr lang="en-US" sz="2000" dirty="0" err="1"/>
-              <a:t>können</a:t>
-            </a:r>
-            <a:r>
-              <a:rPr lang="en-US" sz="2000" dirty="0"/>
-              <a:t> </a:t>
-            </a:r>
-            <a:r>
-              <a:rPr lang="en-US" sz="2000" dirty="0" err="1"/>
-              <a:t>GameState</a:t>
-            </a:r>
-            <a:r>
-              <a:rPr lang="en-US" sz="2000" dirty="0"/>
-              <a:t> </a:t>
-            </a:r>
-            <a:r>
-              <a:rPr lang="en-US" sz="2000" dirty="0" err="1"/>
-              <a:t>verändern</a:t>
-            </a:r>
-            <a:endParaRPr lang="en-US" sz="2000" dirty="0"/>
-          </a:p>
-        </p:txBody>
-      </p:sp>
-      <p:pic>
-        <p:nvPicPr>
-          <p:cNvPr id="5" name="Inhaltsplatzhalter 4" descr="Ein Bild, das Screenshot enthält.&#10;&#10;Automatisch generierte Beschreibung">
-            <a:extLst>
-              <a:ext uri="{FF2B5EF4-FFF2-40B4-BE49-F238E27FC236}">
-                <a16:creationId xmlns:a16="http://schemas.microsoft.com/office/drawing/2014/main" id="{F3456D60-E6E9-DE4C-A6EC-AB051AC87EA1}"/>
-              </a:ext>
-            </a:extLst>
-          </p:cNvPr>
-          <p:cNvPicPr>
-            <a:picLocks noChangeAspect="1"/>
-          </p:cNvPicPr>
-          <p:nvPr/>
-        </p:nvPicPr>
-        <p:blipFill>
-          <a:blip r:embed="rId4"/>
-          <a:stretch>
-            <a:fillRect/>
-          </a:stretch>
-        </p:blipFill>
-        <p:spPr>
-          <a:xfrm>
-            <a:off x="6096000" y="1690977"/>
-            <a:ext cx="5456279" cy="3451096"/>
+            <a:off x="798949" y="808057"/>
+            <a:ext cx="6752461" cy="5234394"/>
           </a:xfrm>
           <a:prstGeom prst="round2DiagRect">
             <a:avLst>
-              <a:gd name="adj1" fmla="val 5608"/>
+              <a:gd name="adj1" fmla="val 7418"/>
               <a:gd name="adj2" fmla="val 0"/>
             </a:avLst>
           </a:prstGeom>
@@ -18602,2432 +21969,110 @@
             </a:outerShdw>
           </a:effectLst>
         </p:spPr>
-      </p:pic>
-      <p:grpSp>
-        <p:nvGrpSpPr>
-          <p:cNvPr id="16" name="Group 15">
+        <p:style>
+          <a:lnRef idx="2">
+            <a:schemeClr val="accent1">
+              <a:shade val="50000"/>
+            </a:schemeClr>
+          </a:lnRef>
+          <a:fillRef idx="1">
+            <a:schemeClr val="accent1"/>
+          </a:fillRef>
+          <a:effectRef idx="0">
+            <a:schemeClr val="accent1"/>
+          </a:effectRef>
+          <a:fontRef idx="minor">
+            <a:schemeClr val="lt1"/>
+          </a:fontRef>
+        </p:style>
+        <p:txBody>
+          <a:bodyPr rtlCol="0" anchor="ctr"/>
+          <a:lstStyle/>
+          <a:p>
+            <a:pPr algn="ctr"/>
+            <a:endParaRPr lang="en-US"/>
+          </a:p>
+        </p:txBody>
+      </p:sp>
+      <p:pic>
+        <p:nvPicPr>
+          <p:cNvPr id="4" name="Grafik 3" descr="Ein Bild, das Screenshot enthält.&#10;&#10;Automatisch generierte Beschreibung">
             <a:extLst>
               <a:ext uri="{FF2B5EF4-FFF2-40B4-BE49-F238E27FC236}">
-                <a16:creationId xmlns:a16="http://schemas.microsoft.com/office/drawing/2014/main" id="{453E4DEE-E996-40F8-8635-0FF43D7348F9}"/>
-              </a:ext>
-              <a:ext uri="{C183D7F6-B498-43B3-948B-1728B52AA6E4}">
-                <adec:decorative xmlns:adec="http://schemas.microsoft.com/office/drawing/2017/decorative" val="1"/>
+                <a16:creationId xmlns:a16="http://schemas.microsoft.com/office/drawing/2014/main" id="{D40CA21B-C526-7F4A-BB21-7EED2A3A5B98}"/>
               </a:ext>
             </a:extLst>
           </p:cNvPr>
-          <p:cNvGrpSpPr>
-            <a:grpSpLocks noGrp="1" noUngrp="1" noRot="1" noChangeAspect="1" noMove="1" noResize="1"/>
-          </p:cNvGrpSpPr>
-          <p:nvPr>
-            <p:extLst>
-              <p:ext uri="{386F3935-93C4-4BCD-93E2-E3B085C9AB24}">
-                <p16:designElem xmlns:p16="http://schemas.microsoft.com/office/powerpoint/2015/main" val="1"/>
-              </p:ext>
-            </p:extLst>
-          </p:nvPr>
-        </p:nvGrpSpPr>
-        <p:grpSpPr>
+          <p:cNvPicPr>
+            <a:picLocks noChangeAspect="1"/>
+          </p:cNvPicPr>
+          <p:nvPr/>
+        </p:nvPicPr>
+        <p:blipFill>
+          <a:blip r:embed="rId3"/>
+          <a:stretch>
+            <a:fillRect/>
+          </a:stretch>
+        </p:blipFill>
+        <p:spPr>
           <a:xfrm>
-            <a:off x="0" y="0"/>
-            <a:ext cx="1220788" cy="6858001"/>
-            <a:chOff x="-14288" y="0"/>
-            <a:chExt cx="1220788" cy="6858001"/>
+            <a:off x="1296376" y="1137621"/>
+            <a:ext cx="5757606" cy="4577297"/>
           </a:xfrm>
-          <a:gradFill flip="none" rotWithShape="1">
-            <a:gsLst>
-              <a:gs pos="0">
-                <a:schemeClr val="tx2"/>
-              </a:gs>
-              <a:gs pos="100000">
-                <a:schemeClr val="bg2">
-                  <a:lumMod val="60000"/>
-                  <a:lumOff val="40000"/>
-                </a:schemeClr>
-              </a:gs>
-            </a:gsLst>
-            <a:lin ang="5400000" scaled="0"/>
-            <a:tileRect/>
-          </a:gradFill>
-        </p:grpSpPr>
-        <p:sp>
-          <p:nvSpPr>
-            <p:cNvPr id="17" name="Rectangle 5">
-              <a:extLst>
-                <a:ext uri="{FF2B5EF4-FFF2-40B4-BE49-F238E27FC236}">
-                  <a16:creationId xmlns:a16="http://schemas.microsoft.com/office/drawing/2014/main" id="{08BD1D3E-43CE-49EB-A424-0738950C6424}"/>
-                </a:ext>
-                <a:ext uri="{C183D7F6-B498-43B3-948B-1728B52AA6E4}">
-                  <adec:decorative xmlns:adec="http://schemas.microsoft.com/office/drawing/2017/decorative" val="1"/>
-                </a:ext>
-              </a:extLst>
-            </p:cNvPr>
-            <p:cNvSpPr>
-              <a:spLocks noChangeArrowheads="1"/>
-            </p:cNvSpPr>
-            <p:nvPr>
-              <p:extLst>
-                <p:ext uri="{386F3935-93C4-4BCD-93E2-E3B085C9AB24}">
-                  <p16:designElem xmlns:p16="http://schemas.microsoft.com/office/powerpoint/2015/main" val="1"/>
-                </p:ext>
-              </p:extLst>
-            </p:nvPr>
-          </p:nvSpPr>
-          <p:spPr bwMode="auto">
-            <a:xfrm>
-              <a:off x="114300" y="4763"/>
-              <a:ext cx="23813" cy="2181225"/>
-            </a:xfrm>
-            <a:prstGeom prst="rect">
-              <a:avLst/>
-            </a:prstGeom>
-            <a:grpFill/>
-            <a:ln>
-              <a:noFill/>
-            </a:ln>
+          <a:prstGeom prst="rect">
+            <a:avLst/>
+          </a:prstGeom>
+        </p:spPr>
+      </p:pic>
+      <p:sp>
+        <p:nvSpPr>
+          <p:cNvPr id="9" name="Content Placeholder 8">
             <a:extLst>
-              <a:ext uri="{91240B29-F687-4f45-9708-019B960494DF}">
-                <a14:hiddenLine xmlns="" xmlns:a16="http://schemas.microsoft.com/office/drawing/2014/main" xmlns:p14="http://schemas.microsoft.com/office/powerpoint/2010/main" xmlns:a14="http://schemas.microsoft.com/office/drawing/2010/main" w="9525">
-                  <a:solidFill>
-                    <a:srgbClr val="000000"/>
-                  </a:solidFill>
-                  <a:miter lim="800000"/>
-                  <a:headEnd/>
-                  <a:tailEnd/>
-                </a14:hiddenLine>
+              <a:ext uri="{FF2B5EF4-FFF2-40B4-BE49-F238E27FC236}">
+                <a16:creationId xmlns:a16="http://schemas.microsoft.com/office/drawing/2014/main" id="{E20E719D-05A5-45C1-88CE-319913DF4039}"/>
               </a:ext>
             </a:extLst>
-          </p:spPr>
-        </p:sp>
-        <p:sp>
-          <p:nvSpPr>
-            <p:cNvPr id="18" name="Freeform 6">
-              <a:extLst>
-                <a:ext uri="{FF2B5EF4-FFF2-40B4-BE49-F238E27FC236}">
-                  <a16:creationId xmlns:a16="http://schemas.microsoft.com/office/drawing/2014/main" id="{E9182037-E3FA-489A-95D5-29E4248420D8}"/>
-                </a:ext>
-                <a:ext uri="{C183D7F6-B498-43B3-948B-1728B52AA6E4}">
-                  <adec:decorative xmlns:adec="http://schemas.microsoft.com/office/drawing/2017/decorative" val="1"/>
-                </a:ext>
-              </a:extLst>
-            </p:cNvPr>
-            <p:cNvSpPr>
-              <a:spLocks noEditPoints="1"/>
-            </p:cNvSpPr>
-            <p:nvPr>
-              <p:extLst>
-                <p:ext uri="{386F3935-93C4-4BCD-93E2-E3B085C9AB24}">
-                  <p16:designElem xmlns:p16="http://schemas.microsoft.com/office/powerpoint/2015/main" val="1"/>
-                </p:ext>
-              </p:extLst>
-            </p:nvPr>
-          </p:nvSpPr>
-          <p:spPr bwMode="auto">
-            <a:xfrm>
-              <a:off x="33337" y="2176463"/>
-              <a:ext cx="190500" cy="190500"/>
-            </a:xfrm>
-            <a:custGeom>
-              <a:avLst/>
-              <a:gdLst/>
-              <a:ahLst/>
-              <a:cxnLst/>
-              <a:rect l="0" t="0" r="r" b="b"/>
-              <a:pathLst>
-                <a:path w="40" h="40">
-                  <a:moveTo>
-                    <a:pt x="20" y="40"/>
-                  </a:moveTo>
-                  <a:cubicBezTo>
-                    <a:pt x="9" y="40"/>
-                    <a:pt x="0" y="31"/>
-                    <a:pt x="0" y="20"/>
-                  </a:cubicBezTo>
-                  <a:cubicBezTo>
-                    <a:pt x="0" y="9"/>
-                    <a:pt x="9" y="0"/>
-                    <a:pt x="20" y="0"/>
-                  </a:cubicBezTo>
-                  <a:cubicBezTo>
-                    <a:pt x="31" y="0"/>
-                    <a:pt x="40" y="9"/>
-                    <a:pt x="40" y="20"/>
-                  </a:cubicBezTo>
-                  <a:cubicBezTo>
-                    <a:pt x="40" y="31"/>
-                    <a:pt x="31" y="40"/>
-                    <a:pt x="20" y="40"/>
-                  </a:cubicBezTo>
-                  <a:close/>
-                  <a:moveTo>
-                    <a:pt x="20" y="4"/>
-                  </a:moveTo>
-                  <a:cubicBezTo>
-                    <a:pt x="11" y="4"/>
-                    <a:pt x="4" y="11"/>
-                    <a:pt x="4" y="20"/>
-                  </a:cubicBezTo>
-                  <a:cubicBezTo>
-                    <a:pt x="4" y="29"/>
-                    <a:pt x="11" y="36"/>
-                    <a:pt x="20" y="36"/>
-                  </a:cubicBezTo>
-                  <a:cubicBezTo>
-                    <a:pt x="28" y="36"/>
-                    <a:pt x="36" y="29"/>
-                    <a:pt x="36" y="20"/>
-                  </a:cubicBezTo>
-                  <a:cubicBezTo>
-                    <a:pt x="36" y="11"/>
-                    <a:pt x="28" y="4"/>
-                    <a:pt x="20" y="4"/>
-                  </a:cubicBezTo>
-                  <a:close/>
-                </a:path>
-              </a:pathLst>
-            </a:custGeom>
-            <a:grpFill/>
-            <a:ln>
-              <a:noFill/>
-            </a:ln>
-            <a:extLst>
-              <a:ext uri="{91240B29-F687-4f45-9708-019B960494DF}">
-                <a14:hiddenLine xmlns="" xmlns:a16="http://schemas.microsoft.com/office/drawing/2014/main" xmlns:p14="http://schemas.microsoft.com/office/powerpoint/2010/main" xmlns:a14="http://schemas.microsoft.com/office/drawing/2010/main" w="9525">
-                  <a:solidFill>
-                    <a:srgbClr val="000000"/>
-                  </a:solidFill>
-                  <a:round/>
-                  <a:headEnd/>
-                  <a:tailEnd/>
-                </a14:hiddenLine>
-              </a:ext>
-            </a:extLst>
-          </p:spPr>
-        </p:sp>
-        <p:sp>
-          <p:nvSpPr>
-            <p:cNvPr id="19" name="Freeform 7">
-              <a:extLst>
-                <a:ext uri="{FF2B5EF4-FFF2-40B4-BE49-F238E27FC236}">
-                  <a16:creationId xmlns:a16="http://schemas.microsoft.com/office/drawing/2014/main" id="{E8864E76-AD7F-4BEE-B3F6-A78FA42AEFAC}"/>
-                </a:ext>
-                <a:ext uri="{C183D7F6-B498-43B3-948B-1728B52AA6E4}">
-                  <adec:decorative xmlns:adec="http://schemas.microsoft.com/office/drawing/2017/decorative" val="1"/>
-                </a:ext>
-              </a:extLst>
-            </p:cNvPr>
-            <p:cNvSpPr>
-              <a:spLocks noEditPoints="1"/>
-            </p:cNvSpPr>
-            <p:nvPr>
-              <p:extLst>
-                <p:ext uri="{386F3935-93C4-4BCD-93E2-E3B085C9AB24}">
-                  <p16:designElem xmlns:p16="http://schemas.microsoft.com/office/powerpoint/2015/main" val="1"/>
-                </p:ext>
-              </p:extLst>
-            </p:nvPr>
-          </p:nvSpPr>
-          <p:spPr bwMode="auto">
-            <a:xfrm>
-              <a:off x="28575" y="4021138"/>
-              <a:ext cx="190500" cy="188913"/>
-            </a:xfrm>
-            <a:custGeom>
-              <a:avLst/>
-              <a:gdLst/>
-              <a:ahLst/>
-              <a:cxnLst/>
-              <a:rect l="0" t="0" r="r" b="b"/>
-              <a:pathLst>
-                <a:path w="40" h="40">
-                  <a:moveTo>
-                    <a:pt x="20" y="40"/>
-                  </a:moveTo>
-                  <a:cubicBezTo>
-                    <a:pt x="9" y="40"/>
-                    <a:pt x="0" y="31"/>
-                    <a:pt x="0" y="20"/>
-                  </a:cubicBezTo>
-                  <a:cubicBezTo>
-                    <a:pt x="0" y="9"/>
-                    <a:pt x="9" y="0"/>
-                    <a:pt x="20" y="0"/>
-                  </a:cubicBezTo>
-                  <a:cubicBezTo>
-                    <a:pt x="31" y="0"/>
-                    <a:pt x="40" y="9"/>
-                    <a:pt x="40" y="20"/>
-                  </a:cubicBezTo>
-                  <a:cubicBezTo>
-                    <a:pt x="40" y="31"/>
-                    <a:pt x="31" y="40"/>
-                    <a:pt x="20" y="40"/>
-                  </a:cubicBezTo>
-                  <a:close/>
-                  <a:moveTo>
-                    <a:pt x="20" y="4"/>
-                  </a:moveTo>
-                  <a:cubicBezTo>
-                    <a:pt x="12" y="4"/>
-                    <a:pt x="4" y="11"/>
-                    <a:pt x="4" y="20"/>
-                  </a:cubicBezTo>
-                  <a:cubicBezTo>
-                    <a:pt x="4" y="29"/>
-                    <a:pt x="12" y="36"/>
-                    <a:pt x="20" y="36"/>
-                  </a:cubicBezTo>
-                  <a:cubicBezTo>
-                    <a:pt x="29" y="36"/>
-                    <a:pt x="36" y="29"/>
-                    <a:pt x="36" y="20"/>
-                  </a:cubicBezTo>
-                  <a:cubicBezTo>
-                    <a:pt x="36" y="11"/>
-                    <a:pt x="29" y="4"/>
-                    <a:pt x="20" y="4"/>
-                  </a:cubicBezTo>
-                  <a:close/>
-                </a:path>
-              </a:pathLst>
-            </a:custGeom>
-            <a:grpFill/>
-            <a:ln>
-              <a:noFill/>
-            </a:ln>
-            <a:extLst>
-              <a:ext uri="{91240B29-F687-4f45-9708-019B960494DF}">
-                <a14:hiddenLine xmlns="" xmlns:a16="http://schemas.microsoft.com/office/drawing/2014/main" xmlns:p14="http://schemas.microsoft.com/office/powerpoint/2010/main" xmlns:a14="http://schemas.microsoft.com/office/drawing/2010/main" w="9525">
-                  <a:solidFill>
-                    <a:srgbClr val="000000"/>
-                  </a:solidFill>
-                  <a:round/>
-                  <a:headEnd/>
-                  <a:tailEnd/>
-                </a14:hiddenLine>
-              </a:ext>
-            </a:extLst>
-          </p:spPr>
-        </p:sp>
-        <p:sp>
-          <p:nvSpPr>
-            <p:cNvPr id="20" name="Freeform 8">
-              <a:extLst>
-                <a:ext uri="{FF2B5EF4-FFF2-40B4-BE49-F238E27FC236}">
-                  <a16:creationId xmlns:a16="http://schemas.microsoft.com/office/drawing/2014/main" id="{8AD071B3-046D-4479-91FE-01E9AD7C8AAB}"/>
-                </a:ext>
-                <a:ext uri="{C183D7F6-B498-43B3-948B-1728B52AA6E4}">
-                  <adec:decorative xmlns:adec="http://schemas.microsoft.com/office/drawing/2017/decorative" val="1"/>
-                </a:ext>
-              </a:extLst>
-            </p:cNvPr>
-            <p:cNvSpPr/>
-            <p:nvPr>
-              <p:extLst>
-                <p:ext uri="{386F3935-93C4-4BCD-93E2-E3B085C9AB24}">
-                  <p16:designElem xmlns:p16="http://schemas.microsoft.com/office/powerpoint/2015/main" val="1"/>
-                </p:ext>
-              </p:extLst>
-            </p:nvPr>
-          </p:nvSpPr>
-          <p:spPr bwMode="auto">
-            <a:xfrm>
-              <a:off x="200025" y="4763"/>
-              <a:ext cx="369888" cy="1811338"/>
-            </a:xfrm>
-            <a:custGeom>
-              <a:avLst/>
-              <a:gdLst/>
-              <a:ahLst/>
-              <a:cxnLst/>
-              <a:rect l="0" t="0" r="r" b="b"/>
-              <a:pathLst>
-                <a:path w="233" h="1141">
-                  <a:moveTo>
-                    <a:pt x="218" y="1141"/>
-                  </a:moveTo>
-                  <a:lnTo>
-                    <a:pt x="0" y="626"/>
-                  </a:lnTo>
-                  <a:lnTo>
-                    <a:pt x="0" y="0"/>
-                  </a:lnTo>
-                  <a:lnTo>
-                    <a:pt x="15" y="0"/>
-                  </a:lnTo>
-                  <a:lnTo>
-                    <a:pt x="15" y="623"/>
-                  </a:lnTo>
-                  <a:lnTo>
-                    <a:pt x="233" y="1135"/>
-                  </a:lnTo>
-                  <a:lnTo>
-                    <a:pt x="218" y="1141"/>
-                  </a:lnTo>
-                  <a:close/>
-                </a:path>
-              </a:pathLst>
-            </a:custGeom>
-            <a:grpFill/>
-            <a:ln>
-              <a:noFill/>
-            </a:ln>
-            <a:extLst>
-              <a:ext uri="{91240B29-F687-4f45-9708-019B960494DF}">
-                <a14:hiddenLine xmlns="" xmlns:a16="http://schemas.microsoft.com/office/drawing/2014/main" xmlns:p14="http://schemas.microsoft.com/office/powerpoint/2010/main" xmlns:a14="http://schemas.microsoft.com/office/drawing/2010/main" w="9525">
-                  <a:solidFill>
-                    <a:srgbClr val="000000"/>
-                  </a:solidFill>
-                  <a:round/>
-                  <a:headEnd/>
-                  <a:tailEnd/>
-                </a14:hiddenLine>
-              </a:ext>
-            </a:extLst>
-          </p:spPr>
-        </p:sp>
-        <p:sp>
-          <p:nvSpPr>
-            <p:cNvPr id="21" name="Freeform 9">
-              <a:extLst>
-                <a:ext uri="{FF2B5EF4-FFF2-40B4-BE49-F238E27FC236}">
-                  <a16:creationId xmlns:a16="http://schemas.microsoft.com/office/drawing/2014/main" id="{91D776F5-E902-4A4D-A75D-A46E063C9F38}"/>
-                </a:ext>
-                <a:ext uri="{C183D7F6-B498-43B3-948B-1728B52AA6E4}">
-                  <adec:decorative xmlns:adec="http://schemas.microsoft.com/office/drawing/2017/decorative" val="1"/>
-                </a:ext>
-              </a:extLst>
-            </p:cNvPr>
-            <p:cNvSpPr>
-              <a:spLocks noEditPoints="1"/>
-            </p:cNvSpPr>
-            <p:nvPr>
-              <p:extLst>
-                <p:ext uri="{386F3935-93C4-4BCD-93E2-E3B085C9AB24}">
-                  <p16:designElem xmlns:p16="http://schemas.microsoft.com/office/powerpoint/2015/main" val="1"/>
-                </p:ext>
-              </p:extLst>
-            </p:nvPr>
-          </p:nvSpPr>
-          <p:spPr bwMode="auto">
-            <a:xfrm>
-              <a:off x="503237" y="1801813"/>
-              <a:ext cx="190500" cy="188913"/>
-            </a:xfrm>
-            <a:custGeom>
-              <a:avLst/>
-              <a:gdLst/>
-              <a:ahLst/>
-              <a:cxnLst/>
-              <a:rect l="0" t="0" r="r" b="b"/>
-              <a:pathLst>
-                <a:path w="40" h="40">
-                  <a:moveTo>
-                    <a:pt x="20" y="40"/>
-                  </a:moveTo>
-                  <a:cubicBezTo>
-                    <a:pt x="9" y="40"/>
-                    <a:pt x="0" y="31"/>
-                    <a:pt x="0" y="20"/>
-                  </a:cubicBezTo>
-                  <a:cubicBezTo>
-                    <a:pt x="0" y="9"/>
-                    <a:pt x="9" y="0"/>
-                    <a:pt x="20" y="0"/>
-                  </a:cubicBezTo>
-                  <a:cubicBezTo>
-                    <a:pt x="33" y="0"/>
-                    <a:pt x="40" y="6"/>
-                    <a:pt x="40" y="20"/>
-                  </a:cubicBezTo>
-                  <a:cubicBezTo>
-                    <a:pt x="40" y="31"/>
-                    <a:pt x="31" y="40"/>
-                    <a:pt x="20" y="40"/>
-                  </a:cubicBezTo>
-                  <a:close/>
-                  <a:moveTo>
-                    <a:pt x="20" y="4"/>
-                  </a:moveTo>
-                  <a:cubicBezTo>
-                    <a:pt x="11" y="4"/>
-                    <a:pt x="4" y="11"/>
-                    <a:pt x="4" y="20"/>
-                  </a:cubicBezTo>
-                  <a:cubicBezTo>
-                    <a:pt x="4" y="29"/>
-                    <a:pt x="11" y="36"/>
-                    <a:pt x="20" y="36"/>
-                  </a:cubicBezTo>
-                  <a:cubicBezTo>
-                    <a:pt x="28" y="36"/>
-                    <a:pt x="36" y="29"/>
-                    <a:pt x="36" y="20"/>
-                  </a:cubicBezTo>
-                  <a:cubicBezTo>
-                    <a:pt x="36" y="9"/>
-                    <a:pt x="31" y="4"/>
-                    <a:pt x="20" y="4"/>
-                  </a:cubicBezTo>
-                  <a:close/>
-                </a:path>
-              </a:pathLst>
-            </a:custGeom>
-            <a:grpFill/>
-            <a:ln>
-              <a:noFill/>
-            </a:ln>
-            <a:extLst>
-              <a:ext uri="{91240B29-F687-4f45-9708-019B960494DF}">
-                <a14:hiddenLine xmlns="" xmlns:a16="http://schemas.microsoft.com/office/drawing/2014/main" xmlns:p14="http://schemas.microsoft.com/office/powerpoint/2010/main" xmlns:a14="http://schemas.microsoft.com/office/drawing/2010/main" w="9525">
-                  <a:solidFill>
-                    <a:srgbClr val="000000"/>
-                  </a:solidFill>
-                  <a:round/>
-                  <a:headEnd/>
-                  <a:tailEnd/>
-                </a14:hiddenLine>
-              </a:ext>
-            </a:extLst>
-          </p:spPr>
-        </p:sp>
-        <p:sp>
-          <p:nvSpPr>
-            <p:cNvPr id="22" name="Freeform 10">
-              <a:extLst>
-                <a:ext uri="{FF2B5EF4-FFF2-40B4-BE49-F238E27FC236}">
-                  <a16:creationId xmlns:a16="http://schemas.microsoft.com/office/drawing/2014/main" id="{EBED8F24-A998-4952-AB68-E2074F0746FE}"/>
-                </a:ext>
-                <a:ext uri="{C183D7F6-B498-43B3-948B-1728B52AA6E4}">
-                  <adec:decorative xmlns:adec="http://schemas.microsoft.com/office/drawing/2017/decorative" val="1"/>
-                </a:ext>
-              </a:extLst>
-            </p:cNvPr>
-            <p:cNvSpPr/>
-            <p:nvPr>
-              <p:extLst>
-                <p:ext uri="{386F3935-93C4-4BCD-93E2-E3B085C9AB24}">
-                  <p16:designElem xmlns:p16="http://schemas.microsoft.com/office/powerpoint/2015/main" val="1"/>
-                </p:ext>
-              </p:extLst>
-            </p:nvPr>
-          </p:nvSpPr>
-          <p:spPr bwMode="auto">
-            <a:xfrm>
-              <a:off x="285750" y="4763"/>
-              <a:ext cx="369888" cy="1430338"/>
-            </a:xfrm>
-            <a:custGeom>
-              <a:avLst/>
-              <a:gdLst/>
-              <a:ahLst/>
-              <a:cxnLst/>
-              <a:rect l="0" t="0" r="r" b="b"/>
-              <a:pathLst>
-                <a:path w="233" h="901">
-                  <a:moveTo>
-                    <a:pt x="221" y="901"/>
-                  </a:moveTo>
-                  <a:lnTo>
-                    <a:pt x="0" y="383"/>
-                  </a:lnTo>
-                  <a:lnTo>
-                    <a:pt x="0" y="0"/>
-                  </a:lnTo>
-                  <a:lnTo>
-                    <a:pt x="18" y="0"/>
-                  </a:lnTo>
-                  <a:lnTo>
-                    <a:pt x="18" y="380"/>
-                  </a:lnTo>
-                  <a:lnTo>
-                    <a:pt x="233" y="895"/>
-                  </a:lnTo>
-                  <a:lnTo>
-                    <a:pt x="221" y="901"/>
-                  </a:lnTo>
-                  <a:close/>
-                </a:path>
-              </a:pathLst>
-            </a:custGeom>
-            <a:grpFill/>
-            <a:ln>
-              <a:noFill/>
-            </a:ln>
-            <a:extLst>
-              <a:ext uri="{91240B29-F687-4f45-9708-019B960494DF}">
-                <a14:hiddenLine xmlns="" xmlns:a16="http://schemas.microsoft.com/office/drawing/2014/main" xmlns:p14="http://schemas.microsoft.com/office/powerpoint/2010/main" xmlns:a14="http://schemas.microsoft.com/office/drawing/2010/main" w="9525">
-                  <a:solidFill>
-                    <a:srgbClr val="000000"/>
-                  </a:solidFill>
-                  <a:round/>
-                  <a:headEnd/>
-                  <a:tailEnd/>
-                </a14:hiddenLine>
-              </a:ext>
-            </a:extLst>
-          </p:spPr>
-        </p:sp>
-        <p:sp>
-          <p:nvSpPr>
-            <p:cNvPr id="23" name="Freeform 11">
-              <a:extLst>
-                <a:ext uri="{FF2B5EF4-FFF2-40B4-BE49-F238E27FC236}">
-                  <a16:creationId xmlns:a16="http://schemas.microsoft.com/office/drawing/2014/main" id="{74D7A646-8CDC-49B3-9C44-3EF38DB4264C}"/>
-                </a:ext>
-                <a:ext uri="{C183D7F6-B498-43B3-948B-1728B52AA6E4}">
-                  <adec:decorative xmlns:adec="http://schemas.microsoft.com/office/drawing/2017/decorative" val="1"/>
-                </a:ext>
-              </a:extLst>
-            </p:cNvPr>
-            <p:cNvSpPr/>
-            <p:nvPr>
-              <p:extLst>
-                <p:ext uri="{386F3935-93C4-4BCD-93E2-E3B085C9AB24}">
-                  <p16:designElem xmlns:p16="http://schemas.microsoft.com/office/powerpoint/2015/main" val="1"/>
-                </p:ext>
-              </p:extLst>
-            </p:nvPr>
-          </p:nvSpPr>
-          <p:spPr bwMode="auto">
-            <a:xfrm>
-              <a:off x="546100" y="0"/>
-              <a:ext cx="152400" cy="912813"/>
-            </a:xfrm>
-            <a:custGeom>
-              <a:avLst/>
-              <a:gdLst/>
-              <a:ahLst/>
-              <a:cxnLst/>
-              <a:rect l="0" t="0" r="r" b="b"/>
-              <a:pathLst>
-                <a:path w="96" h="575">
-                  <a:moveTo>
-                    <a:pt x="96" y="575"/>
-                  </a:moveTo>
-                  <a:lnTo>
-                    <a:pt x="78" y="575"/>
-                  </a:lnTo>
-                  <a:lnTo>
-                    <a:pt x="78" y="192"/>
-                  </a:lnTo>
-                  <a:lnTo>
-                    <a:pt x="0" y="6"/>
-                  </a:lnTo>
-                  <a:lnTo>
-                    <a:pt x="15" y="0"/>
-                  </a:lnTo>
-                  <a:lnTo>
-                    <a:pt x="96" y="189"/>
-                  </a:lnTo>
-                  <a:lnTo>
-                    <a:pt x="96" y="575"/>
-                  </a:lnTo>
-                  <a:close/>
-                </a:path>
-              </a:pathLst>
-            </a:custGeom>
-            <a:grpFill/>
-            <a:ln>
-              <a:noFill/>
-            </a:ln>
-            <a:extLst>
-              <a:ext uri="{91240B29-F687-4f45-9708-019B960494DF}">
-                <a14:hiddenLine xmlns="" xmlns:a16="http://schemas.microsoft.com/office/drawing/2014/main" xmlns:p14="http://schemas.microsoft.com/office/powerpoint/2010/main" xmlns:a14="http://schemas.microsoft.com/office/drawing/2010/main" w="9525">
-                  <a:solidFill>
-                    <a:srgbClr val="000000"/>
-                  </a:solidFill>
-                  <a:round/>
-                  <a:headEnd/>
-                  <a:tailEnd/>
-                </a14:hiddenLine>
-              </a:ext>
-            </a:extLst>
-          </p:spPr>
-        </p:sp>
-        <p:sp>
-          <p:nvSpPr>
-            <p:cNvPr id="24" name="Freeform 12">
-              <a:extLst>
-                <a:ext uri="{FF2B5EF4-FFF2-40B4-BE49-F238E27FC236}">
-                  <a16:creationId xmlns:a16="http://schemas.microsoft.com/office/drawing/2014/main" id="{D4E99D14-E4F4-419B-9AAF-8D1CEAB28A2D}"/>
-                </a:ext>
-                <a:ext uri="{C183D7F6-B498-43B3-948B-1728B52AA6E4}">
-                  <adec:decorative xmlns:adec="http://schemas.microsoft.com/office/drawing/2017/decorative" val="1"/>
-                </a:ext>
-              </a:extLst>
-            </p:cNvPr>
-            <p:cNvSpPr>
-              <a:spLocks noEditPoints="1"/>
-            </p:cNvSpPr>
-            <p:nvPr>
-              <p:extLst>
-                <p:ext uri="{386F3935-93C4-4BCD-93E2-E3B085C9AB24}">
-                  <p16:designElem xmlns:p16="http://schemas.microsoft.com/office/powerpoint/2015/main" val="1"/>
-                </p:ext>
-              </p:extLst>
-            </p:nvPr>
-          </p:nvSpPr>
-          <p:spPr bwMode="auto">
-            <a:xfrm>
-              <a:off x="588962" y="1420813"/>
-              <a:ext cx="190500" cy="190500"/>
-            </a:xfrm>
-            <a:custGeom>
-              <a:avLst/>
-              <a:gdLst/>
-              <a:ahLst/>
-              <a:cxnLst/>
-              <a:rect l="0" t="0" r="r" b="b"/>
-              <a:pathLst>
-                <a:path w="40" h="40">
-                  <a:moveTo>
-                    <a:pt x="20" y="40"/>
-                  </a:moveTo>
-                  <a:cubicBezTo>
-                    <a:pt x="9" y="40"/>
-                    <a:pt x="0" y="31"/>
-                    <a:pt x="0" y="20"/>
-                  </a:cubicBezTo>
-                  <a:cubicBezTo>
-                    <a:pt x="0" y="9"/>
-                    <a:pt x="9" y="0"/>
-                    <a:pt x="20" y="0"/>
-                  </a:cubicBezTo>
-                  <a:cubicBezTo>
-                    <a:pt x="33" y="0"/>
-                    <a:pt x="40" y="7"/>
-                    <a:pt x="40" y="20"/>
-                  </a:cubicBezTo>
-                  <a:cubicBezTo>
-                    <a:pt x="40" y="31"/>
-                    <a:pt x="31" y="40"/>
-                    <a:pt x="20" y="40"/>
-                  </a:cubicBezTo>
-                  <a:close/>
-                  <a:moveTo>
-                    <a:pt x="20" y="4"/>
-                  </a:moveTo>
-                  <a:cubicBezTo>
-                    <a:pt x="11" y="4"/>
-                    <a:pt x="4" y="11"/>
-                    <a:pt x="4" y="20"/>
-                  </a:cubicBezTo>
-                  <a:cubicBezTo>
-                    <a:pt x="4" y="29"/>
-                    <a:pt x="11" y="36"/>
-                    <a:pt x="20" y="36"/>
-                  </a:cubicBezTo>
-                  <a:cubicBezTo>
-                    <a:pt x="29" y="36"/>
-                    <a:pt x="36" y="29"/>
-                    <a:pt x="36" y="20"/>
-                  </a:cubicBezTo>
-                  <a:cubicBezTo>
-                    <a:pt x="36" y="9"/>
-                    <a:pt x="31" y="4"/>
-                    <a:pt x="20" y="4"/>
-                  </a:cubicBezTo>
-                  <a:close/>
-                </a:path>
-              </a:pathLst>
-            </a:custGeom>
-            <a:grpFill/>
-            <a:ln>
-              <a:noFill/>
-            </a:ln>
-            <a:extLst>
-              <a:ext uri="{91240B29-F687-4f45-9708-019B960494DF}">
-                <a14:hiddenLine xmlns="" xmlns:a16="http://schemas.microsoft.com/office/drawing/2014/main" xmlns:p14="http://schemas.microsoft.com/office/powerpoint/2010/main" xmlns:a14="http://schemas.microsoft.com/office/drawing/2010/main" w="9525">
-                  <a:solidFill>
-                    <a:srgbClr val="000000"/>
-                  </a:solidFill>
-                  <a:round/>
-                  <a:headEnd/>
-                  <a:tailEnd/>
-                </a14:hiddenLine>
-              </a:ext>
-            </a:extLst>
-          </p:spPr>
-        </p:sp>
-        <p:sp>
-          <p:nvSpPr>
-            <p:cNvPr id="25" name="Freeform 13">
-              <a:extLst>
-                <a:ext uri="{FF2B5EF4-FFF2-40B4-BE49-F238E27FC236}">
-                  <a16:creationId xmlns:a16="http://schemas.microsoft.com/office/drawing/2014/main" id="{377E106C-5445-4A52-9F7E-DA1738744291}"/>
-                </a:ext>
-                <a:ext uri="{C183D7F6-B498-43B3-948B-1728B52AA6E4}">
-                  <adec:decorative xmlns:adec="http://schemas.microsoft.com/office/drawing/2017/decorative" val="1"/>
-                </a:ext>
-              </a:extLst>
-            </p:cNvPr>
-            <p:cNvSpPr>
-              <a:spLocks noEditPoints="1"/>
-            </p:cNvSpPr>
-            <p:nvPr>
-              <p:extLst>
-                <p:ext uri="{386F3935-93C4-4BCD-93E2-E3B085C9AB24}">
-                  <p16:designElem xmlns:p16="http://schemas.microsoft.com/office/powerpoint/2015/main" val="1"/>
-                </p:ext>
-              </p:extLst>
-            </p:nvPr>
-          </p:nvSpPr>
-          <p:spPr bwMode="auto">
-            <a:xfrm>
-              <a:off x="588962" y="903288"/>
-              <a:ext cx="190500" cy="190500"/>
-            </a:xfrm>
-            <a:custGeom>
-              <a:avLst/>
-              <a:gdLst/>
-              <a:ahLst/>
-              <a:cxnLst/>
-              <a:rect l="0" t="0" r="r" b="b"/>
-              <a:pathLst>
-                <a:path w="40" h="40">
-                  <a:moveTo>
-                    <a:pt x="20" y="40"/>
-                  </a:moveTo>
-                  <a:cubicBezTo>
-                    <a:pt x="9" y="40"/>
-                    <a:pt x="0" y="31"/>
-                    <a:pt x="0" y="20"/>
-                  </a:cubicBezTo>
-                  <a:cubicBezTo>
-                    <a:pt x="0" y="9"/>
-                    <a:pt x="9" y="0"/>
-                    <a:pt x="20" y="0"/>
-                  </a:cubicBezTo>
-                  <a:cubicBezTo>
-                    <a:pt x="31" y="0"/>
-                    <a:pt x="40" y="9"/>
-                    <a:pt x="40" y="20"/>
-                  </a:cubicBezTo>
-                  <a:cubicBezTo>
-                    <a:pt x="40" y="31"/>
-                    <a:pt x="31" y="40"/>
-                    <a:pt x="20" y="40"/>
-                  </a:cubicBezTo>
-                  <a:close/>
-                  <a:moveTo>
-                    <a:pt x="20" y="4"/>
-                  </a:moveTo>
-                  <a:cubicBezTo>
-                    <a:pt x="11" y="4"/>
-                    <a:pt x="4" y="11"/>
-                    <a:pt x="4" y="20"/>
-                  </a:cubicBezTo>
-                  <a:cubicBezTo>
-                    <a:pt x="4" y="29"/>
-                    <a:pt x="11" y="36"/>
-                    <a:pt x="20" y="36"/>
-                  </a:cubicBezTo>
-                  <a:cubicBezTo>
-                    <a:pt x="29" y="36"/>
-                    <a:pt x="36" y="29"/>
-                    <a:pt x="36" y="20"/>
-                  </a:cubicBezTo>
-                  <a:cubicBezTo>
-                    <a:pt x="36" y="11"/>
-                    <a:pt x="29" y="4"/>
-                    <a:pt x="20" y="4"/>
-                  </a:cubicBezTo>
-                  <a:close/>
-                </a:path>
-              </a:pathLst>
-            </a:custGeom>
-            <a:grpFill/>
-            <a:ln>
-              <a:noFill/>
-            </a:ln>
-            <a:extLst>
-              <a:ext uri="{91240B29-F687-4f45-9708-019B960494DF}">
-                <a14:hiddenLine xmlns="" xmlns:a16="http://schemas.microsoft.com/office/drawing/2014/main" xmlns:p14="http://schemas.microsoft.com/office/powerpoint/2010/main" xmlns:a14="http://schemas.microsoft.com/office/drawing/2010/main" w="9525">
-                  <a:solidFill>
-                    <a:srgbClr val="000000"/>
-                  </a:solidFill>
-                  <a:round/>
-                  <a:headEnd/>
-                  <a:tailEnd/>
-                </a14:hiddenLine>
-              </a:ext>
-            </a:extLst>
-          </p:spPr>
-        </p:sp>
-        <p:sp>
-          <p:nvSpPr>
-            <p:cNvPr id="26" name="Freeform 14">
-              <a:extLst>
-                <a:ext uri="{FF2B5EF4-FFF2-40B4-BE49-F238E27FC236}">
-                  <a16:creationId xmlns:a16="http://schemas.microsoft.com/office/drawing/2014/main" id="{752BFE96-D378-4BAE-A64B-F851A34C4770}"/>
-                </a:ext>
-                <a:ext uri="{C183D7F6-B498-43B3-948B-1728B52AA6E4}">
-                  <adec:decorative xmlns:adec="http://schemas.microsoft.com/office/drawing/2017/decorative" val="1"/>
-                </a:ext>
-              </a:extLst>
-            </p:cNvPr>
-            <p:cNvSpPr/>
-            <p:nvPr>
-              <p:extLst>
-                <p:ext uri="{386F3935-93C4-4BCD-93E2-E3B085C9AB24}">
-                  <p16:designElem xmlns:p16="http://schemas.microsoft.com/office/powerpoint/2015/main" val="1"/>
-                </p:ext>
-              </p:extLst>
-            </p:nvPr>
-          </p:nvSpPr>
-          <p:spPr bwMode="auto">
-            <a:xfrm>
-              <a:off x="641350" y="0"/>
-              <a:ext cx="422275" cy="527050"/>
-            </a:xfrm>
-            <a:custGeom>
-              <a:avLst/>
-              <a:gdLst/>
-              <a:ahLst/>
-              <a:cxnLst/>
-              <a:rect l="0" t="0" r="r" b="b"/>
-              <a:pathLst>
-                <a:path w="266" h="332">
-                  <a:moveTo>
-                    <a:pt x="257" y="332"/>
-                  </a:moveTo>
-                  <a:lnTo>
-                    <a:pt x="48" y="123"/>
-                  </a:lnTo>
-                  <a:lnTo>
-                    <a:pt x="0" y="6"/>
-                  </a:lnTo>
-                  <a:lnTo>
-                    <a:pt x="15" y="0"/>
-                  </a:lnTo>
-                  <a:lnTo>
-                    <a:pt x="63" y="114"/>
-                  </a:lnTo>
-                  <a:lnTo>
-                    <a:pt x="266" y="320"/>
-                  </a:lnTo>
-                  <a:lnTo>
-                    <a:pt x="257" y="332"/>
-                  </a:lnTo>
-                  <a:close/>
-                </a:path>
-              </a:pathLst>
-            </a:custGeom>
-            <a:grpFill/>
-            <a:ln>
-              <a:noFill/>
-            </a:ln>
-            <a:extLst>
-              <a:ext uri="{91240B29-F687-4f45-9708-019B960494DF}">
-                <a14:hiddenLine xmlns="" xmlns:a16="http://schemas.microsoft.com/office/drawing/2014/main" xmlns:p14="http://schemas.microsoft.com/office/powerpoint/2010/main" xmlns:a14="http://schemas.microsoft.com/office/drawing/2010/main" w="9525">
-                  <a:solidFill>
-                    <a:srgbClr val="000000"/>
-                  </a:solidFill>
-                  <a:round/>
-                  <a:headEnd/>
-                  <a:tailEnd/>
-                </a14:hiddenLine>
-              </a:ext>
-            </a:extLst>
-          </p:spPr>
-        </p:sp>
-        <p:sp>
-          <p:nvSpPr>
-            <p:cNvPr id="27" name="Freeform 15">
-              <a:extLst>
-                <a:ext uri="{FF2B5EF4-FFF2-40B4-BE49-F238E27FC236}">
-                  <a16:creationId xmlns:a16="http://schemas.microsoft.com/office/drawing/2014/main" id="{B88FFB19-5A5E-4078-B467-9D4ABD21BD9A}"/>
-                </a:ext>
-                <a:ext uri="{C183D7F6-B498-43B3-948B-1728B52AA6E4}">
-                  <adec:decorative xmlns:adec="http://schemas.microsoft.com/office/drawing/2017/decorative" val="1"/>
-                </a:ext>
-              </a:extLst>
-            </p:cNvPr>
-            <p:cNvSpPr>
-              <a:spLocks noEditPoints="1"/>
-            </p:cNvSpPr>
-            <p:nvPr>
-              <p:extLst>
-                <p:ext uri="{386F3935-93C4-4BCD-93E2-E3B085C9AB24}">
-                  <p16:designElem xmlns:p16="http://schemas.microsoft.com/office/powerpoint/2015/main" val="1"/>
-                </p:ext>
-              </p:extLst>
-            </p:nvPr>
-          </p:nvSpPr>
-          <p:spPr bwMode="auto">
-            <a:xfrm>
-              <a:off x="1020762" y="488950"/>
-              <a:ext cx="161925" cy="147638"/>
-            </a:xfrm>
-            <a:custGeom>
-              <a:avLst/>
-              <a:gdLst/>
-              <a:ahLst/>
-              <a:cxnLst/>
-              <a:rect l="0" t="0" r="r" b="b"/>
-              <a:pathLst>
-                <a:path w="34" h="31">
-                  <a:moveTo>
-                    <a:pt x="17" y="31"/>
-                  </a:moveTo>
-                  <a:cubicBezTo>
-                    <a:pt x="13" y="31"/>
-                    <a:pt x="9" y="30"/>
-                    <a:pt x="6" y="27"/>
-                  </a:cubicBezTo>
-                  <a:cubicBezTo>
-                    <a:pt x="0" y="20"/>
-                    <a:pt x="0" y="10"/>
-                    <a:pt x="6" y="4"/>
-                  </a:cubicBezTo>
-                  <a:cubicBezTo>
-                    <a:pt x="9" y="1"/>
-                    <a:pt x="13" y="0"/>
-                    <a:pt x="17" y="0"/>
-                  </a:cubicBezTo>
-                  <a:cubicBezTo>
-                    <a:pt x="21" y="0"/>
-                    <a:pt x="25" y="1"/>
-                    <a:pt x="28" y="4"/>
-                  </a:cubicBezTo>
-                  <a:cubicBezTo>
-                    <a:pt x="34" y="10"/>
-                    <a:pt x="34" y="20"/>
-                    <a:pt x="28" y="27"/>
-                  </a:cubicBezTo>
-                  <a:cubicBezTo>
-                    <a:pt x="25" y="30"/>
-                    <a:pt x="21" y="31"/>
-                    <a:pt x="17" y="31"/>
-                  </a:cubicBezTo>
-                  <a:close/>
-                  <a:moveTo>
-                    <a:pt x="17" y="4"/>
-                  </a:moveTo>
-                  <a:cubicBezTo>
-                    <a:pt x="14" y="4"/>
-                    <a:pt x="11" y="5"/>
-                    <a:pt x="9" y="7"/>
-                  </a:cubicBezTo>
-                  <a:cubicBezTo>
-                    <a:pt x="4" y="12"/>
-                    <a:pt x="4" y="19"/>
-                    <a:pt x="9" y="24"/>
-                  </a:cubicBezTo>
-                  <a:cubicBezTo>
-                    <a:pt x="11" y="26"/>
-                    <a:pt x="14" y="27"/>
-                    <a:pt x="17" y="27"/>
-                  </a:cubicBezTo>
-                  <a:cubicBezTo>
-                    <a:pt x="20" y="27"/>
-                    <a:pt x="23" y="26"/>
-                    <a:pt x="25" y="24"/>
-                  </a:cubicBezTo>
-                  <a:cubicBezTo>
-                    <a:pt x="30" y="19"/>
-                    <a:pt x="30" y="12"/>
-                    <a:pt x="25" y="7"/>
-                  </a:cubicBezTo>
-                  <a:cubicBezTo>
-                    <a:pt x="23" y="5"/>
-                    <a:pt x="20" y="4"/>
-                    <a:pt x="17" y="4"/>
-                  </a:cubicBezTo>
-                  <a:close/>
-                </a:path>
-              </a:pathLst>
-            </a:custGeom>
-            <a:grpFill/>
-            <a:ln>
-              <a:noFill/>
-            </a:ln>
-            <a:extLst>
-              <a:ext uri="{91240B29-F687-4f45-9708-019B960494DF}">
-                <a14:hiddenLine xmlns="" xmlns:a16="http://schemas.microsoft.com/office/drawing/2014/main" xmlns:p14="http://schemas.microsoft.com/office/powerpoint/2010/main" xmlns:a14="http://schemas.microsoft.com/office/drawing/2010/main" w="9525">
-                  <a:solidFill>
-                    <a:srgbClr val="000000"/>
-                  </a:solidFill>
-                  <a:round/>
-                  <a:headEnd/>
-                  <a:tailEnd/>
-                </a14:hiddenLine>
-              </a:ext>
-            </a:extLst>
-          </p:spPr>
-        </p:sp>
-        <p:sp>
-          <p:nvSpPr>
-            <p:cNvPr id="28" name="Line 16">
-              <a:extLst>
-                <a:ext uri="{FF2B5EF4-FFF2-40B4-BE49-F238E27FC236}">
-                  <a16:creationId xmlns:a16="http://schemas.microsoft.com/office/drawing/2014/main" id="{11042975-3D19-4728-BCDA-D3F5CD633EDB}"/>
-                </a:ext>
-                <a:ext uri="{C183D7F6-B498-43B3-948B-1728B52AA6E4}">
-                  <adec:decorative xmlns:adec="http://schemas.microsoft.com/office/drawing/2017/decorative" val="1"/>
-                </a:ext>
-              </a:extLst>
-            </p:cNvPr>
-            <p:cNvSpPr>
-              <a:spLocks noChangeShapeType="1"/>
-            </p:cNvSpPr>
-            <p:nvPr>
-              <p:extLst>
-                <p:ext uri="{386F3935-93C4-4BCD-93E2-E3B085C9AB24}">
-                  <p16:designElem xmlns:p16="http://schemas.microsoft.com/office/powerpoint/2015/main" val="1"/>
-                </p:ext>
-              </p:extLst>
-            </p:nvPr>
-          </p:nvSpPr>
-          <p:spPr bwMode="auto">
-            <a:xfrm>
-              <a:off x="-4763" y="9525"/>
-              <a:ext cx="0" cy="0"/>
-            </a:xfrm>
-            <a:prstGeom prst="line">
-              <a:avLst/>
-            </a:prstGeom>
-            <a:grpFill/>
-            <a:ln w="15" cap="flat">
-              <a:solidFill>
-                <a:srgbClr val="FFFFFF"/>
-              </a:solidFill>
-              <a:prstDash val="solid"/>
-              <a:miter lim="800000"/>
-              <a:headEnd/>
-              <a:tailEnd/>
-            </a:ln>
-          </p:spPr>
-        </p:sp>
-        <p:sp>
-          <p:nvSpPr>
-            <p:cNvPr id="29" name="Freeform 17">
-              <a:extLst>
-                <a:ext uri="{FF2B5EF4-FFF2-40B4-BE49-F238E27FC236}">
-                  <a16:creationId xmlns:a16="http://schemas.microsoft.com/office/drawing/2014/main" id="{A28972BD-D2E1-4DCA-A907-2E3B6F606649}"/>
-                </a:ext>
-                <a:ext uri="{C183D7F6-B498-43B3-948B-1728B52AA6E4}">
-                  <adec:decorative xmlns:adec="http://schemas.microsoft.com/office/drawing/2017/decorative" val="1"/>
-                </a:ext>
-              </a:extLst>
-            </p:cNvPr>
-            <p:cNvSpPr/>
-            <p:nvPr>
-              <p:extLst>
-                <p:ext uri="{386F3935-93C4-4BCD-93E2-E3B085C9AB24}">
-                  <p16:designElem xmlns:p16="http://schemas.microsoft.com/office/powerpoint/2015/main" val="1"/>
-                </p:ext>
-              </p:extLst>
-            </p:nvPr>
-          </p:nvSpPr>
-          <p:spPr bwMode="auto">
-            <a:xfrm>
-              <a:off x="9525" y="1801813"/>
-              <a:ext cx="123825" cy="127000"/>
-            </a:xfrm>
-            <a:custGeom>
-              <a:avLst/>
-              <a:gdLst/>
-              <a:ahLst/>
-              <a:cxnLst/>
-              <a:rect l="0" t="0" r="r" b="b"/>
-              <a:pathLst>
-                <a:path w="78" h="80">
-                  <a:moveTo>
-                    <a:pt x="6" y="80"/>
-                  </a:moveTo>
-                  <a:lnTo>
-                    <a:pt x="0" y="71"/>
-                  </a:lnTo>
-                  <a:lnTo>
-                    <a:pt x="69" y="0"/>
-                  </a:lnTo>
-                  <a:lnTo>
-                    <a:pt x="78" y="9"/>
-                  </a:lnTo>
-                  <a:lnTo>
-                    <a:pt x="6" y="80"/>
-                  </a:lnTo>
-                  <a:close/>
-                </a:path>
-              </a:pathLst>
-            </a:custGeom>
-            <a:grpFill/>
-            <a:ln>
-              <a:noFill/>
-            </a:ln>
-            <a:extLst>
-              <a:ext uri="{91240B29-F687-4f45-9708-019B960494DF}">
-                <a14:hiddenLine xmlns="" xmlns:a16="http://schemas.microsoft.com/office/drawing/2014/main" xmlns:p14="http://schemas.microsoft.com/office/powerpoint/2010/main" xmlns:a14="http://schemas.microsoft.com/office/drawing/2010/main" w="9525">
-                  <a:solidFill>
-                    <a:srgbClr val="000000"/>
-                  </a:solidFill>
-                  <a:round/>
-                  <a:headEnd/>
-                  <a:tailEnd/>
-                </a14:hiddenLine>
-              </a:ext>
-            </a:extLst>
-          </p:spPr>
-        </p:sp>
-        <p:sp>
-          <p:nvSpPr>
-            <p:cNvPr id="30" name="Freeform 18">
-              <a:extLst>
-                <a:ext uri="{FF2B5EF4-FFF2-40B4-BE49-F238E27FC236}">
-                  <a16:creationId xmlns:a16="http://schemas.microsoft.com/office/drawing/2014/main" id="{1C806824-5C2D-4747-B038-69EE4074B366}"/>
-                </a:ext>
-                <a:ext uri="{C183D7F6-B498-43B3-948B-1728B52AA6E4}">
-                  <adec:decorative xmlns:adec="http://schemas.microsoft.com/office/drawing/2017/decorative" val="1"/>
-                </a:ext>
-              </a:extLst>
-            </p:cNvPr>
-            <p:cNvSpPr/>
-            <p:nvPr>
-              <p:extLst>
-                <p:ext uri="{386F3935-93C4-4BCD-93E2-E3B085C9AB24}">
-                  <p16:designElem xmlns:p16="http://schemas.microsoft.com/office/powerpoint/2015/main" val="1"/>
-                </p:ext>
-              </p:extLst>
-            </p:nvPr>
-          </p:nvSpPr>
-          <p:spPr bwMode="auto">
-            <a:xfrm>
-              <a:off x="-9525" y="3549650"/>
-              <a:ext cx="147638" cy="481013"/>
-            </a:xfrm>
-            <a:custGeom>
-              <a:avLst/>
-              <a:gdLst/>
-              <a:ahLst/>
-              <a:cxnLst/>
-              <a:rect l="0" t="0" r="r" b="b"/>
-              <a:pathLst>
-                <a:path w="93" h="303">
-                  <a:moveTo>
-                    <a:pt x="93" y="303"/>
-                  </a:moveTo>
-                  <a:lnTo>
-                    <a:pt x="78" y="303"/>
-                  </a:lnTo>
-                  <a:lnTo>
-                    <a:pt x="78" y="78"/>
-                  </a:lnTo>
-                  <a:lnTo>
-                    <a:pt x="0" y="12"/>
-                  </a:lnTo>
-                  <a:lnTo>
-                    <a:pt x="12" y="0"/>
-                  </a:lnTo>
-                  <a:lnTo>
-                    <a:pt x="93" y="69"/>
-                  </a:lnTo>
-                  <a:lnTo>
-                    <a:pt x="93" y="303"/>
-                  </a:lnTo>
-                  <a:close/>
-                </a:path>
-              </a:pathLst>
-            </a:custGeom>
-            <a:grpFill/>
-            <a:ln>
-              <a:noFill/>
-            </a:ln>
-            <a:extLst>
-              <a:ext uri="{91240B29-F687-4f45-9708-019B960494DF}">
-                <a14:hiddenLine xmlns="" xmlns:a16="http://schemas.microsoft.com/office/drawing/2014/main" xmlns:p14="http://schemas.microsoft.com/office/powerpoint/2010/main" xmlns:a14="http://schemas.microsoft.com/office/drawing/2010/main" w="9525">
-                  <a:solidFill>
-                    <a:srgbClr val="000000"/>
-                  </a:solidFill>
-                  <a:round/>
-                  <a:headEnd/>
-                  <a:tailEnd/>
-                </a14:hiddenLine>
-              </a:ext>
-            </a:extLst>
-          </p:spPr>
-        </p:sp>
-        <p:sp>
-          <p:nvSpPr>
-            <p:cNvPr id="31" name="Freeform 19">
-              <a:extLst>
-                <a:ext uri="{FF2B5EF4-FFF2-40B4-BE49-F238E27FC236}">
-                  <a16:creationId xmlns:a16="http://schemas.microsoft.com/office/drawing/2014/main" id="{3B33F710-16D7-4F48-BFCA-66C9CA2352CB}"/>
-                </a:ext>
-                <a:ext uri="{C183D7F6-B498-43B3-948B-1728B52AA6E4}">
-                  <adec:decorative xmlns:adec="http://schemas.microsoft.com/office/drawing/2017/decorative" val="1"/>
-                </a:ext>
-              </a:extLst>
-            </p:cNvPr>
-            <p:cNvSpPr/>
-            <p:nvPr>
-              <p:extLst>
-                <p:ext uri="{386F3935-93C4-4BCD-93E2-E3B085C9AB24}">
-                  <p16:designElem xmlns:p16="http://schemas.microsoft.com/office/powerpoint/2015/main" val="1"/>
-                </p:ext>
-              </p:extLst>
-            </p:nvPr>
-          </p:nvSpPr>
-          <p:spPr bwMode="auto">
-            <a:xfrm>
-              <a:off x="128587" y="1382713"/>
-              <a:ext cx="142875" cy="476250"/>
-            </a:xfrm>
-            <a:custGeom>
-              <a:avLst/>
-              <a:gdLst/>
-              <a:ahLst/>
-              <a:cxnLst/>
-              <a:rect l="0" t="0" r="r" b="b"/>
-              <a:pathLst>
-                <a:path w="90" h="300">
-                  <a:moveTo>
-                    <a:pt x="90" y="300"/>
-                  </a:moveTo>
-                  <a:lnTo>
-                    <a:pt x="78" y="300"/>
-                  </a:lnTo>
-                  <a:lnTo>
-                    <a:pt x="78" y="84"/>
-                  </a:lnTo>
-                  <a:lnTo>
-                    <a:pt x="0" y="9"/>
-                  </a:lnTo>
-                  <a:lnTo>
-                    <a:pt x="9" y="0"/>
-                  </a:lnTo>
-                  <a:lnTo>
-                    <a:pt x="90" y="81"/>
-                  </a:lnTo>
-                  <a:lnTo>
-                    <a:pt x="90" y="300"/>
-                  </a:lnTo>
-                  <a:close/>
-                </a:path>
-              </a:pathLst>
-            </a:custGeom>
-            <a:grpFill/>
-            <a:ln>
-              <a:noFill/>
-            </a:ln>
-            <a:extLst>
-              <a:ext uri="{91240B29-F687-4f45-9708-019B960494DF}">
-                <a14:hiddenLine xmlns="" xmlns:a16="http://schemas.microsoft.com/office/drawing/2014/main" xmlns:p14="http://schemas.microsoft.com/office/powerpoint/2010/main" xmlns:a14="http://schemas.microsoft.com/office/drawing/2010/main" w="9525">
-                  <a:solidFill>
-                    <a:srgbClr val="000000"/>
-                  </a:solidFill>
-                  <a:round/>
-                  <a:headEnd/>
-                  <a:tailEnd/>
-                </a14:hiddenLine>
-              </a:ext>
-            </a:extLst>
-          </p:spPr>
-        </p:sp>
-        <p:sp>
-          <p:nvSpPr>
-            <p:cNvPr id="32" name="Freeform 20">
-              <a:extLst>
-                <a:ext uri="{FF2B5EF4-FFF2-40B4-BE49-F238E27FC236}">
-                  <a16:creationId xmlns:a16="http://schemas.microsoft.com/office/drawing/2014/main" id="{6C8C8ED4-90FA-4E97-AAF0-D5D51E6A935E}"/>
-                </a:ext>
-                <a:ext uri="{C183D7F6-B498-43B3-948B-1728B52AA6E4}">
-                  <adec:decorative xmlns:adec="http://schemas.microsoft.com/office/drawing/2017/decorative" val="1"/>
-                </a:ext>
-              </a:extLst>
-            </p:cNvPr>
-            <p:cNvSpPr>
-              <a:spLocks noEditPoints="1"/>
-            </p:cNvSpPr>
-            <p:nvPr>
-              <p:extLst>
-                <p:ext uri="{386F3935-93C4-4BCD-93E2-E3B085C9AB24}">
-                  <p16:designElem xmlns:p16="http://schemas.microsoft.com/office/powerpoint/2015/main" val="1"/>
-                </p:ext>
-              </p:extLst>
-            </p:nvPr>
-          </p:nvSpPr>
-          <p:spPr bwMode="auto">
-            <a:xfrm>
-              <a:off x="204787" y="1849438"/>
-              <a:ext cx="114300" cy="107950"/>
-            </a:xfrm>
-            <a:custGeom>
-              <a:avLst/>
-              <a:gdLst/>
-              <a:ahLst/>
-              <a:cxnLst/>
-              <a:rect l="0" t="0" r="r" b="b"/>
-              <a:pathLst>
-                <a:path w="24" h="23">
-                  <a:moveTo>
-                    <a:pt x="12" y="23"/>
-                  </a:moveTo>
-                  <a:cubicBezTo>
-                    <a:pt x="6" y="23"/>
-                    <a:pt x="0" y="18"/>
-                    <a:pt x="0" y="12"/>
-                  </a:cubicBezTo>
-                  <a:cubicBezTo>
-                    <a:pt x="0" y="5"/>
-                    <a:pt x="6" y="0"/>
-                    <a:pt x="12" y="0"/>
-                  </a:cubicBezTo>
-                  <a:cubicBezTo>
-                    <a:pt x="18" y="0"/>
-                    <a:pt x="24" y="5"/>
-                    <a:pt x="24" y="12"/>
-                  </a:cubicBezTo>
-                  <a:cubicBezTo>
-                    <a:pt x="24" y="18"/>
-                    <a:pt x="18" y="23"/>
-                    <a:pt x="12" y="23"/>
-                  </a:cubicBezTo>
-                  <a:close/>
-                  <a:moveTo>
-                    <a:pt x="12" y="4"/>
-                  </a:moveTo>
-                  <a:cubicBezTo>
-                    <a:pt x="8" y="4"/>
-                    <a:pt x="4" y="8"/>
-                    <a:pt x="4" y="12"/>
-                  </a:cubicBezTo>
-                  <a:cubicBezTo>
-                    <a:pt x="4" y="16"/>
-                    <a:pt x="8" y="19"/>
-                    <a:pt x="12" y="19"/>
-                  </a:cubicBezTo>
-                  <a:cubicBezTo>
-                    <a:pt x="16" y="19"/>
-                    <a:pt x="20" y="16"/>
-                    <a:pt x="20" y="12"/>
-                  </a:cubicBezTo>
-                  <a:cubicBezTo>
-                    <a:pt x="20" y="8"/>
-                    <a:pt x="16" y="4"/>
-                    <a:pt x="12" y="4"/>
-                  </a:cubicBezTo>
-                  <a:close/>
-                </a:path>
-              </a:pathLst>
-            </a:custGeom>
-            <a:grpFill/>
-            <a:ln>
-              <a:noFill/>
-            </a:ln>
-            <a:extLst>
-              <a:ext uri="{91240B29-F687-4f45-9708-019B960494DF}">
-                <a14:hiddenLine xmlns="" xmlns:a16="http://schemas.microsoft.com/office/drawing/2014/main" xmlns:p14="http://schemas.microsoft.com/office/powerpoint/2010/main" xmlns:a14="http://schemas.microsoft.com/office/drawing/2010/main" w="9525">
-                  <a:solidFill>
-                    <a:srgbClr val="000000"/>
-                  </a:solidFill>
-                  <a:round/>
-                  <a:headEnd/>
-                  <a:tailEnd/>
-                </a14:hiddenLine>
-              </a:ext>
-            </a:extLst>
-          </p:spPr>
-        </p:sp>
-        <p:sp>
-          <p:nvSpPr>
-            <p:cNvPr id="33" name="Rectangle 21">
-              <a:extLst>
-                <a:ext uri="{FF2B5EF4-FFF2-40B4-BE49-F238E27FC236}">
-                  <a16:creationId xmlns:a16="http://schemas.microsoft.com/office/drawing/2014/main" id="{6C5EB9C1-B25F-4172-8A96-5950ECC828FC}"/>
-                </a:ext>
-                <a:ext uri="{C183D7F6-B498-43B3-948B-1728B52AA6E4}">
-                  <adec:decorative xmlns:adec="http://schemas.microsoft.com/office/drawing/2017/decorative" val="1"/>
-                </a:ext>
-              </a:extLst>
-            </p:cNvPr>
-            <p:cNvSpPr>
-              <a:spLocks noChangeArrowheads="1"/>
-            </p:cNvSpPr>
-            <p:nvPr>
-              <p:extLst>
-                <p:ext uri="{386F3935-93C4-4BCD-93E2-E3B085C9AB24}">
-                  <p16:designElem xmlns:p16="http://schemas.microsoft.com/office/powerpoint/2015/main" val="1"/>
-                </p:ext>
-              </p:extLst>
-            </p:nvPr>
-          </p:nvSpPr>
-          <p:spPr bwMode="auto">
-            <a:xfrm>
-              <a:off x="133350" y="4662488"/>
-              <a:ext cx="23813" cy="2181225"/>
-            </a:xfrm>
-            <a:prstGeom prst="rect">
-              <a:avLst/>
-            </a:prstGeom>
-            <a:grpFill/>
-            <a:ln>
-              <a:noFill/>
-            </a:ln>
-            <a:extLst>
-              <a:ext uri="{91240B29-F687-4f45-9708-019B960494DF}">
-                <a14:hiddenLine xmlns="" xmlns:a16="http://schemas.microsoft.com/office/drawing/2014/main" xmlns:p14="http://schemas.microsoft.com/office/powerpoint/2010/main" xmlns:a14="http://schemas.microsoft.com/office/drawing/2010/main" w="9525">
-                  <a:solidFill>
-                    <a:srgbClr val="000000"/>
-                  </a:solidFill>
-                  <a:miter lim="800000"/>
-                  <a:headEnd/>
-                  <a:tailEnd/>
-                </a14:hiddenLine>
-              </a:ext>
-            </a:extLst>
-          </p:spPr>
-        </p:sp>
-        <p:sp>
-          <p:nvSpPr>
-            <p:cNvPr id="34" name="Freeform 22">
-              <a:extLst>
-                <a:ext uri="{FF2B5EF4-FFF2-40B4-BE49-F238E27FC236}">
-                  <a16:creationId xmlns:a16="http://schemas.microsoft.com/office/drawing/2014/main" id="{097E6E8A-9373-4655-882B-21715CCE97EE}"/>
-                </a:ext>
-                <a:ext uri="{C183D7F6-B498-43B3-948B-1728B52AA6E4}">
-                  <adec:decorative xmlns:adec="http://schemas.microsoft.com/office/drawing/2017/decorative" val="1"/>
-                </a:ext>
-              </a:extLst>
-            </p:cNvPr>
-            <p:cNvSpPr/>
-            <p:nvPr>
-              <p:extLst>
-                <p:ext uri="{386F3935-93C4-4BCD-93E2-E3B085C9AB24}">
-                  <p16:designElem xmlns:p16="http://schemas.microsoft.com/office/powerpoint/2015/main" val="1"/>
-                </p:ext>
-              </p:extLst>
-            </p:nvPr>
-          </p:nvSpPr>
-          <p:spPr bwMode="auto">
-            <a:xfrm>
-              <a:off x="223837" y="5041900"/>
-              <a:ext cx="369888" cy="1801813"/>
-            </a:xfrm>
-            <a:custGeom>
-              <a:avLst/>
-              <a:gdLst/>
-              <a:ahLst/>
-              <a:cxnLst/>
-              <a:rect l="0" t="0" r="r" b="b"/>
-              <a:pathLst>
-                <a:path w="233" h="1135">
-                  <a:moveTo>
-                    <a:pt x="15" y="1135"/>
-                  </a:moveTo>
-                  <a:lnTo>
-                    <a:pt x="0" y="1135"/>
-                  </a:lnTo>
-                  <a:lnTo>
-                    <a:pt x="0" y="515"/>
-                  </a:lnTo>
-                  <a:lnTo>
-                    <a:pt x="0" y="512"/>
-                  </a:lnTo>
-                  <a:lnTo>
-                    <a:pt x="218" y="0"/>
-                  </a:lnTo>
-                  <a:lnTo>
-                    <a:pt x="233" y="6"/>
-                  </a:lnTo>
-                  <a:lnTo>
-                    <a:pt x="15" y="518"/>
-                  </a:lnTo>
-                  <a:lnTo>
-                    <a:pt x="15" y="1135"/>
-                  </a:lnTo>
-                  <a:close/>
-                </a:path>
-              </a:pathLst>
-            </a:custGeom>
-            <a:grpFill/>
-            <a:ln>
-              <a:noFill/>
-            </a:ln>
-            <a:extLst>
-              <a:ext uri="{91240B29-F687-4f45-9708-019B960494DF}">
-                <a14:hiddenLine xmlns="" xmlns:a16="http://schemas.microsoft.com/office/drawing/2014/main" xmlns:p14="http://schemas.microsoft.com/office/powerpoint/2010/main" xmlns:a14="http://schemas.microsoft.com/office/drawing/2010/main" w="9525">
-                  <a:solidFill>
-                    <a:srgbClr val="000000"/>
-                  </a:solidFill>
-                  <a:round/>
-                  <a:headEnd/>
-                  <a:tailEnd/>
-                </a14:hiddenLine>
-              </a:ext>
-            </a:extLst>
-          </p:spPr>
-        </p:sp>
-        <p:sp>
-          <p:nvSpPr>
-            <p:cNvPr id="35" name="Freeform 23">
-              <a:extLst>
-                <a:ext uri="{FF2B5EF4-FFF2-40B4-BE49-F238E27FC236}">
-                  <a16:creationId xmlns:a16="http://schemas.microsoft.com/office/drawing/2014/main" id="{EB8CC766-1206-4372-ACAF-8230AF4D5421}"/>
-                </a:ext>
-                <a:ext uri="{C183D7F6-B498-43B3-948B-1728B52AA6E4}">
-                  <adec:decorative xmlns:adec="http://schemas.microsoft.com/office/drawing/2017/decorative" val="1"/>
-                </a:ext>
-              </a:extLst>
-            </p:cNvPr>
-            <p:cNvSpPr>
-              <a:spLocks noEditPoints="1"/>
-            </p:cNvSpPr>
-            <p:nvPr>
-              <p:extLst>
-                <p:ext uri="{386F3935-93C4-4BCD-93E2-E3B085C9AB24}">
-                  <p16:designElem xmlns:p16="http://schemas.microsoft.com/office/powerpoint/2015/main" val="1"/>
-                </p:ext>
-              </p:extLst>
-            </p:nvPr>
-          </p:nvSpPr>
-          <p:spPr bwMode="auto">
-            <a:xfrm>
-              <a:off x="52387" y="4481513"/>
-              <a:ext cx="190500" cy="190500"/>
-            </a:xfrm>
-            <a:custGeom>
-              <a:avLst/>
-              <a:gdLst/>
-              <a:ahLst/>
-              <a:cxnLst/>
-              <a:rect l="0" t="0" r="r" b="b"/>
-              <a:pathLst>
-                <a:path w="40" h="40">
-                  <a:moveTo>
-                    <a:pt x="20" y="40"/>
-                  </a:moveTo>
-                  <a:cubicBezTo>
-                    <a:pt x="9" y="40"/>
-                    <a:pt x="0" y="31"/>
-                    <a:pt x="0" y="20"/>
-                  </a:cubicBezTo>
-                  <a:cubicBezTo>
-                    <a:pt x="0" y="9"/>
-                    <a:pt x="9" y="0"/>
-                    <a:pt x="20" y="0"/>
-                  </a:cubicBezTo>
-                  <a:cubicBezTo>
-                    <a:pt x="31" y="0"/>
-                    <a:pt x="40" y="9"/>
-                    <a:pt x="40" y="20"/>
-                  </a:cubicBezTo>
-                  <a:cubicBezTo>
-                    <a:pt x="40" y="31"/>
-                    <a:pt x="31" y="40"/>
-                    <a:pt x="20" y="40"/>
-                  </a:cubicBezTo>
-                  <a:close/>
-                  <a:moveTo>
-                    <a:pt x="20" y="4"/>
-                  </a:moveTo>
-                  <a:cubicBezTo>
-                    <a:pt x="11" y="4"/>
-                    <a:pt x="4" y="11"/>
-                    <a:pt x="4" y="20"/>
-                  </a:cubicBezTo>
-                  <a:cubicBezTo>
-                    <a:pt x="4" y="29"/>
-                    <a:pt x="11" y="36"/>
-                    <a:pt x="20" y="36"/>
-                  </a:cubicBezTo>
-                  <a:cubicBezTo>
-                    <a:pt x="28" y="36"/>
-                    <a:pt x="36" y="29"/>
-                    <a:pt x="36" y="20"/>
-                  </a:cubicBezTo>
-                  <a:cubicBezTo>
-                    <a:pt x="36" y="11"/>
-                    <a:pt x="28" y="4"/>
-                    <a:pt x="20" y="4"/>
-                  </a:cubicBezTo>
-                  <a:close/>
-                </a:path>
-              </a:pathLst>
-            </a:custGeom>
-            <a:grpFill/>
-            <a:ln>
-              <a:noFill/>
-            </a:ln>
-            <a:extLst>
-              <a:ext uri="{91240B29-F687-4f45-9708-019B960494DF}">
-                <a14:hiddenLine xmlns="" xmlns:a16="http://schemas.microsoft.com/office/drawing/2014/main" xmlns:p14="http://schemas.microsoft.com/office/powerpoint/2010/main" xmlns:a14="http://schemas.microsoft.com/office/drawing/2010/main" w="9525">
-                  <a:solidFill>
-                    <a:srgbClr val="000000"/>
-                  </a:solidFill>
-                  <a:round/>
-                  <a:headEnd/>
-                  <a:tailEnd/>
-                </a14:hiddenLine>
-              </a:ext>
-            </a:extLst>
-          </p:spPr>
-        </p:sp>
-        <p:sp>
-          <p:nvSpPr>
-            <p:cNvPr id="36" name="Freeform 24">
-              <a:extLst>
-                <a:ext uri="{FF2B5EF4-FFF2-40B4-BE49-F238E27FC236}">
-                  <a16:creationId xmlns:a16="http://schemas.microsoft.com/office/drawing/2014/main" id="{1C8E2511-2489-47B2-9C19-C410910DD901}"/>
-                </a:ext>
-                <a:ext uri="{C183D7F6-B498-43B3-948B-1728B52AA6E4}">
-                  <adec:decorative xmlns:adec="http://schemas.microsoft.com/office/drawing/2017/decorative" val="1"/>
-                </a:ext>
-              </a:extLst>
-            </p:cNvPr>
-            <p:cNvSpPr/>
-            <p:nvPr>
-              <p:extLst>
-                <p:ext uri="{386F3935-93C4-4BCD-93E2-E3B085C9AB24}">
-                  <p16:designElem xmlns:p16="http://schemas.microsoft.com/office/powerpoint/2015/main" val="1"/>
-                </p:ext>
-              </p:extLst>
-            </p:nvPr>
-          </p:nvSpPr>
-          <p:spPr bwMode="auto">
-            <a:xfrm>
-              <a:off x="-14288" y="5627688"/>
-              <a:ext cx="85725" cy="1216025"/>
-            </a:xfrm>
-            <a:custGeom>
-              <a:avLst/>
-              <a:gdLst/>
-              <a:ahLst/>
-              <a:cxnLst/>
-              <a:rect l="0" t="0" r="r" b="b"/>
-              <a:pathLst>
-                <a:path w="54" h="766">
-                  <a:moveTo>
-                    <a:pt x="54" y="766"/>
-                  </a:moveTo>
-                  <a:lnTo>
-                    <a:pt x="36" y="766"/>
-                  </a:lnTo>
-                  <a:lnTo>
-                    <a:pt x="36" y="149"/>
-                  </a:lnTo>
-                  <a:lnTo>
-                    <a:pt x="0" y="3"/>
-                  </a:lnTo>
-                  <a:lnTo>
-                    <a:pt x="18" y="0"/>
-                  </a:lnTo>
-                  <a:lnTo>
-                    <a:pt x="54" y="146"/>
-                  </a:lnTo>
-                  <a:lnTo>
-                    <a:pt x="54" y="766"/>
-                  </a:lnTo>
-                  <a:close/>
-                </a:path>
-              </a:pathLst>
-            </a:custGeom>
-            <a:grpFill/>
-            <a:ln>
-              <a:noFill/>
-            </a:ln>
-            <a:extLst>
-              <a:ext uri="{91240B29-F687-4f45-9708-019B960494DF}">
-                <a14:hiddenLine xmlns="" xmlns:a16="http://schemas.microsoft.com/office/drawing/2014/main" xmlns:p14="http://schemas.microsoft.com/office/powerpoint/2010/main" xmlns:a14="http://schemas.microsoft.com/office/drawing/2010/main" w="9525">
-                  <a:solidFill>
-                    <a:srgbClr val="000000"/>
-                  </a:solidFill>
-                  <a:round/>
-                  <a:headEnd/>
-                  <a:tailEnd/>
-                </a14:hiddenLine>
-              </a:ext>
-            </a:extLst>
-          </p:spPr>
-        </p:sp>
-        <p:sp>
-          <p:nvSpPr>
-            <p:cNvPr id="37" name="Freeform 25">
-              <a:extLst>
-                <a:ext uri="{FF2B5EF4-FFF2-40B4-BE49-F238E27FC236}">
-                  <a16:creationId xmlns:a16="http://schemas.microsoft.com/office/drawing/2014/main" id="{D7820196-0A47-47EF-832C-A688E8977D60}"/>
-                </a:ext>
-                <a:ext uri="{C183D7F6-B498-43B3-948B-1728B52AA6E4}">
-                  <adec:decorative xmlns:adec="http://schemas.microsoft.com/office/drawing/2017/decorative" val="1"/>
-                </a:ext>
-              </a:extLst>
-            </p:cNvPr>
-            <p:cNvSpPr>
-              <a:spLocks noEditPoints="1"/>
-            </p:cNvSpPr>
-            <p:nvPr>
-              <p:extLst>
-                <p:ext uri="{386F3935-93C4-4BCD-93E2-E3B085C9AB24}">
-                  <p16:designElem xmlns:p16="http://schemas.microsoft.com/office/powerpoint/2015/main" val="1"/>
-                </p:ext>
-              </p:extLst>
-            </p:nvPr>
-          </p:nvSpPr>
-          <p:spPr bwMode="auto">
-            <a:xfrm>
-              <a:off x="527050" y="4867275"/>
-              <a:ext cx="190500" cy="188913"/>
-            </a:xfrm>
-            <a:custGeom>
-              <a:avLst/>
-              <a:gdLst/>
-              <a:ahLst/>
-              <a:cxnLst/>
-              <a:rect l="0" t="0" r="r" b="b"/>
-              <a:pathLst>
-                <a:path w="40" h="40">
-                  <a:moveTo>
-                    <a:pt x="20" y="40"/>
-                  </a:moveTo>
-                  <a:cubicBezTo>
-                    <a:pt x="9" y="40"/>
-                    <a:pt x="0" y="31"/>
-                    <a:pt x="0" y="20"/>
-                  </a:cubicBezTo>
-                  <a:cubicBezTo>
-                    <a:pt x="0" y="9"/>
-                    <a:pt x="9" y="0"/>
-                    <a:pt x="20" y="0"/>
-                  </a:cubicBezTo>
-                  <a:cubicBezTo>
-                    <a:pt x="31" y="0"/>
-                    <a:pt x="40" y="9"/>
-                    <a:pt x="40" y="20"/>
-                  </a:cubicBezTo>
-                  <a:cubicBezTo>
-                    <a:pt x="40" y="31"/>
-                    <a:pt x="31" y="40"/>
-                    <a:pt x="20" y="40"/>
-                  </a:cubicBezTo>
-                  <a:close/>
-                  <a:moveTo>
-                    <a:pt x="20" y="4"/>
-                  </a:moveTo>
-                  <a:cubicBezTo>
-                    <a:pt x="11" y="4"/>
-                    <a:pt x="4" y="11"/>
-                    <a:pt x="4" y="20"/>
-                  </a:cubicBezTo>
-                  <a:cubicBezTo>
-                    <a:pt x="4" y="29"/>
-                    <a:pt x="11" y="36"/>
-                    <a:pt x="20" y="36"/>
-                  </a:cubicBezTo>
-                  <a:cubicBezTo>
-                    <a:pt x="29" y="36"/>
-                    <a:pt x="36" y="29"/>
-                    <a:pt x="36" y="20"/>
-                  </a:cubicBezTo>
-                  <a:cubicBezTo>
-                    <a:pt x="36" y="11"/>
-                    <a:pt x="29" y="4"/>
-                    <a:pt x="20" y="4"/>
-                  </a:cubicBezTo>
-                  <a:close/>
-                </a:path>
-              </a:pathLst>
-            </a:custGeom>
-            <a:grpFill/>
-            <a:ln>
-              <a:noFill/>
-            </a:ln>
-            <a:extLst>
-              <a:ext uri="{91240B29-F687-4f45-9708-019B960494DF}">
-                <a14:hiddenLine xmlns="" xmlns:a16="http://schemas.microsoft.com/office/drawing/2014/main" xmlns:p14="http://schemas.microsoft.com/office/powerpoint/2010/main" xmlns:a14="http://schemas.microsoft.com/office/drawing/2010/main" w="9525">
-                  <a:solidFill>
-                    <a:srgbClr val="000000"/>
-                  </a:solidFill>
-                  <a:round/>
-                  <a:headEnd/>
-                  <a:tailEnd/>
-                </a14:hiddenLine>
-              </a:ext>
-            </a:extLst>
-          </p:spPr>
-        </p:sp>
-        <p:sp>
-          <p:nvSpPr>
-            <p:cNvPr id="38" name="Freeform 26">
-              <a:extLst>
-                <a:ext uri="{FF2B5EF4-FFF2-40B4-BE49-F238E27FC236}">
-                  <a16:creationId xmlns:a16="http://schemas.microsoft.com/office/drawing/2014/main" id="{4982E0BF-34AE-48A3-AD6B-E0F3CD05DB34}"/>
-                </a:ext>
-                <a:ext uri="{C183D7F6-B498-43B3-948B-1728B52AA6E4}">
-                  <adec:decorative xmlns:adec="http://schemas.microsoft.com/office/drawing/2017/decorative" val="1"/>
-                </a:ext>
-              </a:extLst>
-            </p:cNvPr>
-            <p:cNvSpPr/>
-            <p:nvPr>
-              <p:extLst>
-                <p:ext uri="{386F3935-93C4-4BCD-93E2-E3B085C9AB24}">
-                  <p16:designElem xmlns:p16="http://schemas.microsoft.com/office/powerpoint/2015/main" val="1"/>
-                </p:ext>
-              </p:extLst>
-            </p:nvPr>
-          </p:nvSpPr>
-          <p:spPr bwMode="auto">
-            <a:xfrm>
-              <a:off x="309562" y="5422900"/>
-              <a:ext cx="374650" cy="1425575"/>
-            </a:xfrm>
-            <a:custGeom>
-              <a:avLst/>
-              <a:gdLst/>
-              <a:ahLst/>
-              <a:cxnLst/>
-              <a:rect l="0" t="0" r="r" b="b"/>
-              <a:pathLst>
-                <a:path w="236" h="898">
-                  <a:moveTo>
-                    <a:pt x="18" y="898"/>
-                  </a:moveTo>
-                  <a:lnTo>
-                    <a:pt x="0" y="898"/>
-                  </a:lnTo>
-                  <a:lnTo>
-                    <a:pt x="0" y="515"/>
-                  </a:lnTo>
-                  <a:lnTo>
-                    <a:pt x="3" y="512"/>
-                  </a:lnTo>
-                  <a:lnTo>
-                    <a:pt x="221" y="0"/>
-                  </a:lnTo>
-                  <a:lnTo>
-                    <a:pt x="236" y="6"/>
-                  </a:lnTo>
-                  <a:lnTo>
-                    <a:pt x="18" y="518"/>
-                  </a:lnTo>
-                  <a:lnTo>
-                    <a:pt x="18" y="898"/>
-                  </a:lnTo>
-                  <a:close/>
-                </a:path>
-              </a:pathLst>
-            </a:custGeom>
-            <a:grpFill/>
-            <a:ln>
-              <a:noFill/>
-            </a:ln>
-            <a:extLst>
-              <a:ext uri="{91240B29-F687-4f45-9708-019B960494DF}">
-                <a14:hiddenLine xmlns="" xmlns:a16="http://schemas.microsoft.com/office/drawing/2014/main" xmlns:p14="http://schemas.microsoft.com/office/powerpoint/2010/main" xmlns:a14="http://schemas.microsoft.com/office/drawing/2010/main" w="9525">
-                  <a:solidFill>
-                    <a:srgbClr val="000000"/>
-                  </a:solidFill>
-                  <a:round/>
-                  <a:headEnd/>
-                  <a:tailEnd/>
-                </a14:hiddenLine>
-              </a:ext>
-            </a:extLst>
-          </p:spPr>
-        </p:sp>
-        <p:sp>
-          <p:nvSpPr>
-            <p:cNvPr id="39" name="Freeform 27">
-              <a:extLst>
-                <a:ext uri="{FF2B5EF4-FFF2-40B4-BE49-F238E27FC236}">
-                  <a16:creationId xmlns:a16="http://schemas.microsoft.com/office/drawing/2014/main" id="{CD34643B-9DF2-4310-8868-48252C3393F0}"/>
-                </a:ext>
-                <a:ext uri="{C183D7F6-B498-43B3-948B-1728B52AA6E4}">
-                  <adec:decorative xmlns:adec="http://schemas.microsoft.com/office/drawing/2017/decorative" val="1"/>
-                </a:ext>
-              </a:extLst>
-            </p:cNvPr>
-            <p:cNvSpPr/>
-            <p:nvPr>
-              <p:extLst>
-                <p:ext uri="{386F3935-93C4-4BCD-93E2-E3B085C9AB24}">
-                  <p16:designElem xmlns:p16="http://schemas.microsoft.com/office/powerpoint/2015/main" val="1"/>
-                </p:ext>
-              </p:extLst>
-            </p:nvPr>
-          </p:nvSpPr>
-          <p:spPr bwMode="auto">
-            <a:xfrm>
-              <a:off x="569912" y="5945188"/>
-              <a:ext cx="152400" cy="912813"/>
-            </a:xfrm>
-            <a:custGeom>
-              <a:avLst/>
-              <a:gdLst/>
-              <a:ahLst/>
-              <a:cxnLst/>
-              <a:rect l="0" t="0" r="r" b="b"/>
-              <a:pathLst>
-                <a:path w="96" h="575">
-                  <a:moveTo>
-                    <a:pt x="15" y="575"/>
-                  </a:moveTo>
-                  <a:lnTo>
-                    <a:pt x="0" y="569"/>
-                  </a:lnTo>
-                  <a:lnTo>
-                    <a:pt x="81" y="383"/>
-                  </a:lnTo>
-                  <a:lnTo>
-                    <a:pt x="81" y="0"/>
-                  </a:lnTo>
-                  <a:lnTo>
-                    <a:pt x="96" y="0"/>
-                  </a:lnTo>
-                  <a:lnTo>
-                    <a:pt x="96" y="386"/>
-                  </a:lnTo>
-                  <a:lnTo>
-                    <a:pt x="15" y="575"/>
-                  </a:lnTo>
-                  <a:close/>
-                </a:path>
-              </a:pathLst>
-            </a:custGeom>
-            <a:grpFill/>
-            <a:ln>
-              <a:noFill/>
-            </a:ln>
-            <a:extLst>
-              <a:ext uri="{91240B29-F687-4f45-9708-019B960494DF}">
-                <a14:hiddenLine xmlns="" xmlns:a16="http://schemas.microsoft.com/office/drawing/2014/main" xmlns:p14="http://schemas.microsoft.com/office/powerpoint/2010/main" xmlns:a14="http://schemas.microsoft.com/office/drawing/2010/main" w="9525">
-                  <a:solidFill>
-                    <a:srgbClr val="000000"/>
-                  </a:solidFill>
-                  <a:round/>
-                  <a:headEnd/>
-                  <a:tailEnd/>
-                </a14:hiddenLine>
-              </a:ext>
-            </a:extLst>
-          </p:spPr>
-        </p:sp>
-        <p:sp>
-          <p:nvSpPr>
-            <p:cNvPr id="40" name="Freeform 28">
-              <a:extLst>
-                <a:ext uri="{FF2B5EF4-FFF2-40B4-BE49-F238E27FC236}">
-                  <a16:creationId xmlns:a16="http://schemas.microsoft.com/office/drawing/2014/main" id="{4E020C4E-AF64-44A8-B830-779541D8D549}"/>
-                </a:ext>
-                <a:ext uri="{C183D7F6-B498-43B3-948B-1728B52AA6E4}">
-                  <adec:decorative xmlns:adec="http://schemas.microsoft.com/office/drawing/2017/decorative" val="1"/>
-                </a:ext>
-              </a:extLst>
-            </p:cNvPr>
-            <p:cNvSpPr>
-              <a:spLocks noEditPoints="1"/>
-            </p:cNvSpPr>
-            <p:nvPr>
-              <p:extLst>
-                <p:ext uri="{386F3935-93C4-4BCD-93E2-E3B085C9AB24}">
-                  <p16:designElem xmlns:p16="http://schemas.microsoft.com/office/powerpoint/2015/main" val="1"/>
-                </p:ext>
-              </p:extLst>
-            </p:nvPr>
-          </p:nvSpPr>
-          <p:spPr bwMode="auto">
-            <a:xfrm>
-              <a:off x="612775" y="5246688"/>
-              <a:ext cx="190500" cy="190500"/>
-            </a:xfrm>
-            <a:custGeom>
-              <a:avLst/>
-              <a:gdLst/>
-              <a:ahLst/>
-              <a:cxnLst/>
-              <a:rect l="0" t="0" r="r" b="b"/>
-              <a:pathLst>
-                <a:path w="40" h="40">
-                  <a:moveTo>
-                    <a:pt x="20" y="40"/>
-                  </a:moveTo>
-                  <a:cubicBezTo>
-                    <a:pt x="9" y="40"/>
-                    <a:pt x="0" y="31"/>
-                    <a:pt x="0" y="20"/>
-                  </a:cubicBezTo>
-                  <a:cubicBezTo>
-                    <a:pt x="0" y="9"/>
-                    <a:pt x="9" y="0"/>
-                    <a:pt x="20" y="0"/>
-                  </a:cubicBezTo>
-                  <a:cubicBezTo>
-                    <a:pt x="31" y="0"/>
-                    <a:pt x="40" y="9"/>
-                    <a:pt x="40" y="20"/>
-                  </a:cubicBezTo>
-                  <a:cubicBezTo>
-                    <a:pt x="40" y="31"/>
-                    <a:pt x="31" y="40"/>
-                    <a:pt x="20" y="40"/>
-                  </a:cubicBezTo>
-                  <a:close/>
-                  <a:moveTo>
-                    <a:pt x="20" y="4"/>
-                  </a:moveTo>
-                  <a:cubicBezTo>
-                    <a:pt x="12" y="4"/>
-                    <a:pt x="4" y="11"/>
-                    <a:pt x="4" y="20"/>
-                  </a:cubicBezTo>
-                  <a:cubicBezTo>
-                    <a:pt x="4" y="29"/>
-                    <a:pt x="12" y="36"/>
-                    <a:pt x="20" y="36"/>
-                  </a:cubicBezTo>
-                  <a:cubicBezTo>
-                    <a:pt x="29" y="36"/>
-                    <a:pt x="36" y="29"/>
-                    <a:pt x="36" y="20"/>
-                  </a:cubicBezTo>
-                  <a:cubicBezTo>
-                    <a:pt x="36" y="11"/>
-                    <a:pt x="29" y="4"/>
-                    <a:pt x="20" y="4"/>
-                  </a:cubicBezTo>
-                  <a:close/>
-                </a:path>
-              </a:pathLst>
-            </a:custGeom>
-            <a:grpFill/>
-            <a:ln>
-              <a:noFill/>
-            </a:ln>
-            <a:extLst>
-              <a:ext uri="{91240B29-F687-4f45-9708-019B960494DF}">
-                <a14:hiddenLine xmlns="" xmlns:a16="http://schemas.microsoft.com/office/drawing/2014/main" xmlns:p14="http://schemas.microsoft.com/office/powerpoint/2010/main" xmlns:a14="http://schemas.microsoft.com/office/drawing/2010/main" w="9525">
-                  <a:solidFill>
-                    <a:srgbClr val="000000"/>
-                  </a:solidFill>
-                  <a:round/>
-                  <a:headEnd/>
-                  <a:tailEnd/>
-                </a14:hiddenLine>
-              </a:ext>
-            </a:extLst>
-          </p:spPr>
-        </p:sp>
-        <p:sp>
-          <p:nvSpPr>
-            <p:cNvPr id="41" name="Freeform 29">
-              <a:extLst>
-                <a:ext uri="{FF2B5EF4-FFF2-40B4-BE49-F238E27FC236}">
-                  <a16:creationId xmlns:a16="http://schemas.microsoft.com/office/drawing/2014/main" id="{D97BC3D3-B1B3-4825-9169-BBEF1DBCF055}"/>
-                </a:ext>
-                <a:ext uri="{C183D7F6-B498-43B3-948B-1728B52AA6E4}">
-                  <adec:decorative xmlns:adec="http://schemas.microsoft.com/office/drawing/2017/decorative" val="1"/>
-                </a:ext>
-              </a:extLst>
-            </p:cNvPr>
-            <p:cNvSpPr>
-              <a:spLocks noEditPoints="1"/>
-            </p:cNvSpPr>
-            <p:nvPr>
-              <p:extLst>
-                <p:ext uri="{386F3935-93C4-4BCD-93E2-E3B085C9AB24}">
-                  <p16:designElem xmlns:p16="http://schemas.microsoft.com/office/powerpoint/2015/main" val="1"/>
-                </p:ext>
-              </p:extLst>
-            </p:nvPr>
-          </p:nvSpPr>
-          <p:spPr bwMode="auto">
-            <a:xfrm>
-              <a:off x="612775" y="5764213"/>
-              <a:ext cx="190500" cy="190500"/>
-            </a:xfrm>
-            <a:custGeom>
-              <a:avLst/>
-              <a:gdLst/>
-              <a:ahLst/>
-              <a:cxnLst/>
-              <a:rect l="0" t="0" r="r" b="b"/>
-              <a:pathLst>
-                <a:path w="40" h="40">
-                  <a:moveTo>
-                    <a:pt x="20" y="40"/>
-                  </a:moveTo>
-                  <a:cubicBezTo>
-                    <a:pt x="9" y="40"/>
-                    <a:pt x="0" y="31"/>
-                    <a:pt x="0" y="20"/>
-                  </a:cubicBezTo>
-                  <a:cubicBezTo>
-                    <a:pt x="0" y="9"/>
-                    <a:pt x="9" y="0"/>
-                    <a:pt x="20" y="0"/>
-                  </a:cubicBezTo>
-                  <a:cubicBezTo>
-                    <a:pt x="31" y="0"/>
-                    <a:pt x="40" y="9"/>
-                    <a:pt x="40" y="20"/>
-                  </a:cubicBezTo>
-                  <a:cubicBezTo>
-                    <a:pt x="40" y="31"/>
-                    <a:pt x="31" y="40"/>
-                    <a:pt x="20" y="40"/>
-                  </a:cubicBezTo>
-                  <a:close/>
-                  <a:moveTo>
-                    <a:pt x="20" y="4"/>
-                  </a:moveTo>
-                  <a:cubicBezTo>
-                    <a:pt x="12" y="4"/>
-                    <a:pt x="4" y="11"/>
-                    <a:pt x="4" y="20"/>
-                  </a:cubicBezTo>
-                  <a:cubicBezTo>
-                    <a:pt x="4" y="29"/>
-                    <a:pt x="12" y="36"/>
-                    <a:pt x="20" y="36"/>
-                  </a:cubicBezTo>
-                  <a:cubicBezTo>
-                    <a:pt x="29" y="36"/>
-                    <a:pt x="36" y="29"/>
-                    <a:pt x="36" y="20"/>
-                  </a:cubicBezTo>
-                  <a:cubicBezTo>
-                    <a:pt x="36" y="11"/>
-                    <a:pt x="29" y="4"/>
-                    <a:pt x="20" y="4"/>
-                  </a:cubicBezTo>
-                  <a:close/>
-                </a:path>
-              </a:pathLst>
-            </a:custGeom>
-            <a:grpFill/>
-            <a:ln>
-              <a:noFill/>
-            </a:ln>
-            <a:extLst>
-              <a:ext uri="{91240B29-F687-4f45-9708-019B960494DF}">
-                <a14:hiddenLine xmlns="" xmlns:a16="http://schemas.microsoft.com/office/drawing/2014/main" xmlns:p14="http://schemas.microsoft.com/office/powerpoint/2010/main" xmlns:a14="http://schemas.microsoft.com/office/drawing/2010/main" w="9525">
-                  <a:solidFill>
-                    <a:srgbClr val="000000"/>
-                  </a:solidFill>
-                  <a:round/>
-                  <a:headEnd/>
-                  <a:tailEnd/>
-                </a14:hiddenLine>
-              </a:ext>
-            </a:extLst>
-          </p:spPr>
-        </p:sp>
-        <p:sp>
-          <p:nvSpPr>
-            <p:cNvPr id="42" name="Freeform 30">
-              <a:extLst>
-                <a:ext uri="{FF2B5EF4-FFF2-40B4-BE49-F238E27FC236}">
-                  <a16:creationId xmlns:a16="http://schemas.microsoft.com/office/drawing/2014/main" id="{A750DC4F-1DAF-470E-98C6-6C68DEB93363}"/>
-                </a:ext>
-                <a:ext uri="{C183D7F6-B498-43B3-948B-1728B52AA6E4}">
-                  <adec:decorative xmlns:adec="http://schemas.microsoft.com/office/drawing/2017/decorative" val="1"/>
-                </a:ext>
-              </a:extLst>
-            </p:cNvPr>
-            <p:cNvSpPr/>
-            <p:nvPr>
-              <p:extLst>
-                <p:ext uri="{386F3935-93C4-4BCD-93E2-E3B085C9AB24}">
-                  <p16:designElem xmlns:p16="http://schemas.microsoft.com/office/powerpoint/2015/main" val="1"/>
-                </p:ext>
-              </p:extLst>
-            </p:nvPr>
-          </p:nvSpPr>
-          <p:spPr bwMode="auto">
-            <a:xfrm>
-              <a:off x="669925" y="6330950"/>
-              <a:ext cx="417513" cy="517525"/>
-            </a:xfrm>
-            <a:custGeom>
-              <a:avLst/>
-              <a:gdLst/>
-              <a:ahLst/>
-              <a:cxnLst/>
-              <a:rect l="0" t="0" r="r" b="b"/>
-              <a:pathLst>
-                <a:path w="263" h="326">
-                  <a:moveTo>
-                    <a:pt x="15" y="326"/>
-                  </a:moveTo>
-                  <a:lnTo>
-                    <a:pt x="0" y="320"/>
-                  </a:lnTo>
-                  <a:lnTo>
-                    <a:pt x="45" y="206"/>
-                  </a:lnTo>
-                  <a:lnTo>
-                    <a:pt x="48" y="206"/>
-                  </a:lnTo>
-                  <a:lnTo>
-                    <a:pt x="254" y="0"/>
-                  </a:lnTo>
-                  <a:lnTo>
-                    <a:pt x="263" y="12"/>
-                  </a:lnTo>
-                  <a:lnTo>
-                    <a:pt x="60" y="215"/>
-                  </a:lnTo>
-                  <a:lnTo>
-                    <a:pt x="15" y="326"/>
-                  </a:lnTo>
-                  <a:close/>
-                </a:path>
-              </a:pathLst>
-            </a:custGeom>
-            <a:grpFill/>
-            <a:ln>
-              <a:noFill/>
-            </a:ln>
-            <a:extLst>
-              <a:ext uri="{91240B29-F687-4f45-9708-019B960494DF}">
-                <a14:hiddenLine xmlns="" xmlns:a16="http://schemas.microsoft.com/office/drawing/2014/main" xmlns:p14="http://schemas.microsoft.com/office/powerpoint/2010/main" xmlns:a14="http://schemas.microsoft.com/office/drawing/2010/main" w="9525">
-                  <a:solidFill>
-                    <a:srgbClr val="000000"/>
-                  </a:solidFill>
-                  <a:round/>
-                  <a:headEnd/>
-                  <a:tailEnd/>
-                </a14:hiddenLine>
-              </a:ext>
-            </a:extLst>
-          </p:spPr>
-        </p:sp>
-        <p:sp>
-          <p:nvSpPr>
-            <p:cNvPr id="43" name="Freeform 31">
-              <a:extLst>
-                <a:ext uri="{FF2B5EF4-FFF2-40B4-BE49-F238E27FC236}">
-                  <a16:creationId xmlns:a16="http://schemas.microsoft.com/office/drawing/2014/main" id="{2F99594A-5BBD-4E10-A818-8BE52B7D952C}"/>
-                </a:ext>
-                <a:ext uri="{C183D7F6-B498-43B3-948B-1728B52AA6E4}">
-                  <adec:decorative xmlns:adec="http://schemas.microsoft.com/office/drawing/2017/decorative" val="1"/>
-                </a:ext>
-              </a:extLst>
-            </p:cNvPr>
-            <p:cNvSpPr>
-              <a:spLocks noEditPoints="1"/>
-            </p:cNvSpPr>
-            <p:nvPr>
-              <p:extLst>
-                <p:ext uri="{386F3935-93C4-4BCD-93E2-E3B085C9AB24}">
-                  <p16:designElem xmlns:p16="http://schemas.microsoft.com/office/powerpoint/2015/main" val="1"/>
-                </p:ext>
-              </p:extLst>
-            </p:nvPr>
-          </p:nvSpPr>
-          <p:spPr bwMode="auto">
-            <a:xfrm>
-              <a:off x="1049337" y="6221413"/>
-              <a:ext cx="157163" cy="147638"/>
-            </a:xfrm>
-            <a:custGeom>
-              <a:avLst/>
-              <a:gdLst/>
-              <a:ahLst/>
-              <a:cxnLst/>
-              <a:rect l="0" t="0" r="r" b="b"/>
-              <a:pathLst>
-                <a:path w="33" h="31">
-                  <a:moveTo>
-                    <a:pt x="16" y="31"/>
-                  </a:moveTo>
-                  <a:cubicBezTo>
-                    <a:pt x="12" y="31"/>
-                    <a:pt x="8" y="29"/>
-                    <a:pt x="5" y="26"/>
-                  </a:cubicBezTo>
-                  <a:cubicBezTo>
-                    <a:pt x="2" y="24"/>
-                    <a:pt x="0" y="20"/>
-                    <a:pt x="0" y="15"/>
-                  </a:cubicBezTo>
-                  <a:cubicBezTo>
-                    <a:pt x="0" y="11"/>
-                    <a:pt x="2" y="7"/>
-                    <a:pt x="5" y="4"/>
-                  </a:cubicBezTo>
-                  <a:cubicBezTo>
-                    <a:pt x="8" y="1"/>
-                    <a:pt x="12" y="0"/>
-                    <a:pt x="16" y="0"/>
-                  </a:cubicBezTo>
-                  <a:cubicBezTo>
-                    <a:pt x="20" y="0"/>
-                    <a:pt x="24" y="1"/>
-                    <a:pt x="27" y="4"/>
-                  </a:cubicBezTo>
-                  <a:cubicBezTo>
-                    <a:pt x="33" y="10"/>
-                    <a:pt x="33" y="20"/>
-                    <a:pt x="27" y="26"/>
-                  </a:cubicBezTo>
-                  <a:cubicBezTo>
-                    <a:pt x="24" y="29"/>
-                    <a:pt x="20" y="31"/>
-                    <a:pt x="16" y="31"/>
-                  </a:cubicBezTo>
-                  <a:close/>
-                  <a:moveTo>
-                    <a:pt x="16" y="4"/>
-                  </a:moveTo>
-                  <a:cubicBezTo>
-                    <a:pt x="13" y="4"/>
-                    <a:pt x="10" y="5"/>
-                    <a:pt x="8" y="7"/>
-                  </a:cubicBezTo>
-                  <a:cubicBezTo>
-                    <a:pt x="6" y="9"/>
-                    <a:pt x="4" y="12"/>
-                    <a:pt x="4" y="15"/>
-                  </a:cubicBezTo>
-                  <a:cubicBezTo>
-                    <a:pt x="4" y="19"/>
-                    <a:pt x="6" y="21"/>
-                    <a:pt x="8" y="24"/>
-                  </a:cubicBezTo>
-                  <a:cubicBezTo>
-                    <a:pt x="10" y="26"/>
-                    <a:pt x="13" y="27"/>
-                    <a:pt x="16" y="27"/>
-                  </a:cubicBezTo>
-                  <a:cubicBezTo>
-                    <a:pt x="19" y="27"/>
-                    <a:pt x="22" y="26"/>
-                    <a:pt x="24" y="24"/>
-                  </a:cubicBezTo>
-                  <a:cubicBezTo>
-                    <a:pt x="29" y="19"/>
-                    <a:pt x="29" y="12"/>
-                    <a:pt x="24" y="7"/>
-                  </a:cubicBezTo>
-                  <a:cubicBezTo>
-                    <a:pt x="22" y="5"/>
-                    <a:pt x="19" y="4"/>
-                    <a:pt x="16" y="4"/>
-                  </a:cubicBezTo>
-                  <a:close/>
-                </a:path>
-              </a:pathLst>
-            </a:custGeom>
-            <a:grpFill/>
-            <a:ln>
-              <a:noFill/>
-            </a:ln>
-            <a:extLst>
-              <a:ext uri="{91240B29-F687-4f45-9708-019B960494DF}">
-                <a14:hiddenLine xmlns="" xmlns:a16="http://schemas.microsoft.com/office/drawing/2014/main" xmlns:p14="http://schemas.microsoft.com/office/powerpoint/2010/main" xmlns:a14="http://schemas.microsoft.com/office/drawing/2010/main" w="9525">
-                  <a:solidFill>
-                    <a:srgbClr val="000000"/>
-                  </a:solidFill>
-                  <a:round/>
-                  <a:headEnd/>
-                  <a:tailEnd/>
-                </a14:hiddenLine>
-              </a:ext>
-            </a:extLst>
-          </p:spPr>
-        </p:sp>
-      </p:grpSp>
+          </p:cNvPr>
+          <p:cNvSpPr>
+            <a:spLocks noGrp="1"/>
+          </p:cNvSpPr>
+          <p:nvPr>
+            <p:ph idx="1"/>
+          </p:nvPr>
+        </p:nvSpPr>
+        <p:spPr>
+          <a:xfrm>
+            <a:off x="8036041" y="2249487"/>
+            <a:ext cx="3281004" cy="3541714"/>
+          </a:xfrm>
+        </p:spPr>
+        <p:txBody>
+          <a:bodyPr>
+            <a:normAutofit/>
+          </a:bodyPr>
+          <a:lstStyle/>
+          <a:p>
+            <a:r>
+              <a:rPr lang="en-US" sz="1800">
+                <a:solidFill>
+                  <a:srgbClr val="FFFFFF"/>
+                </a:solidFill>
+              </a:rPr>
+              <a:t>ServerHandler dient als Schnittstelle</a:t>
+            </a:r>
+          </a:p>
+          <a:p>
+            <a:r>
+              <a:rPr lang="en-US" sz="1800">
+                <a:solidFill>
+                  <a:srgbClr val="FFFFFF"/>
+                </a:solidFill>
+              </a:rPr>
+              <a:t>Threads können GameState verändern</a:t>
+            </a:r>
+          </a:p>
+        </p:txBody>
+      </p:sp>
     </p:spTree>
     <p:extLst>
       <p:ext uri="{BB962C8B-B14F-4D97-AF65-F5344CB8AC3E}">
@@ -21036,7 +22081,7 @@
     </p:extLst>
   </p:cSld>
   <p:clrMapOvr>
-    <a:masterClrMapping/>
+    <a:overrideClrMapping bg1="lt1" tx1="dk1" bg2="lt2" tx2="dk2" accent1="accent1" accent2="accent2" accent3="accent3" accent4="accent4" accent5="accent5" accent6="accent6" hlink="hlink" folHlink="folHlink"/>
   </p:clrMapOvr>
 </p:sld>
 </file>

--- a/documents/Meilensteine/Meilenstein III/Meilenstein_3_Präsentation .pptx
+++ b/documents/Meilensteine/Meilenstein III/Meilenstein_3_Präsentation .pptx
@@ -15972,7 +15972,7 @@
       </p:sp>
       <p:sp>
         <p:nvSpPr>
-          <p:cNvPr id="11" name="Round Diagonal Corner Rectangle 6">
+          <p:cNvPr id="16" name="Round Diagonal Corner Rectangle 6">
             <a:extLst>
               <a:ext uri="{FF2B5EF4-FFF2-40B4-BE49-F238E27FC236}">
                 <a16:creationId xmlns:a16="http://schemas.microsoft.com/office/drawing/2014/main" id="{01958E0A-0BC1-424F-9B41-D614FC13A47E}"/>
@@ -16052,10 +16052,10 @@
       </p:sp>
       <p:pic>
         <p:nvPicPr>
-          <p:cNvPr id="6" name="Grafik 5">
+          <p:cNvPr id="7" name="Grafik 6">
             <a:extLst>
               <a:ext uri="{FF2B5EF4-FFF2-40B4-BE49-F238E27FC236}">
-                <a16:creationId xmlns:a16="http://schemas.microsoft.com/office/drawing/2014/main" id="{88197019-F277-C142-9294-0785525AFAB4}"/>
+                <a16:creationId xmlns:a16="http://schemas.microsoft.com/office/drawing/2014/main" id="{F1CC6755-1F6E-CF40-A544-06C0569AFA80}"/>
               </a:ext>
             </a:extLst>
           </p:cNvPr>
@@ -16066,13 +16066,13 @@
         </p:nvPicPr>
         <p:blipFill rotWithShape="1">
           <a:blip r:embed="rId3"/>
-          <a:srcRect t="1257"/>
+          <a:srcRect t="7922" r="1" b="1"/>
           <a:stretch/>
         </p:blipFill>
         <p:spPr>
           <a:xfrm>
-            <a:off x="6255029" y="972331"/>
-            <a:ext cx="4968316" cy="4905846"/>
+            <a:off x="6421396" y="1113282"/>
+            <a:ext cx="4635583" cy="4600621"/>
           </a:xfrm>
           <a:prstGeom prst="rect">
             <a:avLst/>
@@ -16862,7 +16862,12 @@
             <p:ph type="title"/>
           </p:nvPr>
         </p:nvSpPr>
-        <p:spPr/>
+        <p:spPr>
+          <a:xfrm>
+            <a:off x="1141413" y="618518"/>
+            <a:ext cx="9905998" cy="1146782"/>
+          </a:xfrm>
+        </p:spPr>
         <p:txBody>
           <a:bodyPr/>
           <a:lstStyle/>
@@ -16893,7 +16898,7 @@
         </p:nvSpPr>
         <p:spPr>
           <a:xfrm>
-            <a:off x="1141412" y="2249486"/>
+            <a:off x="1141412" y="1765300"/>
             <a:ext cx="9905999" cy="3989995"/>
           </a:xfrm>
         </p:spPr>
@@ -17175,7 +17180,7 @@
         </p:nvSpPr>
         <p:spPr>
           <a:xfrm>
-            <a:off x="1141412" y="2249487"/>
+            <a:off x="1141412" y="1881187"/>
             <a:ext cx="9905999" cy="4230826"/>
           </a:xfrm>
         </p:spPr>
@@ -22147,80 +22152,87 @@
             <p:ph idx="1"/>
           </p:nvPr>
         </p:nvSpPr>
-        <p:spPr/>
+        <p:spPr>
+          <a:xfrm>
+            <a:off x="1141412" y="2249486"/>
+            <a:ext cx="9905999" cy="4252913"/>
+          </a:xfrm>
+        </p:spPr>
         <p:txBody>
-          <a:bodyPr/>
+          <a:bodyPr>
+            <a:normAutofit/>
+          </a:bodyPr>
           <a:lstStyle/>
           <a:p>
+            <a:r>
+              <a:rPr lang="de-CH" sz="2000" dirty="0">
+                <a:latin typeface="Calibri Light" panose="020F0302020204030204" pitchFamily="34" charset="0"/>
+                <a:cs typeface="Calibri Light" panose="020F0302020204030204" pitchFamily="34" charset="0"/>
+              </a:rPr>
+              <a:t>Befehle der Chats enthalten Sender-Client, Empfänger- Client und Nachricht</a:t>
+            </a:r>
+          </a:p>
+          <a:p>
+            <a:pPr lvl="1"/>
             <a:r>
               <a:rPr lang="de-CH" sz="1800" dirty="0">
                 <a:latin typeface="Calibri Light" panose="020F0302020204030204" pitchFamily="34" charset="0"/>
                 <a:cs typeface="Calibri Light" panose="020F0302020204030204" pitchFamily="34" charset="0"/>
               </a:rPr>
-              <a:t>Befehle der Chats enthalten Sender-Client, Empfänger- Client und Nachricht</a:t>
+              <a:t>Server/Serverhandler als Vermittler</a:t>
             </a:r>
           </a:p>
           <a:p>
             <a:pPr lvl="1"/>
+            <a:r>
+              <a:rPr lang="de-CH" sz="1800" dirty="0">
+                <a:latin typeface="Calibri Light" panose="020F0302020204030204" pitchFamily="34" charset="0"/>
+                <a:cs typeface="Calibri Light" panose="020F0302020204030204" pitchFamily="34" charset="0"/>
+              </a:rPr>
+              <a:t>Main Chat:</a:t>
+            </a:r>
+          </a:p>
+          <a:p>
+            <a:pPr lvl="2"/>
             <a:r>
               <a:rPr lang="de-CH" sz="1600" dirty="0">
                 <a:latin typeface="Calibri Light" panose="020F0302020204030204" pitchFamily="34" charset="0"/>
                 <a:cs typeface="Calibri Light" panose="020F0302020204030204" pitchFamily="34" charset="0"/>
               </a:rPr>
-              <a:t>Server/Serverhandler als Vermittler</a:t>
+              <a:t>Client schickt Befehl für jeden Client in der Userliste</a:t>
             </a:r>
           </a:p>
           <a:p>
             <a:pPr lvl="1"/>
+            <a:r>
+              <a:rPr lang="de-CH" sz="1800" dirty="0">
+                <a:latin typeface="Calibri Light" panose="020F0302020204030204" pitchFamily="34" charset="0"/>
+                <a:cs typeface="Calibri Light" panose="020F0302020204030204" pitchFamily="34" charset="0"/>
+              </a:rPr>
+              <a:t>Lobby Chat:</a:t>
+            </a:r>
+          </a:p>
+          <a:p>
+            <a:pPr lvl="2"/>
             <a:r>
               <a:rPr lang="de-CH" sz="1600" dirty="0">
                 <a:latin typeface="Calibri Light" panose="020F0302020204030204" pitchFamily="34" charset="0"/>
                 <a:cs typeface="Calibri Light" panose="020F0302020204030204" pitchFamily="34" charset="0"/>
               </a:rPr>
-              <a:t>Main Chat:</a:t>
-            </a:r>
-          </a:p>
-          <a:p>
-            <a:pPr lvl="2"/>
-            <a:r>
-              <a:rPr lang="de-CH" sz="1400" dirty="0">
-                <a:latin typeface="Calibri Light" panose="020F0302020204030204" pitchFamily="34" charset="0"/>
-                <a:cs typeface="Calibri Light" panose="020F0302020204030204" pitchFamily="34" charset="0"/>
-              </a:rPr>
-              <a:t>Client schickt Befehl für jeden Client in der Userliste</a:t>
+              <a:t>Client schickt Befehl für jeden Client in der Lobbyliste</a:t>
             </a:r>
           </a:p>
           <a:p>
             <a:pPr lvl="1"/>
             <a:r>
-              <a:rPr lang="de-CH" sz="1600" dirty="0">
-                <a:latin typeface="Calibri Light" panose="020F0302020204030204" pitchFamily="34" charset="0"/>
-                <a:cs typeface="Calibri Light" panose="020F0302020204030204" pitchFamily="34" charset="0"/>
-              </a:rPr>
-              <a:t>Lobby Chat:</a:t>
-            </a:r>
-          </a:p>
-          <a:p>
-            <a:pPr lvl="2"/>
-            <a:r>
-              <a:rPr lang="de-CH" sz="1400" dirty="0">
-                <a:latin typeface="Calibri Light" panose="020F0302020204030204" pitchFamily="34" charset="0"/>
-                <a:cs typeface="Calibri Light" panose="020F0302020204030204" pitchFamily="34" charset="0"/>
-              </a:rPr>
-              <a:t>Client schickt Befehl für jeden Client in der Lobbyliste</a:t>
-            </a:r>
-          </a:p>
-          <a:p>
-            <a:pPr lvl="1"/>
-            <a:r>
-              <a:rPr lang="de-CH" sz="1600" dirty="0" err="1">
+              <a:rPr lang="de-CH" sz="1800" dirty="0" err="1">
                 <a:latin typeface="Calibri Light" panose="020F0302020204030204" pitchFamily="34" charset="0"/>
                 <a:cs typeface="Calibri Light" panose="020F0302020204030204" pitchFamily="34" charset="0"/>
               </a:rPr>
               <a:t>Whisper</a:t>
             </a:r>
             <a:r>
-              <a:rPr lang="de-CH" sz="1600" dirty="0">
+              <a:rPr lang="de-CH" sz="1800" dirty="0">
                 <a:latin typeface="Calibri Light" panose="020F0302020204030204" pitchFamily="34" charset="0"/>
                 <a:cs typeface="Calibri Light" panose="020F0302020204030204" pitchFamily="34" charset="0"/>
               </a:rPr>
@@ -22230,14 +22242,14 @@
           <a:p>
             <a:pPr lvl="2"/>
             <a:r>
-              <a:rPr lang="de-CH" dirty="0">
+              <a:rPr lang="de-CH" sz="2000" dirty="0">
                 <a:latin typeface="Calibri Light" panose="020F0302020204030204" pitchFamily="34" charset="0"/>
                 <a:cs typeface="Calibri Light" panose="020F0302020204030204" pitchFamily="34" charset="0"/>
               </a:rPr>
               <a:t>Client</a:t>
             </a:r>
             <a:r>
-              <a:rPr lang="de-CH" sz="1400" dirty="0">
+              <a:rPr lang="de-CH" sz="1600" dirty="0">
                 <a:latin typeface="Calibri Light" panose="020F0302020204030204" pitchFamily="34" charset="0"/>
                 <a:cs typeface="Calibri Light" panose="020F0302020204030204" pitchFamily="34" charset="0"/>
               </a:rPr>
@@ -22245,7 +22257,7 @@
             </a:r>
           </a:p>
           <a:p>
-            <a:endParaRPr lang="de-DE" dirty="0"/>
+            <a:endParaRPr lang="de-DE" sz="2800" dirty="0"/>
           </a:p>
         </p:txBody>
       </p:sp>
